--- a/Intro to Xamarin F#/F#-iOS.pptx
+++ b/Intro to Xamarin F#/F#-iOS.pptx
@@ -5,10 +5,10 @@
     <p:sldMasterId id="2147483660" r:id="rId1"/>
   </p:sldMasterIdLst>
   <p:notesMasterIdLst>
-    <p:notesMasterId r:id="rId19"/>
+    <p:notesMasterId r:id="rId20"/>
   </p:notesMasterIdLst>
   <p:handoutMasterIdLst>
-    <p:handoutMasterId r:id="rId20"/>
+    <p:handoutMasterId r:id="rId21"/>
   </p:handoutMasterIdLst>
   <p:sldIdLst>
     <p:sldId id="256" r:id="rId2"/>
@@ -17,17 +17,18 @@
     <p:sldId id="272" r:id="rId5"/>
     <p:sldId id="263" r:id="rId6"/>
     <p:sldId id="280" r:id="rId7"/>
-    <p:sldId id="283" r:id="rId8"/>
-    <p:sldId id="278" r:id="rId9"/>
-    <p:sldId id="265" r:id="rId10"/>
-    <p:sldId id="266" r:id="rId11"/>
-    <p:sldId id="267" r:id="rId12"/>
-    <p:sldId id="260" r:id="rId13"/>
-    <p:sldId id="279" r:id="rId14"/>
-    <p:sldId id="270" r:id="rId15"/>
-    <p:sldId id="284" r:id="rId16"/>
-    <p:sldId id="271" r:id="rId17"/>
-    <p:sldId id="282" r:id="rId18"/>
+    <p:sldId id="285" r:id="rId8"/>
+    <p:sldId id="283" r:id="rId9"/>
+    <p:sldId id="278" r:id="rId10"/>
+    <p:sldId id="265" r:id="rId11"/>
+    <p:sldId id="266" r:id="rId12"/>
+    <p:sldId id="267" r:id="rId13"/>
+    <p:sldId id="260" r:id="rId14"/>
+    <p:sldId id="279" r:id="rId15"/>
+    <p:sldId id="270" r:id="rId16"/>
+    <p:sldId id="284" r:id="rId17"/>
+    <p:sldId id="271" r:id="rId18"/>
+    <p:sldId id="282" r:id="rId19"/>
   </p:sldIdLst>
   <p:sldSz cx="9144000" cy="5715000" type="screen16x10"/>
   <p:notesSz cx="6858000" cy="9144000"/>
@@ -145,6 +146,7 @@
         <p14:section name="F# Fundamentals" id="{FF51CFEC-3D65-4AF3-8D54-F9942CBED344}">
           <p14:sldIdLst>
             <p14:sldId id="280"/>
+            <p14:sldId id="285"/>
             <p14:sldId id="283"/>
           </p14:sldIdLst>
         </p14:section>
@@ -2924,16 +2926,16 @@
     </dgm:pt>
   </dgm:ptLst>
   <dgm:cxnLst>
+    <dgm:cxn modelId="{6F1EB540-E933-4FFE-AD59-902F82EAC555}" type="presOf" srcId="{4EFECE58-A886-4586-8929-351B92A3FCAC}" destId="{AFD76EB0-A822-42DF-B215-58F3D5068DD3}" srcOrd="0" destOrd="0" presId="urn:microsoft.com/office/officeart/2008/layout/VerticalCurvedList"/>
+    <dgm:cxn modelId="{146B53AD-9D19-4058-BCD8-1C249FFC2F69}" srcId="{4583716A-56B4-4D3B-B07C-1ED04DBF9780}" destId="{FF9F151C-D916-4F36-BAB4-571F1A65D64C}" srcOrd="1" destOrd="0" parTransId="{3C2D1B8B-12EB-40C5-B29F-B2695B7C0BC5}" sibTransId="{D2EE688C-2ECE-485C-A1AB-10F7B86D98AD}"/>
+    <dgm:cxn modelId="{5CF4CA5A-379B-4397-891E-14104252B005}" type="presOf" srcId="{D5168158-2390-4A3E-979D-F6CFB2AD1652}" destId="{4B433EF5-E09C-4E89-AC54-57AF32427E34}" srcOrd="0" destOrd="0" presId="urn:microsoft.com/office/officeart/2008/layout/VerticalCurvedList"/>
+    <dgm:cxn modelId="{B1F7811B-069F-47DC-88F6-7E26BE3BDE64}" type="presOf" srcId="{4583716A-56B4-4D3B-B07C-1ED04DBF9780}" destId="{9F074360-7A38-4249-87F0-AA9D0F81D664}" srcOrd="0" destOrd="0" presId="urn:microsoft.com/office/officeart/2008/layout/VerticalCurvedList"/>
+    <dgm:cxn modelId="{D47FE6EC-2DAD-44E0-8350-6863A07F4D21}" srcId="{4583716A-56B4-4D3B-B07C-1ED04DBF9780}" destId="{4EFECE58-A886-4586-8929-351B92A3FCAC}" srcOrd="2" destOrd="0" parTransId="{12867411-2EF5-42B1-99B3-C40F57D0F023}" sibTransId="{F226A3D1-7C2B-4EBA-AD84-BCB518A3DC31}"/>
+    <dgm:cxn modelId="{5B2AD088-F882-48D4-B99C-3D118F7DCB03}" type="presOf" srcId="{FF9F151C-D916-4F36-BAB4-571F1A65D64C}" destId="{25BE9474-0D72-488B-9DF7-0703C9164E8C}" srcOrd="0" destOrd="0" presId="urn:microsoft.com/office/officeart/2008/layout/VerticalCurvedList"/>
+    <dgm:cxn modelId="{AE3FCC84-7024-4E39-9D17-3D0D7930A9EC}" type="presOf" srcId="{F86FB727-4A7D-4084-A027-067C6C7C8EF1}" destId="{77DC87CD-E2BE-4308-89B2-4347F0D9C791}" srcOrd="0" destOrd="0" presId="urn:microsoft.com/office/officeart/2008/layout/VerticalCurvedList"/>
+    <dgm:cxn modelId="{7B0C96B8-218C-4EF2-845E-EC969026BC8C}" srcId="{4583716A-56B4-4D3B-B07C-1ED04DBF9780}" destId="{DF391389-8BAD-4E90-83A1-7335364AD7F6}" srcOrd="0" destOrd="0" parTransId="{E0CE007A-EC90-4863-8612-6550BA1A75D7}" sibTransId="{F86FB727-4A7D-4084-A027-067C6C7C8EF1}"/>
     <dgm:cxn modelId="{3C63E4D0-39BA-450E-B10B-76C7C9C65993}" type="presOf" srcId="{DF391389-8BAD-4E90-83A1-7335364AD7F6}" destId="{D626B2F3-E94A-4442-9D52-A33CBA4DC6FB}" srcOrd="0" destOrd="0" presId="urn:microsoft.com/office/officeart/2008/layout/VerticalCurvedList"/>
     <dgm:cxn modelId="{EA730BD5-18E3-4760-A7B5-2742C95EEC01}" srcId="{4583716A-56B4-4D3B-B07C-1ED04DBF9780}" destId="{D5168158-2390-4A3E-979D-F6CFB2AD1652}" srcOrd="3" destOrd="0" parTransId="{4B91A79C-EECD-4904-92D5-AF82EF982E95}" sibTransId="{1DBFF770-7073-40FB-856C-A18B111AF8B4}"/>
-    <dgm:cxn modelId="{D47FE6EC-2DAD-44E0-8350-6863A07F4D21}" srcId="{4583716A-56B4-4D3B-B07C-1ED04DBF9780}" destId="{4EFECE58-A886-4586-8929-351B92A3FCAC}" srcOrd="2" destOrd="0" parTransId="{12867411-2EF5-42B1-99B3-C40F57D0F023}" sibTransId="{F226A3D1-7C2B-4EBA-AD84-BCB518A3DC31}"/>
-    <dgm:cxn modelId="{7B0C96B8-218C-4EF2-845E-EC969026BC8C}" srcId="{4583716A-56B4-4D3B-B07C-1ED04DBF9780}" destId="{DF391389-8BAD-4E90-83A1-7335364AD7F6}" srcOrd="0" destOrd="0" parTransId="{E0CE007A-EC90-4863-8612-6550BA1A75D7}" sibTransId="{F86FB727-4A7D-4084-A027-067C6C7C8EF1}"/>
-    <dgm:cxn modelId="{B1F7811B-069F-47DC-88F6-7E26BE3BDE64}" type="presOf" srcId="{4583716A-56B4-4D3B-B07C-1ED04DBF9780}" destId="{9F074360-7A38-4249-87F0-AA9D0F81D664}" srcOrd="0" destOrd="0" presId="urn:microsoft.com/office/officeart/2008/layout/VerticalCurvedList"/>
-    <dgm:cxn modelId="{6F1EB540-E933-4FFE-AD59-902F82EAC555}" type="presOf" srcId="{4EFECE58-A886-4586-8929-351B92A3FCAC}" destId="{AFD76EB0-A822-42DF-B215-58F3D5068DD3}" srcOrd="0" destOrd="0" presId="urn:microsoft.com/office/officeart/2008/layout/VerticalCurvedList"/>
-    <dgm:cxn modelId="{146B53AD-9D19-4058-BCD8-1C249FFC2F69}" srcId="{4583716A-56B4-4D3B-B07C-1ED04DBF9780}" destId="{FF9F151C-D916-4F36-BAB4-571F1A65D64C}" srcOrd="1" destOrd="0" parTransId="{3C2D1B8B-12EB-40C5-B29F-B2695B7C0BC5}" sibTransId="{D2EE688C-2ECE-485C-A1AB-10F7B86D98AD}"/>
-    <dgm:cxn modelId="{5B2AD088-F882-48D4-B99C-3D118F7DCB03}" type="presOf" srcId="{FF9F151C-D916-4F36-BAB4-571F1A65D64C}" destId="{25BE9474-0D72-488B-9DF7-0703C9164E8C}" srcOrd="0" destOrd="0" presId="urn:microsoft.com/office/officeart/2008/layout/VerticalCurvedList"/>
-    <dgm:cxn modelId="{AE3FCC84-7024-4E39-9D17-3D0D7930A9EC}" type="presOf" srcId="{F86FB727-4A7D-4084-A027-067C6C7C8EF1}" destId="{77DC87CD-E2BE-4308-89B2-4347F0D9C791}" srcOrd="0" destOrd="0" presId="urn:microsoft.com/office/officeart/2008/layout/VerticalCurvedList"/>
-    <dgm:cxn modelId="{5CF4CA5A-379B-4397-891E-14104252B005}" type="presOf" srcId="{D5168158-2390-4A3E-979D-F6CFB2AD1652}" destId="{4B433EF5-E09C-4E89-AC54-57AF32427E34}" srcOrd="0" destOrd="0" presId="urn:microsoft.com/office/officeart/2008/layout/VerticalCurvedList"/>
     <dgm:cxn modelId="{CE0CC47D-D438-4886-BE94-D3844BA7E00E}" type="presParOf" srcId="{9F074360-7A38-4249-87F0-AA9D0F81D664}" destId="{88774335-2119-488B-B850-885470039299}" srcOrd="0" destOrd="0" presId="urn:microsoft.com/office/officeart/2008/layout/VerticalCurvedList"/>
     <dgm:cxn modelId="{A4AC2E65-A228-4D93-9DB3-742BA4C40710}" type="presParOf" srcId="{88774335-2119-488B-B850-885470039299}" destId="{F4407F4B-5F8E-474A-BE95-27146A410928}" srcOrd="0" destOrd="0" presId="urn:microsoft.com/office/officeart/2008/layout/VerticalCurvedList"/>
     <dgm:cxn modelId="{74E07EC3-1A2B-42BC-AAE8-887A789E9AF8}" type="presParOf" srcId="{F4407F4B-5F8E-474A-BE95-27146A410928}" destId="{E68FFB02-7D37-44AE-8539-925642C08702}" srcOrd="0" destOrd="0" presId="urn:microsoft.com/office/officeart/2008/layout/VerticalCurvedList"/>
@@ -22294,7 +22296,7 @@
             </a:pPr>
             <a:r>
               <a:rPr lang="en-US" baseline="0" dirty="0" smtClean="0"/>
-              <a:t>Figured I’d start by covering why you should consider F# </a:t>
+              <a:t>Start w/ covering why you should consider F# </a:t>
             </a:r>
           </a:p>
           <a:p>
@@ -22348,6 +22350,108 @@
 </file>
 
 <file path=ppt/notesSlides/notesSlide10.xml><?xml version="1.0" encoding="utf-8"?>
+<p:notes xmlns:a="http://schemas.openxmlformats.org/drawingml/2006/main" xmlns:r="http://schemas.openxmlformats.org/officeDocument/2006/relationships" xmlns:p="http://schemas.openxmlformats.org/presentationml/2006/main">
+  <p:cSld>
+    <p:spTree>
+      <p:nvGrpSpPr>
+        <p:cNvPr id="1" name=""/>
+        <p:cNvGrpSpPr/>
+        <p:nvPr/>
+      </p:nvGrpSpPr>
+      <p:grpSpPr>
+        <a:xfrm>
+          <a:off x="0" y="0"/>
+          <a:ext cx="0" cy="0"/>
+          <a:chOff x="0" y="0"/>
+          <a:chExt cx="0" cy="0"/>
+        </a:xfrm>
+      </p:grpSpPr>
+      <p:sp>
+        <p:nvSpPr>
+          <p:cNvPr id="2" name="Slide Image Placeholder 1"/>
+          <p:cNvSpPr>
+            <a:spLocks noGrp="1" noRot="1" noChangeAspect="1"/>
+          </p:cNvSpPr>
+          <p:nvPr>
+            <p:ph type="sldImg"/>
+          </p:nvPr>
+        </p:nvSpPr>
+        <p:spPr/>
+      </p:sp>
+      <p:sp>
+        <p:nvSpPr>
+          <p:cNvPr id="3" name="Notes Placeholder 2"/>
+          <p:cNvSpPr>
+            <a:spLocks noGrp="1"/>
+          </p:cNvSpPr>
+          <p:nvPr>
+            <p:ph type="body" idx="1"/>
+          </p:nvPr>
+        </p:nvSpPr>
+        <p:spPr/>
+        <p:txBody>
+          <a:bodyPr/>
+          <a:lstStyle/>
+          <a:p>
+            <a:r>
+              <a:rPr lang="en-US" dirty="0" smtClean="0"/>
+              <a:t>Register each view controller.</a:t>
+            </a:r>
+            <a:r>
+              <a:rPr lang="en-US" baseline="0" dirty="0" smtClean="0"/>
+              <a:t> </a:t>
+            </a:r>
+          </a:p>
+          <a:p>
+            <a:endParaRPr lang="en-US" baseline="0" dirty="0" smtClean="0"/>
+          </a:p>
+          <a:p>
+            <a:r>
+              <a:rPr lang="en-US" baseline="0" dirty="0" smtClean="0"/>
+              <a:t>Override </a:t>
+            </a:r>
+            <a:r>
+              <a:rPr lang="en-US" baseline="0" dirty="0" err="1" smtClean="0"/>
+              <a:t>ViewDidLoad</a:t>
+            </a:r>
+            <a:r>
+              <a:rPr lang="en-US" baseline="0" dirty="0" smtClean="0"/>
+              <a:t>, </a:t>
+            </a:r>
+            <a:r>
+              <a:rPr lang="en-US" baseline="0" dirty="0" err="1" smtClean="0"/>
+              <a:t>ViewWillAppear</a:t>
+            </a:r>
+            <a:r>
+              <a:rPr lang="en-US" baseline="0" dirty="0" smtClean="0"/>
+              <a:t>, </a:t>
+            </a:r>
+            <a:r>
+              <a:rPr lang="en-US" baseline="0" dirty="0" err="1" smtClean="0"/>
+              <a:t>ViewDidAppear</a:t>
+            </a:r>
+            <a:r>
+              <a:rPr lang="en-US" baseline="0" dirty="0" smtClean="0"/>
+              <a:t>…</a:t>
+            </a:r>
+            <a:endParaRPr lang="en-US" dirty="0"/>
+          </a:p>
+        </p:txBody>
+      </p:sp>
+    </p:spTree>
+    <p:extLst>
+      <p:ext uri="{BB962C8B-B14F-4D97-AF65-F5344CB8AC3E}">
+        <p14:creationId xmlns:p14="http://schemas.microsoft.com/office/powerpoint/2010/main" val="1947247215"/>
+      </p:ext>
+    </p:extLst>
+  </p:cSld>
+  <p:clrMapOvr>
+    <a:masterClrMapping/>
+  </p:clrMapOvr>
+</p:notes>
+</file>
+
+<file path=ppt/notesSlides/notesSlide11.xml><?xml version="1.0" encoding="utf-8"?>
 <p:notes xmlns:a="http://schemas.openxmlformats.org/drawingml/2006/main" xmlns:r="http://schemas.openxmlformats.org/officeDocument/2006/relationships" xmlns:p="http://schemas.openxmlformats.org/presentationml/2006/main">
   <p:cSld>
     <p:spTree>
@@ -22519,7 +22623,7 @@
             </a:r>
             <a:r>
               <a:rPr lang="en-US" baseline="0" dirty="0" smtClean="0"/>
-              <a:t> gets a bad </a:t>
+              <a:t> gets flack for lack of UI support. </a:t>
             </a:r>
             <a:endParaRPr lang="en-US" dirty="0"/>
           </a:p>
@@ -22645,6 +22749,73 @@
           <a:p>
             <a:r>
               <a:rPr lang="en-US" dirty="0" smtClean="0"/>
+              <a:t>Option types! </a:t>
+            </a:r>
+          </a:p>
+          <a:p>
+            <a:endParaRPr lang="en-US" dirty="0"/>
+          </a:p>
+        </p:txBody>
+      </p:sp>
+    </p:spTree>
+    <p:extLst>
+      <p:ext uri="{BB962C8B-B14F-4D97-AF65-F5344CB8AC3E}">
+        <p14:creationId xmlns:p14="http://schemas.microsoft.com/office/powerpoint/2010/main" val="4003613221"/>
+      </p:ext>
+    </p:extLst>
+  </p:cSld>
+  <p:clrMapOvr>
+    <a:masterClrMapping/>
+  </p:clrMapOvr>
+</p:notes>
+</file>
+
+<file path=ppt/notesSlides/notesSlide6.xml><?xml version="1.0" encoding="utf-8"?>
+<p:notes xmlns:a="http://schemas.openxmlformats.org/drawingml/2006/main" xmlns:r="http://schemas.openxmlformats.org/officeDocument/2006/relationships" xmlns:p="http://schemas.openxmlformats.org/presentationml/2006/main">
+  <p:cSld>
+    <p:spTree>
+      <p:nvGrpSpPr>
+        <p:cNvPr id="1" name=""/>
+        <p:cNvGrpSpPr/>
+        <p:nvPr/>
+      </p:nvGrpSpPr>
+      <p:grpSpPr>
+        <a:xfrm>
+          <a:off x="0" y="0"/>
+          <a:ext cx="0" cy="0"/>
+          <a:chOff x="0" y="0"/>
+          <a:chExt cx="0" cy="0"/>
+        </a:xfrm>
+      </p:grpSpPr>
+      <p:sp>
+        <p:nvSpPr>
+          <p:cNvPr id="2" name="Slide Image Placeholder 1"/>
+          <p:cNvSpPr>
+            <a:spLocks noGrp="1" noRot="1" noChangeAspect="1"/>
+          </p:cNvSpPr>
+          <p:nvPr>
+            <p:ph type="sldImg"/>
+          </p:nvPr>
+        </p:nvSpPr>
+        <p:spPr/>
+      </p:sp>
+      <p:sp>
+        <p:nvSpPr>
+          <p:cNvPr id="3" name="Notes Placeholder 2"/>
+          <p:cNvSpPr>
+            <a:spLocks noGrp="1"/>
+          </p:cNvSpPr>
+          <p:nvPr>
+            <p:ph type="body" idx="1"/>
+          </p:nvPr>
+        </p:nvSpPr>
+        <p:spPr/>
+        <p:txBody>
+          <a:bodyPr/>
+          <a:lstStyle/>
+          <a:p>
+            <a:r>
+              <a:rPr lang="en-US" dirty="0" smtClean="0"/>
               <a:t>Similar</a:t>
             </a:r>
             <a:r>
@@ -22692,7 +22863,7 @@
 </p:notes>
 </file>
 
-<file path=ppt/notesSlides/notesSlide6.xml><?xml version="1.0" encoding="utf-8"?>
+<file path=ppt/notesSlides/notesSlide7.xml><?xml version="1.0" encoding="utf-8"?>
 <p:notes xmlns:a="http://schemas.openxmlformats.org/drawingml/2006/main" xmlns:r="http://schemas.openxmlformats.org/officeDocument/2006/relationships" xmlns:p="http://schemas.openxmlformats.org/presentationml/2006/main">
   <p:cSld>
     <p:spTree>
@@ -22753,7 +22924,7 @@
 </p:notes>
 </file>
 
-<file path=ppt/notesSlides/notesSlide7.xml><?xml version="1.0" encoding="utf-8"?>
+<file path=ppt/notesSlides/notesSlide8.xml><?xml version="1.0" encoding="utf-8"?>
 <p:notes xmlns:a="http://schemas.openxmlformats.org/drawingml/2006/main" xmlns:r="http://schemas.openxmlformats.org/officeDocument/2006/relationships" xmlns:p="http://schemas.openxmlformats.org/presentationml/2006/main">
   <p:cSld>
     <p:spTree>
@@ -22822,7 +22993,7 @@
 </p:notes>
 </file>
 
-<file path=ppt/notesSlides/notesSlide8.xml><?xml version="1.0" encoding="utf-8"?>
+<file path=ppt/notesSlides/notesSlide9.xml><?xml version="1.0" encoding="utf-8"?>
 <p:notes xmlns:a="http://schemas.openxmlformats.org/drawingml/2006/main" xmlns:r="http://schemas.openxmlformats.org/officeDocument/2006/relationships" xmlns:p="http://schemas.openxmlformats.org/presentationml/2006/main">
   <p:cSld>
     <p:spTree>
@@ -22911,108 +23082,6 @@
     <p:extLst>
       <p:ext uri="{BB962C8B-B14F-4D97-AF65-F5344CB8AC3E}">
         <p14:creationId xmlns:p14="http://schemas.microsoft.com/office/powerpoint/2010/main" val="1518105697"/>
-      </p:ext>
-    </p:extLst>
-  </p:cSld>
-  <p:clrMapOvr>
-    <a:masterClrMapping/>
-  </p:clrMapOvr>
-</p:notes>
-</file>
-
-<file path=ppt/notesSlides/notesSlide9.xml><?xml version="1.0" encoding="utf-8"?>
-<p:notes xmlns:a="http://schemas.openxmlformats.org/drawingml/2006/main" xmlns:r="http://schemas.openxmlformats.org/officeDocument/2006/relationships" xmlns:p="http://schemas.openxmlformats.org/presentationml/2006/main">
-  <p:cSld>
-    <p:spTree>
-      <p:nvGrpSpPr>
-        <p:cNvPr id="1" name=""/>
-        <p:cNvGrpSpPr/>
-        <p:nvPr/>
-      </p:nvGrpSpPr>
-      <p:grpSpPr>
-        <a:xfrm>
-          <a:off x="0" y="0"/>
-          <a:ext cx="0" cy="0"/>
-          <a:chOff x="0" y="0"/>
-          <a:chExt cx="0" cy="0"/>
-        </a:xfrm>
-      </p:grpSpPr>
-      <p:sp>
-        <p:nvSpPr>
-          <p:cNvPr id="2" name="Slide Image Placeholder 1"/>
-          <p:cNvSpPr>
-            <a:spLocks noGrp="1" noRot="1" noChangeAspect="1"/>
-          </p:cNvSpPr>
-          <p:nvPr>
-            <p:ph type="sldImg"/>
-          </p:nvPr>
-        </p:nvSpPr>
-        <p:spPr/>
-      </p:sp>
-      <p:sp>
-        <p:nvSpPr>
-          <p:cNvPr id="3" name="Notes Placeholder 2"/>
-          <p:cNvSpPr>
-            <a:spLocks noGrp="1"/>
-          </p:cNvSpPr>
-          <p:nvPr>
-            <p:ph type="body" idx="1"/>
-          </p:nvPr>
-        </p:nvSpPr>
-        <p:spPr/>
-        <p:txBody>
-          <a:bodyPr/>
-          <a:lstStyle/>
-          <a:p>
-            <a:r>
-              <a:rPr lang="en-US" dirty="0" smtClean="0"/>
-              <a:t>Register each view controller.</a:t>
-            </a:r>
-            <a:r>
-              <a:rPr lang="en-US" baseline="0" dirty="0" smtClean="0"/>
-              <a:t> </a:t>
-            </a:r>
-          </a:p>
-          <a:p>
-            <a:endParaRPr lang="en-US" baseline="0" dirty="0" smtClean="0"/>
-          </a:p>
-          <a:p>
-            <a:r>
-              <a:rPr lang="en-US" baseline="0" dirty="0" smtClean="0"/>
-              <a:t>Override </a:t>
-            </a:r>
-            <a:r>
-              <a:rPr lang="en-US" baseline="0" dirty="0" err="1" smtClean="0"/>
-              <a:t>ViewDidLoad</a:t>
-            </a:r>
-            <a:r>
-              <a:rPr lang="en-US" baseline="0" dirty="0" smtClean="0"/>
-              <a:t>, </a:t>
-            </a:r>
-            <a:r>
-              <a:rPr lang="en-US" baseline="0" dirty="0" err="1" smtClean="0"/>
-              <a:t>ViewWillAppear</a:t>
-            </a:r>
-            <a:r>
-              <a:rPr lang="en-US" baseline="0" dirty="0" smtClean="0"/>
-              <a:t>, </a:t>
-            </a:r>
-            <a:r>
-              <a:rPr lang="en-US" baseline="0" dirty="0" err="1" smtClean="0"/>
-              <a:t>ViewDidAppear</a:t>
-            </a:r>
-            <a:r>
-              <a:rPr lang="en-US" baseline="0" dirty="0" smtClean="0"/>
-              <a:t>…</a:t>
-            </a:r>
-            <a:endParaRPr lang="en-US" dirty="0"/>
-          </a:p>
-        </p:txBody>
-      </p:sp>
-    </p:spTree>
-    <p:extLst>
-      <p:ext uri="{BB962C8B-B14F-4D97-AF65-F5344CB8AC3E}">
-        <p14:creationId xmlns:p14="http://schemas.microsoft.com/office/powerpoint/2010/main" val="1947247215"/>
       </p:ext>
     </p:extLst>
   </p:cSld>
@@ -29731,6 +29800,126 @@
           <a:chExt cx="0" cy="0"/>
         </a:xfrm>
       </p:grpSpPr>
+      <p:sp>
+        <p:nvSpPr>
+          <p:cNvPr id="2" name="Title 1"/>
+          <p:cNvSpPr>
+            <a:spLocks noGrp="1"/>
+          </p:cNvSpPr>
+          <p:nvPr>
+            <p:ph type="title"/>
+          </p:nvPr>
+        </p:nvSpPr>
+        <p:spPr/>
+        <p:txBody>
+          <a:bodyPr/>
+          <a:lstStyle/>
+          <a:p>
+            <a:r>
+              <a:rPr lang="en-US" dirty="0" smtClean="0"/>
+              <a:t>Some existing type providers.</a:t>
+            </a:r>
+            <a:endParaRPr lang="en-US" dirty="0"/>
+          </a:p>
+        </p:txBody>
+      </p:sp>
+      <p:sp>
+        <p:nvSpPr>
+          <p:cNvPr id="8" name="Text Placeholder 7"/>
+          <p:cNvSpPr>
+            <a:spLocks noGrp="1"/>
+          </p:cNvSpPr>
+          <p:nvPr>
+            <p:ph type="body" idx="2"/>
+          </p:nvPr>
+        </p:nvSpPr>
+        <p:spPr/>
+        <p:txBody>
+          <a:bodyPr/>
+          <a:lstStyle/>
+          <a:p>
+            <a:r>
+              <a:rPr lang="en-US" dirty="0"/>
+              <a:t>See </a:t>
+            </a:r>
+            <a:r>
+              <a:rPr lang="en-US" dirty="0">
+                <a:hlinkClick r:id="rId2"/>
+              </a:rPr>
+              <a:t>here</a:t>
+            </a:r>
+            <a:r>
+              <a:rPr lang="en-US" dirty="0"/>
+              <a:t> for a full list. </a:t>
+            </a:r>
+          </a:p>
+          <a:p>
+            <a:endParaRPr lang="en-US" dirty="0"/>
+          </a:p>
+        </p:txBody>
+      </p:sp>
+      <p:graphicFrame>
+        <p:nvGraphicFramePr>
+          <p:cNvPr id="6" name="Content Placeholder 5"/>
+          <p:cNvGraphicFramePr>
+            <a:graphicFrameLocks noGrp="1"/>
+          </p:cNvGraphicFramePr>
+          <p:nvPr>
+            <p:ph sz="quarter" idx="1"/>
+            <p:extLst>
+              <p:ext uri="{D42A27DB-BD31-4B8C-83A1-F6EECF244321}">
+                <p14:modId xmlns:p14="http://schemas.microsoft.com/office/powerpoint/2010/main" val="3165634547"/>
+              </p:ext>
+            </p:extLst>
+          </p:nvPr>
+        </p:nvGraphicFramePr>
+        <p:xfrm>
+          <a:off x="3124200" y="571500"/>
+          <a:ext cx="5638800" cy="4508500"/>
+        </p:xfrm>
+        <a:graphic>
+          <a:graphicData uri="http://schemas.openxmlformats.org/drawingml/2006/diagram">
+            <dgm:relIds xmlns:dgm="http://schemas.openxmlformats.org/drawingml/2006/diagram" xmlns:r="http://schemas.openxmlformats.org/officeDocument/2006/relationships" r:dm="rId3" r:lo="rId4" r:qs="rId5" r:cs="rId6"/>
+          </a:graphicData>
+        </a:graphic>
+      </p:graphicFrame>
+    </p:spTree>
+    <p:extLst>
+      <p:ext uri="{BB962C8B-B14F-4D97-AF65-F5344CB8AC3E}">
+        <p14:creationId xmlns:p14="http://schemas.microsoft.com/office/powerpoint/2010/main" val="3016928814"/>
+      </p:ext>
+    </p:extLst>
+  </p:cSld>
+  <p:clrMapOvr>
+    <a:masterClrMapping/>
+  </p:clrMapOvr>
+  <p:timing>
+    <p:tnLst>
+      <p:par>
+        <p:cTn xmlns:p14="http://schemas.microsoft.com/office/powerpoint/2010/main" id="1" dur="indefinite" restart="never" nodeType="tmRoot"/>
+      </p:par>
+    </p:tnLst>
+  </p:timing>
+</p:sld>
+</file>
+
+<file path=ppt/slides/slide11.xml><?xml version="1.0" encoding="utf-8"?>
+<p:sld xmlns:a="http://schemas.openxmlformats.org/drawingml/2006/main" xmlns:r="http://schemas.openxmlformats.org/officeDocument/2006/relationships" xmlns:p="http://schemas.openxmlformats.org/presentationml/2006/main">
+  <p:cSld>
+    <p:spTree>
+      <p:nvGrpSpPr>
+        <p:cNvPr id="1" name=""/>
+        <p:cNvGrpSpPr/>
+        <p:nvPr/>
+      </p:nvGrpSpPr>
+      <p:grpSpPr>
+        <a:xfrm>
+          <a:off x="0" y="0"/>
+          <a:ext cx="0" cy="0"/>
+          <a:chOff x="0" y="0"/>
+          <a:chExt cx="0" cy="0"/>
+        </a:xfrm>
+      </p:grpSpPr>
       <p:graphicFrame>
         <p:nvGraphicFramePr>
           <p:cNvPr id="6" name="Content Placeholder 5"/>
@@ -29805,7 +29994,7 @@
 </p:sld>
 </file>
 
-<file path=ppt/slides/slide11.xml><?xml version="1.0" encoding="utf-8"?>
+<file path=ppt/slides/slide12.xml><?xml version="1.0" encoding="utf-8"?>
 <p:sld xmlns:a="http://schemas.openxmlformats.org/drawingml/2006/main" xmlns:r="http://schemas.openxmlformats.org/officeDocument/2006/relationships" xmlns:p="http://schemas.openxmlformats.org/presentationml/2006/main">
   <p:cSld>
     <p:spTree>
@@ -29894,7 +30083,7 @@
 </p:sld>
 </file>
 
-<file path=ppt/slides/slide12.xml><?xml version="1.0" encoding="utf-8"?>
+<file path=ppt/slides/slide13.xml><?xml version="1.0" encoding="utf-8"?>
 <p:sld xmlns:a="http://schemas.openxmlformats.org/drawingml/2006/main" xmlns:r="http://schemas.openxmlformats.org/officeDocument/2006/relationships" xmlns:p="http://schemas.openxmlformats.org/presentationml/2006/main">
   <p:cSld>
     <p:spTree>
@@ -30579,7 +30768,7 @@
 </p:sld>
 </file>
 
-<file path=ppt/slides/slide13.xml><?xml version="1.0" encoding="utf-8"?>
+<file path=ppt/slides/slide14.xml><?xml version="1.0" encoding="utf-8"?>
 <p:sld xmlns:a="http://schemas.openxmlformats.org/drawingml/2006/main" xmlns:r="http://schemas.openxmlformats.org/officeDocument/2006/relationships" xmlns:p="http://schemas.openxmlformats.org/presentationml/2006/main">
   <p:cSld>
     <p:spTree>
@@ -30719,7 +30908,7 @@
 </p:sld>
 </file>
 
-<file path=ppt/slides/slide14.xml><?xml version="1.0" encoding="utf-8"?>
+<file path=ppt/slides/slide15.xml><?xml version="1.0" encoding="utf-8"?>
 <p:sld xmlns:a="http://schemas.openxmlformats.org/drawingml/2006/main" xmlns:r="http://schemas.openxmlformats.org/officeDocument/2006/relationships" xmlns:p="http://schemas.openxmlformats.org/presentationml/2006/main">
   <p:cSld>
     <p:spTree>
@@ -30819,7 +31008,7 @@
 </p:sld>
 </file>
 
-<file path=ppt/slides/slide15.xml><?xml version="1.0" encoding="utf-8"?>
+<file path=ppt/slides/slide16.xml><?xml version="1.0" encoding="utf-8"?>
 <p:sld xmlns:a="http://schemas.openxmlformats.org/drawingml/2006/main" xmlns:r="http://schemas.openxmlformats.org/officeDocument/2006/relationships" xmlns:p="http://schemas.openxmlformats.org/presentationml/2006/main">
   <p:cSld>
     <p:spTree>
@@ -30917,7 +31106,7 @@
 </p:sld>
 </file>
 
-<file path=ppt/slides/slide16.xml><?xml version="1.0" encoding="utf-8"?>
+<file path=ppt/slides/slide17.xml><?xml version="1.0" encoding="utf-8"?>
 <p:sld xmlns:a="http://schemas.openxmlformats.org/drawingml/2006/main" xmlns:r="http://schemas.openxmlformats.org/officeDocument/2006/relationships" xmlns:p="http://schemas.openxmlformats.org/presentationml/2006/main">
   <p:cSld>
     <p:spTree>
@@ -30963,38 +31152,41 @@
       </p:sp>
       <p:pic>
         <p:nvPicPr>
-          <p:cNvPr id="4" name="Picture Placeholder 5"/>
+          <p:cNvPr id="2" name="7r742t.gif">
+            <a:hlinkClick r:id="" action="ppaction://media"/>
+          </p:cNvPr>
           <p:cNvPicPr>
             <a:picLocks noChangeAspect="1"/>
           </p:cNvPicPr>
-          <p:nvPr/>
+          <p:nvPr>
+            <a:videoFile r:link="rId2"/>
+            <p:extLst>
+              <p:ext uri="{DAA4B4D4-6D71-4841-9C94-3DE7FCFB9230}">
+                <p14:media xmlns:p14="http://schemas.microsoft.com/office/powerpoint/2010/main" r:embed="rId1"/>
+              </p:ext>
+            </p:extLst>
+          </p:nvPr>
         </p:nvPicPr>
-        <p:blipFill rotWithShape="1">
-          <a:blip r:embed="rId2" cstate="email">
-            <a:extLst>
-              <a:ext uri="{28A0092B-C50C-407E-A947-70E740481C1C}">
-                <a14:useLocalDpi xmlns:a14="http://schemas.microsoft.com/office/drawing/2010/main" val="0"/>
-              </a:ext>
-            </a:extLst>
-          </a:blip>
-          <a:srcRect l="469" t="-3534" r="-469" b="-3532"/>
-          <a:stretch/>
+        <p:blipFill>
+          <a:blip r:embed="rId4"/>
+          <a:stretch>
+            <a:fillRect/>
+          </a:stretch>
         </p:blipFill>
         <p:spPr>
           <a:xfrm>
-            <a:off x="2851471" y="2129264"/>
-            <a:ext cx="3440665" cy="3132882"/>
+            <a:off x="2102554" y="2287175"/>
+            <a:ext cx="5080000" cy="2857500"/>
           </a:xfrm>
           <a:prstGeom prst="rect">
             <a:avLst/>
           </a:prstGeom>
-          <a:ln w="57150" cmpd="thickThin">
-            <a:noFill/>
-            <a:miter lim="800000"/>
-          </a:ln>
-          <a:effectLst>
-            <a:softEdge rad="112500"/>
-          </a:effectLst>
+          <a:scene3d>
+            <a:camera prst="orthographicFront">
+              <a:rot lat="0" lon="0" rev="0"/>
+            </a:camera>
+            <a:lightRig rig="threePt" dir="t"/>
+          </a:scene3d>
         </p:spPr>
       </p:pic>
     </p:spTree>
@@ -31010,14 +31202,145 @@
   <p:timing>
     <p:tnLst>
       <p:par>
-        <p:cTn xmlns:p14="http://schemas.microsoft.com/office/powerpoint/2010/main" id="1" dur="indefinite" restart="never" nodeType="tmRoot"/>
+        <p:cTn xmlns:p14="http://schemas.microsoft.com/office/powerpoint/2010/main" id="1" dur="indefinite" restart="never" nodeType="tmRoot">
+          <p:childTnLst>
+            <p:seq concurrent="1" nextAc="seek">
+              <p:cTn id="2" dur="indefinite" nodeType="mainSeq">
+                <p:childTnLst>
+                  <p:par>
+                    <p:cTn id="3" fill="hold">
+                      <p:stCondLst>
+                        <p:cond delay="indefinite"/>
+                        <p:cond evt="onBegin" delay="0">
+                          <p:tn val="2"/>
+                        </p:cond>
+                      </p:stCondLst>
+                      <p:childTnLst>
+                        <p:par>
+                          <p:cTn id="4" fill="hold">
+                            <p:stCondLst>
+                              <p:cond delay="0"/>
+                            </p:stCondLst>
+                            <p:childTnLst>
+                              <p:par>
+                                <p:cTn id="5" presetID="1" presetClass="mediacall" presetSubtype="0" fill="hold" nodeType="afterEffect">
+                                  <p:stCondLst>
+                                    <p:cond delay="0"/>
+                                  </p:stCondLst>
+                                  <p:childTnLst>
+                                    <p:cmd type="call" cmd="playFrom(0.0)">
+                                      <p:cBhvr>
+                                        <p:cTn id="6" dur="2160" fill="hold"/>
+                                        <p:tgtEl>
+                                          <p:spTgt spid="2"/>
+                                        </p:tgtEl>
+                                      </p:cBhvr>
+                                    </p:cmd>
+                                  </p:childTnLst>
+                                </p:cTn>
+                              </p:par>
+                            </p:childTnLst>
+                          </p:cTn>
+                        </p:par>
+                      </p:childTnLst>
+                    </p:cTn>
+                  </p:par>
+                </p:childTnLst>
+              </p:cTn>
+              <p:prevCondLst>
+                <p:cond evt="onPrev" delay="0">
+                  <p:tgtEl>
+                    <p:sldTgt/>
+                  </p:tgtEl>
+                </p:cond>
+              </p:prevCondLst>
+              <p:nextCondLst>
+                <p:cond evt="onNext" delay="0">
+                  <p:tgtEl>
+                    <p:sldTgt/>
+                  </p:tgtEl>
+                </p:cond>
+              </p:nextCondLst>
+            </p:seq>
+            <p:video>
+              <p:cMediaNode vol="80000">
+                <p:cTn id="7" repeatCount="indefinite" fill="hold" display="0">
+                  <p:stCondLst>
+                    <p:cond delay="indefinite"/>
+                  </p:stCondLst>
+                </p:cTn>
+                <p:tgtEl>
+                  <p:spTgt spid="2"/>
+                </p:tgtEl>
+              </p:cMediaNode>
+            </p:video>
+            <p:seq concurrent="1" nextAc="seek">
+              <p:cTn id="8" restart="whenNotActive" fill="hold" evtFilter="cancelBubble" nodeType="interactiveSeq">
+                <p:stCondLst>
+                  <p:cond evt="onClick" delay="0">
+                    <p:tgtEl>
+                      <p:spTgt spid="2"/>
+                    </p:tgtEl>
+                  </p:cond>
+                </p:stCondLst>
+                <p:endSync evt="end" delay="0">
+                  <p:rtn val="all"/>
+                </p:endSync>
+                <p:childTnLst>
+                  <p:par>
+                    <p:cTn id="9" fill="hold">
+                      <p:stCondLst>
+                        <p:cond delay="0"/>
+                      </p:stCondLst>
+                      <p:childTnLst>
+                        <p:par>
+                          <p:cTn id="10" fill="hold">
+                            <p:stCondLst>
+                              <p:cond delay="0"/>
+                            </p:stCondLst>
+                            <p:childTnLst>
+                              <p:par>
+                                <p:cTn id="11" presetID="2" presetClass="mediacall" presetSubtype="0" fill="hold" nodeType="clickEffect">
+                                  <p:stCondLst>
+                                    <p:cond delay="0"/>
+                                  </p:stCondLst>
+                                  <p:childTnLst>
+                                    <p:cmd type="call" cmd="togglePause">
+                                      <p:cBhvr>
+                                        <p:cTn id="12" dur="1" fill="hold"/>
+                                        <p:tgtEl>
+                                          <p:spTgt spid="2"/>
+                                        </p:tgtEl>
+                                      </p:cBhvr>
+                                    </p:cmd>
+                                  </p:childTnLst>
+                                </p:cTn>
+                              </p:par>
+                            </p:childTnLst>
+                          </p:cTn>
+                        </p:par>
+                      </p:childTnLst>
+                    </p:cTn>
+                  </p:par>
+                </p:childTnLst>
+              </p:cTn>
+              <p:nextCondLst>
+                <p:cond evt="onClick" delay="0">
+                  <p:tgtEl>
+                    <p:spTgt spid="2"/>
+                  </p:tgtEl>
+                </p:cond>
+              </p:nextCondLst>
+            </p:seq>
+          </p:childTnLst>
+        </p:cTn>
       </p:par>
     </p:tnLst>
   </p:timing>
 </p:sld>
 </file>
 
-<file path=ppt/slides/slide17.xml><?xml version="1.0" encoding="utf-8"?>
+<file path=ppt/slides/slide18.xml><?xml version="1.0" encoding="utf-8"?>
 <p:sld xmlns:a="http://schemas.openxmlformats.org/drawingml/2006/main" xmlns:r="http://schemas.openxmlformats.org/officeDocument/2006/relationships" xmlns:p="http://schemas.openxmlformats.org/presentationml/2006/main">
   <p:cSld>
     <p:spTree>
@@ -31218,36 +31541,6 @@
           <a:chExt cx="0" cy="0"/>
         </a:xfrm>
       </p:grpSpPr>
-      <p:pic>
-        <p:nvPicPr>
-          <p:cNvPr id="6" name="Picture 5"/>
-          <p:cNvPicPr>
-            <a:picLocks noChangeAspect="1"/>
-          </p:cNvPicPr>
-          <p:nvPr/>
-        </p:nvPicPr>
-        <p:blipFill>
-          <a:blip r:embed="rId3">
-            <a:extLst>
-              <a:ext uri="{28A0092B-C50C-407E-A947-70E740481C1C}">
-                <a14:useLocalDpi xmlns:a14="http://schemas.microsoft.com/office/drawing/2010/main" val="0"/>
-              </a:ext>
-            </a:extLst>
-          </a:blip>
-          <a:stretch>
-            <a:fillRect/>
-          </a:stretch>
-        </p:blipFill>
-        <p:spPr>
-          <a:xfrm>
-            <a:off x="1990725" y="2469124"/>
-            <a:ext cx="5238749" cy="1704975"/>
-          </a:xfrm>
-          <a:prstGeom prst="rect">
-            <a:avLst/>
-          </a:prstGeom>
-        </p:spPr>
-      </p:pic>
       <p:sp>
         <p:nvSpPr>
           <p:cNvPr id="4" name="Title 3"/>
@@ -31293,16 +31586,43 @@
           <a:lstStyle/>
           <a:p>
             <a:pPr algn="ctr"/>
-            <a:r>
-              <a:rPr lang="en-US" sz="1600" dirty="0" smtClean="0">
-                <a:hlinkClick r:id="rId4"/>
-              </a:rPr>
-              <a:t>Quote of the Week blog post</a:t>
-            </a:r>
             <a:endParaRPr lang="en-US" sz="1600" dirty="0" smtClean="0"/>
           </a:p>
         </p:txBody>
       </p:sp>
+      <p:pic>
+        <p:nvPicPr>
+          <p:cNvPr id="5" name="7092.gif">
+            <a:hlinkClick r:id="" action="ppaction://media"/>
+          </p:cNvPr>
+          <p:cNvPicPr>
+            <a:picLocks noChangeAspect="1"/>
+          </p:cNvPicPr>
+          <p:nvPr>
+            <a:videoFile r:link="rId2"/>
+            <p:extLst>
+              <p:ext uri="{DAA4B4D4-6D71-4841-9C94-3DE7FCFB9230}">
+                <p14:media xmlns:p14="http://schemas.microsoft.com/office/powerpoint/2010/main" r:embed="rId1"/>
+              </p:ext>
+            </p:extLst>
+          </p:nvPr>
+        </p:nvPicPr>
+        <p:blipFill>
+          <a:blip r:embed="rId5"/>
+          <a:stretch>
+            <a:fillRect/>
+          </a:stretch>
+        </p:blipFill>
+        <p:spPr>
+          <a:xfrm>
+            <a:off x="1951974" y="2276999"/>
+            <a:ext cx="5254117" cy="2952813"/>
+          </a:xfrm>
+          <a:prstGeom prst="rect">
+            <a:avLst/>
+          </a:prstGeom>
+        </p:spPr>
+      </p:pic>
     </p:spTree>
     <p:extLst>
       <p:ext uri="{BB962C8B-B14F-4D97-AF65-F5344CB8AC3E}">
@@ -31316,7 +31636,138 @@
   <p:timing>
     <p:tnLst>
       <p:par>
-        <p:cTn xmlns:p14="http://schemas.microsoft.com/office/powerpoint/2010/main" id="1" dur="indefinite" restart="never" nodeType="tmRoot"/>
+        <p:cTn xmlns:p14="http://schemas.microsoft.com/office/powerpoint/2010/main" id="1" dur="indefinite" restart="never" nodeType="tmRoot">
+          <p:childTnLst>
+            <p:seq concurrent="1" nextAc="seek">
+              <p:cTn id="2" dur="indefinite" nodeType="mainSeq">
+                <p:childTnLst>
+                  <p:par>
+                    <p:cTn id="3" fill="hold">
+                      <p:stCondLst>
+                        <p:cond delay="indefinite"/>
+                        <p:cond evt="onBegin" delay="0">
+                          <p:tn val="2"/>
+                        </p:cond>
+                      </p:stCondLst>
+                      <p:childTnLst>
+                        <p:par>
+                          <p:cTn id="4" fill="hold">
+                            <p:stCondLst>
+                              <p:cond delay="0"/>
+                            </p:stCondLst>
+                            <p:childTnLst>
+                              <p:par>
+                                <p:cTn id="5" presetID="1" presetClass="mediacall" presetSubtype="0" fill="hold" nodeType="afterEffect">
+                                  <p:stCondLst>
+                                    <p:cond delay="0"/>
+                                  </p:stCondLst>
+                                  <p:childTnLst>
+                                    <p:cmd type="call" cmd="playFrom(0.0)">
+                                      <p:cBhvr>
+                                        <p:cTn id="6" dur="2000" fill="hold"/>
+                                        <p:tgtEl>
+                                          <p:spTgt spid="5"/>
+                                        </p:tgtEl>
+                                      </p:cBhvr>
+                                    </p:cmd>
+                                  </p:childTnLst>
+                                </p:cTn>
+                              </p:par>
+                            </p:childTnLst>
+                          </p:cTn>
+                        </p:par>
+                      </p:childTnLst>
+                    </p:cTn>
+                  </p:par>
+                </p:childTnLst>
+              </p:cTn>
+              <p:prevCondLst>
+                <p:cond evt="onPrev" delay="0">
+                  <p:tgtEl>
+                    <p:sldTgt/>
+                  </p:tgtEl>
+                </p:cond>
+              </p:prevCondLst>
+              <p:nextCondLst>
+                <p:cond evt="onNext" delay="0">
+                  <p:tgtEl>
+                    <p:sldTgt/>
+                  </p:tgtEl>
+                </p:cond>
+              </p:nextCondLst>
+            </p:seq>
+            <p:video>
+              <p:cMediaNode vol="80000">
+                <p:cTn id="7" repeatCount="indefinite" fill="hold" display="0">
+                  <p:stCondLst>
+                    <p:cond delay="indefinite"/>
+                  </p:stCondLst>
+                </p:cTn>
+                <p:tgtEl>
+                  <p:spTgt spid="5"/>
+                </p:tgtEl>
+              </p:cMediaNode>
+            </p:video>
+            <p:seq concurrent="1" nextAc="seek">
+              <p:cTn id="8" restart="whenNotActive" fill="hold" evtFilter="cancelBubble" nodeType="interactiveSeq">
+                <p:stCondLst>
+                  <p:cond evt="onClick" delay="0">
+                    <p:tgtEl>
+                      <p:spTgt spid="5"/>
+                    </p:tgtEl>
+                  </p:cond>
+                </p:stCondLst>
+                <p:endSync evt="end" delay="0">
+                  <p:rtn val="all"/>
+                </p:endSync>
+                <p:childTnLst>
+                  <p:par>
+                    <p:cTn id="9" fill="hold">
+                      <p:stCondLst>
+                        <p:cond delay="0"/>
+                      </p:stCondLst>
+                      <p:childTnLst>
+                        <p:par>
+                          <p:cTn id="10" fill="hold">
+                            <p:stCondLst>
+                              <p:cond delay="0"/>
+                            </p:stCondLst>
+                            <p:childTnLst>
+                              <p:par>
+                                <p:cTn id="11" presetID="2" presetClass="mediacall" presetSubtype="0" fill="hold" nodeType="clickEffect">
+                                  <p:stCondLst>
+                                    <p:cond delay="0"/>
+                                  </p:stCondLst>
+                                  <p:childTnLst>
+                                    <p:cmd type="call" cmd="togglePause">
+                                      <p:cBhvr>
+                                        <p:cTn id="12" dur="1" fill="hold"/>
+                                        <p:tgtEl>
+                                          <p:spTgt spid="5"/>
+                                        </p:tgtEl>
+                                      </p:cBhvr>
+                                    </p:cmd>
+                                  </p:childTnLst>
+                                </p:cTn>
+                              </p:par>
+                            </p:childTnLst>
+                          </p:cTn>
+                        </p:par>
+                      </p:childTnLst>
+                    </p:cTn>
+                  </p:par>
+                </p:childTnLst>
+              </p:cTn>
+              <p:nextCondLst>
+                <p:cond evt="onClick" delay="0">
+                  <p:tgtEl>
+                    <p:spTgt spid="5"/>
+                  </p:tgtEl>
+                </p:cond>
+              </p:nextCondLst>
+            </p:seq>
+          </p:childTnLst>
+        </p:cTn>
       </p:par>
     </p:tnLst>
   </p:timing>
@@ -32375,6 +32826,203 @@
           <a:chExt cx="0" cy="0"/>
         </a:xfrm>
       </p:grpSpPr>
+      <p:pic>
+        <p:nvPicPr>
+          <p:cNvPr id="6" name="Picture 5"/>
+          <p:cNvPicPr>
+            <a:picLocks noChangeAspect="1"/>
+          </p:cNvPicPr>
+          <p:nvPr/>
+        </p:nvPicPr>
+        <p:blipFill>
+          <a:blip r:embed="rId3">
+            <a:extLst>
+              <a:ext uri="{28A0092B-C50C-407E-A947-70E740481C1C}">
+                <a14:useLocalDpi xmlns:a14="http://schemas.microsoft.com/office/drawing/2010/main" val="0"/>
+              </a:ext>
+            </a:extLst>
+          </a:blip>
+          <a:stretch>
+            <a:fillRect/>
+          </a:stretch>
+        </p:blipFill>
+        <p:spPr>
+          <a:xfrm>
+            <a:off x="3255964" y="1281432"/>
+            <a:ext cx="5238749" cy="1704975"/>
+          </a:xfrm>
+          <a:prstGeom prst="rect">
+            <a:avLst/>
+          </a:prstGeom>
+        </p:spPr>
+      </p:pic>
+      <p:sp>
+        <p:nvSpPr>
+          <p:cNvPr id="7" name="TextBox 6"/>
+          <p:cNvSpPr txBox="1"/>
+          <p:nvPr/>
+        </p:nvSpPr>
+        <p:spPr>
+          <a:xfrm>
+            <a:off x="3255963" y="4709651"/>
+            <a:ext cx="5238749" cy="395485"/>
+          </a:xfrm>
+          <a:prstGeom prst="rect">
+            <a:avLst/>
+          </a:prstGeom>
+        </p:spPr>
+        <p:txBody>
+          <a:bodyPr vert="horz" wrap="none" rtlCol="0" anchor="ctr">
+            <a:normAutofit/>
+          </a:bodyPr>
+          <a:lstStyle/>
+          <a:p>
+            <a:pPr algn="ctr"/>
+            <a:r>
+              <a:rPr lang="en-US" sz="1600" dirty="0" smtClean="0">
+                <a:hlinkClick r:id="rId4"/>
+              </a:rPr>
+              <a:t>Quote of the Week blog post</a:t>
+            </a:r>
+            <a:endParaRPr lang="en-US" sz="1600" dirty="0" smtClean="0"/>
+          </a:p>
+        </p:txBody>
+      </p:sp>
+      <p:sp>
+        <p:nvSpPr>
+          <p:cNvPr id="8" name="Title 1"/>
+          <p:cNvSpPr txBox="1">
+            <a:spLocks/>
+          </p:cNvSpPr>
+          <p:nvPr/>
+        </p:nvSpPr>
+        <p:spPr>
+          <a:xfrm>
+            <a:off x="260579" y="762000"/>
+            <a:ext cx="2558425" cy="825500"/>
+          </a:xfrm>
+          <a:prstGeom prst="rect">
+            <a:avLst/>
+          </a:prstGeom>
+        </p:spPr>
+        <p:txBody>
+          <a:bodyPr vert="horz" anchor="b">
+            <a:noAutofit/>
+          </a:bodyPr>
+          <a:lstStyle>
+            <a:lvl1pPr algn="l" rtl="0" eaLnBrk="1" latinLnBrk="0" hangingPunct="1">
+              <a:spcBef>
+                <a:spcPct val="0"/>
+              </a:spcBef>
+              <a:buNone/>
+              <a:defRPr kumimoji="0" sz="2200" b="1" kern="1200">
+                <a:solidFill>
+                  <a:srgbClr val="FFFFFF"/>
+                </a:solidFill>
+                <a:latin typeface="+mj-lt"/>
+                <a:ea typeface="+mj-ea"/>
+                <a:cs typeface="+mj-cs"/>
+              </a:defRPr>
+            </a:lvl1pPr>
+          </a:lstStyle>
+          <a:p>
+            <a:endParaRPr lang="en-US" dirty="0"/>
+          </a:p>
+        </p:txBody>
+      </p:sp>
+      <p:sp>
+        <p:nvSpPr>
+          <p:cNvPr id="11" name="Text Placeholder 2"/>
+          <p:cNvSpPr>
+            <a:spLocks noGrp="1"/>
+          </p:cNvSpPr>
+          <p:nvPr>
+            <p:ph type="body" idx="2"/>
+          </p:nvPr>
+        </p:nvSpPr>
+        <p:spPr>
+          <a:xfrm>
+            <a:off x="260112" y="1650533"/>
+            <a:ext cx="2558425" cy="3454136"/>
+          </a:xfrm>
+        </p:spPr>
+        <p:txBody>
+          <a:bodyPr/>
+          <a:lstStyle/>
+          <a:p>
+            <a:r>
+              <a:rPr lang="en-US" dirty="0" smtClean="0"/>
+              <a:t>Option Types</a:t>
+            </a:r>
+            <a:endParaRPr lang="en-US" dirty="0"/>
+          </a:p>
+        </p:txBody>
+      </p:sp>
+      <p:sp>
+        <p:nvSpPr>
+          <p:cNvPr id="12" name="Title 1"/>
+          <p:cNvSpPr>
+            <a:spLocks noGrp="1"/>
+          </p:cNvSpPr>
+          <p:nvPr>
+            <p:ph type="title"/>
+          </p:nvPr>
+        </p:nvSpPr>
+        <p:spPr>
+          <a:xfrm>
+            <a:off x="260112" y="761533"/>
+            <a:ext cx="2558425" cy="825500"/>
+          </a:xfrm>
+        </p:spPr>
+        <p:txBody>
+          <a:bodyPr/>
+          <a:lstStyle/>
+          <a:p>
+            <a:r>
+              <a:rPr lang="en-US" dirty="0" smtClean="0"/>
+              <a:t>F# Fundamentals</a:t>
+            </a:r>
+            <a:endParaRPr lang="en-US" dirty="0"/>
+          </a:p>
+        </p:txBody>
+      </p:sp>
+    </p:spTree>
+    <p:extLst>
+      <p:ext uri="{BB962C8B-B14F-4D97-AF65-F5344CB8AC3E}">
+        <p14:creationId xmlns:p14="http://schemas.microsoft.com/office/powerpoint/2010/main" val="2944483430"/>
+      </p:ext>
+    </p:extLst>
+  </p:cSld>
+  <p:clrMapOvr>
+    <a:masterClrMapping/>
+  </p:clrMapOvr>
+  <p:timing>
+    <p:tnLst>
+      <p:par>
+        <p:cTn xmlns:p14="http://schemas.microsoft.com/office/powerpoint/2010/main" id="1" dur="indefinite" restart="never" nodeType="tmRoot"/>
+      </p:par>
+    </p:tnLst>
+  </p:timing>
+</p:sld>
+</file>
+
+<file path=ppt/slides/slide8.xml><?xml version="1.0" encoding="utf-8"?>
+<p:sld xmlns:a="http://schemas.openxmlformats.org/drawingml/2006/main" xmlns:r="http://schemas.openxmlformats.org/officeDocument/2006/relationships" xmlns:p="http://schemas.openxmlformats.org/presentationml/2006/main">
+  <p:cSld>
+    <p:spTree>
+      <p:nvGrpSpPr>
+        <p:cNvPr id="1" name=""/>
+        <p:cNvGrpSpPr/>
+        <p:nvPr/>
+      </p:nvGrpSpPr>
+      <p:grpSpPr>
+        <a:xfrm>
+          <a:off x="0" y="0"/>
+          <a:ext cx="0" cy="0"/>
+          <a:chOff x="0" y="0"/>
+          <a:chExt cx="0" cy="0"/>
+        </a:xfrm>
+      </p:grpSpPr>
       <p:sp>
         <p:nvSpPr>
           <p:cNvPr id="3" name="Text Placeholder 2"/>
@@ -32476,7 +33124,7 @@
 </p:sld>
 </file>
 
-<file path=ppt/slides/slide8.xml><?xml version="1.0" encoding="utf-8"?>
+<file path=ppt/slides/slide9.xml><?xml version="1.0" encoding="utf-8"?>
 <p:sld xmlns:a="http://schemas.openxmlformats.org/drawingml/2006/main" xmlns:r="http://schemas.openxmlformats.org/officeDocument/2006/relationships" xmlns:p="http://schemas.openxmlformats.org/presentationml/2006/main">
   <p:cSld>
     <p:spTree>
@@ -32550,126 +33198,6 @@
     <p:extLst>
       <p:ext uri="{BB962C8B-B14F-4D97-AF65-F5344CB8AC3E}">
         <p14:creationId xmlns:p14="http://schemas.microsoft.com/office/powerpoint/2010/main" val="1413902312"/>
-      </p:ext>
-    </p:extLst>
-  </p:cSld>
-  <p:clrMapOvr>
-    <a:masterClrMapping/>
-  </p:clrMapOvr>
-  <p:timing>
-    <p:tnLst>
-      <p:par>
-        <p:cTn xmlns:p14="http://schemas.microsoft.com/office/powerpoint/2010/main" id="1" dur="indefinite" restart="never" nodeType="tmRoot"/>
-      </p:par>
-    </p:tnLst>
-  </p:timing>
-</p:sld>
-</file>
-
-<file path=ppt/slides/slide9.xml><?xml version="1.0" encoding="utf-8"?>
-<p:sld xmlns:a="http://schemas.openxmlformats.org/drawingml/2006/main" xmlns:r="http://schemas.openxmlformats.org/officeDocument/2006/relationships" xmlns:p="http://schemas.openxmlformats.org/presentationml/2006/main">
-  <p:cSld>
-    <p:spTree>
-      <p:nvGrpSpPr>
-        <p:cNvPr id="1" name=""/>
-        <p:cNvGrpSpPr/>
-        <p:nvPr/>
-      </p:nvGrpSpPr>
-      <p:grpSpPr>
-        <a:xfrm>
-          <a:off x="0" y="0"/>
-          <a:ext cx="0" cy="0"/>
-          <a:chOff x="0" y="0"/>
-          <a:chExt cx="0" cy="0"/>
-        </a:xfrm>
-      </p:grpSpPr>
-      <p:sp>
-        <p:nvSpPr>
-          <p:cNvPr id="2" name="Title 1"/>
-          <p:cNvSpPr>
-            <a:spLocks noGrp="1"/>
-          </p:cNvSpPr>
-          <p:nvPr>
-            <p:ph type="title"/>
-          </p:nvPr>
-        </p:nvSpPr>
-        <p:spPr/>
-        <p:txBody>
-          <a:bodyPr/>
-          <a:lstStyle/>
-          <a:p>
-            <a:r>
-              <a:rPr lang="en-US" dirty="0" smtClean="0"/>
-              <a:t>Some existing type providers.</a:t>
-            </a:r>
-            <a:endParaRPr lang="en-US" dirty="0"/>
-          </a:p>
-        </p:txBody>
-      </p:sp>
-      <p:sp>
-        <p:nvSpPr>
-          <p:cNvPr id="8" name="Text Placeholder 7"/>
-          <p:cNvSpPr>
-            <a:spLocks noGrp="1"/>
-          </p:cNvSpPr>
-          <p:nvPr>
-            <p:ph type="body" idx="2"/>
-          </p:nvPr>
-        </p:nvSpPr>
-        <p:spPr/>
-        <p:txBody>
-          <a:bodyPr/>
-          <a:lstStyle/>
-          <a:p>
-            <a:r>
-              <a:rPr lang="en-US" dirty="0"/>
-              <a:t>See </a:t>
-            </a:r>
-            <a:r>
-              <a:rPr lang="en-US" dirty="0">
-                <a:hlinkClick r:id="rId2"/>
-              </a:rPr>
-              <a:t>here</a:t>
-            </a:r>
-            <a:r>
-              <a:rPr lang="en-US" dirty="0"/>
-              <a:t> for a full list. </a:t>
-            </a:r>
-          </a:p>
-          <a:p>
-            <a:endParaRPr lang="en-US" dirty="0"/>
-          </a:p>
-        </p:txBody>
-      </p:sp>
-      <p:graphicFrame>
-        <p:nvGraphicFramePr>
-          <p:cNvPr id="6" name="Content Placeholder 5"/>
-          <p:cNvGraphicFramePr>
-            <a:graphicFrameLocks noGrp="1"/>
-          </p:cNvGraphicFramePr>
-          <p:nvPr>
-            <p:ph sz="quarter" idx="1"/>
-            <p:extLst>
-              <p:ext uri="{D42A27DB-BD31-4B8C-83A1-F6EECF244321}">
-                <p14:modId xmlns:p14="http://schemas.microsoft.com/office/powerpoint/2010/main" val="3165634547"/>
-              </p:ext>
-            </p:extLst>
-          </p:nvPr>
-        </p:nvGraphicFramePr>
-        <p:xfrm>
-          <a:off x="3124200" y="571500"/>
-          <a:ext cx="5638800" cy="4508500"/>
-        </p:xfrm>
-        <a:graphic>
-          <a:graphicData uri="http://schemas.openxmlformats.org/drawingml/2006/diagram">
-            <dgm:relIds xmlns:dgm="http://schemas.openxmlformats.org/drawingml/2006/diagram" xmlns:r="http://schemas.openxmlformats.org/officeDocument/2006/relationships" r:dm="rId3" r:lo="rId4" r:qs="rId5" r:cs="rId6"/>
-          </a:graphicData>
-        </a:graphic>
-      </p:graphicFrame>
-    </p:spTree>
-    <p:extLst>
-      <p:ext uri="{BB962C8B-B14F-4D97-AF65-F5344CB8AC3E}">
-        <p14:creationId xmlns:p14="http://schemas.microsoft.com/office/powerpoint/2010/main" val="3016928814"/>
       </p:ext>
     </p:extLst>
   </p:cSld>

--- a/Intro to Xamarin F#/F#-iOS.pptx
+++ b/Intro to Xamarin F#/F#-iOS.pptx
@@ -5,10 +5,10 @@
     <p:sldMasterId id="2147483660" r:id="rId1"/>
   </p:sldMasterIdLst>
   <p:notesMasterIdLst>
-    <p:notesMasterId r:id="rId20"/>
+    <p:notesMasterId r:id="rId21"/>
   </p:notesMasterIdLst>
   <p:handoutMasterIdLst>
-    <p:handoutMasterId r:id="rId21"/>
+    <p:handoutMasterId r:id="rId22"/>
   </p:handoutMasterIdLst>
   <p:sldIdLst>
     <p:sldId id="256" r:id="rId2"/>
@@ -24,11 +24,12 @@
     <p:sldId id="266" r:id="rId12"/>
     <p:sldId id="267" r:id="rId13"/>
     <p:sldId id="260" r:id="rId14"/>
-    <p:sldId id="279" r:id="rId15"/>
-    <p:sldId id="270" r:id="rId16"/>
-    <p:sldId id="284" r:id="rId17"/>
-    <p:sldId id="271" r:id="rId18"/>
-    <p:sldId id="282" r:id="rId19"/>
+    <p:sldId id="286" r:id="rId15"/>
+    <p:sldId id="279" r:id="rId16"/>
+    <p:sldId id="270" r:id="rId17"/>
+    <p:sldId id="284" r:id="rId18"/>
+    <p:sldId id="271" r:id="rId19"/>
+    <p:sldId id="282" r:id="rId20"/>
   </p:sldIdLst>
   <p:sldSz cx="9144000" cy="5715000" type="screen16x10"/>
   <p:notesSz cx="6858000" cy="9144000"/>
@@ -157,6 +158,7 @@
             <p14:sldId id="266"/>
             <p14:sldId id="267"/>
             <p14:sldId id="260"/>
+            <p14:sldId id="286"/>
           </p14:sldIdLst>
         </p14:section>
         <p14:section name="Why Xamarin?" id="{E008D9D3-A2FC-40AF-B35B-B733A5818AED}">
@@ -175,7 +177,7 @@
       </p14:sectionLst>
     </p:ext>
     <p:ext uri="{EFAFB233-063F-42B5-8137-9DF3F51BA10A}">
-      <p15:sldGuideLst xmlns:p15="http://schemas.microsoft.com/office/powerpoint/2012/main" xmlns=""/>
+      <p15:sldGuideLst xmlns="" xmlns:p15="http://schemas.microsoft.com/office/powerpoint/2012/main"/>
     </p:ext>
   </p:extLst>
 </p:presentation>
@@ -2598,6 +2600,757 @@
 </dgm:colorsDef>
 </file>
 
+<file path=ppt/diagrams/colors4.xml><?xml version="1.0" encoding="utf-8"?>
+<dgm:colorsDef xmlns:dgm="http://schemas.openxmlformats.org/drawingml/2006/diagram" xmlns:a="http://schemas.openxmlformats.org/drawingml/2006/main" uniqueId="urn:microsoft.com/office/officeart/2005/8/colors/accent0_3">
+  <dgm:title val=""/>
+  <dgm:desc val=""/>
+  <dgm:catLst>
+    <dgm:cat type="mainScheme" pri="10300"/>
+  </dgm:catLst>
+  <dgm:styleLbl name="node0">
+    <dgm:fillClrLst meth="repeat">
+      <a:schemeClr val="dk2"/>
+    </dgm:fillClrLst>
+    <dgm:linClrLst meth="repeat">
+      <a:schemeClr val="lt2"/>
+    </dgm:linClrLst>
+    <dgm:effectClrLst/>
+    <dgm:txLinClrLst/>
+    <dgm:txFillClrLst/>
+    <dgm:txEffectClrLst/>
+  </dgm:styleLbl>
+  <dgm:styleLbl name="alignNode1">
+    <dgm:fillClrLst meth="repeat">
+      <a:schemeClr val="dk2"/>
+    </dgm:fillClrLst>
+    <dgm:linClrLst meth="repeat">
+      <a:schemeClr val="dk2"/>
+    </dgm:linClrLst>
+    <dgm:effectClrLst/>
+    <dgm:txLinClrLst/>
+    <dgm:txFillClrLst/>
+    <dgm:txEffectClrLst/>
+  </dgm:styleLbl>
+  <dgm:styleLbl name="node1">
+    <dgm:fillClrLst meth="repeat">
+      <a:schemeClr val="dk2"/>
+    </dgm:fillClrLst>
+    <dgm:linClrLst meth="repeat">
+      <a:schemeClr val="lt2"/>
+    </dgm:linClrLst>
+    <dgm:effectClrLst/>
+    <dgm:txLinClrLst/>
+    <dgm:txFillClrLst/>
+    <dgm:txEffectClrLst/>
+  </dgm:styleLbl>
+  <dgm:styleLbl name="lnNode1">
+    <dgm:fillClrLst meth="repeat">
+      <a:schemeClr val="dk2"/>
+    </dgm:fillClrLst>
+    <dgm:linClrLst meth="repeat">
+      <a:schemeClr val="lt2"/>
+    </dgm:linClrLst>
+    <dgm:effectClrLst/>
+    <dgm:txLinClrLst/>
+    <dgm:txFillClrLst/>
+    <dgm:txEffectClrLst/>
+  </dgm:styleLbl>
+  <dgm:styleLbl name="vennNode1">
+    <dgm:fillClrLst meth="repeat">
+      <a:schemeClr val="dk2">
+        <a:alpha val="50000"/>
+      </a:schemeClr>
+    </dgm:fillClrLst>
+    <dgm:linClrLst meth="repeat">
+      <a:schemeClr val="lt2"/>
+    </dgm:linClrLst>
+    <dgm:effectClrLst/>
+    <dgm:txLinClrLst/>
+    <dgm:txFillClrLst/>
+    <dgm:txEffectClrLst/>
+  </dgm:styleLbl>
+  <dgm:styleLbl name="node2">
+    <dgm:fillClrLst meth="repeat">
+      <a:schemeClr val="dk2"/>
+    </dgm:fillClrLst>
+    <dgm:linClrLst meth="repeat">
+      <a:schemeClr val="lt2"/>
+    </dgm:linClrLst>
+    <dgm:effectClrLst/>
+    <dgm:txLinClrLst/>
+    <dgm:txFillClrLst/>
+    <dgm:txEffectClrLst/>
+  </dgm:styleLbl>
+  <dgm:styleLbl name="node3">
+    <dgm:fillClrLst meth="repeat">
+      <a:schemeClr val="dk2"/>
+    </dgm:fillClrLst>
+    <dgm:linClrLst meth="repeat">
+      <a:schemeClr val="lt2"/>
+    </dgm:linClrLst>
+    <dgm:effectClrLst/>
+    <dgm:txLinClrLst/>
+    <dgm:txFillClrLst/>
+    <dgm:txEffectClrLst/>
+  </dgm:styleLbl>
+  <dgm:styleLbl name="node4">
+    <dgm:fillClrLst meth="repeat">
+      <a:schemeClr val="dk2"/>
+    </dgm:fillClrLst>
+    <dgm:linClrLst meth="repeat">
+      <a:schemeClr val="lt2"/>
+    </dgm:linClrLst>
+    <dgm:effectClrLst/>
+    <dgm:txLinClrLst/>
+    <dgm:txFillClrLst/>
+    <dgm:txEffectClrLst/>
+  </dgm:styleLbl>
+  <dgm:styleLbl name="fgImgPlace1">
+    <dgm:fillClrLst meth="repeat">
+      <a:schemeClr val="dk2">
+        <a:tint val="50000"/>
+      </a:schemeClr>
+    </dgm:fillClrLst>
+    <dgm:linClrLst meth="repeat">
+      <a:schemeClr val="lt2"/>
+    </dgm:linClrLst>
+    <dgm:effectClrLst/>
+    <dgm:txLinClrLst/>
+    <dgm:txFillClrLst meth="repeat">
+      <a:schemeClr val="lt2"/>
+    </dgm:txFillClrLst>
+    <dgm:txEffectClrLst/>
+  </dgm:styleLbl>
+  <dgm:styleLbl name="alignImgPlace1">
+    <dgm:fillClrLst meth="repeat">
+      <a:schemeClr val="dk2">
+        <a:tint val="50000"/>
+      </a:schemeClr>
+    </dgm:fillClrLst>
+    <dgm:linClrLst meth="repeat">
+      <a:schemeClr val="dk2">
+        <a:shade val="80000"/>
+      </a:schemeClr>
+    </dgm:linClrLst>
+    <dgm:effectClrLst/>
+    <dgm:txLinClrLst/>
+    <dgm:txFillClrLst meth="repeat">
+      <a:schemeClr val="lt2"/>
+    </dgm:txFillClrLst>
+    <dgm:txEffectClrLst/>
+  </dgm:styleLbl>
+  <dgm:styleLbl name="bgImgPlace1">
+    <dgm:fillClrLst meth="repeat">
+      <a:schemeClr val="dk2">
+        <a:tint val="50000"/>
+      </a:schemeClr>
+    </dgm:fillClrLst>
+    <dgm:linClrLst meth="repeat">
+      <a:schemeClr val="dk2">
+        <a:shade val="80000"/>
+      </a:schemeClr>
+    </dgm:linClrLst>
+    <dgm:effectClrLst/>
+    <dgm:txLinClrLst/>
+    <dgm:txFillClrLst meth="repeat">
+      <a:schemeClr val="lt2"/>
+    </dgm:txFillClrLst>
+    <dgm:txEffectClrLst/>
+  </dgm:styleLbl>
+  <dgm:styleLbl name="sibTrans2D1">
+    <dgm:fillClrLst meth="repeat">
+      <a:schemeClr val="dk2">
+        <a:tint val="60000"/>
+      </a:schemeClr>
+    </dgm:fillClrLst>
+    <dgm:linClrLst meth="repeat">
+      <a:schemeClr val="dk2">
+        <a:tint val="60000"/>
+      </a:schemeClr>
+    </dgm:linClrLst>
+    <dgm:effectClrLst/>
+    <dgm:txLinClrLst/>
+    <dgm:txFillClrLst/>
+    <dgm:txEffectClrLst/>
+  </dgm:styleLbl>
+  <dgm:styleLbl name="fgSibTrans2D1">
+    <dgm:fillClrLst meth="repeat">
+      <a:schemeClr val="dk2">
+        <a:tint val="60000"/>
+      </a:schemeClr>
+    </dgm:fillClrLst>
+    <dgm:linClrLst meth="repeat">
+      <a:schemeClr val="dk2">
+        <a:tint val="60000"/>
+      </a:schemeClr>
+    </dgm:linClrLst>
+    <dgm:effectClrLst/>
+    <dgm:txLinClrLst/>
+    <dgm:txFillClrLst/>
+    <dgm:txEffectClrLst/>
+  </dgm:styleLbl>
+  <dgm:styleLbl name="bgSibTrans2D1">
+    <dgm:fillClrLst meth="repeat">
+      <a:schemeClr val="dk2">
+        <a:tint val="60000"/>
+      </a:schemeClr>
+    </dgm:fillClrLst>
+    <dgm:linClrLst meth="repeat">
+      <a:schemeClr val="dk2">
+        <a:tint val="60000"/>
+      </a:schemeClr>
+    </dgm:linClrLst>
+    <dgm:effectClrLst/>
+    <dgm:txLinClrLst/>
+    <dgm:txFillClrLst/>
+    <dgm:txEffectClrLst/>
+  </dgm:styleLbl>
+  <dgm:styleLbl name="sibTrans1D1">
+    <dgm:fillClrLst meth="repeat">
+      <a:schemeClr val="dk2"/>
+    </dgm:fillClrLst>
+    <dgm:linClrLst meth="repeat">
+      <a:schemeClr val="dk2"/>
+    </dgm:linClrLst>
+    <dgm:effectClrLst/>
+    <dgm:txLinClrLst/>
+    <dgm:txFillClrLst meth="repeat">
+      <a:schemeClr val="lt2"/>
+    </dgm:txFillClrLst>
+    <dgm:txEffectClrLst/>
+  </dgm:styleLbl>
+  <dgm:styleLbl name="callout">
+    <dgm:fillClrLst meth="repeat">
+      <a:schemeClr val="dk2"/>
+    </dgm:fillClrLst>
+    <dgm:linClrLst meth="repeat">
+      <a:schemeClr val="dk2">
+        <a:tint val="50000"/>
+      </a:schemeClr>
+    </dgm:linClrLst>
+    <dgm:effectClrLst/>
+    <dgm:txLinClrLst/>
+    <dgm:txFillClrLst meth="repeat">
+      <a:schemeClr val="lt2"/>
+    </dgm:txFillClrLst>
+    <dgm:txEffectClrLst/>
+  </dgm:styleLbl>
+  <dgm:styleLbl name="asst0">
+    <dgm:fillClrLst meth="repeat">
+      <a:schemeClr val="dk2"/>
+    </dgm:fillClrLst>
+    <dgm:linClrLst meth="repeat">
+      <a:schemeClr val="lt2"/>
+    </dgm:linClrLst>
+    <dgm:effectClrLst/>
+    <dgm:txLinClrLst/>
+    <dgm:txFillClrLst/>
+    <dgm:txEffectClrLst/>
+  </dgm:styleLbl>
+  <dgm:styleLbl name="asst1">
+    <dgm:fillClrLst meth="repeat">
+      <a:schemeClr val="dk2"/>
+    </dgm:fillClrLst>
+    <dgm:linClrLst meth="repeat">
+      <a:schemeClr val="lt2"/>
+    </dgm:linClrLst>
+    <dgm:effectClrLst/>
+    <dgm:txLinClrLst/>
+    <dgm:txFillClrLst/>
+    <dgm:txEffectClrLst/>
+  </dgm:styleLbl>
+  <dgm:styleLbl name="asst2">
+    <dgm:fillClrLst meth="repeat">
+      <a:schemeClr val="dk2"/>
+    </dgm:fillClrLst>
+    <dgm:linClrLst meth="repeat">
+      <a:schemeClr val="lt2"/>
+    </dgm:linClrLst>
+    <dgm:effectClrLst/>
+    <dgm:txLinClrLst/>
+    <dgm:txFillClrLst/>
+    <dgm:txEffectClrLst/>
+  </dgm:styleLbl>
+  <dgm:styleLbl name="asst3">
+    <dgm:fillClrLst meth="repeat">
+      <a:schemeClr val="dk2"/>
+    </dgm:fillClrLst>
+    <dgm:linClrLst meth="repeat">
+      <a:schemeClr val="lt2"/>
+    </dgm:linClrLst>
+    <dgm:effectClrLst/>
+    <dgm:txLinClrLst/>
+    <dgm:txFillClrLst/>
+    <dgm:txEffectClrLst/>
+  </dgm:styleLbl>
+  <dgm:styleLbl name="asst4">
+    <dgm:fillClrLst meth="repeat">
+      <a:schemeClr val="dk2"/>
+    </dgm:fillClrLst>
+    <dgm:linClrLst meth="repeat">
+      <a:schemeClr val="lt2"/>
+    </dgm:linClrLst>
+    <dgm:effectClrLst/>
+    <dgm:txLinClrLst/>
+    <dgm:txFillClrLst/>
+    <dgm:txEffectClrLst/>
+  </dgm:styleLbl>
+  <dgm:styleLbl name="parChTrans2D1">
+    <dgm:fillClrLst meth="repeat">
+      <a:schemeClr val="dk2">
+        <a:tint val="60000"/>
+      </a:schemeClr>
+    </dgm:fillClrLst>
+    <dgm:linClrLst meth="repeat">
+      <a:schemeClr val="dk2">
+        <a:tint val="60000"/>
+      </a:schemeClr>
+    </dgm:linClrLst>
+    <dgm:effectClrLst/>
+    <dgm:txLinClrLst/>
+    <dgm:txFillClrLst meth="repeat">
+      <a:schemeClr val="lt2"/>
+    </dgm:txFillClrLst>
+    <dgm:txEffectClrLst/>
+  </dgm:styleLbl>
+  <dgm:styleLbl name="parChTrans2D2">
+    <dgm:fillClrLst meth="repeat">
+      <a:schemeClr val="dk2"/>
+    </dgm:fillClrLst>
+    <dgm:linClrLst meth="repeat">
+      <a:schemeClr val="dk2"/>
+    </dgm:linClrLst>
+    <dgm:effectClrLst/>
+    <dgm:txLinClrLst/>
+    <dgm:txFillClrLst meth="repeat">
+      <a:schemeClr val="lt2"/>
+    </dgm:txFillClrLst>
+    <dgm:txEffectClrLst/>
+  </dgm:styleLbl>
+  <dgm:styleLbl name="parChTrans2D3">
+    <dgm:fillClrLst meth="repeat">
+      <a:schemeClr val="dk2"/>
+    </dgm:fillClrLst>
+    <dgm:linClrLst meth="repeat">
+      <a:schemeClr val="dk2"/>
+    </dgm:linClrLst>
+    <dgm:effectClrLst/>
+    <dgm:txLinClrLst/>
+    <dgm:txFillClrLst meth="repeat">
+      <a:schemeClr val="lt2"/>
+    </dgm:txFillClrLst>
+    <dgm:txEffectClrLst/>
+  </dgm:styleLbl>
+  <dgm:styleLbl name="parChTrans2D4">
+    <dgm:fillClrLst meth="repeat">
+      <a:schemeClr val="dk2"/>
+    </dgm:fillClrLst>
+    <dgm:linClrLst meth="repeat">
+      <a:schemeClr val="dk2"/>
+    </dgm:linClrLst>
+    <dgm:effectClrLst/>
+    <dgm:txLinClrLst/>
+    <dgm:txFillClrLst meth="repeat">
+      <a:schemeClr val="lt2"/>
+    </dgm:txFillClrLst>
+    <dgm:txEffectClrLst/>
+  </dgm:styleLbl>
+  <dgm:styleLbl name="parChTrans1D1">
+    <dgm:fillClrLst meth="repeat">
+      <a:schemeClr val="dk2"/>
+    </dgm:fillClrLst>
+    <dgm:linClrLst meth="repeat">
+      <a:schemeClr val="dk2">
+        <a:shade val="60000"/>
+      </a:schemeClr>
+    </dgm:linClrLst>
+    <dgm:effectClrLst/>
+    <dgm:txLinClrLst/>
+    <dgm:txFillClrLst meth="repeat">
+      <a:schemeClr val="tx1"/>
+    </dgm:txFillClrLst>
+    <dgm:txEffectClrLst/>
+  </dgm:styleLbl>
+  <dgm:styleLbl name="parChTrans1D2">
+    <dgm:fillClrLst meth="repeat">
+      <a:schemeClr val="dk2"/>
+    </dgm:fillClrLst>
+    <dgm:linClrLst meth="repeat">
+      <a:schemeClr val="dk2">
+        <a:shade val="60000"/>
+      </a:schemeClr>
+    </dgm:linClrLst>
+    <dgm:effectClrLst/>
+    <dgm:txLinClrLst/>
+    <dgm:txFillClrLst meth="repeat">
+      <a:schemeClr val="tx1"/>
+    </dgm:txFillClrLst>
+    <dgm:txEffectClrLst/>
+  </dgm:styleLbl>
+  <dgm:styleLbl name="parChTrans1D3">
+    <dgm:fillClrLst meth="repeat">
+      <a:schemeClr val="dk2"/>
+    </dgm:fillClrLst>
+    <dgm:linClrLst meth="repeat">
+      <a:schemeClr val="dk2">
+        <a:shade val="80000"/>
+      </a:schemeClr>
+    </dgm:linClrLst>
+    <dgm:effectClrLst/>
+    <dgm:txLinClrLst/>
+    <dgm:txFillClrLst meth="repeat">
+      <a:schemeClr val="tx1"/>
+    </dgm:txFillClrLst>
+    <dgm:txEffectClrLst/>
+  </dgm:styleLbl>
+  <dgm:styleLbl name="parChTrans1D4">
+    <dgm:fillClrLst meth="repeat">
+      <a:schemeClr val="dk2"/>
+    </dgm:fillClrLst>
+    <dgm:linClrLst meth="repeat">
+      <a:schemeClr val="dk2">
+        <a:shade val="80000"/>
+      </a:schemeClr>
+    </dgm:linClrLst>
+    <dgm:effectClrLst/>
+    <dgm:txLinClrLst/>
+    <dgm:txFillClrLst meth="repeat">
+      <a:schemeClr val="tx1"/>
+    </dgm:txFillClrLst>
+    <dgm:txEffectClrLst/>
+  </dgm:styleLbl>
+  <dgm:styleLbl name="fgAcc1">
+    <dgm:fillClrLst meth="repeat">
+      <a:schemeClr val="lt2">
+        <a:alpha val="90000"/>
+      </a:schemeClr>
+    </dgm:fillClrLst>
+    <dgm:linClrLst meth="repeat">
+      <a:schemeClr val="dk2"/>
+    </dgm:linClrLst>
+    <dgm:effectClrLst/>
+    <dgm:txLinClrLst/>
+    <dgm:txFillClrLst meth="repeat">
+      <a:schemeClr val="dk1"/>
+    </dgm:txFillClrLst>
+    <dgm:txEffectClrLst/>
+  </dgm:styleLbl>
+  <dgm:styleLbl name="conFgAcc1">
+    <dgm:fillClrLst meth="repeat">
+      <a:schemeClr val="lt2">
+        <a:alpha val="90000"/>
+      </a:schemeClr>
+    </dgm:fillClrLst>
+    <dgm:linClrLst meth="repeat">
+      <a:schemeClr val="dk2"/>
+    </dgm:linClrLst>
+    <dgm:effectClrLst/>
+    <dgm:txLinClrLst/>
+    <dgm:txFillClrLst meth="repeat">
+      <a:schemeClr val="dk1"/>
+    </dgm:txFillClrLst>
+    <dgm:txEffectClrLst/>
+  </dgm:styleLbl>
+  <dgm:styleLbl name="alignAcc1">
+    <dgm:fillClrLst meth="repeat">
+      <a:schemeClr val="lt2">
+        <a:alpha val="90000"/>
+      </a:schemeClr>
+    </dgm:fillClrLst>
+    <dgm:linClrLst meth="repeat">
+      <a:schemeClr val="dk2"/>
+    </dgm:linClrLst>
+    <dgm:effectClrLst/>
+    <dgm:txLinClrLst/>
+    <dgm:txFillClrLst meth="repeat">
+      <a:schemeClr val="dk1"/>
+    </dgm:txFillClrLst>
+    <dgm:txEffectClrLst/>
+  </dgm:styleLbl>
+  <dgm:styleLbl name="trAlignAcc1">
+    <dgm:fillClrLst meth="repeat">
+      <a:schemeClr val="lt2">
+        <a:alpha val="40000"/>
+      </a:schemeClr>
+    </dgm:fillClrLst>
+    <dgm:linClrLst meth="repeat">
+      <a:schemeClr val="dk2"/>
+    </dgm:linClrLst>
+    <dgm:effectClrLst/>
+    <dgm:txLinClrLst/>
+    <dgm:txFillClrLst meth="repeat">
+      <a:schemeClr val="dk1"/>
+    </dgm:txFillClrLst>
+    <dgm:txEffectClrLst/>
+  </dgm:styleLbl>
+  <dgm:styleLbl name="bgAcc1">
+    <dgm:fillClrLst meth="repeat">
+      <a:schemeClr val="lt2">
+        <a:alpha val="90000"/>
+      </a:schemeClr>
+    </dgm:fillClrLst>
+    <dgm:linClrLst meth="repeat">
+      <a:schemeClr val="dk2"/>
+    </dgm:linClrLst>
+    <dgm:effectClrLst/>
+    <dgm:txLinClrLst/>
+    <dgm:txFillClrLst meth="repeat">
+      <a:schemeClr val="dk1"/>
+    </dgm:txFillClrLst>
+    <dgm:txEffectClrLst/>
+  </dgm:styleLbl>
+  <dgm:styleLbl name="solidFgAcc1">
+    <dgm:fillClrLst meth="repeat">
+      <a:schemeClr val="lt2"/>
+    </dgm:fillClrLst>
+    <dgm:linClrLst meth="repeat">
+      <a:schemeClr val="dk2"/>
+    </dgm:linClrLst>
+    <dgm:effectClrLst/>
+    <dgm:txLinClrLst/>
+    <dgm:txFillClrLst meth="repeat">
+      <a:schemeClr val="dk1"/>
+    </dgm:txFillClrLst>
+    <dgm:txEffectClrLst/>
+  </dgm:styleLbl>
+  <dgm:styleLbl name="solidAlignAcc1">
+    <dgm:fillClrLst meth="repeat">
+      <a:schemeClr val="lt2"/>
+    </dgm:fillClrLst>
+    <dgm:linClrLst meth="repeat">
+      <a:schemeClr val="dk2"/>
+    </dgm:linClrLst>
+    <dgm:effectClrLst/>
+    <dgm:txLinClrLst/>
+    <dgm:txFillClrLst meth="repeat">
+      <a:schemeClr val="dk1"/>
+    </dgm:txFillClrLst>
+    <dgm:txEffectClrLst/>
+  </dgm:styleLbl>
+  <dgm:styleLbl name="solidBgAcc1">
+    <dgm:fillClrLst meth="repeat">
+      <a:schemeClr val="lt2"/>
+    </dgm:fillClrLst>
+    <dgm:linClrLst meth="repeat">
+      <a:schemeClr val="dk2"/>
+    </dgm:linClrLst>
+    <dgm:effectClrLst/>
+    <dgm:txLinClrLst/>
+    <dgm:txFillClrLst meth="repeat">
+      <a:schemeClr val="dk1"/>
+    </dgm:txFillClrLst>
+    <dgm:txEffectClrLst/>
+  </dgm:styleLbl>
+  <dgm:styleLbl name="fgAccFollowNode1">
+    <dgm:fillClrLst meth="repeat">
+      <a:schemeClr val="dk2">
+        <a:alpha val="90000"/>
+        <a:tint val="40000"/>
+      </a:schemeClr>
+    </dgm:fillClrLst>
+    <dgm:linClrLst meth="repeat">
+      <a:schemeClr val="dk2">
+        <a:alpha val="90000"/>
+        <a:tint val="40000"/>
+      </a:schemeClr>
+    </dgm:linClrLst>
+    <dgm:effectClrLst/>
+    <dgm:txLinClrLst/>
+    <dgm:txFillClrLst meth="repeat">
+      <a:schemeClr val="dk1"/>
+    </dgm:txFillClrLst>
+    <dgm:txEffectClrLst/>
+  </dgm:styleLbl>
+  <dgm:styleLbl name="alignAccFollowNode1">
+    <dgm:fillClrLst meth="repeat">
+      <a:schemeClr val="dk2">
+        <a:alpha val="90000"/>
+        <a:tint val="40000"/>
+      </a:schemeClr>
+    </dgm:fillClrLst>
+    <dgm:linClrLst meth="repeat">
+      <a:schemeClr val="dk2">
+        <a:alpha val="90000"/>
+        <a:tint val="40000"/>
+      </a:schemeClr>
+    </dgm:linClrLst>
+    <dgm:effectClrLst/>
+    <dgm:txLinClrLst/>
+    <dgm:txFillClrLst meth="repeat">
+      <a:schemeClr val="dk1"/>
+    </dgm:txFillClrLst>
+    <dgm:txEffectClrLst/>
+  </dgm:styleLbl>
+  <dgm:styleLbl name="bgAccFollowNode1">
+    <dgm:fillClrLst meth="repeat">
+      <a:schemeClr val="dk2">
+        <a:alpha val="90000"/>
+        <a:tint val="40000"/>
+      </a:schemeClr>
+    </dgm:fillClrLst>
+    <dgm:linClrLst meth="repeat">
+      <a:schemeClr val="dk2">
+        <a:alpha val="90000"/>
+        <a:tint val="40000"/>
+      </a:schemeClr>
+    </dgm:linClrLst>
+    <dgm:effectClrLst/>
+    <dgm:txLinClrLst/>
+    <dgm:txFillClrLst meth="repeat">
+      <a:schemeClr val="dk1"/>
+    </dgm:txFillClrLst>
+    <dgm:txEffectClrLst/>
+  </dgm:styleLbl>
+  <dgm:styleLbl name="fgAcc0">
+    <dgm:fillClrLst meth="repeat">
+      <a:schemeClr val="lt2">
+        <a:alpha val="90000"/>
+      </a:schemeClr>
+    </dgm:fillClrLst>
+    <dgm:linClrLst meth="repeat">
+      <a:schemeClr val="dk2"/>
+    </dgm:linClrLst>
+    <dgm:effectClrLst/>
+    <dgm:txLinClrLst/>
+    <dgm:txFillClrLst meth="repeat">
+      <a:schemeClr val="dk1"/>
+    </dgm:txFillClrLst>
+    <dgm:txEffectClrLst/>
+  </dgm:styleLbl>
+  <dgm:styleLbl name="fgAcc2">
+    <dgm:fillClrLst meth="repeat">
+      <a:schemeClr val="lt2">
+        <a:alpha val="90000"/>
+      </a:schemeClr>
+    </dgm:fillClrLst>
+    <dgm:linClrLst meth="repeat">
+      <a:schemeClr val="dk2"/>
+    </dgm:linClrLst>
+    <dgm:effectClrLst/>
+    <dgm:txLinClrLst/>
+    <dgm:txFillClrLst meth="repeat">
+      <a:schemeClr val="dk1"/>
+    </dgm:txFillClrLst>
+    <dgm:txEffectClrLst/>
+  </dgm:styleLbl>
+  <dgm:styleLbl name="fgAcc3">
+    <dgm:fillClrLst meth="repeat">
+      <a:schemeClr val="lt2">
+        <a:alpha val="90000"/>
+      </a:schemeClr>
+    </dgm:fillClrLst>
+    <dgm:linClrLst meth="repeat">
+      <a:schemeClr val="dk2"/>
+    </dgm:linClrLst>
+    <dgm:effectClrLst/>
+    <dgm:txLinClrLst/>
+    <dgm:txFillClrLst meth="repeat">
+      <a:schemeClr val="dk1"/>
+    </dgm:txFillClrLst>
+    <dgm:txEffectClrLst/>
+  </dgm:styleLbl>
+  <dgm:styleLbl name="fgAcc4">
+    <dgm:fillClrLst meth="repeat">
+      <a:schemeClr val="lt2">
+        <a:alpha val="90000"/>
+      </a:schemeClr>
+    </dgm:fillClrLst>
+    <dgm:linClrLst meth="repeat">
+      <a:schemeClr val="dk2"/>
+    </dgm:linClrLst>
+    <dgm:effectClrLst/>
+    <dgm:txLinClrLst/>
+    <dgm:txFillClrLst meth="repeat">
+      <a:schemeClr val="dk1"/>
+    </dgm:txFillClrLst>
+    <dgm:txEffectClrLst/>
+  </dgm:styleLbl>
+  <dgm:styleLbl name="bgShp">
+    <dgm:fillClrLst meth="repeat">
+      <a:schemeClr val="dk2">
+        <a:tint val="40000"/>
+      </a:schemeClr>
+    </dgm:fillClrLst>
+    <dgm:linClrLst meth="repeat">
+      <a:schemeClr val="dk2"/>
+    </dgm:linClrLst>
+    <dgm:effectClrLst/>
+    <dgm:txLinClrLst/>
+    <dgm:txFillClrLst meth="repeat">
+      <a:schemeClr val="dk1"/>
+    </dgm:txFillClrLst>
+    <dgm:txEffectClrLst/>
+  </dgm:styleLbl>
+  <dgm:styleLbl name="dkBgShp">
+    <dgm:fillClrLst meth="repeat">
+      <a:schemeClr val="dk2">
+        <a:shade val="80000"/>
+      </a:schemeClr>
+    </dgm:fillClrLst>
+    <dgm:linClrLst meth="repeat">
+      <a:schemeClr val="dk2"/>
+    </dgm:linClrLst>
+    <dgm:effectClrLst/>
+    <dgm:txLinClrLst/>
+    <dgm:txFillClrLst meth="repeat">
+      <a:schemeClr val="lt1"/>
+    </dgm:txFillClrLst>
+    <dgm:txEffectClrLst/>
+  </dgm:styleLbl>
+  <dgm:styleLbl name="trBgShp">
+    <dgm:fillClrLst meth="repeat">
+      <a:schemeClr val="dk2">
+        <a:tint val="50000"/>
+        <a:alpha val="40000"/>
+      </a:schemeClr>
+    </dgm:fillClrLst>
+    <dgm:linClrLst meth="repeat">
+      <a:schemeClr val="dk2"/>
+    </dgm:linClrLst>
+    <dgm:effectClrLst/>
+    <dgm:txLinClrLst/>
+    <dgm:txFillClrLst meth="repeat">
+      <a:schemeClr val="lt1"/>
+    </dgm:txFillClrLst>
+    <dgm:txEffectClrLst/>
+  </dgm:styleLbl>
+  <dgm:styleLbl name="fgShp">
+    <dgm:fillClrLst meth="repeat">
+      <a:schemeClr val="dk2">
+        <a:tint val="60000"/>
+      </a:schemeClr>
+    </dgm:fillClrLst>
+    <dgm:linClrLst meth="repeat">
+      <a:schemeClr val="lt2"/>
+    </dgm:linClrLst>
+    <dgm:effectClrLst/>
+    <dgm:txLinClrLst/>
+    <dgm:txFillClrLst meth="repeat">
+      <a:schemeClr val="dk1"/>
+    </dgm:txFillClrLst>
+    <dgm:txEffectClrLst/>
+  </dgm:styleLbl>
+  <dgm:styleLbl name="revTx">
+    <dgm:fillClrLst meth="repeat">
+      <a:schemeClr val="lt2">
+        <a:alpha val="0"/>
+      </a:schemeClr>
+    </dgm:fillClrLst>
+    <dgm:linClrLst meth="repeat">
+      <a:schemeClr val="dk1">
+        <a:alpha val="0"/>
+      </a:schemeClr>
+    </dgm:linClrLst>
+    <dgm:effectClrLst/>
+    <dgm:txLinClrLst/>
+    <dgm:txFillClrLst meth="repeat">
+      <a:schemeClr val="tx1"/>
+    </dgm:txFillClrLst>
+    <dgm:txEffectClrLst/>
+  </dgm:styleLbl>
+</dgm:colorsDef>
+</file>
+
 <file path=ppt/diagrams/data1.xml><?xml version="1.0" encoding="utf-8"?>
 <dgm:dataModel xmlns:dgm="http://schemas.openxmlformats.org/drawingml/2006/diagram" xmlns:a="http://schemas.openxmlformats.org/drawingml/2006/main">
   <dgm:ptLst>
@@ -2926,16 +3679,16 @@
     </dgm:pt>
   </dgm:ptLst>
   <dgm:cxnLst>
+    <dgm:cxn modelId="{3C63E4D0-39BA-450E-B10B-76C7C9C65993}" type="presOf" srcId="{DF391389-8BAD-4E90-83A1-7335364AD7F6}" destId="{D626B2F3-E94A-4442-9D52-A33CBA4DC6FB}" srcOrd="0" destOrd="0" presId="urn:microsoft.com/office/officeart/2008/layout/VerticalCurvedList"/>
+    <dgm:cxn modelId="{EA730BD5-18E3-4760-A7B5-2742C95EEC01}" srcId="{4583716A-56B4-4D3B-B07C-1ED04DBF9780}" destId="{D5168158-2390-4A3E-979D-F6CFB2AD1652}" srcOrd="3" destOrd="0" parTransId="{4B91A79C-EECD-4904-92D5-AF82EF982E95}" sibTransId="{1DBFF770-7073-40FB-856C-A18B111AF8B4}"/>
+    <dgm:cxn modelId="{D47FE6EC-2DAD-44E0-8350-6863A07F4D21}" srcId="{4583716A-56B4-4D3B-B07C-1ED04DBF9780}" destId="{4EFECE58-A886-4586-8929-351B92A3FCAC}" srcOrd="2" destOrd="0" parTransId="{12867411-2EF5-42B1-99B3-C40F57D0F023}" sibTransId="{F226A3D1-7C2B-4EBA-AD84-BCB518A3DC31}"/>
+    <dgm:cxn modelId="{7B0C96B8-218C-4EF2-845E-EC969026BC8C}" srcId="{4583716A-56B4-4D3B-B07C-1ED04DBF9780}" destId="{DF391389-8BAD-4E90-83A1-7335364AD7F6}" srcOrd="0" destOrd="0" parTransId="{E0CE007A-EC90-4863-8612-6550BA1A75D7}" sibTransId="{F86FB727-4A7D-4084-A027-067C6C7C8EF1}"/>
+    <dgm:cxn modelId="{B1F7811B-069F-47DC-88F6-7E26BE3BDE64}" type="presOf" srcId="{4583716A-56B4-4D3B-B07C-1ED04DBF9780}" destId="{9F074360-7A38-4249-87F0-AA9D0F81D664}" srcOrd="0" destOrd="0" presId="urn:microsoft.com/office/officeart/2008/layout/VerticalCurvedList"/>
     <dgm:cxn modelId="{6F1EB540-E933-4FFE-AD59-902F82EAC555}" type="presOf" srcId="{4EFECE58-A886-4586-8929-351B92A3FCAC}" destId="{AFD76EB0-A822-42DF-B215-58F3D5068DD3}" srcOrd="0" destOrd="0" presId="urn:microsoft.com/office/officeart/2008/layout/VerticalCurvedList"/>
     <dgm:cxn modelId="{146B53AD-9D19-4058-BCD8-1C249FFC2F69}" srcId="{4583716A-56B4-4D3B-B07C-1ED04DBF9780}" destId="{FF9F151C-D916-4F36-BAB4-571F1A65D64C}" srcOrd="1" destOrd="0" parTransId="{3C2D1B8B-12EB-40C5-B29F-B2695B7C0BC5}" sibTransId="{D2EE688C-2ECE-485C-A1AB-10F7B86D98AD}"/>
-    <dgm:cxn modelId="{5CF4CA5A-379B-4397-891E-14104252B005}" type="presOf" srcId="{D5168158-2390-4A3E-979D-F6CFB2AD1652}" destId="{4B433EF5-E09C-4E89-AC54-57AF32427E34}" srcOrd="0" destOrd="0" presId="urn:microsoft.com/office/officeart/2008/layout/VerticalCurvedList"/>
-    <dgm:cxn modelId="{B1F7811B-069F-47DC-88F6-7E26BE3BDE64}" type="presOf" srcId="{4583716A-56B4-4D3B-B07C-1ED04DBF9780}" destId="{9F074360-7A38-4249-87F0-AA9D0F81D664}" srcOrd="0" destOrd="0" presId="urn:microsoft.com/office/officeart/2008/layout/VerticalCurvedList"/>
-    <dgm:cxn modelId="{D47FE6EC-2DAD-44E0-8350-6863A07F4D21}" srcId="{4583716A-56B4-4D3B-B07C-1ED04DBF9780}" destId="{4EFECE58-A886-4586-8929-351B92A3FCAC}" srcOrd="2" destOrd="0" parTransId="{12867411-2EF5-42B1-99B3-C40F57D0F023}" sibTransId="{F226A3D1-7C2B-4EBA-AD84-BCB518A3DC31}"/>
     <dgm:cxn modelId="{5B2AD088-F882-48D4-B99C-3D118F7DCB03}" type="presOf" srcId="{FF9F151C-D916-4F36-BAB4-571F1A65D64C}" destId="{25BE9474-0D72-488B-9DF7-0703C9164E8C}" srcOrd="0" destOrd="0" presId="urn:microsoft.com/office/officeart/2008/layout/VerticalCurvedList"/>
     <dgm:cxn modelId="{AE3FCC84-7024-4E39-9D17-3D0D7930A9EC}" type="presOf" srcId="{F86FB727-4A7D-4084-A027-067C6C7C8EF1}" destId="{77DC87CD-E2BE-4308-89B2-4347F0D9C791}" srcOrd="0" destOrd="0" presId="urn:microsoft.com/office/officeart/2008/layout/VerticalCurvedList"/>
-    <dgm:cxn modelId="{7B0C96B8-218C-4EF2-845E-EC969026BC8C}" srcId="{4583716A-56B4-4D3B-B07C-1ED04DBF9780}" destId="{DF391389-8BAD-4E90-83A1-7335364AD7F6}" srcOrd="0" destOrd="0" parTransId="{E0CE007A-EC90-4863-8612-6550BA1A75D7}" sibTransId="{F86FB727-4A7D-4084-A027-067C6C7C8EF1}"/>
-    <dgm:cxn modelId="{3C63E4D0-39BA-450E-B10B-76C7C9C65993}" type="presOf" srcId="{DF391389-8BAD-4E90-83A1-7335364AD7F6}" destId="{D626B2F3-E94A-4442-9D52-A33CBA4DC6FB}" srcOrd="0" destOrd="0" presId="urn:microsoft.com/office/officeart/2008/layout/VerticalCurvedList"/>
-    <dgm:cxn modelId="{EA730BD5-18E3-4760-A7B5-2742C95EEC01}" srcId="{4583716A-56B4-4D3B-B07C-1ED04DBF9780}" destId="{D5168158-2390-4A3E-979D-F6CFB2AD1652}" srcOrd="3" destOrd="0" parTransId="{4B91A79C-EECD-4904-92D5-AF82EF982E95}" sibTransId="{1DBFF770-7073-40FB-856C-A18B111AF8B4}"/>
+    <dgm:cxn modelId="{5CF4CA5A-379B-4397-891E-14104252B005}" type="presOf" srcId="{D5168158-2390-4A3E-979D-F6CFB2AD1652}" destId="{4B433EF5-E09C-4E89-AC54-57AF32427E34}" srcOrd="0" destOrd="0" presId="urn:microsoft.com/office/officeart/2008/layout/VerticalCurvedList"/>
     <dgm:cxn modelId="{CE0CC47D-D438-4886-BE94-D3844BA7E00E}" type="presParOf" srcId="{9F074360-7A38-4249-87F0-AA9D0F81D664}" destId="{88774335-2119-488B-B850-885470039299}" srcOrd="0" destOrd="0" presId="urn:microsoft.com/office/officeart/2008/layout/VerticalCurvedList"/>
     <dgm:cxn modelId="{A4AC2E65-A228-4D93-9DB3-742BA4C40710}" type="presParOf" srcId="{88774335-2119-488B-B850-885470039299}" destId="{F4407F4B-5F8E-474A-BE95-27146A410928}" srcOrd="0" destOrd="0" presId="urn:microsoft.com/office/officeart/2008/layout/VerticalCurvedList"/>
     <dgm:cxn modelId="{74E07EC3-1A2B-42BC-AAE8-887A789E9AF8}" type="presParOf" srcId="{F4407F4B-5F8E-474A-BE95-27146A410928}" destId="{E68FFB02-7D37-44AE-8539-925642C08702}" srcOrd="0" destOrd="0" presId="urn:microsoft.com/office/officeart/2008/layout/VerticalCurvedList"/>
@@ -5225,7 +5978,11 @@
     </dgm:pt>
     <dgm:pt modelId="{AD95B609-3303-4583-87CD-2E7F35A6232A}">
       <dgm:prSet/>
-      <dgm:spPr/>
+      <dgm:spPr>
+        <a:solidFill>
+          <a:schemeClr val="tx2"/>
+        </a:solidFill>
+      </dgm:spPr>
       <dgm:t>
         <a:bodyPr/>
         <a:lstStyle/>
@@ -6128,10 +6885,24 @@
     <dgm:pt modelId="{2A563650-F912-4157-A811-C159B047D303}" type="pres">
       <dgm:prSet presAssocID="{AD95B609-3303-4583-87CD-2E7F35A6232A}" presName="spPre1" presStyleCnt="0"/>
       <dgm:spPr/>
+      <dgm:t>
+        <a:bodyPr/>
+        <a:lstStyle/>
+        <a:p>
+          <a:endParaRPr lang="en-US"/>
+        </a:p>
+      </dgm:t>
     </dgm:pt>
     <dgm:pt modelId="{5CFD5AEE-B526-4A28-9A9F-CD5A5B54978C}" type="pres">
       <dgm:prSet presAssocID="{AD95B609-3303-4583-87CD-2E7F35A6232A}" presName="chLin1" presStyleCnt="0"/>
       <dgm:spPr/>
+      <dgm:t>
+        <a:bodyPr/>
+        <a:lstStyle/>
+        <a:p>
+          <a:endParaRPr lang="en-US"/>
+        </a:p>
+      </dgm:t>
     </dgm:pt>
     <dgm:pt modelId="{E1B577E6-CFB8-410B-89EE-BECDB8AA31A1}" type="pres">
       <dgm:prSet presAssocID="{5FB69482-A19E-4427-96EA-07A3C9999C37}" presName="Name11" presStyleLbl="parChTrans1D1" presStyleIdx="0" presStyleCnt="74"/>
@@ -6140,6 +6911,13 @@
           <a:prstDash val="solid"/>
         </a:ln>
       </dgm:spPr>
+      <dgm:t>
+        <a:bodyPr/>
+        <a:lstStyle/>
+        <a:p>
+          <a:endParaRPr lang="en-US"/>
+        </a:p>
+      </dgm:t>
     </dgm:pt>
     <dgm:pt modelId="{C16463AE-DA31-42D8-8A9C-EA0E7C533795}" type="pres">
       <dgm:prSet presAssocID="{5FB69482-A19E-4427-96EA-07A3C9999C37}" presName="Name31" presStyleLbl="parChTrans1D1" presStyleIdx="1" presStyleCnt="74"/>
@@ -6148,18 +6926,46 @@
           <a:prstDash val="solid"/>
         </a:ln>
       </dgm:spPr>
+      <dgm:t>
+        <a:bodyPr/>
+        <a:lstStyle/>
+        <a:p>
+          <a:endParaRPr lang="en-US"/>
+        </a:p>
+      </dgm:t>
     </dgm:pt>
     <dgm:pt modelId="{EDCD1567-0796-41AE-9A08-D7A9C36124F7}" type="pres">
       <dgm:prSet presAssocID="{09EA8485-884F-484C-A626-8D7CC15A3984}" presName="txAndLines1" presStyleCnt="0"/>
       <dgm:spPr/>
+      <dgm:t>
+        <a:bodyPr/>
+        <a:lstStyle/>
+        <a:p>
+          <a:endParaRPr lang="en-US"/>
+        </a:p>
+      </dgm:t>
     </dgm:pt>
     <dgm:pt modelId="{40EF6A6B-3E8E-4E68-BFF1-CBD9037A0794}" type="pres">
       <dgm:prSet presAssocID="{09EA8485-884F-484C-A626-8D7CC15A3984}" presName="anchor1" presStyleCnt="0"/>
       <dgm:spPr/>
+      <dgm:t>
+        <a:bodyPr/>
+        <a:lstStyle/>
+        <a:p>
+          <a:endParaRPr lang="en-US"/>
+        </a:p>
+      </dgm:t>
     </dgm:pt>
     <dgm:pt modelId="{B7C3CF86-3564-4BC7-9BDC-45A6A08666D7}" type="pres">
       <dgm:prSet presAssocID="{09EA8485-884F-484C-A626-8D7CC15A3984}" presName="backup1" presStyleCnt="0"/>
       <dgm:spPr/>
+      <dgm:t>
+        <a:bodyPr/>
+        <a:lstStyle/>
+        <a:p>
+          <a:endParaRPr lang="en-US"/>
+        </a:p>
+      </dgm:t>
     </dgm:pt>
     <dgm:pt modelId="{660D2601-BE9E-48CF-9D06-A7768F51B203}" type="pres">
       <dgm:prSet presAssocID="{09EA8485-884F-484C-A626-8D7CC15A3984}" presName="preLine1" presStyleLbl="parChTrans1D1" presStyleIdx="2" presStyleCnt="74"/>
@@ -6168,6 +6974,13 @@
           <a:prstDash val="solid"/>
         </a:ln>
       </dgm:spPr>
+      <dgm:t>
+        <a:bodyPr/>
+        <a:lstStyle/>
+        <a:p>
+          <a:endParaRPr lang="en-US"/>
+        </a:p>
+      </dgm:t>
     </dgm:pt>
     <dgm:pt modelId="{CA782425-D4E6-4F03-9D7E-94A648C70890}" type="pres">
       <dgm:prSet presAssocID="{09EA8485-884F-484C-A626-8D7CC15A3984}" presName="desTx1" presStyleLbl="revTx" presStyleIdx="0" presStyleCnt="0">
@@ -6191,6 +7004,13 @@
           <a:prstDash val="solid"/>
         </a:ln>
       </dgm:spPr>
+      <dgm:t>
+        <a:bodyPr/>
+        <a:lstStyle/>
+        <a:p>
+          <a:endParaRPr lang="en-US"/>
+        </a:p>
+      </dgm:t>
     </dgm:pt>
     <dgm:pt modelId="{25F8969F-C3A7-41DC-9CC0-3C29202DEA37}" type="pres">
       <dgm:prSet presAssocID="{25DBED34-3B55-46C2-92B0-F73CB140844A}" presName="Name11" presStyleLbl="parChTrans1D1" presStyleIdx="4" presStyleCnt="74"/>
@@ -6199,6 +7019,13 @@
           <a:prstDash val="solid"/>
         </a:ln>
       </dgm:spPr>
+      <dgm:t>
+        <a:bodyPr/>
+        <a:lstStyle/>
+        <a:p>
+          <a:endParaRPr lang="en-US"/>
+        </a:p>
+      </dgm:t>
     </dgm:pt>
     <dgm:pt modelId="{86AEF0AD-24CA-40CF-A6B9-9BBD1377CE5C}" type="pres">
       <dgm:prSet presAssocID="{25DBED34-3B55-46C2-92B0-F73CB140844A}" presName="Name31" presStyleLbl="parChTrans1D1" presStyleIdx="5" presStyleCnt="74"/>
@@ -6207,18 +7034,46 @@
           <a:prstDash val="solid"/>
         </a:ln>
       </dgm:spPr>
+      <dgm:t>
+        <a:bodyPr/>
+        <a:lstStyle/>
+        <a:p>
+          <a:endParaRPr lang="en-US"/>
+        </a:p>
+      </dgm:t>
     </dgm:pt>
     <dgm:pt modelId="{426DFC22-A524-48B6-8568-BEB57635A485}" type="pres">
       <dgm:prSet presAssocID="{EDD1FF38-46FD-4A03-BCBE-20400FF7D1C8}" presName="txAndLines1" presStyleCnt="0"/>
       <dgm:spPr/>
+      <dgm:t>
+        <a:bodyPr/>
+        <a:lstStyle/>
+        <a:p>
+          <a:endParaRPr lang="en-US"/>
+        </a:p>
+      </dgm:t>
     </dgm:pt>
     <dgm:pt modelId="{1E754449-0010-4AF1-AC14-C70E9D675C09}" type="pres">
       <dgm:prSet presAssocID="{EDD1FF38-46FD-4A03-BCBE-20400FF7D1C8}" presName="anchor1" presStyleCnt="0"/>
       <dgm:spPr/>
+      <dgm:t>
+        <a:bodyPr/>
+        <a:lstStyle/>
+        <a:p>
+          <a:endParaRPr lang="en-US"/>
+        </a:p>
+      </dgm:t>
     </dgm:pt>
     <dgm:pt modelId="{67CE1BE6-FF2F-45DA-9C09-02EB7DE73AE6}" type="pres">
       <dgm:prSet presAssocID="{EDD1FF38-46FD-4A03-BCBE-20400FF7D1C8}" presName="backup1" presStyleCnt="0"/>
       <dgm:spPr/>
+      <dgm:t>
+        <a:bodyPr/>
+        <a:lstStyle/>
+        <a:p>
+          <a:endParaRPr lang="en-US"/>
+        </a:p>
+      </dgm:t>
     </dgm:pt>
     <dgm:pt modelId="{5446DBEE-005E-49AF-8038-BE8BC7A2648B}" type="pres">
       <dgm:prSet presAssocID="{EDD1FF38-46FD-4A03-BCBE-20400FF7D1C8}" presName="preLine1" presStyleLbl="parChTrans1D1" presStyleIdx="6" presStyleCnt="74"/>
@@ -6227,6 +7082,13 @@
           <a:prstDash val="solid"/>
         </a:ln>
       </dgm:spPr>
+      <dgm:t>
+        <a:bodyPr/>
+        <a:lstStyle/>
+        <a:p>
+          <a:endParaRPr lang="en-US"/>
+        </a:p>
+      </dgm:t>
     </dgm:pt>
     <dgm:pt modelId="{5D0F8DBC-FA8A-4ACB-A014-076E69604080}" type="pres">
       <dgm:prSet presAssocID="{EDD1FF38-46FD-4A03-BCBE-20400FF7D1C8}" presName="desTx1" presStyleLbl="revTx" presStyleIdx="0" presStyleCnt="0">
@@ -6250,6 +7112,13 @@
           <a:prstDash val="solid"/>
         </a:ln>
       </dgm:spPr>
+      <dgm:t>
+        <a:bodyPr/>
+        <a:lstStyle/>
+        <a:p>
+          <a:endParaRPr lang="en-US"/>
+        </a:p>
+      </dgm:t>
     </dgm:pt>
     <dgm:pt modelId="{B7ACA83F-AA06-47BD-83AB-50B35557684E}" type="pres">
       <dgm:prSet presAssocID="{AB56B838-13C1-4272-A57B-C7EBE9D83F0E}" presName="Name11" presStyleLbl="parChTrans1D1" presStyleIdx="8" presStyleCnt="74"/>
@@ -6258,6 +7127,13 @@
           <a:prstDash val="solid"/>
         </a:ln>
       </dgm:spPr>
+      <dgm:t>
+        <a:bodyPr/>
+        <a:lstStyle/>
+        <a:p>
+          <a:endParaRPr lang="en-US"/>
+        </a:p>
+      </dgm:t>
     </dgm:pt>
     <dgm:pt modelId="{F9F97ABE-3993-411A-AB34-B883A447FE2C}" type="pres">
       <dgm:prSet presAssocID="{AB56B838-13C1-4272-A57B-C7EBE9D83F0E}" presName="Name31" presStyleLbl="parChTrans1D1" presStyleIdx="9" presStyleCnt="74"/>
@@ -6266,18 +7142,46 @@
           <a:prstDash val="solid"/>
         </a:ln>
       </dgm:spPr>
+      <dgm:t>
+        <a:bodyPr/>
+        <a:lstStyle/>
+        <a:p>
+          <a:endParaRPr lang="en-US"/>
+        </a:p>
+      </dgm:t>
     </dgm:pt>
     <dgm:pt modelId="{E920193B-DEAC-490F-A0BC-23DA0B103741}" type="pres">
       <dgm:prSet presAssocID="{C0E686F4-07E0-48F0-9175-5A4E8D81D8F8}" presName="txAndLines1" presStyleCnt="0"/>
       <dgm:spPr/>
+      <dgm:t>
+        <a:bodyPr/>
+        <a:lstStyle/>
+        <a:p>
+          <a:endParaRPr lang="en-US"/>
+        </a:p>
+      </dgm:t>
     </dgm:pt>
     <dgm:pt modelId="{017757B9-CF4E-48A4-AFA6-B03AA2F6075E}" type="pres">
       <dgm:prSet presAssocID="{C0E686F4-07E0-48F0-9175-5A4E8D81D8F8}" presName="anchor1" presStyleCnt="0"/>
       <dgm:spPr/>
+      <dgm:t>
+        <a:bodyPr/>
+        <a:lstStyle/>
+        <a:p>
+          <a:endParaRPr lang="en-US"/>
+        </a:p>
+      </dgm:t>
     </dgm:pt>
     <dgm:pt modelId="{CA670F93-9396-45C4-89E6-0E200669F7F8}" type="pres">
       <dgm:prSet presAssocID="{C0E686F4-07E0-48F0-9175-5A4E8D81D8F8}" presName="backup1" presStyleCnt="0"/>
       <dgm:spPr/>
+      <dgm:t>
+        <a:bodyPr/>
+        <a:lstStyle/>
+        <a:p>
+          <a:endParaRPr lang="en-US"/>
+        </a:p>
+      </dgm:t>
     </dgm:pt>
     <dgm:pt modelId="{00FE2FC8-8A37-43AE-B687-C74EBF42F46C}" type="pres">
       <dgm:prSet presAssocID="{C0E686F4-07E0-48F0-9175-5A4E8D81D8F8}" presName="preLine1" presStyleLbl="parChTrans1D1" presStyleIdx="10" presStyleCnt="74"/>
@@ -6286,6 +7190,13 @@
           <a:prstDash val="solid"/>
         </a:ln>
       </dgm:spPr>
+      <dgm:t>
+        <a:bodyPr/>
+        <a:lstStyle/>
+        <a:p>
+          <a:endParaRPr lang="en-US"/>
+        </a:p>
+      </dgm:t>
     </dgm:pt>
     <dgm:pt modelId="{389E0D84-76EC-4FFF-A4B8-7C47016BC1F8}" type="pres">
       <dgm:prSet presAssocID="{C0E686F4-07E0-48F0-9175-5A4E8D81D8F8}" presName="desTx1" presStyleLbl="revTx" presStyleIdx="0" presStyleCnt="0">
@@ -6309,6 +7220,13 @@
           <a:prstDash val="solid"/>
         </a:ln>
       </dgm:spPr>
+      <dgm:t>
+        <a:bodyPr/>
+        <a:lstStyle/>
+        <a:p>
+          <a:endParaRPr lang="en-US"/>
+        </a:p>
+      </dgm:t>
     </dgm:pt>
     <dgm:pt modelId="{04A22A01-B0AE-4EEC-9A7D-B0EDD35ACD1C}" type="pres">
       <dgm:prSet presAssocID="{920BB62B-541D-4CE3-A066-A85B338438D5}" presName="Name11" presStyleLbl="parChTrans1D1" presStyleIdx="12" presStyleCnt="74"/>
@@ -6317,6 +7235,13 @@
           <a:prstDash val="solid"/>
         </a:ln>
       </dgm:spPr>
+      <dgm:t>
+        <a:bodyPr/>
+        <a:lstStyle/>
+        <a:p>
+          <a:endParaRPr lang="en-US"/>
+        </a:p>
+      </dgm:t>
     </dgm:pt>
     <dgm:pt modelId="{4117CA6A-2412-4C46-AE4A-00180243BFC7}" type="pres">
       <dgm:prSet presAssocID="{920BB62B-541D-4CE3-A066-A85B338438D5}" presName="Name31" presStyleLbl="parChTrans1D1" presStyleIdx="13" presStyleCnt="74"/>
@@ -6325,18 +7250,46 @@
           <a:prstDash val="solid"/>
         </a:ln>
       </dgm:spPr>
+      <dgm:t>
+        <a:bodyPr/>
+        <a:lstStyle/>
+        <a:p>
+          <a:endParaRPr lang="en-US"/>
+        </a:p>
+      </dgm:t>
     </dgm:pt>
     <dgm:pt modelId="{68B388E4-6B81-4ADB-9D77-DDAB8B19766A}" type="pres">
       <dgm:prSet presAssocID="{C10C8E44-53F0-4A95-B9E0-2C9674291AA8}" presName="txAndLines1" presStyleCnt="0"/>
       <dgm:spPr/>
+      <dgm:t>
+        <a:bodyPr/>
+        <a:lstStyle/>
+        <a:p>
+          <a:endParaRPr lang="en-US"/>
+        </a:p>
+      </dgm:t>
     </dgm:pt>
     <dgm:pt modelId="{CC6CA217-E25B-49CA-BC41-F26496DBA0F4}" type="pres">
       <dgm:prSet presAssocID="{C10C8E44-53F0-4A95-B9E0-2C9674291AA8}" presName="anchor1" presStyleCnt="0"/>
       <dgm:spPr/>
+      <dgm:t>
+        <a:bodyPr/>
+        <a:lstStyle/>
+        <a:p>
+          <a:endParaRPr lang="en-US"/>
+        </a:p>
+      </dgm:t>
     </dgm:pt>
     <dgm:pt modelId="{4B1E0697-EC2B-40F9-A1E3-4F322719D195}" type="pres">
       <dgm:prSet presAssocID="{C10C8E44-53F0-4A95-B9E0-2C9674291AA8}" presName="backup1" presStyleCnt="0"/>
       <dgm:spPr/>
+      <dgm:t>
+        <a:bodyPr/>
+        <a:lstStyle/>
+        <a:p>
+          <a:endParaRPr lang="en-US"/>
+        </a:p>
+      </dgm:t>
     </dgm:pt>
     <dgm:pt modelId="{48036DE4-36FD-4EB6-A8EB-1C4357A54CBF}" type="pres">
       <dgm:prSet presAssocID="{C10C8E44-53F0-4A95-B9E0-2C9674291AA8}" presName="preLine1" presStyleLbl="parChTrans1D1" presStyleIdx="14" presStyleCnt="74"/>
@@ -6345,6 +7298,13 @@
           <a:prstDash val="solid"/>
         </a:ln>
       </dgm:spPr>
+      <dgm:t>
+        <a:bodyPr/>
+        <a:lstStyle/>
+        <a:p>
+          <a:endParaRPr lang="en-US"/>
+        </a:p>
+      </dgm:t>
     </dgm:pt>
     <dgm:pt modelId="{71035CB5-025D-4273-8618-B75128118237}" type="pres">
       <dgm:prSet presAssocID="{C10C8E44-53F0-4A95-B9E0-2C9674291AA8}" presName="desTx1" presStyleLbl="revTx" presStyleIdx="0" presStyleCnt="0">
@@ -6368,6 +7328,13 @@
           <a:prstDash val="solid"/>
         </a:ln>
       </dgm:spPr>
+      <dgm:t>
+        <a:bodyPr/>
+        <a:lstStyle/>
+        <a:p>
+          <a:endParaRPr lang="en-US"/>
+        </a:p>
+      </dgm:t>
     </dgm:pt>
     <dgm:pt modelId="{3B3849AD-8167-436C-9F0D-6FFCE63BB811}" type="pres">
       <dgm:prSet presAssocID="{B2821827-82C3-4E38-B688-D3944481D084}" presName="Name11" presStyleLbl="parChTrans1D1" presStyleIdx="16" presStyleCnt="74"/>
@@ -6376,6 +7343,13 @@
           <a:prstDash val="solid"/>
         </a:ln>
       </dgm:spPr>
+      <dgm:t>
+        <a:bodyPr/>
+        <a:lstStyle/>
+        <a:p>
+          <a:endParaRPr lang="en-US"/>
+        </a:p>
+      </dgm:t>
     </dgm:pt>
     <dgm:pt modelId="{3AC3C945-B851-46D6-AA8C-5F6B23E36D5F}" type="pres">
       <dgm:prSet presAssocID="{B2821827-82C3-4E38-B688-D3944481D084}" presName="Name31" presStyleLbl="parChTrans1D1" presStyleIdx="17" presStyleCnt="74"/>
@@ -6384,18 +7358,46 @@
           <a:prstDash val="solid"/>
         </a:ln>
       </dgm:spPr>
+      <dgm:t>
+        <a:bodyPr/>
+        <a:lstStyle/>
+        <a:p>
+          <a:endParaRPr lang="en-US"/>
+        </a:p>
+      </dgm:t>
     </dgm:pt>
     <dgm:pt modelId="{2BD26A8D-1AE5-4044-A08F-2DA8DA611AF0}" type="pres">
       <dgm:prSet presAssocID="{D30CC538-6A3E-4ABF-A7CF-4766B1619AA9}" presName="txAndLines1" presStyleCnt="0"/>
       <dgm:spPr/>
+      <dgm:t>
+        <a:bodyPr/>
+        <a:lstStyle/>
+        <a:p>
+          <a:endParaRPr lang="en-US"/>
+        </a:p>
+      </dgm:t>
     </dgm:pt>
     <dgm:pt modelId="{9A0B61D0-9408-4867-B2C4-2BA3E6038E04}" type="pres">
       <dgm:prSet presAssocID="{D30CC538-6A3E-4ABF-A7CF-4766B1619AA9}" presName="anchor1" presStyleCnt="0"/>
       <dgm:spPr/>
+      <dgm:t>
+        <a:bodyPr/>
+        <a:lstStyle/>
+        <a:p>
+          <a:endParaRPr lang="en-US"/>
+        </a:p>
+      </dgm:t>
     </dgm:pt>
     <dgm:pt modelId="{C5D279A4-A14E-4AE9-8B71-FC9996AE2522}" type="pres">
       <dgm:prSet presAssocID="{D30CC538-6A3E-4ABF-A7CF-4766B1619AA9}" presName="backup1" presStyleCnt="0"/>
       <dgm:spPr/>
+      <dgm:t>
+        <a:bodyPr/>
+        <a:lstStyle/>
+        <a:p>
+          <a:endParaRPr lang="en-US"/>
+        </a:p>
+      </dgm:t>
     </dgm:pt>
     <dgm:pt modelId="{068B1A6B-DB39-4214-8420-C4DC878F0997}" type="pres">
       <dgm:prSet presAssocID="{D30CC538-6A3E-4ABF-A7CF-4766B1619AA9}" presName="preLine1" presStyleLbl="parChTrans1D1" presStyleIdx="18" presStyleCnt="74"/>
@@ -6404,6 +7406,13 @@
           <a:prstDash val="solid"/>
         </a:ln>
       </dgm:spPr>
+      <dgm:t>
+        <a:bodyPr/>
+        <a:lstStyle/>
+        <a:p>
+          <a:endParaRPr lang="en-US"/>
+        </a:p>
+      </dgm:t>
     </dgm:pt>
     <dgm:pt modelId="{847583CB-3949-4F46-92DF-5BC70B8A4826}" type="pres">
       <dgm:prSet presAssocID="{D30CC538-6A3E-4ABF-A7CF-4766B1619AA9}" presName="desTx1" presStyleLbl="revTx" presStyleIdx="0" presStyleCnt="0">
@@ -6427,6 +7436,13 @@
           <a:prstDash val="solid"/>
         </a:ln>
       </dgm:spPr>
+      <dgm:t>
+        <a:bodyPr/>
+        <a:lstStyle/>
+        <a:p>
+          <a:endParaRPr lang="en-US"/>
+        </a:p>
+      </dgm:t>
     </dgm:pt>
     <dgm:pt modelId="{529F131C-56A7-49F1-B202-35FDC79BD98F}" type="pres">
       <dgm:prSet presAssocID="{96364B11-B350-41FB-8E2B-B34E47C1D94A}" presName="Name11" presStyleLbl="parChTrans1D1" presStyleIdx="20" presStyleCnt="74"/>
@@ -6435,6 +7451,13 @@
           <a:prstDash val="solid"/>
         </a:ln>
       </dgm:spPr>
+      <dgm:t>
+        <a:bodyPr/>
+        <a:lstStyle/>
+        <a:p>
+          <a:endParaRPr lang="en-US"/>
+        </a:p>
+      </dgm:t>
     </dgm:pt>
     <dgm:pt modelId="{35E4013C-A8AE-4C0D-8C8E-A449873C24A0}" type="pres">
       <dgm:prSet presAssocID="{96364B11-B350-41FB-8E2B-B34E47C1D94A}" presName="Name31" presStyleLbl="parChTrans1D1" presStyleIdx="21" presStyleCnt="74"/>
@@ -6443,18 +7466,46 @@
           <a:prstDash val="solid"/>
         </a:ln>
       </dgm:spPr>
+      <dgm:t>
+        <a:bodyPr/>
+        <a:lstStyle/>
+        <a:p>
+          <a:endParaRPr lang="en-US"/>
+        </a:p>
+      </dgm:t>
     </dgm:pt>
     <dgm:pt modelId="{5D2827B7-6532-4E81-A5F6-6D3F652675F2}" type="pres">
       <dgm:prSet presAssocID="{33060EEB-721D-46E8-A715-2FC01D6BD15A}" presName="txAndLines1" presStyleCnt="0"/>
       <dgm:spPr/>
+      <dgm:t>
+        <a:bodyPr/>
+        <a:lstStyle/>
+        <a:p>
+          <a:endParaRPr lang="en-US"/>
+        </a:p>
+      </dgm:t>
     </dgm:pt>
     <dgm:pt modelId="{612BC5D1-B670-4B87-B882-AEB2144B750A}" type="pres">
       <dgm:prSet presAssocID="{33060EEB-721D-46E8-A715-2FC01D6BD15A}" presName="anchor1" presStyleCnt="0"/>
       <dgm:spPr/>
+      <dgm:t>
+        <a:bodyPr/>
+        <a:lstStyle/>
+        <a:p>
+          <a:endParaRPr lang="en-US"/>
+        </a:p>
+      </dgm:t>
     </dgm:pt>
     <dgm:pt modelId="{715BA669-8E7F-472E-AC9A-A935A45E052C}" type="pres">
       <dgm:prSet presAssocID="{33060EEB-721D-46E8-A715-2FC01D6BD15A}" presName="backup1" presStyleCnt="0"/>
       <dgm:spPr/>
+      <dgm:t>
+        <a:bodyPr/>
+        <a:lstStyle/>
+        <a:p>
+          <a:endParaRPr lang="en-US"/>
+        </a:p>
+      </dgm:t>
     </dgm:pt>
     <dgm:pt modelId="{F8AFED3C-ED85-4F08-A525-98EC2A181846}" type="pres">
       <dgm:prSet presAssocID="{33060EEB-721D-46E8-A715-2FC01D6BD15A}" presName="preLine1" presStyleLbl="parChTrans1D1" presStyleIdx="22" presStyleCnt="74"/>
@@ -6463,6 +7514,13 @@
           <a:prstDash val="solid"/>
         </a:ln>
       </dgm:spPr>
+      <dgm:t>
+        <a:bodyPr/>
+        <a:lstStyle/>
+        <a:p>
+          <a:endParaRPr lang="en-US"/>
+        </a:p>
+      </dgm:t>
     </dgm:pt>
     <dgm:pt modelId="{875414DA-731F-42C8-985C-69C9D4D037D6}" type="pres">
       <dgm:prSet presAssocID="{33060EEB-721D-46E8-A715-2FC01D6BD15A}" presName="desTx1" presStyleLbl="revTx" presStyleIdx="0" presStyleCnt="0">
@@ -6486,6 +7544,13 @@
           <a:prstDash val="solid"/>
         </a:ln>
       </dgm:spPr>
+      <dgm:t>
+        <a:bodyPr/>
+        <a:lstStyle/>
+        <a:p>
+          <a:endParaRPr lang="en-US"/>
+        </a:p>
+      </dgm:t>
     </dgm:pt>
     <dgm:pt modelId="{2F41AA9C-15F2-4B6E-9614-BB29EDDA0C68}" type="pres">
       <dgm:prSet presAssocID="{AF943EA0-1A4F-46EE-A05F-E3454E545030}" presName="Name11" presStyleLbl="parChTrans1D1" presStyleIdx="24" presStyleCnt="74"/>
@@ -6494,6 +7559,13 @@
           <a:prstDash val="solid"/>
         </a:ln>
       </dgm:spPr>
+      <dgm:t>
+        <a:bodyPr/>
+        <a:lstStyle/>
+        <a:p>
+          <a:endParaRPr lang="en-US"/>
+        </a:p>
+      </dgm:t>
     </dgm:pt>
     <dgm:pt modelId="{A9D6368E-43AF-429C-83BC-4E0DFC6DEEB3}" type="pres">
       <dgm:prSet presAssocID="{AF943EA0-1A4F-46EE-A05F-E3454E545030}" presName="Name31" presStyleLbl="parChTrans1D1" presStyleIdx="25" presStyleCnt="74"/>
@@ -6502,18 +7574,46 @@
           <a:prstDash val="solid"/>
         </a:ln>
       </dgm:spPr>
+      <dgm:t>
+        <a:bodyPr/>
+        <a:lstStyle/>
+        <a:p>
+          <a:endParaRPr lang="en-US"/>
+        </a:p>
+      </dgm:t>
     </dgm:pt>
     <dgm:pt modelId="{11FC933C-257D-4AB3-A564-067450BAEEE6}" type="pres">
       <dgm:prSet presAssocID="{923AF866-B32B-4260-B12C-2D9D1E7F500A}" presName="txAndLines1" presStyleCnt="0"/>
       <dgm:spPr/>
+      <dgm:t>
+        <a:bodyPr/>
+        <a:lstStyle/>
+        <a:p>
+          <a:endParaRPr lang="en-US"/>
+        </a:p>
+      </dgm:t>
     </dgm:pt>
     <dgm:pt modelId="{4288DF76-1AE2-40E2-96C0-591E6A3D6E00}" type="pres">
       <dgm:prSet presAssocID="{923AF866-B32B-4260-B12C-2D9D1E7F500A}" presName="anchor1" presStyleCnt="0"/>
       <dgm:spPr/>
+      <dgm:t>
+        <a:bodyPr/>
+        <a:lstStyle/>
+        <a:p>
+          <a:endParaRPr lang="en-US"/>
+        </a:p>
+      </dgm:t>
     </dgm:pt>
     <dgm:pt modelId="{05F19297-8E13-4C0A-B19A-0650F1A7D580}" type="pres">
       <dgm:prSet presAssocID="{923AF866-B32B-4260-B12C-2D9D1E7F500A}" presName="backup1" presStyleCnt="0"/>
       <dgm:spPr/>
+      <dgm:t>
+        <a:bodyPr/>
+        <a:lstStyle/>
+        <a:p>
+          <a:endParaRPr lang="en-US"/>
+        </a:p>
+      </dgm:t>
     </dgm:pt>
     <dgm:pt modelId="{DC70A26D-60C8-4843-B003-32466BF7F24A}" type="pres">
       <dgm:prSet presAssocID="{923AF866-B32B-4260-B12C-2D9D1E7F500A}" presName="preLine1" presStyleLbl="parChTrans1D1" presStyleIdx="26" presStyleCnt="74"/>
@@ -6522,6 +7622,13 @@
           <a:prstDash val="solid"/>
         </a:ln>
       </dgm:spPr>
+      <dgm:t>
+        <a:bodyPr/>
+        <a:lstStyle/>
+        <a:p>
+          <a:endParaRPr lang="en-US"/>
+        </a:p>
+      </dgm:t>
     </dgm:pt>
     <dgm:pt modelId="{BBD82359-4377-47EB-9B8B-CAD76182BA0B}" type="pres">
       <dgm:prSet presAssocID="{923AF866-B32B-4260-B12C-2D9D1E7F500A}" presName="desTx1" presStyleLbl="revTx" presStyleIdx="0" presStyleCnt="0">
@@ -6545,6 +7652,13 @@
           <a:prstDash val="solid"/>
         </a:ln>
       </dgm:spPr>
+      <dgm:t>
+        <a:bodyPr/>
+        <a:lstStyle/>
+        <a:p>
+          <a:endParaRPr lang="en-US"/>
+        </a:p>
+      </dgm:t>
     </dgm:pt>
     <dgm:pt modelId="{156AB47D-9FC5-4868-85D7-EA1C667EEAA3}" type="pres">
       <dgm:prSet presAssocID="{7A836164-CEBD-48A7-AC9C-F5DD82973333}" presName="Name11" presStyleLbl="parChTrans1D1" presStyleIdx="28" presStyleCnt="74"/>
@@ -6553,6 +7667,13 @@
           <a:prstDash val="solid"/>
         </a:ln>
       </dgm:spPr>
+      <dgm:t>
+        <a:bodyPr/>
+        <a:lstStyle/>
+        <a:p>
+          <a:endParaRPr lang="en-US"/>
+        </a:p>
+      </dgm:t>
     </dgm:pt>
     <dgm:pt modelId="{D4D07CF5-AF2E-46F5-BF0B-2ABCB71AF0B7}" type="pres">
       <dgm:prSet presAssocID="{7A836164-CEBD-48A7-AC9C-F5DD82973333}" presName="Name31" presStyleLbl="parChTrans1D1" presStyleIdx="29" presStyleCnt="74"/>
@@ -6561,18 +7682,46 @@
           <a:prstDash val="solid"/>
         </a:ln>
       </dgm:spPr>
+      <dgm:t>
+        <a:bodyPr/>
+        <a:lstStyle/>
+        <a:p>
+          <a:endParaRPr lang="en-US"/>
+        </a:p>
+      </dgm:t>
     </dgm:pt>
     <dgm:pt modelId="{B448DD62-184A-4FBA-986C-28EB3967314A}" type="pres">
       <dgm:prSet presAssocID="{C9FBCAE5-829B-4790-8E80-1EECA1A01A54}" presName="txAndLines1" presStyleCnt="0"/>
       <dgm:spPr/>
+      <dgm:t>
+        <a:bodyPr/>
+        <a:lstStyle/>
+        <a:p>
+          <a:endParaRPr lang="en-US"/>
+        </a:p>
+      </dgm:t>
     </dgm:pt>
     <dgm:pt modelId="{D3E58696-0BAD-4946-8DA7-F47EE8255FB3}" type="pres">
       <dgm:prSet presAssocID="{C9FBCAE5-829B-4790-8E80-1EECA1A01A54}" presName="anchor1" presStyleCnt="0"/>
       <dgm:spPr/>
+      <dgm:t>
+        <a:bodyPr/>
+        <a:lstStyle/>
+        <a:p>
+          <a:endParaRPr lang="en-US"/>
+        </a:p>
+      </dgm:t>
     </dgm:pt>
     <dgm:pt modelId="{DA728EE6-39FE-4FFF-9F5C-F1956905FBFE}" type="pres">
       <dgm:prSet presAssocID="{C9FBCAE5-829B-4790-8E80-1EECA1A01A54}" presName="backup1" presStyleCnt="0"/>
       <dgm:spPr/>
+      <dgm:t>
+        <a:bodyPr/>
+        <a:lstStyle/>
+        <a:p>
+          <a:endParaRPr lang="en-US"/>
+        </a:p>
+      </dgm:t>
     </dgm:pt>
     <dgm:pt modelId="{C29A9216-30CF-453A-A119-8F03B151A15F}" type="pres">
       <dgm:prSet presAssocID="{C9FBCAE5-829B-4790-8E80-1EECA1A01A54}" presName="preLine1" presStyleLbl="parChTrans1D1" presStyleIdx="30" presStyleCnt="74"/>
@@ -6581,6 +7730,13 @@
           <a:prstDash val="solid"/>
         </a:ln>
       </dgm:spPr>
+      <dgm:t>
+        <a:bodyPr/>
+        <a:lstStyle/>
+        <a:p>
+          <a:endParaRPr lang="en-US"/>
+        </a:p>
+      </dgm:t>
     </dgm:pt>
     <dgm:pt modelId="{B69F6CCC-94E3-460A-9C6F-EB373D226EE5}" type="pres">
       <dgm:prSet presAssocID="{C9FBCAE5-829B-4790-8E80-1EECA1A01A54}" presName="desTx1" presStyleLbl="revTx" presStyleIdx="0" presStyleCnt="0">
@@ -6604,6 +7760,13 @@
           <a:prstDash val="solid"/>
         </a:ln>
       </dgm:spPr>
+      <dgm:t>
+        <a:bodyPr/>
+        <a:lstStyle/>
+        <a:p>
+          <a:endParaRPr lang="en-US"/>
+        </a:p>
+      </dgm:t>
     </dgm:pt>
     <dgm:pt modelId="{645F2207-0BC6-4AC2-BFB1-6035C360D789}" type="pres">
       <dgm:prSet presAssocID="{637D7C5F-8769-4305-8D07-D59FE1FD1DE7}" presName="Name11" presStyleLbl="parChTrans1D1" presStyleIdx="32" presStyleCnt="74"/>
@@ -6612,6 +7775,13 @@
           <a:prstDash val="solid"/>
         </a:ln>
       </dgm:spPr>
+      <dgm:t>
+        <a:bodyPr/>
+        <a:lstStyle/>
+        <a:p>
+          <a:endParaRPr lang="en-US"/>
+        </a:p>
+      </dgm:t>
     </dgm:pt>
     <dgm:pt modelId="{FE6BB22D-B02C-41DB-A329-3339812ECFE1}" type="pres">
       <dgm:prSet presAssocID="{637D7C5F-8769-4305-8D07-D59FE1FD1DE7}" presName="Name31" presStyleLbl="parChTrans1D1" presStyleIdx="33" presStyleCnt="74"/>
@@ -6620,18 +7790,46 @@
           <a:prstDash val="solid"/>
         </a:ln>
       </dgm:spPr>
+      <dgm:t>
+        <a:bodyPr/>
+        <a:lstStyle/>
+        <a:p>
+          <a:endParaRPr lang="en-US"/>
+        </a:p>
+      </dgm:t>
     </dgm:pt>
     <dgm:pt modelId="{E28F3996-6B14-4364-B904-5580F0A7FB8D}" type="pres">
       <dgm:prSet presAssocID="{601322D6-BAE4-4D1D-BCE6-6DCA32544F9C}" presName="txAndLines1" presStyleCnt="0"/>
       <dgm:spPr/>
+      <dgm:t>
+        <a:bodyPr/>
+        <a:lstStyle/>
+        <a:p>
+          <a:endParaRPr lang="en-US"/>
+        </a:p>
+      </dgm:t>
     </dgm:pt>
     <dgm:pt modelId="{5BEB6C19-9EF6-4466-9B06-C559FF90228E}" type="pres">
       <dgm:prSet presAssocID="{601322D6-BAE4-4D1D-BCE6-6DCA32544F9C}" presName="anchor1" presStyleCnt="0"/>
       <dgm:spPr/>
+      <dgm:t>
+        <a:bodyPr/>
+        <a:lstStyle/>
+        <a:p>
+          <a:endParaRPr lang="en-US"/>
+        </a:p>
+      </dgm:t>
     </dgm:pt>
     <dgm:pt modelId="{207209AC-37BE-48A8-A625-B696D9E737AB}" type="pres">
       <dgm:prSet presAssocID="{601322D6-BAE4-4D1D-BCE6-6DCA32544F9C}" presName="backup1" presStyleCnt="0"/>
       <dgm:spPr/>
+      <dgm:t>
+        <a:bodyPr/>
+        <a:lstStyle/>
+        <a:p>
+          <a:endParaRPr lang="en-US"/>
+        </a:p>
+      </dgm:t>
     </dgm:pt>
     <dgm:pt modelId="{493AAC09-24D7-4167-B48E-773C4F18400F}" type="pres">
       <dgm:prSet presAssocID="{601322D6-BAE4-4D1D-BCE6-6DCA32544F9C}" presName="preLine1" presStyleLbl="parChTrans1D1" presStyleIdx="34" presStyleCnt="74"/>
@@ -6640,6 +7838,13 @@
           <a:prstDash val="solid"/>
         </a:ln>
       </dgm:spPr>
+      <dgm:t>
+        <a:bodyPr/>
+        <a:lstStyle/>
+        <a:p>
+          <a:endParaRPr lang="en-US"/>
+        </a:p>
+      </dgm:t>
     </dgm:pt>
     <dgm:pt modelId="{91B759A7-7C2B-4E54-BA5E-24E6B1B5CF56}" type="pres">
       <dgm:prSet presAssocID="{601322D6-BAE4-4D1D-BCE6-6DCA32544F9C}" presName="desTx1" presStyleLbl="revTx" presStyleIdx="0" presStyleCnt="0">
@@ -6663,6 +7868,13 @@
           <a:prstDash val="solid"/>
         </a:ln>
       </dgm:spPr>
+      <dgm:t>
+        <a:bodyPr/>
+        <a:lstStyle/>
+        <a:p>
+          <a:endParaRPr lang="en-US"/>
+        </a:p>
+      </dgm:t>
     </dgm:pt>
     <dgm:pt modelId="{058C114B-14C1-47E0-863E-B0A928CDF723}" type="pres">
       <dgm:prSet presAssocID="{978F89D0-B7DF-472A-9B03-C03A2DAC6155}" presName="Name11" presStyleLbl="parChTrans1D1" presStyleIdx="36" presStyleCnt="74"/>
@@ -6671,6 +7883,13 @@
           <a:prstDash val="solid"/>
         </a:ln>
       </dgm:spPr>
+      <dgm:t>
+        <a:bodyPr/>
+        <a:lstStyle/>
+        <a:p>
+          <a:endParaRPr lang="en-US"/>
+        </a:p>
+      </dgm:t>
     </dgm:pt>
     <dgm:pt modelId="{3415BE47-AD55-4F6A-B169-6FB841B4C31B}" type="pres">
       <dgm:prSet presAssocID="{978F89D0-B7DF-472A-9B03-C03A2DAC6155}" presName="Name31" presStyleLbl="parChTrans1D1" presStyleIdx="37" presStyleCnt="74"/>
@@ -6679,18 +7898,46 @@
           <a:prstDash val="solid"/>
         </a:ln>
       </dgm:spPr>
+      <dgm:t>
+        <a:bodyPr/>
+        <a:lstStyle/>
+        <a:p>
+          <a:endParaRPr lang="en-US"/>
+        </a:p>
+      </dgm:t>
     </dgm:pt>
     <dgm:pt modelId="{23AE2EC1-DFD7-45EA-8977-9D806AA3CA07}" type="pres">
       <dgm:prSet presAssocID="{6A3553B0-7A40-4A90-8516-16E3CA923718}" presName="txAndLines1" presStyleCnt="0"/>
       <dgm:spPr/>
+      <dgm:t>
+        <a:bodyPr/>
+        <a:lstStyle/>
+        <a:p>
+          <a:endParaRPr lang="en-US"/>
+        </a:p>
+      </dgm:t>
     </dgm:pt>
     <dgm:pt modelId="{E0A98B18-2F52-4B73-B662-F3C35CE95720}" type="pres">
       <dgm:prSet presAssocID="{6A3553B0-7A40-4A90-8516-16E3CA923718}" presName="anchor1" presStyleCnt="0"/>
       <dgm:spPr/>
+      <dgm:t>
+        <a:bodyPr/>
+        <a:lstStyle/>
+        <a:p>
+          <a:endParaRPr lang="en-US"/>
+        </a:p>
+      </dgm:t>
     </dgm:pt>
     <dgm:pt modelId="{AD73F99D-294E-4389-9F07-B8BF3CF45496}" type="pres">
       <dgm:prSet presAssocID="{6A3553B0-7A40-4A90-8516-16E3CA923718}" presName="backup1" presStyleCnt="0"/>
       <dgm:spPr/>
+      <dgm:t>
+        <a:bodyPr/>
+        <a:lstStyle/>
+        <a:p>
+          <a:endParaRPr lang="en-US"/>
+        </a:p>
+      </dgm:t>
     </dgm:pt>
     <dgm:pt modelId="{9963E64F-5AE4-4FF7-9622-98BF192C9C1F}" type="pres">
       <dgm:prSet presAssocID="{6A3553B0-7A40-4A90-8516-16E3CA923718}" presName="preLine1" presStyleLbl="parChTrans1D1" presStyleIdx="38" presStyleCnt="74"/>
@@ -6699,6 +7946,13 @@
           <a:prstDash val="solid"/>
         </a:ln>
       </dgm:spPr>
+      <dgm:t>
+        <a:bodyPr/>
+        <a:lstStyle/>
+        <a:p>
+          <a:endParaRPr lang="en-US"/>
+        </a:p>
+      </dgm:t>
     </dgm:pt>
     <dgm:pt modelId="{5C20E412-C74A-48DA-A2A0-6CC529AF4FA3}" type="pres">
       <dgm:prSet presAssocID="{6A3553B0-7A40-4A90-8516-16E3CA923718}" presName="desTx1" presStyleLbl="revTx" presStyleIdx="0" presStyleCnt="0">
@@ -6722,10 +7976,24 @@
           <a:prstDash val="solid"/>
         </a:ln>
       </dgm:spPr>
+      <dgm:t>
+        <a:bodyPr/>
+        <a:lstStyle/>
+        <a:p>
+          <a:endParaRPr lang="en-US"/>
+        </a:p>
+      </dgm:t>
     </dgm:pt>
     <dgm:pt modelId="{56F141CF-9C4B-475A-AAA4-A6AFD68F0808}" type="pres">
       <dgm:prSet presAssocID="{AD95B609-3303-4583-87CD-2E7F35A6232A}" presName="spPost1" presStyleCnt="0"/>
       <dgm:spPr/>
+      <dgm:t>
+        <a:bodyPr/>
+        <a:lstStyle/>
+        <a:p>
+          <a:endParaRPr lang="en-US"/>
+        </a:p>
+      </dgm:t>
     </dgm:pt>
     <dgm:pt modelId="{930BC43C-89CA-4487-8A31-9FD4482A7DBB}" type="pres">
       <dgm:prSet presAssocID="{5F3E792C-E8E1-476D-A80F-9499729EB818}" presName="parTx2" presStyleLbl="node1" presStyleIdx="1" presStyleCnt="3"/>
@@ -6741,10 +8009,24 @@
     <dgm:pt modelId="{0BEF5829-E3E6-43C9-A043-80B0B012BFA0}" type="pres">
       <dgm:prSet presAssocID="{5F3E792C-E8E1-476D-A80F-9499729EB818}" presName="spPre2" presStyleCnt="0"/>
       <dgm:spPr/>
+      <dgm:t>
+        <a:bodyPr/>
+        <a:lstStyle/>
+        <a:p>
+          <a:endParaRPr lang="en-US"/>
+        </a:p>
+      </dgm:t>
     </dgm:pt>
     <dgm:pt modelId="{23779935-95D2-480B-B62B-12BB0B212484}" type="pres">
       <dgm:prSet presAssocID="{5F3E792C-E8E1-476D-A80F-9499729EB818}" presName="chLin2" presStyleCnt="0"/>
       <dgm:spPr/>
+      <dgm:t>
+        <a:bodyPr/>
+        <a:lstStyle/>
+        <a:p>
+          <a:endParaRPr lang="en-US"/>
+        </a:p>
+      </dgm:t>
     </dgm:pt>
     <dgm:pt modelId="{37BC99D7-E41A-4F85-9169-DF4E15A2E362}" type="pres">
       <dgm:prSet presAssocID="{66219553-9A84-45B1-A624-9936C43E8047}" presName="Name45" presStyleLbl="parChTrans1D1" presStyleIdx="40" presStyleCnt="74"/>
@@ -6753,6 +8035,13 @@
           <a:prstDash val="solid"/>
         </a:ln>
       </dgm:spPr>
+      <dgm:t>
+        <a:bodyPr/>
+        <a:lstStyle/>
+        <a:p>
+          <a:endParaRPr lang="en-US"/>
+        </a:p>
+      </dgm:t>
     </dgm:pt>
     <dgm:pt modelId="{4C118584-4B44-490A-9B6C-14DD7D07F276}" type="pres">
       <dgm:prSet presAssocID="{66219553-9A84-45B1-A624-9936C43E8047}" presName="Name65" presStyleLbl="parChTrans1D1" presStyleIdx="41" presStyleCnt="74"/>
@@ -6761,18 +8050,46 @@
           <a:prstDash val="solid"/>
         </a:ln>
       </dgm:spPr>
+      <dgm:t>
+        <a:bodyPr/>
+        <a:lstStyle/>
+        <a:p>
+          <a:endParaRPr lang="en-US"/>
+        </a:p>
+      </dgm:t>
     </dgm:pt>
     <dgm:pt modelId="{1845A358-6506-4AAE-8AE5-594652D07538}" type="pres">
       <dgm:prSet presAssocID="{D606B092-3F2D-43A2-91A0-195B86BD53DA}" presName="txAndLines2" presStyleCnt="0"/>
       <dgm:spPr/>
+      <dgm:t>
+        <a:bodyPr/>
+        <a:lstStyle/>
+        <a:p>
+          <a:endParaRPr lang="en-US"/>
+        </a:p>
+      </dgm:t>
     </dgm:pt>
     <dgm:pt modelId="{FAA6AAB1-E10F-4785-BEDF-E16BBF7189C5}" type="pres">
       <dgm:prSet presAssocID="{D606B092-3F2D-43A2-91A0-195B86BD53DA}" presName="anchor2" presStyleCnt="0"/>
       <dgm:spPr/>
+      <dgm:t>
+        <a:bodyPr/>
+        <a:lstStyle/>
+        <a:p>
+          <a:endParaRPr lang="en-US"/>
+        </a:p>
+      </dgm:t>
     </dgm:pt>
     <dgm:pt modelId="{7987E44C-9A74-41FC-8172-B8902546E5AE}" type="pres">
       <dgm:prSet presAssocID="{D606B092-3F2D-43A2-91A0-195B86BD53DA}" presName="backup2" presStyleCnt="0"/>
       <dgm:spPr/>
+      <dgm:t>
+        <a:bodyPr/>
+        <a:lstStyle/>
+        <a:p>
+          <a:endParaRPr lang="en-US"/>
+        </a:p>
+      </dgm:t>
     </dgm:pt>
     <dgm:pt modelId="{F9C95B1B-B61F-462D-9241-85EA611D2B30}" type="pres">
       <dgm:prSet presAssocID="{D606B092-3F2D-43A2-91A0-195B86BD53DA}" presName="preLine2" presStyleLbl="parChTrans1D1" presStyleIdx="42" presStyleCnt="74"/>
@@ -6781,6 +8098,13 @@
           <a:prstDash val="solid"/>
         </a:ln>
       </dgm:spPr>
+      <dgm:t>
+        <a:bodyPr/>
+        <a:lstStyle/>
+        <a:p>
+          <a:endParaRPr lang="en-US"/>
+        </a:p>
+      </dgm:t>
     </dgm:pt>
     <dgm:pt modelId="{DACE86A9-A05C-4CA3-83EC-40A63736638E}" type="pres">
       <dgm:prSet presAssocID="{D606B092-3F2D-43A2-91A0-195B86BD53DA}" presName="desTx2" presStyleLbl="revTx" presStyleIdx="0" presStyleCnt="0">
@@ -6804,6 +8128,13 @@
           <a:prstDash val="solid"/>
         </a:ln>
       </dgm:spPr>
+      <dgm:t>
+        <a:bodyPr/>
+        <a:lstStyle/>
+        <a:p>
+          <a:endParaRPr lang="en-US"/>
+        </a:p>
+      </dgm:t>
     </dgm:pt>
     <dgm:pt modelId="{0091E7E0-B1D6-459D-A5B6-27DEE1BAE617}" type="pres">
       <dgm:prSet presAssocID="{8399B9EE-C7E2-4231-A7C8-EA226A9367CB}" presName="Name45" presStyleLbl="parChTrans1D1" presStyleIdx="44" presStyleCnt="74"/>
@@ -6812,6 +8143,13 @@
           <a:prstDash val="solid"/>
         </a:ln>
       </dgm:spPr>
+      <dgm:t>
+        <a:bodyPr/>
+        <a:lstStyle/>
+        <a:p>
+          <a:endParaRPr lang="en-US"/>
+        </a:p>
+      </dgm:t>
     </dgm:pt>
     <dgm:pt modelId="{376116CF-B603-4731-A83A-4A9709ACE5E6}" type="pres">
       <dgm:prSet presAssocID="{8399B9EE-C7E2-4231-A7C8-EA226A9367CB}" presName="Name65" presStyleLbl="parChTrans1D1" presStyleIdx="45" presStyleCnt="74"/>
@@ -6820,18 +8158,46 @@
           <a:prstDash val="solid"/>
         </a:ln>
       </dgm:spPr>
+      <dgm:t>
+        <a:bodyPr/>
+        <a:lstStyle/>
+        <a:p>
+          <a:endParaRPr lang="en-US"/>
+        </a:p>
+      </dgm:t>
     </dgm:pt>
     <dgm:pt modelId="{FF4D15B2-0010-4CB1-90D4-3D85D2078C22}" type="pres">
       <dgm:prSet presAssocID="{819C193B-EAAC-476D-87A2-67263294D4D7}" presName="txAndLines2" presStyleCnt="0"/>
       <dgm:spPr/>
+      <dgm:t>
+        <a:bodyPr/>
+        <a:lstStyle/>
+        <a:p>
+          <a:endParaRPr lang="en-US"/>
+        </a:p>
+      </dgm:t>
     </dgm:pt>
     <dgm:pt modelId="{615E009F-F67F-4EC0-BB5F-CBC43F8ECFC1}" type="pres">
       <dgm:prSet presAssocID="{819C193B-EAAC-476D-87A2-67263294D4D7}" presName="anchor2" presStyleCnt="0"/>
       <dgm:spPr/>
+      <dgm:t>
+        <a:bodyPr/>
+        <a:lstStyle/>
+        <a:p>
+          <a:endParaRPr lang="en-US"/>
+        </a:p>
+      </dgm:t>
     </dgm:pt>
     <dgm:pt modelId="{B332950B-29D5-48F7-9EC1-D39D89A0F7B7}" type="pres">
       <dgm:prSet presAssocID="{819C193B-EAAC-476D-87A2-67263294D4D7}" presName="backup2" presStyleCnt="0"/>
       <dgm:spPr/>
+      <dgm:t>
+        <a:bodyPr/>
+        <a:lstStyle/>
+        <a:p>
+          <a:endParaRPr lang="en-US"/>
+        </a:p>
+      </dgm:t>
     </dgm:pt>
     <dgm:pt modelId="{90B4B90A-BE53-4B32-B374-966B4B5C7C71}" type="pres">
       <dgm:prSet presAssocID="{819C193B-EAAC-476D-87A2-67263294D4D7}" presName="preLine2" presStyleLbl="parChTrans1D1" presStyleIdx="46" presStyleCnt="74"/>
@@ -6840,6 +8206,13 @@
           <a:prstDash val="solid"/>
         </a:ln>
       </dgm:spPr>
+      <dgm:t>
+        <a:bodyPr/>
+        <a:lstStyle/>
+        <a:p>
+          <a:endParaRPr lang="en-US"/>
+        </a:p>
+      </dgm:t>
     </dgm:pt>
     <dgm:pt modelId="{F584A7AF-7AC4-466A-8058-C318E2452A4B}" type="pres">
       <dgm:prSet presAssocID="{819C193B-EAAC-476D-87A2-67263294D4D7}" presName="desTx2" presStyleLbl="revTx" presStyleIdx="0" presStyleCnt="0">
@@ -6863,6 +8236,13 @@
           <a:prstDash val="solid"/>
         </a:ln>
       </dgm:spPr>
+      <dgm:t>
+        <a:bodyPr/>
+        <a:lstStyle/>
+        <a:p>
+          <a:endParaRPr lang="en-US"/>
+        </a:p>
+      </dgm:t>
     </dgm:pt>
     <dgm:pt modelId="{3BAB4783-C8BD-4A9A-A8B4-7241379B790B}" type="pres">
       <dgm:prSet presAssocID="{EBA221A6-4FBA-4E6B-B225-DD14D670EBEA}" presName="Name45" presStyleLbl="parChTrans1D1" presStyleIdx="48" presStyleCnt="74"/>
@@ -6871,6 +8251,13 @@
           <a:prstDash val="solid"/>
         </a:ln>
       </dgm:spPr>
+      <dgm:t>
+        <a:bodyPr/>
+        <a:lstStyle/>
+        <a:p>
+          <a:endParaRPr lang="en-US"/>
+        </a:p>
+      </dgm:t>
     </dgm:pt>
     <dgm:pt modelId="{4DD72532-FA02-407C-8811-292969D9AEDD}" type="pres">
       <dgm:prSet presAssocID="{EBA221A6-4FBA-4E6B-B225-DD14D670EBEA}" presName="Name65" presStyleLbl="parChTrans1D1" presStyleIdx="49" presStyleCnt="74"/>
@@ -6879,18 +8266,46 @@
           <a:prstDash val="solid"/>
         </a:ln>
       </dgm:spPr>
+      <dgm:t>
+        <a:bodyPr/>
+        <a:lstStyle/>
+        <a:p>
+          <a:endParaRPr lang="en-US"/>
+        </a:p>
+      </dgm:t>
     </dgm:pt>
     <dgm:pt modelId="{CA30641D-DBCA-4985-9560-23C0BD0E1475}" type="pres">
       <dgm:prSet presAssocID="{0F6B5F89-03F0-4758-83E8-D38163FD5BDE}" presName="txAndLines2" presStyleCnt="0"/>
       <dgm:spPr/>
+      <dgm:t>
+        <a:bodyPr/>
+        <a:lstStyle/>
+        <a:p>
+          <a:endParaRPr lang="en-US"/>
+        </a:p>
+      </dgm:t>
     </dgm:pt>
     <dgm:pt modelId="{0E519FB9-BD40-4B3C-AC3A-24BA57415CFE}" type="pres">
       <dgm:prSet presAssocID="{0F6B5F89-03F0-4758-83E8-D38163FD5BDE}" presName="anchor2" presStyleCnt="0"/>
       <dgm:spPr/>
+      <dgm:t>
+        <a:bodyPr/>
+        <a:lstStyle/>
+        <a:p>
+          <a:endParaRPr lang="en-US"/>
+        </a:p>
+      </dgm:t>
     </dgm:pt>
     <dgm:pt modelId="{3CFF1853-3C43-4AFA-B933-509B86A9F056}" type="pres">
       <dgm:prSet presAssocID="{0F6B5F89-03F0-4758-83E8-D38163FD5BDE}" presName="backup2" presStyleCnt="0"/>
       <dgm:spPr/>
+      <dgm:t>
+        <a:bodyPr/>
+        <a:lstStyle/>
+        <a:p>
+          <a:endParaRPr lang="en-US"/>
+        </a:p>
+      </dgm:t>
     </dgm:pt>
     <dgm:pt modelId="{F64DEB38-2A12-4454-A017-9E3D72400EA6}" type="pres">
       <dgm:prSet presAssocID="{0F6B5F89-03F0-4758-83E8-D38163FD5BDE}" presName="preLine2" presStyleLbl="parChTrans1D1" presStyleIdx="50" presStyleCnt="74"/>
@@ -6899,6 +8314,13 @@
           <a:prstDash val="solid"/>
         </a:ln>
       </dgm:spPr>
+      <dgm:t>
+        <a:bodyPr/>
+        <a:lstStyle/>
+        <a:p>
+          <a:endParaRPr lang="en-US"/>
+        </a:p>
+      </dgm:t>
     </dgm:pt>
     <dgm:pt modelId="{26448DDA-E83C-4832-BD33-7AA9AE7A1FBD}" type="pres">
       <dgm:prSet presAssocID="{0F6B5F89-03F0-4758-83E8-D38163FD5BDE}" presName="desTx2" presStyleLbl="revTx" presStyleIdx="0" presStyleCnt="0">
@@ -6922,6 +8344,13 @@
           <a:prstDash val="solid"/>
         </a:ln>
       </dgm:spPr>
+      <dgm:t>
+        <a:bodyPr/>
+        <a:lstStyle/>
+        <a:p>
+          <a:endParaRPr lang="en-US"/>
+        </a:p>
+      </dgm:t>
     </dgm:pt>
     <dgm:pt modelId="{AC2C72A2-45DE-4023-B0F3-10C4F33EFE1D}" type="pres">
       <dgm:prSet presAssocID="{D05D4F68-E719-460B-9F4E-58BD7CE28669}" presName="Name45" presStyleLbl="parChTrans1D1" presStyleIdx="52" presStyleCnt="74"/>
@@ -6930,6 +8359,13 @@
           <a:prstDash val="solid"/>
         </a:ln>
       </dgm:spPr>
+      <dgm:t>
+        <a:bodyPr/>
+        <a:lstStyle/>
+        <a:p>
+          <a:endParaRPr lang="en-US"/>
+        </a:p>
+      </dgm:t>
     </dgm:pt>
     <dgm:pt modelId="{99664023-F201-4DC9-A7A9-3A24B41F7420}" type="pres">
       <dgm:prSet presAssocID="{D05D4F68-E719-460B-9F4E-58BD7CE28669}" presName="Name65" presStyleLbl="parChTrans1D1" presStyleIdx="53" presStyleCnt="74"/>
@@ -6938,18 +8374,46 @@
           <a:prstDash val="solid"/>
         </a:ln>
       </dgm:spPr>
+      <dgm:t>
+        <a:bodyPr/>
+        <a:lstStyle/>
+        <a:p>
+          <a:endParaRPr lang="en-US"/>
+        </a:p>
+      </dgm:t>
     </dgm:pt>
     <dgm:pt modelId="{4CF824D2-8091-43A1-AEE5-FCFBE370E6B3}" type="pres">
       <dgm:prSet presAssocID="{89511B21-2A9E-472A-9A95-A6CC8E5FAADC}" presName="txAndLines2" presStyleCnt="0"/>
       <dgm:spPr/>
+      <dgm:t>
+        <a:bodyPr/>
+        <a:lstStyle/>
+        <a:p>
+          <a:endParaRPr lang="en-US"/>
+        </a:p>
+      </dgm:t>
     </dgm:pt>
     <dgm:pt modelId="{6F7C7B85-1DA3-426B-8F11-7F9446C490CD}" type="pres">
       <dgm:prSet presAssocID="{89511B21-2A9E-472A-9A95-A6CC8E5FAADC}" presName="anchor2" presStyleCnt="0"/>
       <dgm:spPr/>
+      <dgm:t>
+        <a:bodyPr/>
+        <a:lstStyle/>
+        <a:p>
+          <a:endParaRPr lang="en-US"/>
+        </a:p>
+      </dgm:t>
     </dgm:pt>
     <dgm:pt modelId="{552E39B4-47C1-4870-9765-D261DF5B74DA}" type="pres">
       <dgm:prSet presAssocID="{89511B21-2A9E-472A-9A95-A6CC8E5FAADC}" presName="backup2" presStyleCnt="0"/>
       <dgm:spPr/>
+      <dgm:t>
+        <a:bodyPr/>
+        <a:lstStyle/>
+        <a:p>
+          <a:endParaRPr lang="en-US"/>
+        </a:p>
+      </dgm:t>
     </dgm:pt>
     <dgm:pt modelId="{3341494B-DD7D-41F1-8F9C-7E9E26C79632}" type="pres">
       <dgm:prSet presAssocID="{89511B21-2A9E-472A-9A95-A6CC8E5FAADC}" presName="preLine2" presStyleLbl="parChTrans1D1" presStyleIdx="54" presStyleCnt="74"/>
@@ -6958,6 +8422,13 @@
           <a:prstDash val="solid"/>
         </a:ln>
       </dgm:spPr>
+      <dgm:t>
+        <a:bodyPr/>
+        <a:lstStyle/>
+        <a:p>
+          <a:endParaRPr lang="en-US"/>
+        </a:p>
+      </dgm:t>
     </dgm:pt>
     <dgm:pt modelId="{CD82906B-C356-4E42-B320-83690748577F}" type="pres">
       <dgm:prSet presAssocID="{89511B21-2A9E-472A-9A95-A6CC8E5FAADC}" presName="desTx2" presStyleLbl="revTx" presStyleIdx="0" presStyleCnt="0">
@@ -6981,6 +8452,13 @@
           <a:prstDash val="solid"/>
         </a:ln>
       </dgm:spPr>
+      <dgm:t>
+        <a:bodyPr/>
+        <a:lstStyle/>
+        <a:p>
+          <a:endParaRPr lang="en-US"/>
+        </a:p>
+      </dgm:t>
     </dgm:pt>
     <dgm:pt modelId="{23DC8FB9-C495-4460-AF05-283DDEFF20B3}" type="pres">
       <dgm:prSet presAssocID="{D57684C3-5833-4939-84F3-9DB3A7B8355B}" presName="Name45" presStyleLbl="parChTrans1D1" presStyleIdx="56" presStyleCnt="74"/>
@@ -6989,6 +8467,13 @@
           <a:prstDash val="solid"/>
         </a:ln>
       </dgm:spPr>
+      <dgm:t>
+        <a:bodyPr/>
+        <a:lstStyle/>
+        <a:p>
+          <a:endParaRPr lang="en-US"/>
+        </a:p>
+      </dgm:t>
     </dgm:pt>
     <dgm:pt modelId="{4AB9D8A8-D88B-444E-8A7D-71FE58FE823A}" type="pres">
       <dgm:prSet presAssocID="{D57684C3-5833-4939-84F3-9DB3A7B8355B}" presName="Name65" presStyleLbl="parChTrans1D1" presStyleIdx="57" presStyleCnt="74"/>
@@ -6997,18 +8482,46 @@
           <a:prstDash val="solid"/>
         </a:ln>
       </dgm:spPr>
+      <dgm:t>
+        <a:bodyPr/>
+        <a:lstStyle/>
+        <a:p>
+          <a:endParaRPr lang="en-US"/>
+        </a:p>
+      </dgm:t>
     </dgm:pt>
     <dgm:pt modelId="{54963FF6-D7FE-4C2F-93A6-1362F2632BDD}" type="pres">
       <dgm:prSet presAssocID="{E68E75D6-761A-40F6-92D7-5D34BDFDED6B}" presName="txAndLines2" presStyleCnt="0"/>
       <dgm:spPr/>
+      <dgm:t>
+        <a:bodyPr/>
+        <a:lstStyle/>
+        <a:p>
+          <a:endParaRPr lang="en-US"/>
+        </a:p>
+      </dgm:t>
     </dgm:pt>
     <dgm:pt modelId="{ABCE5329-BD95-4F4B-B611-2E98CD96A8EB}" type="pres">
       <dgm:prSet presAssocID="{E68E75D6-761A-40F6-92D7-5D34BDFDED6B}" presName="anchor2" presStyleCnt="0"/>
       <dgm:spPr/>
+      <dgm:t>
+        <a:bodyPr/>
+        <a:lstStyle/>
+        <a:p>
+          <a:endParaRPr lang="en-US"/>
+        </a:p>
+      </dgm:t>
     </dgm:pt>
     <dgm:pt modelId="{DE4B679B-0D6D-4948-9D00-8D2995644592}" type="pres">
       <dgm:prSet presAssocID="{E68E75D6-761A-40F6-92D7-5D34BDFDED6B}" presName="backup2" presStyleCnt="0"/>
       <dgm:spPr/>
+      <dgm:t>
+        <a:bodyPr/>
+        <a:lstStyle/>
+        <a:p>
+          <a:endParaRPr lang="en-US"/>
+        </a:p>
+      </dgm:t>
     </dgm:pt>
     <dgm:pt modelId="{C282D1CA-45FF-4DA8-8B73-13E332AE49E8}" type="pres">
       <dgm:prSet presAssocID="{E68E75D6-761A-40F6-92D7-5D34BDFDED6B}" presName="preLine2" presStyleLbl="parChTrans1D1" presStyleIdx="58" presStyleCnt="74"/>
@@ -7017,6 +8530,13 @@
           <a:prstDash val="solid"/>
         </a:ln>
       </dgm:spPr>
+      <dgm:t>
+        <a:bodyPr/>
+        <a:lstStyle/>
+        <a:p>
+          <a:endParaRPr lang="en-US"/>
+        </a:p>
+      </dgm:t>
     </dgm:pt>
     <dgm:pt modelId="{6F1B3249-C222-4DDB-A636-3200F8B317BC}" type="pres">
       <dgm:prSet presAssocID="{E68E75D6-761A-40F6-92D7-5D34BDFDED6B}" presName="desTx2" presStyleLbl="revTx" presStyleIdx="0" presStyleCnt="0">
@@ -7040,6 +8560,13 @@
           <a:prstDash val="solid"/>
         </a:ln>
       </dgm:spPr>
+      <dgm:t>
+        <a:bodyPr/>
+        <a:lstStyle/>
+        <a:p>
+          <a:endParaRPr lang="en-US"/>
+        </a:p>
+      </dgm:t>
     </dgm:pt>
     <dgm:pt modelId="{D1F9E7DF-EEC4-43B2-A764-8BDABFB4A55F}" type="pres">
       <dgm:prSet presAssocID="{CECFB84A-5A6F-4AF8-A5F1-6D04D4FFEA8C}" presName="Name45" presStyleLbl="parChTrans1D1" presStyleIdx="60" presStyleCnt="74"/>
@@ -7048,6 +8575,13 @@
           <a:prstDash val="solid"/>
         </a:ln>
       </dgm:spPr>
+      <dgm:t>
+        <a:bodyPr/>
+        <a:lstStyle/>
+        <a:p>
+          <a:endParaRPr lang="en-US"/>
+        </a:p>
+      </dgm:t>
     </dgm:pt>
     <dgm:pt modelId="{0637CDFF-36BC-41B7-A9E4-66771F92BAE1}" type="pres">
       <dgm:prSet presAssocID="{CECFB84A-5A6F-4AF8-A5F1-6D04D4FFEA8C}" presName="Name65" presStyleLbl="parChTrans1D1" presStyleIdx="61" presStyleCnt="74"/>
@@ -7056,18 +8590,46 @@
           <a:prstDash val="solid"/>
         </a:ln>
       </dgm:spPr>
+      <dgm:t>
+        <a:bodyPr/>
+        <a:lstStyle/>
+        <a:p>
+          <a:endParaRPr lang="en-US"/>
+        </a:p>
+      </dgm:t>
     </dgm:pt>
     <dgm:pt modelId="{B3D148A3-3FDD-46A7-936C-194AF19AB809}" type="pres">
       <dgm:prSet presAssocID="{F0E93695-53B8-4FC4-A086-1D1368A1D979}" presName="txAndLines2" presStyleCnt="0"/>
       <dgm:spPr/>
+      <dgm:t>
+        <a:bodyPr/>
+        <a:lstStyle/>
+        <a:p>
+          <a:endParaRPr lang="en-US"/>
+        </a:p>
+      </dgm:t>
     </dgm:pt>
     <dgm:pt modelId="{8D7E279F-6F05-472A-A6C1-5839F2F958CA}" type="pres">
       <dgm:prSet presAssocID="{F0E93695-53B8-4FC4-A086-1D1368A1D979}" presName="anchor2" presStyleCnt="0"/>
       <dgm:spPr/>
+      <dgm:t>
+        <a:bodyPr/>
+        <a:lstStyle/>
+        <a:p>
+          <a:endParaRPr lang="en-US"/>
+        </a:p>
+      </dgm:t>
     </dgm:pt>
     <dgm:pt modelId="{9BCDE93D-DC2B-435E-9E11-D40BCA61C1C1}" type="pres">
       <dgm:prSet presAssocID="{F0E93695-53B8-4FC4-A086-1D1368A1D979}" presName="backup2" presStyleCnt="0"/>
       <dgm:spPr/>
+      <dgm:t>
+        <a:bodyPr/>
+        <a:lstStyle/>
+        <a:p>
+          <a:endParaRPr lang="en-US"/>
+        </a:p>
+      </dgm:t>
     </dgm:pt>
     <dgm:pt modelId="{B4057B40-FA80-4207-BC19-4F3D90889AC7}" type="pres">
       <dgm:prSet presAssocID="{F0E93695-53B8-4FC4-A086-1D1368A1D979}" presName="preLine2" presStyleLbl="parChTrans1D1" presStyleIdx="62" presStyleCnt="74"/>
@@ -7076,6 +8638,13 @@
           <a:prstDash val="solid"/>
         </a:ln>
       </dgm:spPr>
+      <dgm:t>
+        <a:bodyPr/>
+        <a:lstStyle/>
+        <a:p>
+          <a:endParaRPr lang="en-US"/>
+        </a:p>
+      </dgm:t>
     </dgm:pt>
     <dgm:pt modelId="{665F2682-A452-430A-A3D8-81BEFE3D16A5}" type="pres">
       <dgm:prSet presAssocID="{F0E93695-53B8-4FC4-A086-1D1368A1D979}" presName="desTx2" presStyleLbl="revTx" presStyleIdx="0" presStyleCnt="0">
@@ -7099,6 +8668,13 @@
           <a:prstDash val="solid"/>
         </a:ln>
       </dgm:spPr>
+      <dgm:t>
+        <a:bodyPr/>
+        <a:lstStyle/>
+        <a:p>
+          <a:endParaRPr lang="en-US"/>
+        </a:p>
+      </dgm:t>
     </dgm:pt>
     <dgm:pt modelId="{0B63FDF8-5A0E-4D63-824B-459587890314}" type="pres">
       <dgm:prSet presAssocID="{A04CC4F2-75DE-4F68-A745-417004977698}" presName="Name45" presStyleLbl="parChTrans1D1" presStyleIdx="64" presStyleCnt="74"/>
@@ -7107,6 +8683,13 @@
           <a:prstDash val="solid"/>
         </a:ln>
       </dgm:spPr>
+      <dgm:t>
+        <a:bodyPr/>
+        <a:lstStyle/>
+        <a:p>
+          <a:endParaRPr lang="en-US"/>
+        </a:p>
+      </dgm:t>
     </dgm:pt>
     <dgm:pt modelId="{139A9B42-9FEF-4A7E-85C2-FA56168F0F2E}" type="pres">
       <dgm:prSet presAssocID="{A04CC4F2-75DE-4F68-A745-417004977698}" presName="Name65" presStyleLbl="parChTrans1D1" presStyleIdx="65" presStyleCnt="74"/>
@@ -7115,18 +8698,46 @@
           <a:prstDash val="solid"/>
         </a:ln>
       </dgm:spPr>
+      <dgm:t>
+        <a:bodyPr/>
+        <a:lstStyle/>
+        <a:p>
+          <a:endParaRPr lang="en-US"/>
+        </a:p>
+      </dgm:t>
     </dgm:pt>
     <dgm:pt modelId="{F705A7D3-E2A9-463D-AA94-450C56AAD134}" type="pres">
       <dgm:prSet presAssocID="{9C8E4A14-3A8E-458D-8E2C-9E6CF1CCC4B0}" presName="txAndLines2" presStyleCnt="0"/>
       <dgm:spPr/>
+      <dgm:t>
+        <a:bodyPr/>
+        <a:lstStyle/>
+        <a:p>
+          <a:endParaRPr lang="en-US"/>
+        </a:p>
+      </dgm:t>
     </dgm:pt>
     <dgm:pt modelId="{15B98E57-BBBB-418E-AE70-E45F4B942379}" type="pres">
       <dgm:prSet presAssocID="{9C8E4A14-3A8E-458D-8E2C-9E6CF1CCC4B0}" presName="anchor2" presStyleCnt="0"/>
       <dgm:spPr/>
+      <dgm:t>
+        <a:bodyPr/>
+        <a:lstStyle/>
+        <a:p>
+          <a:endParaRPr lang="en-US"/>
+        </a:p>
+      </dgm:t>
     </dgm:pt>
     <dgm:pt modelId="{42475E42-09E5-43C0-A2A6-B30EBF6FBC19}" type="pres">
       <dgm:prSet presAssocID="{9C8E4A14-3A8E-458D-8E2C-9E6CF1CCC4B0}" presName="backup2" presStyleCnt="0"/>
       <dgm:spPr/>
+      <dgm:t>
+        <a:bodyPr/>
+        <a:lstStyle/>
+        <a:p>
+          <a:endParaRPr lang="en-US"/>
+        </a:p>
+      </dgm:t>
     </dgm:pt>
     <dgm:pt modelId="{10DD996D-306A-4D1A-B860-76FCE240810A}" type="pres">
       <dgm:prSet presAssocID="{9C8E4A14-3A8E-458D-8E2C-9E6CF1CCC4B0}" presName="preLine2" presStyleLbl="parChTrans1D1" presStyleIdx="66" presStyleCnt="74"/>
@@ -7135,6 +8746,13 @@
           <a:prstDash val="solid"/>
         </a:ln>
       </dgm:spPr>
+      <dgm:t>
+        <a:bodyPr/>
+        <a:lstStyle/>
+        <a:p>
+          <a:endParaRPr lang="en-US"/>
+        </a:p>
+      </dgm:t>
     </dgm:pt>
     <dgm:pt modelId="{64ECA41F-8C16-4299-9A9C-307AD1C48C43}" type="pres">
       <dgm:prSet presAssocID="{9C8E4A14-3A8E-458D-8E2C-9E6CF1CCC4B0}" presName="desTx2" presStyleLbl="revTx" presStyleIdx="0" presStyleCnt="0">
@@ -7158,10 +8776,24 @@
           <a:prstDash val="solid"/>
         </a:ln>
       </dgm:spPr>
+      <dgm:t>
+        <a:bodyPr/>
+        <a:lstStyle/>
+        <a:p>
+          <a:endParaRPr lang="en-US"/>
+        </a:p>
+      </dgm:t>
     </dgm:pt>
     <dgm:pt modelId="{7CFAEBE0-B6D8-403D-813F-2CE987681BCF}" type="pres">
       <dgm:prSet presAssocID="{5F3E792C-E8E1-476D-A80F-9499729EB818}" presName="spPost2" presStyleCnt="0"/>
       <dgm:spPr/>
+      <dgm:t>
+        <a:bodyPr/>
+        <a:lstStyle/>
+        <a:p>
+          <a:endParaRPr lang="en-US"/>
+        </a:p>
+      </dgm:t>
     </dgm:pt>
     <dgm:pt modelId="{8F724D7A-FC3E-4ECA-A525-6E3BA44424E6}" type="pres">
       <dgm:prSet presAssocID="{C8DEEE97-A2B3-4862-9DF2-3CEFFDAFBD8C}" presName="parTx3" presStyleLbl="node1" presStyleIdx="2" presStyleCnt="3"/>
@@ -7177,10 +8809,24 @@
     <dgm:pt modelId="{FABD9342-787D-4EF0-9C48-BA9FD88018A3}" type="pres">
       <dgm:prSet presAssocID="{C8DEEE97-A2B3-4862-9DF2-3CEFFDAFBD8C}" presName="spPre3" presStyleCnt="0"/>
       <dgm:spPr/>
+      <dgm:t>
+        <a:bodyPr/>
+        <a:lstStyle/>
+        <a:p>
+          <a:endParaRPr lang="en-US"/>
+        </a:p>
+      </dgm:t>
     </dgm:pt>
     <dgm:pt modelId="{207F4482-FEF8-4DD1-81BD-4AEF831CCE67}" type="pres">
       <dgm:prSet presAssocID="{C8DEEE97-A2B3-4862-9DF2-3CEFFDAFBD8C}" presName="chLin3" presStyleCnt="0"/>
       <dgm:spPr/>
+      <dgm:t>
+        <a:bodyPr/>
+        <a:lstStyle/>
+        <a:p>
+          <a:endParaRPr lang="en-US"/>
+        </a:p>
+      </dgm:t>
     </dgm:pt>
     <dgm:pt modelId="{CC7B1C5D-C90B-424E-8F77-2B2DE487A2EA}" type="pres">
       <dgm:prSet presAssocID="{C182E80D-2B6A-40C0-A10D-D2F624D54BBD}" presName="Name79" presStyleLbl="parChTrans1D1" presStyleIdx="68" presStyleCnt="74"/>
@@ -7189,18 +8835,46 @@
           <a:prstDash val="solid"/>
         </a:ln>
       </dgm:spPr>
+      <dgm:t>
+        <a:bodyPr/>
+        <a:lstStyle/>
+        <a:p>
+          <a:endParaRPr lang="en-US"/>
+        </a:p>
+      </dgm:t>
     </dgm:pt>
     <dgm:pt modelId="{408449DF-9652-4746-ABBC-981B1366226A}" type="pres">
       <dgm:prSet presAssocID="{8A2B1C81-E47D-47F9-AF76-7772C9C66239}" presName="txAndLines3" presStyleCnt="0"/>
       <dgm:spPr/>
+      <dgm:t>
+        <a:bodyPr/>
+        <a:lstStyle/>
+        <a:p>
+          <a:endParaRPr lang="en-US"/>
+        </a:p>
+      </dgm:t>
     </dgm:pt>
     <dgm:pt modelId="{ACC9102B-C8CF-4228-9593-54B7E18E7EDE}" type="pres">
       <dgm:prSet presAssocID="{8A2B1C81-E47D-47F9-AF76-7772C9C66239}" presName="anchor3" presStyleCnt="0"/>
       <dgm:spPr/>
+      <dgm:t>
+        <a:bodyPr/>
+        <a:lstStyle/>
+        <a:p>
+          <a:endParaRPr lang="en-US"/>
+        </a:p>
+      </dgm:t>
     </dgm:pt>
     <dgm:pt modelId="{7D8CC56C-9BBD-43C4-A5D4-7E2F636C9F19}" type="pres">
       <dgm:prSet presAssocID="{8A2B1C81-E47D-47F9-AF76-7772C9C66239}" presName="backup3" presStyleCnt="0"/>
       <dgm:spPr/>
+      <dgm:t>
+        <a:bodyPr/>
+        <a:lstStyle/>
+        <a:p>
+          <a:endParaRPr lang="en-US"/>
+        </a:p>
+      </dgm:t>
     </dgm:pt>
     <dgm:pt modelId="{3EFF8D36-9EE6-4C0B-9F86-0880271A5EE0}" type="pres">
       <dgm:prSet presAssocID="{8A2B1C81-E47D-47F9-AF76-7772C9C66239}" presName="preLine3" presStyleLbl="parChTrans1D1" presStyleIdx="69" presStyleCnt="74"/>
@@ -7209,6 +8883,13 @@
           <a:prstDash val="solid"/>
         </a:ln>
       </dgm:spPr>
+      <dgm:t>
+        <a:bodyPr/>
+        <a:lstStyle/>
+        <a:p>
+          <a:endParaRPr lang="en-US"/>
+        </a:p>
+      </dgm:t>
     </dgm:pt>
     <dgm:pt modelId="{69457D61-8171-4A3D-B02E-77898F9E34F4}" type="pres">
       <dgm:prSet presAssocID="{8A2B1C81-E47D-47F9-AF76-7772C9C66239}" presName="desTx3" presStyleLbl="revTx" presStyleIdx="0" presStyleCnt="0">
@@ -7232,18 +8913,46 @@
           <a:prstDash val="solid"/>
         </a:ln>
       </dgm:spPr>
+      <dgm:t>
+        <a:bodyPr/>
+        <a:lstStyle/>
+        <a:p>
+          <a:endParaRPr lang="en-US"/>
+        </a:p>
+      </dgm:t>
     </dgm:pt>
     <dgm:pt modelId="{E26D6000-A329-4E0E-8218-0BE11A57009C}" type="pres">
       <dgm:prSet presAssocID="{6DB29109-100D-48FC-AE54-B7783E34D7A7}" presName="txAndLines3" presStyleCnt="0"/>
       <dgm:spPr/>
+      <dgm:t>
+        <a:bodyPr/>
+        <a:lstStyle/>
+        <a:p>
+          <a:endParaRPr lang="en-US"/>
+        </a:p>
+      </dgm:t>
     </dgm:pt>
     <dgm:pt modelId="{F8A5382C-358E-4467-9746-5EB07EA419F7}" type="pres">
       <dgm:prSet presAssocID="{6DB29109-100D-48FC-AE54-B7783E34D7A7}" presName="anchor3" presStyleCnt="0"/>
       <dgm:spPr/>
+      <dgm:t>
+        <a:bodyPr/>
+        <a:lstStyle/>
+        <a:p>
+          <a:endParaRPr lang="en-US"/>
+        </a:p>
+      </dgm:t>
     </dgm:pt>
     <dgm:pt modelId="{5EC84EE7-6945-4B9A-8B28-F3FE5516B17F}" type="pres">
       <dgm:prSet presAssocID="{6DB29109-100D-48FC-AE54-B7783E34D7A7}" presName="backup3" presStyleCnt="0"/>
       <dgm:spPr/>
+      <dgm:t>
+        <a:bodyPr/>
+        <a:lstStyle/>
+        <a:p>
+          <a:endParaRPr lang="en-US"/>
+        </a:p>
+      </dgm:t>
     </dgm:pt>
     <dgm:pt modelId="{FACC87D9-CF9B-4894-A69F-26E817380C85}" type="pres">
       <dgm:prSet presAssocID="{6DB29109-100D-48FC-AE54-B7783E34D7A7}" presName="preLine3" presStyleLbl="parChTrans1D1" presStyleIdx="71" presStyleCnt="74"/>
@@ -7252,6 +8961,13 @@
           <a:prstDash val="solid"/>
         </a:ln>
       </dgm:spPr>
+      <dgm:t>
+        <a:bodyPr/>
+        <a:lstStyle/>
+        <a:p>
+          <a:endParaRPr lang="en-US"/>
+        </a:p>
+      </dgm:t>
     </dgm:pt>
     <dgm:pt modelId="{D8A00F33-4D08-48BD-A1DF-39F3BE097E6F}" type="pres">
       <dgm:prSet presAssocID="{6DB29109-100D-48FC-AE54-B7783E34D7A7}" presName="desTx3" presStyleLbl="revTx" presStyleIdx="0" presStyleCnt="0">
@@ -7275,18 +8991,46 @@
           <a:prstDash val="solid"/>
         </a:ln>
       </dgm:spPr>
+      <dgm:t>
+        <a:bodyPr/>
+        <a:lstStyle/>
+        <a:p>
+          <a:endParaRPr lang="en-US"/>
+        </a:p>
+      </dgm:t>
     </dgm:pt>
     <dgm:pt modelId="{60A08DD2-71EC-4A19-A8EA-92F096463E5A}" type="pres">
       <dgm:prSet presAssocID="{FB911FC4-0553-4EE8-B15D-6BC139993559}" presName="txAndLines3" presStyleCnt="0"/>
       <dgm:spPr/>
+      <dgm:t>
+        <a:bodyPr/>
+        <a:lstStyle/>
+        <a:p>
+          <a:endParaRPr lang="en-US"/>
+        </a:p>
+      </dgm:t>
     </dgm:pt>
     <dgm:pt modelId="{AC7983E3-7E73-4051-A8FA-968B00197903}" type="pres">
       <dgm:prSet presAssocID="{FB911FC4-0553-4EE8-B15D-6BC139993559}" presName="anchor3" presStyleCnt="0"/>
       <dgm:spPr/>
+      <dgm:t>
+        <a:bodyPr/>
+        <a:lstStyle/>
+        <a:p>
+          <a:endParaRPr lang="en-US"/>
+        </a:p>
+      </dgm:t>
     </dgm:pt>
     <dgm:pt modelId="{2C93434E-3335-4700-A4FD-19B3A2C89BE8}" type="pres">
       <dgm:prSet presAssocID="{FB911FC4-0553-4EE8-B15D-6BC139993559}" presName="backup3" presStyleCnt="0"/>
       <dgm:spPr/>
+      <dgm:t>
+        <a:bodyPr/>
+        <a:lstStyle/>
+        <a:p>
+          <a:endParaRPr lang="en-US"/>
+        </a:p>
+      </dgm:t>
     </dgm:pt>
     <dgm:pt modelId="{8FAE6D9A-BEEE-41C2-B629-C7356AF1499D}" type="pres">
       <dgm:prSet presAssocID="{FB911FC4-0553-4EE8-B15D-6BC139993559}" presName="preLine3" presStyleLbl="parChTrans1D1" presStyleIdx="73" presStyleCnt="74"/>
@@ -7295,6 +9039,13 @@
           <a:prstDash val="solid"/>
         </a:ln>
       </dgm:spPr>
+      <dgm:t>
+        <a:bodyPr/>
+        <a:lstStyle/>
+        <a:p>
+          <a:endParaRPr lang="en-US"/>
+        </a:p>
+      </dgm:t>
     </dgm:pt>
     <dgm:pt modelId="{F80CB992-25F3-4146-990C-CB3F855D4E45}" type="pres">
       <dgm:prSet presAssocID="{FB911FC4-0553-4EE8-B15D-6BC139993559}" presName="desTx3" presStyleLbl="revTx" presStyleIdx="0" presStyleCnt="0">
@@ -7313,53 +9064,53 @@
     </dgm:pt>
   </dgm:ptLst>
   <dgm:cxnLst>
-    <dgm:cxn modelId="{7B289421-D34D-4D74-859B-AC7E21915524}" srcId="{AD95B609-3303-4583-87CD-2E7F35A6232A}" destId="{C10C8E44-53F0-4A95-B9E0-2C9674291AA8}" srcOrd="3" destOrd="0" parTransId="{920BB62B-541D-4CE3-A066-A85B338438D5}" sibTransId="{061A730A-78F6-4A11-99AC-7B30F084080D}"/>
-    <dgm:cxn modelId="{E840FF57-B382-423C-81EB-BAE38A169A99}" type="presOf" srcId="{819C193B-EAAC-476D-87A2-67263294D4D7}" destId="{F584A7AF-7AC4-466A-8058-C318E2452A4B}" srcOrd="0" destOrd="0" presId="urn:microsoft.com/office/officeart/2009/3/layout/SubStepProcess"/>
+    <dgm:cxn modelId="{6268C07B-C038-4857-8651-1893FD20867D}" srcId="{AD95B609-3303-4583-87CD-2E7F35A6232A}" destId="{D30CC538-6A3E-4ABF-A7CF-4766B1619AA9}" srcOrd="4" destOrd="0" parTransId="{B2821827-82C3-4E38-B688-D3944481D084}" sibTransId="{BF6AAC22-75F1-42CE-B071-35E223068637}"/>
+    <dgm:cxn modelId="{F8EEC1A3-BCEC-47CB-A295-ED345B1CA661}" srcId="{5F3E792C-E8E1-476D-A80F-9499729EB818}" destId="{89511B21-2A9E-472A-9A95-A6CC8E5FAADC}" srcOrd="3" destOrd="0" parTransId="{D05D4F68-E719-460B-9F4E-58BD7CE28669}" sibTransId="{75834831-EB4A-4A18-B9A1-240FBBF0B096}"/>
+    <dgm:cxn modelId="{BBD5550C-232A-4358-A34B-E691CB70D253}" type="presOf" srcId="{D606B092-3F2D-43A2-91A0-195B86BD53DA}" destId="{DACE86A9-A05C-4CA3-83EC-40A63736638E}" srcOrd="0" destOrd="0" presId="urn:microsoft.com/office/officeart/2009/3/layout/SubStepProcess"/>
     <dgm:cxn modelId="{96CAADBA-F321-46B8-98E3-BEBA2FD7B912}" srcId="{AD95B609-3303-4583-87CD-2E7F35A6232A}" destId="{6A3553B0-7A40-4A90-8516-16E3CA923718}" srcOrd="9" destOrd="0" parTransId="{978F89D0-B7DF-472A-9B03-C03A2DAC6155}" sibTransId="{02616C06-F1C3-427F-A227-7AC767461962}"/>
-    <dgm:cxn modelId="{2272C4A2-DBEA-444D-A06E-3431E02455D7}" type="presOf" srcId="{5F3E792C-E8E1-476D-A80F-9499729EB818}" destId="{930BC43C-89CA-4487-8A31-9FD4482A7DBB}" srcOrd="0" destOrd="0" presId="urn:microsoft.com/office/officeart/2009/3/layout/SubStepProcess"/>
-    <dgm:cxn modelId="{851DB145-7372-4AC1-AF6A-D698EF9EE1BC}" srcId="{AD95B609-3303-4583-87CD-2E7F35A6232A}" destId="{09EA8485-884F-484C-A626-8D7CC15A3984}" srcOrd="0" destOrd="0" parTransId="{5FB69482-A19E-4427-96EA-07A3C9999C37}" sibTransId="{8AAC2FF5-D3FB-432C-861F-AB07B94A8D17}"/>
-    <dgm:cxn modelId="{FFAB0640-BE7B-46C0-8665-26BD249B3807}" srcId="{95BAF3F2-D109-4E98-938E-0D603B5A9F7E}" destId="{C8DEEE97-A2B3-4862-9DF2-3CEFFDAFBD8C}" srcOrd="2" destOrd="0" parTransId="{C7B2C226-A6D5-4834-8096-D1248E9CC62E}" sibTransId="{91CF8BD8-BFB9-40E3-853E-F90C6E8E6A13}"/>
+    <dgm:cxn modelId="{377FACA8-B085-47AC-B304-A0E88863179D}" type="presOf" srcId="{89511B21-2A9E-472A-9A95-A6CC8E5FAADC}" destId="{CD82906B-C356-4E42-B320-83690748577F}" srcOrd="0" destOrd="0" presId="urn:microsoft.com/office/officeart/2009/3/layout/SubStepProcess"/>
+    <dgm:cxn modelId="{A3957A6C-D036-469E-B3D1-F88D60B75E43}" type="presOf" srcId="{D30CC538-6A3E-4ABF-A7CF-4766B1619AA9}" destId="{847583CB-3949-4F46-92DF-5BC70B8A4826}" srcOrd="0" destOrd="0" presId="urn:microsoft.com/office/officeart/2009/3/layout/SubStepProcess"/>
+    <dgm:cxn modelId="{8E97018E-B7DF-4E20-8722-CCCA4B5E1266}" type="presOf" srcId="{9C8E4A14-3A8E-458D-8E2C-9E6CF1CCC4B0}" destId="{64ECA41F-8C16-4299-9A9C-307AD1C48C43}" srcOrd="0" destOrd="0" presId="urn:microsoft.com/office/officeart/2009/3/layout/SubStepProcess"/>
+    <dgm:cxn modelId="{D3AF6C03-A3CB-480F-97B6-3EE9EAD07334}" type="presOf" srcId="{AD95B609-3303-4583-87CD-2E7F35A6232A}" destId="{ECA4621E-2E99-4BEF-9592-8A07D21B3E61}" srcOrd="0" destOrd="0" presId="urn:microsoft.com/office/officeart/2009/3/layout/SubStepProcess"/>
+    <dgm:cxn modelId="{F1AFFDE5-DD20-4815-BF43-D769DB44BACA}" srcId="{5F3E792C-E8E1-476D-A80F-9499729EB818}" destId="{D606B092-3F2D-43A2-91A0-195B86BD53DA}" srcOrd="0" destOrd="0" parTransId="{66219553-9A84-45B1-A624-9936C43E8047}" sibTransId="{A7BB68E8-CFE5-41C3-8EF5-4BD28FD84C12}"/>
+    <dgm:cxn modelId="{67E122BD-5A88-4BC5-87A2-0BD09F7B29C1}" srcId="{AD95B609-3303-4583-87CD-2E7F35A6232A}" destId="{601322D6-BAE4-4D1D-BCE6-6DCA32544F9C}" srcOrd="8" destOrd="0" parTransId="{637D7C5F-8769-4305-8D07-D59FE1FD1DE7}" sibTransId="{54996A8C-05FB-49D6-A511-AB405B78FA03}"/>
+    <dgm:cxn modelId="{068E6F1E-736A-46C5-B02A-C306EA3B88EC}" srcId="{AD95B609-3303-4583-87CD-2E7F35A6232A}" destId="{C0E686F4-07E0-48F0-9175-5A4E8D81D8F8}" srcOrd="2" destOrd="0" parTransId="{AB56B838-13C1-4272-A57B-C7EBE9D83F0E}" sibTransId="{C2B9156C-1718-44F9-961C-87D932C09337}"/>
     <dgm:cxn modelId="{8D2262FF-7BD1-412A-89FC-76A2FD0DB228}" srcId="{5F3E792C-E8E1-476D-A80F-9499729EB818}" destId="{E68E75D6-761A-40F6-92D7-5D34BDFDED6B}" srcOrd="4" destOrd="0" parTransId="{D57684C3-5833-4939-84F3-9DB3A7B8355B}" sibTransId="{67C4EF1D-D1C6-4DFB-8AB4-0F125B825D49}"/>
-    <dgm:cxn modelId="{67E122BD-5A88-4BC5-87A2-0BD09F7B29C1}" srcId="{AD95B609-3303-4583-87CD-2E7F35A6232A}" destId="{601322D6-BAE4-4D1D-BCE6-6DCA32544F9C}" srcOrd="8" destOrd="0" parTransId="{637D7C5F-8769-4305-8D07-D59FE1FD1DE7}" sibTransId="{54996A8C-05FB-49D6-A511-AB405B78FA03}"/>
-    <dgm:cxn modelId="{BBD5550C-232A-4358-A34B-E691CB70D253}" type="presOf" srcId="{D606B092-3F2D-43A2-91A0-195B86BD53DA}" destId="{DACE86A9-A05C-4CA3-83EC-40A63736638E}" srcOrd="0" destOrd="0" presId="urn:microsoft.com/office/officeart/2009/3/layout/SubStepProcess"/>
+    <dgm:cxn modelId="{434BDFE1-C15D-40CC-A54F-F9725EADEFA2}" type="presOf" srcId="{33060EEB-721D-46E8-A715-2FC01D6BD15A}" destId="{875414DA-731F-42C8-985C-69C9D4D037D6}" srcOrd="0" destOrd="0" presId="urn:microsoft.com/office/officeart/2009/3/layout/SubStepProcess"/>
+    <dgm:cxn modelId="{4C37B3D5-3822-43C1-924F-09811DAEA3A9}" srcId="{C8DEEE97-A2B3-4862-9DF2-3CEFFDAFBD8C}" destId="{8A2B1C81-E47D-47F9-AF76-7772C9C66239}" srcOrd="0" destOrd="0" parTransId="{C182E80D-2B6A-40C0-A10D-D2F624D54BBD}" sibTransId="{9F3FC4D9-FE32-489C-B204-29B67185D75E}"/>
+    <dgm:cxn modelId="{5F736D82-879F-4B3C-913F-3051C7E05534}" type="presOf" srcId="{FB911FC4-0553-4EE8-B15D-6BC139993559}" destId="{F80CB992-25F3-4146-990C-CB3F855D4E45}" srcOrd="0" destOrd="0" presId="urn:microsoft.com/office/officeart/2009/3/layout/SubStepProcess"/>
+    <dgm:cxn modelId="{D1CF7A31-8599-46BA-90C2-84F1F54679FB}" type="presOf" srcId="{0F6B5F89-03F0-4758-83E8-D38163FD5BDE}" destId="{26448DDA-E83C-4832-BD33-7AA9AE7A1FBD}" srcOrd="0" destOrd="0" presId="urn:microsoft.com/office/officeart/2009/3/layout/SubStepProcess"/>
+    <dgm:cxn modelId="{80D65BB7-863C-43A0-B16C-EE8308742636}" type="presOf" srcId="{C0E686F4-07E0-48F0-9175-5A4E8D81D8F8}" destId="{389E0D84-76EC-4FFF-A4B8-7C47016BC1F8}" srcOrd="0" destOrd="0" presId="urn:microsoft.com/office/officeart/2009/3/layout/SubStepProcess"/>
+    <dgm:cxn modelId="{CD0E5135-9AEC-43CF-9708-D51FAE0A47E7}" srcId="{C8DEEE97-A2B3-4862-9DF2-3CEFFDAFBD8C}" destId="{FB911FC4-0553-4EE8-B15D-6BC139993559}" srcOrd="2" destOrd="0" parTransId="{888E84C5-66E0-4C28-A734-38304805F82E}" sibTransId="{DEFD4263-88D9-490E-87EF-714CEEB943C7}"/>
+    <dgm:cxn modelId="{198D3979-2267-4660-8977-14D75A3B4E78}" srcId="{5F3E792C-E8E1-476D-A80F-9499729EB818}" destId="{9C8E4A14-3A8E-458D-8E2C-9E6CF1CCC4B0}" srcOrd="6" destOrd="0" parTransId="{A04CC4F2-75DE-4F68-A745-417004977698}" sibTransId="{C848A657-410B-47FE-97E4-32DE211692A4}"/>
+    <dgm:cxn modelId="{26413D1F-B4DC-42ED-9508-59902F295F56}" type="presOf" srcId="{C8DEEE97-A2B3-4862-9DF2-3CEFFDAFBD8C}" destId="{8F724D7A-FC3E-4ECA-A525-6E3BA44424E6}" srcOrd="0" destOrd="0" presId="urn:microsoft.com/office/officeart/2009/3/layout/SubStepProcess"/>
     <dgm:cxn modelId="{403898F6-0BAD-4688-A767-D217A8C683D4}" srcId="{5F3E792C-E8E1-476D-A80F-9499729EB818}" destId="{0F6B5F89-03F0-4758-83E8-D38163FD5BDE}" srcOrd="2" destOrd="0" parTransId="{EBA221A6-4FBA-4E6B-B225-DD14D670EBEA}" sibTransId="{5E04DA45-E29B-461D-82AB-215C64D40866}"/>
-    <dgm:cxn modelId="{F8EEC1A3-BCEC-47CB-A295-ED345B1CA661}" srcId="{5F3E792C-E8E1-476D-A80F-9499729EB818}" destId="{89511B21-2A9E-472A-9A95-A6CC8E5FAADC}" srcOrd="3" destOrd="0" parTransId="{D05D4F68-E719-460B-9F4E-58BD7CE28669}" sibTransId="{75834831-EB4A-4A18-B9A1-240FBBF0B096}"/>
-    <dgm:cxn modelId="{F48F5137-40DB-4A59-99E3-0E978E3DEF58}" srcId="{AD95B609-3303-4583-87CD-2E7F35A6232A}" destId="{923AF866-B32B-4260-B12C-2D9D1E7F500A}" srcOrd="6" destOrd="0" parTransId="{AF943EA0-1A4F-46EE-A05F-E3454E545030}" sibTransId="{A687BB37-1EE6-4B22-8B58-BC618FF5F169}"/>
-    <dgm:cxn modelId="{3F9DF11D-9E55-40DB-828E-94E39C910C39}" srcId="{95BAF3F2-D109-4E98-938E-0D603B5A9F7E}" destId="{AD95B609-3303-4583-87CD-2E7F35A6232A}" srcOrd="0" destOrd="0" parTransId="{CA20A938-4752-4205-AB97-93C91C21D438}" sibTransId="{3B9797B8-1C0C-4F3D-B18B-50FEFFD6A0E1}"/>
-    <dgm:cxn modelId="{0844B31D-EA76-413B-90AD-5BC0795A08EC}" type="presOf" srcId="{95BAF3F2-D109-4E98-938E-0D603B5A9F7E}" destId="{4144592D-B1E6-44E0-B992-396491D46FD6}" srcOrd="0" destOrd="0" presId="urn:microsoft.com/office/officeart/2009/3/layout/SubStepProcess"/>
+    <dgm:cxn modelId="{2BF4C107-6A6D-4E8E-849D-47619B617BC8}" type="presOf" srcId="{601322D6-BAE4-4D1D-BCE6-6DCA32544F9C}" destId="{91B759A7-7C2B-4E54-BA5E-24E6B1B5CF56}" srcOrd="0" destOrd="0" presId="urn:microsoft.com/office/officeart/2009/3/layout/SubStepProcess"/>
+    <dgm:cxn modelId="{8140EE19-556D-4E7E-A353-1E233B3F5AC0}" type="presOf" srcId="{EDD1FF38-46FD-4A03-BCBE-20400FF7D1C8}" destId="{5D0F8DBC-FA8A-4ACB-A014-076E69604080}" srcOrd="0" destOrd="0" presId="urn:microsoft.com/office/officeart/2009/3/layout/SubStepProcess"/>
+    <dgm:cxn modelId="{34BEB09E-E2A5-4DF6-B8E2-B6D70FF4B1CF}" type="presOf" srcId="{C9FBCAE5-829B-4790-8E80-1EECA1A01A54}" destId="{B69F6CCC-94E3-460A-9C6F-EB373D226EE5}" srcOrd="0" destOrd="0" presId="urn:microsoft.com/office/officeart/2009/3/layout/SubStepProcess"/>
+    <dgm:cxn modelId="{DAA1C1C8-0688-4806-8A68-F6112A67A090}" srcId="{5F3E792C-E8E1-476D-A80F-9499729EB818}" destId="{819C193B-EAAC-476D-87A2-67263294D4D7}" srcOrd="1" destOrd="0" parTransId="{8399B9EE-C7E2-4231-A7C8-EA226A9367CB}" sibTransId="{79E766F7-3576-4828-BC83-6F97132DFE01}"/>
     <dgm:cxn modelId="{4FC88EA4-07E8-46D1-9E82-24A7A8C10B6D}" type="presOf" srcId="{C10C8E44-53F0-4A95-B9E0-2C9674291AA8}" destId="{71035CB5-025D-4273-8618-B75128118237}" srcOrd="0" destOrd="0" presId="urn:microsoft.com/office/officeart/2009/3/layout/SubStepProcess"/>
-    <dgm:cxn modelId="{F1AFFDE5-DD20-4815-BF43-D769DB44BACA}" srcId="{5F3E792C-E8E1-476D-A80F-9499729EB818}" destId="{D606B092-3F2D-43A2-91A0-195B86BD53DA}" srcOrd="0" destOrd="0" parTransId="{66219553-9A84-45B1-A624-9936C43E8047}" sibTransId="{A7BB68E8-CFE5-41C3-8EF5-4BD28FD84C12}"/>
-    <dgm:cxn modelId="{A3957A6C-D036-469E-B3D1-F88D60B75E43}" type="presOf" srcId="{D30CC538-6A3E-4ABF-A7CF-4766B1619AA9}" destId="{847583CB-3949-4F46-92DF-5BC70B8A4826}" srcOrd="0" destOrd="0" presId="urn:microsoft.com/office/officeart/2009/3/layout/SubStepProcess"/>
-    <dgm:cxn modelId="{8B1CD69F-17F8-408D-9317-3FFF303D955D}" srcId="{5F3E792C-E8E1-476D-A80F-9499729EB818}" destId="{F0E93695-53B8-4FC4-A086-1D1368A1D979}" srcOrd="5" destOrd="0" parTransId="{CECFB84A-5A6F-4AF8-A5F1-6D04D4FFEA8C}" sibTransId="{748B5E76-AAE3-42CC-A068-BA09A8FF52F7}"/>
-    <dgm:cxn modelId="{54F418C8-B003-4C3E-9127-5F1AB7C5EAB9}" type="presOf" srcId="{6A3553B0-7A40-4A90-8516-16E3CA923718}" destId="{5C20E412-C74A-48DA-A2A0-6CC529AF4FA3}" srcOrd="0" destOrd="0" presId="urn:microsoft.com/office/officeart/2009/3/layout/SubStepProcess"/>
-    <dgm:cxn modelId="{26413D1F-B4DC-42ED-9508-59902F295F56}" type="presOf" srcId="{C8DEEE97-A2B3-4862-9DF2-3CEFFDAFBD8C}" destId="{8F724D7A-FC3E-4ECA-A525-6E3BA44424E6}" srcOrd="0" destOrd="0" presId="urn:microsoft.com/office/officeart/2009/3/layout/SubStepProcess"/>
-    <dgm:cxn modelId="{25B05C16-2E1D-4598-A63C-2EBA88E4E99E}" srcId="{AD95B609-3303-4583-87CD-2E7F35A6232A}" destId="{C9FBCAE5-829B-4790-8E80-1EECA1A01A54}" srcOrd="7" destOrd="0" parTransId="{7A836164-CEBD-48A7-AC9C-F5DD82973333}" sibTransId="{EE61A56A-8119-4850-BEBC-D362BADC6A72}"/>
-    <dgm:cxn modelId="{4C37B3D5-3822-43C1-924F-09811DAEA3A9}" srcId="{C8DEEE97-A2B3-4862-9DF2-3CEFFDAFBD8C}" destId="{8A2B1C81-E47D-47F9-AF76-7772C9C66239}" srcOrd="0" destOrd="0" parTransId="{C182E80D-2B6A-40C0-A10D-D2F624D54BBD}" sibTransId="{9F3FC4D9-FE32-489C-B204-29B67185D75E}"/>
-    <dgm:cxn modelId="{2BF4C107-6A6D-4E8E-849D-47619B617BC8}" type="presOf" srcId="{601322D6-BAE4-4D1D-BCE6-6DCA32544F9C}" destId="{91B759A7-7C2B-4E54-BA5E-24E6B1B5CF56}" srcOrd="0" destOrd="0" presId="urn:microsoft.com/office/officeart/2009/3/layout/SubStepProcess"/>
-    <dgm:cxn modelId="{CD0E5135-9AEC-43CF-9708-D51FAE0A47E7}" srcId="{C8DEEE97-A2B3-4862-9DF2-3CEFFDAFBD8C}" destId="{FB911FC4-0553-4EE8-B15D-6BC139993559}" srcOrd="2" destOrd="0" parTransId="{888E84C5-66E0-4C28-A734-38304805F82E}" sibTransId="{DEFD4263-88D9-490E-87EF-714CEEB943C7}"/>
-    <dgm:cxn modelId="{D1CF7A31-8599-46BA-90C2-84F1F54679FB}" type="presOf" srcId="{0F6B5F89-03F0-4758-83E8-D38163FD5BDE}" destId="{26448DDA-E83C-4832-BD33-7AA9AE7A1FBD}" srcOrd="0" destOrd="0" presId="urn:microsoft.com/office/officeart/2009/3/layout/SubStepProcess"/>
-    <dgm:cxn modelId="{6268C07B-C038-4857-8651-1893FD20867D}" srcId="{AD95B609-3303-4583-87CD-2E7F35A6232A}" destId="{D30CC538-6A3E-4ABF-A7CF-4766B1619AA9}" srcOrd="4" destOrd="0" parTransId="{B2821827-82C3-4E38-B688-D3944481D084}" sibTransId="{BF6AAC22-75F1-42CE-B071-35E223068637}"/>
+    <dgm:cxn modelId="{5BD6DBEF-E391-4FA4-B6E3-2F80ED0491B5}" type="presOf" srcId="{09EA8485-884F-484C-A626-8D7CC15A3984}" destId="{CA782425-D4E6-4F03-9D7E-94A648C70890}" srcOrd="0" destOrd="0" presId="urn:microsoft.com/office/officeart/2009/3/layout/SubStepProcess"/>
     <dgm:cxn modelId="{3DF45BE5-B035-4FF1-880E-D6735D0B4C8C}" type="presOf" srcId="{E68E75D6-761A-40F6-92D7-5D34BDFDED6B}" destId="{6F1B3249-C222-4DDB-A636-3200F8B317BC}" srcOrd="0" destOrd="0" presId="urn:microsoft.com/office/officeart/2009/3/layout/SubStepProcess"/>
     <dgm:cxn modelId="{644B7DC9-0862-46B5-B9A1-663198E1ECFA}" type="presOf" srcId="{F0E93695-53B8-4FC4-A086-1D1368A1D979}" destId="{665F2682-A452-430A-A3D8-81BEFE3D16A5}" srcOrd="0" destOrd="0" presId="urn:microsoft.com/office/officeart/2009/3/layout/SubStepProcess"/>
+    <dgm:cxn modelId="{54F418C8-B003-4C3E-9127-5F1AB7C5EAB9}" type="presOf" srcId="{6A3553B0-7A40-4A90-8516-16E3CA923718}" destId="{5C20E412-C74A-48DA-A2A0-6CC529AF4FA3}" srcOrd="0" destOrd="0" presId="urn:microsoft.com/office/officeart/2009/3/layout/SubStepProcess"/>
+    <dgm:cxn modelId="{4B5413BA-4CBE-4FE6-B24D-47F97A25911D}" type="presOf" srcId="{923AF866-B32B-4260-B12C-2D9D1E7F500A}" destId="{BBD82359-4377-47EB-9B8B-CAD76182BA0B}" srcOrd="0" destOrd="0" presId="urn:microsoft.com/office/officeart/2009/3/layout/SubStepProcess"/>
+    <dgm:cxn modelId="{FFAB0640-BE7B-46C0-8665-26BD249B3807}" srcId="{95BAF3F2-D109-4E98-938E-0D603B5A9F7E}" destId="{C8DEEE97-A2B3-4862-9DF2-3CEFFDAFBD8C}" srcOrd="2" destOrd="0" parTransId="{C7B2C226-A6D5-4834-8096-D1248E9CC62E}" sibTransId="{91CF8BD8-BFB9-40E3-853E-F90C6E8E6A13}"/>
+    <dgm:cxn modelId="{7B289421-D34D-4D74-859B-AC7E21915524}" srcId="{AD95B609-3303-4583-87CD-2E7F35A6232A}" destId="{C10C8E44-53F0-4A95-B9E0-2C9674291AA8}" srcOrd="3" destOrd="0" parTransId="{920BB62B-541D-4CE3-A066-A85B338438D5}" sibTransId="{061A730A-78F6-4A11-99AC-7B30F084080D}"/>
+    <dgm:cxn modelId="{BB55E895-5854-49E5-B68B-590ADBCE66FD}" srcId="{AD95B609-3303-4583-87CD-2E7F35A6232A}" destId="{33060EEB-721D-46E8-A715-2FC01D6BD15A}" srcOrd="5" destOrd="0" parTransId="{96364B11-B350-41FB-8E2B-B34E47C1D94A}" sibTransId="{9722F965-D8DA-42EF-92C5-FE9E51E31C1D}"/>
+    <dgm:cxn modelId="{07AD1FD7-1774-4689-A54F-41ADED4D8F53}" srcId="{C8DEEE97-A2B3-4862-9DF2-3CEFFDAFBD8C}" destId="{6DB29109-100D-48FC-AE54-B7783E34D7A7}" srcOrd="1" destOrd="0" parTransId="{02A31342-2519-42A2-8333-40D4384B27EF}" sibTransId="{8FB1B6A8-2918-4F6C-9C38-6CECD4EE07B7}"/>
+    <dgm:cxn modelId="{25B05C16-2E1D-4598-A63C-2EBA88E4E99E}" srcId="{AD95B609-3303-4583-87CD-2E7F35A6232A}" destId="{C9FBCAE5-829B-4790-8E80-1EECA1A01A54}" srcOrd="7" destOrd="0" parTransId="{7A836164-CEBD-48A7-AC9C-F5DD82973333}" sibTransId="{EE61A56A-8119-4850-BEBC-D362BADC6A72}"/>
+    <dgm:cxn modelId="{3F9DF11D-9E55-40DB-828E-94E39C910C39}" srcId="{95BAF3F2-D109-4E98-938E-0D603B5A9F7E}" destId="{AD95B609-3303-4583-87CD-2E7F35A6232A}" srcOrd="0" destOrd="0" parTransId="{CA20A938-4752-4205-AB97-93C91C21D438}" sibTransId="{3B9797B8-1C0C-4F3D-B18B-50FEFFD6A0E1}"/>
+    <dgm:cxn modelId="{E840FF57-B382-423C-81EB-BAE38A169A99}" type="presOf" srcId="{819C193B-EAAC-476D-87A2-67263294D4D7}" destId="{F584A7AF-7AC4-466A-8058-C318E2452A4B}" srcOrd="0" destOrd="0" presId="urn:microsoft.com/office/officeart/2009/3/layout/SubStepProcess"/>
+    <dgm:cxn modelId="{F658C6DC-E3B9-4DF8-8CB6-5AFB4FE20A71}" type="presOf" srcId="{8A2B1C81-E47D-47F9-AF76-7772C9C66239}" destId="{69457D61-8171-4A3D-B02E-77898F9E34F4}" srcOrd="0" destOrd="0" presId="urn:microsoft.com/office/officeart/2009/3/layout/SubStepProcess"/>
     <dgm:cxn modelId="{F6ABFB68-ED34-4CE6-808C-BE75A6866E02}" srcId="{95BAF3F2-D109-4E98-938E-0D603B5A9F7E}" destId="{5F3E792C-E8E1-476D-A80F-9499729EB818}" srcOrd="1" destOrd="0" parTransId="{86EDC1AE-450F-413C-BFB9-337801F67ECB}" sibTransId="{7911D3D9-7603-4E23-8D5B-51615984B9C4}"/>
-    <dgm:cxn modelId="{BB55E895-5854-49E5-B68B-590ADBCE66FD}" srcId="{AD95B609-3303-4583-87CD-2E7F35A6232A}" destId="{33060EEB-721D-46E8-A715-2FC01D6BD15A}" srcOrd="5" destOrd="0" parTransId="{96364B11-B350-41FB-8E2B-B34E47C1D94A}" sibTransId="{9722F965-D8DA-42EF-92C5-FE9E51E31C1D}"/>
-    <dgm:cxn modelId="{8E97018E-B7DF-4E20-8722-CCCA4B5E1266}" type="presOf" srcId="{9C8E4A14-3A8E-458D-8E2C-9E6CF1CCC4B0}" destId="{64ECA41F-8C16-4299-9A9C-307AD1C48C43}" srcOrd="0" destOrd="0" presId="urn:microsoft.com/office/officeart/2009/3/layout/SubStepProcess"/>
-    <dgm:cxn modelId="{F658C6DC-E3B9-4DF8-8CB6-5AFB4FE20A71}" type="presOf" srcId="{8A2B1C81-E47D-47F9-AF76-7772C9C66239}" destId="{69457D61-8171-4A3D-B02E-77898F9E34F4}" srcOrd="0" destOrd="0" presId="urn:microsoft.com/office/officeart/2009/3/layout/SubStepProcess"/>
-    <dgm:cxn modelId="{80D65BB7-863C-43A0-B16C-EE8308742636}" type="presOf" srcId="{C0E686F4-07E0-48F0-9175-5A4E8D81D8F8}" destId="{389E0D84-76EC-4FFF-A4B8-7C47016BC1F8}" srcOrd="0" destOrd="0" presId="urn:microsoft.com/office/officeart/2009/3/layout/SubStepProcess"/>
-    <dgm:cxn modelId="{377FACA8-B085-47AC-B304-A0E88863179D}" type="presOf" srcId="{89511B21-2A9E-472A-9A95-A6CC8E5FAADC}" destId="{CD82906B-C356-4E42-B320-83690748577F}" srcOrd="0" destOrd="0" presId="urn:microsoft.com/office/officeart/2009/3/layout/SubStepProcess"/>
-    <dgm:cxn modelId="{DAA1C1C8-0688-4806-8A68-F6112A67A090}" srcId="{5F3E792C-E8E1-476D-A80F-9499729EB818}" destId="{819C193B-EAAC-476D-87A2-67263294D4D7}" srcOrd="1" destOrd="0" parTransId="{8399B9EE-C7E2-4231-A7C8-EA226A9367CB}" sibTransId="{79E766F7-3576-4828-BC83-6F97132DFE01}"/>
-    <dgm:cxn modelId="{D3AF6C03-A3CB-480F-97B6-3EE9EAD07334}" type="presOf" srcId="{AD95B609-3303-4583-87CD-2E7F35A6232A}" destId="{ECA4621E-2E99-4BEF-9592-8A07D21B3E61}" srcOrd="0" destOrd="0" presId="urn:microsoft.com/office/officeart/2009/3/layout/SubStepProcess"/>
-    <dgm:cxn modelId="{8140EE19-556D-4E7E-A353-1E233B3F5AC0}" type="presOf" srcId="{EDD1FF38-46FD-4A03-BCBE-20400FF7D1C8}" destId="{5D0F8DBC-FA8A-4ACB-A014-076E69604080}" srcOrd="0" destOrd="0" presId="urn:microsoft.com/office/officeart/2009/3/layout/SubStepProcess"/>
-    <dgm:cxn modelId="{5BD6DBEF-E391-4FA4-B6E3-2F80ED0491B5}" type="presOf" srcId="{09EA8485-884F-484C-A626-8D7CC15A3984}" destId="{CA782425-D4E6-4F03-9D7E-94A648C70890}" srcOrd="0" destOrd="0" presId="urn:microsoft.com/office/officeart/2009/3/layout/SubStepProcess"/>
-    <dgm:cxn modelId="{34BEB09E-E2A5-4DF6-B8E2-B6D70FF4B1CF}" type="presOf" srcId="{C9FBCAE5-829B-4790-8E80-1EECA1A01A54}" destId="{B69F6CCC-94E3-460A-9C6F-EB373D226EE5}" srcOrd="0" destOrd="0" presId="urn:microsoft.com/office/officeart/2009/3/layout/SubStepProcess"/>
-    <dgm:cxn modelId="{434BDFE1-C15D-40CC-A54F-F9725EADEFA2}" type="presOf" srcId="{33060EEB-721D-46E8-A715-2FC01D6BD15A}" destId="{875414DA-731F-42C8-985C-69C9D4D037D6}" srcOrd="0" destOrd="0" presId="urn:microsoft.com/office/officeart/2009/3/layout/SubStepProcess"/>
+    <dgm:cxn modelId="{0844B31D-EA76-413B-90AD-5BC0795A08EC}" type="presOf" srcId="{95BAF3F2-D109-4E98-938E-0D603B5A9F7E}" destId="{4144592D-B1E6-44E0-B992-396491D46FD6}" srcOrd="0" destOrd="0" presId="urn:microsoft.com/office/officeart/2009/3/layout/SubStepProcess"/>
+    <dgm:cxn modelId="{F48F5137-40DB-4A59-99E3-0E978E3DEF58}" srcId="{AD95B609-3303-4583-87CD-2E7F35A6232A}" destId="{923AF866-B32B-4260-B12C-2D9D1E7F500A}" srcOrd="6" destOrd="0" parTransId="{AF943EA0-1A4F-46EE-A05F-E3454E545030}" sibTransId="{A687BB37-1EE6-4B22-8B58-BC618FF5F169}"/>
+    <dgm:cxn modelId="{851DB145-7372-4AC1-AF6A-D698EF9EE1BC}" srcId="{AD95B609-3303-4583-87CD-2E7F35A6232A}" destId="{09EA8485-884F-484C-A626-8D7CC15A3984}" srcOrd="0" destOrd="0" parTransId="{5FB69482-A19E-4427-96EA-07A3C9999C37}" sibTransId="{8AAC2FF5-D3FB-432C-861F-AB07B94A8D17}"/>
+    <dgm:cxn modelId="{2272C4A2-DBEA-444D-A06E-3431E02455D7}" type="presOf" srcId="{5F3E792C-E8E1-476D-A80F-9499729EB818}" destId="{930BC43C-89CA-4487-8A31-9FD4482A7DBB}" srcOrd="0" destOrd="0" presId="urn:microsoft.com/office/officeart/2009/3/layout/SubStepProcess"/>
+    <dgm:cxn modelId="{92127220-0A13-466E-AB84-2717FD98E1F4}" type="presOf" srcId="{6DB29109-100D-48FC-AE54-B7783E34D7A7}" destId="{D8A00F33-4D08-48BD-A1DF-39F3BE097E6F}" srcOrd="0" destOrd="0" presId="urn:microsoft.com/office/officeart/2009/3/layout/SubStepProcess"/>
     <dgm:cxn modelId="{B0F2EEBF-33AE-4D0F-B65C-C95F8D10DAFB}" srcId="{AD95B609-3303-4583-87CD-2E7F35A6232A}" destId="{EDD1FF38-46FD-4A03-BCBE-20400FF7D1C8}" srcOrd="1" destOrd="0" parTransId="{25DBED34-3B55-46C2-92B0-F73CB140844A}" sibTransId="{1BC48B71-3693-4D66-8B80-472DE094EEBB}"/>
-    <dgm:cxn modelId="{4B5413BA-4CBE-4FE6-B24D-47F97A25911D}" type="presOf" srcId="{923AF866-B32B-4260-B12C-2D9D1E7F500A}" destId="{BBD82359-4377-47EB-9B8B-CAD76182BA0B}" srcOrd="0" destOrd="0" presId="urn:microsoft.com/office/officeart/2009/3/layout/SubStepProcess"/>
-    <dgm:cxn modelId="{92127220-0A13-466E-AB84-2717FD98E1F4}" type="presOf" srcId="{6DB29109-100D-48FC-AE54-B7783E34D7A7}" destId="{D8A00F33-4D08-48BD-A1DF-39F3BE097E6F}" srcOrd="0" destOrd="0" presId="urn:microsoft.com/office/officeart/2009/3/layout/SubStepProcess"/>
-    <dgm:cxn modelId="{198D3979-2267-4660-8977-14D75A3B4E78}" srcId="{5F3E792C-E8E1-476D-A80F-9499729EB818}" destId="{9C8E4A14-3A8E-458D-8E2C-9E6CF1CCC4B0}" srcOrd="6" destOrd="0" parTransId="{A04CC4F2-75DE-4F68-A745-417004977698}" sibTransId="{C848A657-410B-47FE-97E4-32DE211692A4}"/>
-    <dgm:cxn modelId="{5F736D82-879F-4B3C-913F-3051C7E05534}" type="presOf" srcId="{FB911FC4-0553-4EE8-B15D-6BC139993559}" destId="{F80CB992-25F3-4146-990C-CB3F855D4E45}" srcOrd="0" destOrd="0" presId="urn:microsoft.com/office/officeart/2009/3/layout/SubStepProcess"/>
-    <dgm:cxn modelId="{068E6F1E-736A-46C5-B02A-C306EA3B88EC}" srcId="{AD95B609-3303-4583-87CD-2E7F35A6232A}" destId="{C0E686F4-07E0-48F0-9175-5A4E8D81D8F8}" srcOrd="2" destOrd="0" parTransId="{AB56B838-13C1-4272-A57B-C7EBE9D83F0E}" sibTransId="{C2B9156C-1718-44F9-961C-87D932C09337}"/>
-    <dgm:cxn modelId="{07AD1FD7-1774-4689-A54F-41ADED4D8F53}" srcId="{C8DEEE97-A2B3-4862-9DF2-3CEFFDAFBD8C}" destId="{6DB29109-100D-48FC-AE54-B7783E34D7A7}" srcOrd="1" destOrd="0" parTransId="{02A31342-2519-42A2-8333-40D4384B27EF}" sibTransId="{8FB1B6A8-2918-4F6C-9C38-6CECD4EE07B7}"/>
+    <dgm:cxn modelId="{8B1CD69F-17F8-408D-9317-3FFF303D955D}" srcId="{5F3E792C-E8E1-476D-A80F-9499729EB818}" destId="{F0E93695-53B8-4FC4-A086-1D1368A1D979}" srcOrd="5" destOrd="0" parTransId="{CECFB84A-5A6F-4AF8-A5F1-6D04D4FFEA8C}" sibTransId="{748B5E76-AAE3-42CC-A068-BA09A8FF52F7}"/>
     <dgm:cxn modelId="{B8A6BEF9-DFA4-4199-AA3E-3812787480C3}" type="presParOf" srcId="{4144592D-B1E6-44E0-B992-396491D46FD6}" destId="{ECA4621E-2E99-4BEF-9592-8A07D21B3E61}" srcOrd="0" destOrd="0" presId="urn:microsoft.com/office/officeart/2009/3/layout/SubStepProcess"/>
     <dgm:cxn modelId="{5C9A286A-D6FF-44D6-9281-8B83257C0103}" type="presParOf" srcId="{4144592D-B1E6-44E0-B992-396491D46FD6}" destId="{2A563650-F912-4157-A811-C159B047D303}" srcOrd="1" destOrd="0" presId="urn:microsoft.com/office/officeart/2009/3/layout/SubStepProcess"/>
     <dgm:cxn modelId="{D04A4040-82E1-4D7A-8357-21DD84823907}" type="presParOf" srcId="{4144592D-B1E6-44E0-B992-396491D46FD6}" destId="{5CFD5AEE-B526-4A28-9A9F-CD5A5B54978C}" srcOrd="2" destOrd="0" presId="urn:microsoft.com/office/officeart/2009/3/layout/SubStepProcess"/>
@@ -7536,6 +9287,212 @@
 </dgm:dataModel>
 </file>
 
+<file path=ppt/diagrams/data4.xml><?xml version="1.0" encoding="utf-8"?>
+<dgm:dataModel xmlns:dgm="http://schemas.openxmlformats.org/drawingml/2006/diagram" xmlns:a="http://schemas.openxmlformats.org/drawingml/2006/main">
+  <dgm:ptLst>
+    <dgm:pt modelId="{AAF2875D-34C1-AF46-8DD1-E87030DA7373}" type="doc">
+      <dgm:prSet loTypeId="urn:microsoft.com/office/officeart/2005/8/layout/cycle6" loCatId="" qsTypeId="urn:microsoft.com/office/officeart/2005/8/quickstyle/simple5" qsCatId="simple" csTypeId="urn:microsoft.com/office/officeart/2005/8/colors/accent0_3" csCatId="mainScheme"/>
+      <dgm:spPr/>
+      <dgm:t>
+        <a:bodyPr/>
+        <a:lstStyle/>
+        <a:p>
+          <a:endParaRPr lang="en-US"/>
+        </a:p>
+      </dgm:t>
+    </dgm:pt>
+    <dgm:pt modelId="{BD9CC5AE-00DF-B847-82C3-A90A3847F484}">
+      <dgm:prSet/>
+      <dgm:spPr/>
+      <dgm:t>
+        <a:bodyPr/>
+        <a:lstStyle/>
+        <a:p>
+          <a:pPr rtl="0"/>
+          <a:r>
+            <a:rPr lang="en-US" b="1" dirty="0" smtClean="0"/>
+            <a:t>Fully Native</a:t>
+          </a:r>
+          <a:endParaRPr lang="en-US" dirty="0"/>
+        </a:p>
+      </dgm:t>
+    </dgm:pt>
+    <dgm:pt modelId="{6E0CC516-6A6B-1C4F-B136-3084D78ACE73}" type="parTrans" cxnId="{CAF2BCD2-580A-0C4F-AE5F-0565D43A120E}">
+      <dgm:prSet/>
+      <dgm:spPr/>
+      <dgm:t>
+        <a:bodyPr/>
+        <a:lstStyle/>
+        <a:p>
+          <a:endParaRPr lang="en-US"/>
+        </a:p>
+      </dgm:t>
+    </dgm:pt>
+    <dgm:pt modelId="{654F88CC-D541-334B-B219-13D79C9CEE6D}" type="sibTrans" cxnId="{CAF2BCD2-580A-0C4F-AE5F-0565D43A120E}">
+      <dgm:prSet/>
+      <dgm:spPr/>
+      <dgm:t>
+        <a:bodyPr/>
+        <a:lstStyle/>
+        <a:p>
+          <a:endParaRPr lang="en-US"/>
+        </a:p>
+      </dgm:t>
+    </dgm:pt>
+    <dgm:pt modelId="{12C526B9-57E2-D74A-9E11-5D1D489374BD}">
+      <dgm:prSet/>
+      <dgm:spPr/>
+      <dgm:t>
+        <a:bodyPr/>
+        <a:lstStyle/>
+        <a:p>
+          <a:pPr rtl="0"/>
+          <a:r>
+            <a:rPr lang="en-US" b="1" smtClean="0"/>
+            <a:t>Cross Platform</a:t>
+          </a:r>
+          <a:endParaRPr lang="en-US"/>
+        </a:p>
+      </dgm:t>
+    </dgm:pt>
+    <dgm:pt modelId="{E937D3C1-1DA3-344A-B9D5-D0EEA067E023}" type="parTrans" cxnId="{89287A6A-BEA7-3A4C-ADBF-A288EBE99C26}">
+      <dgm:prSet/>
+      <dgm:spPr/>
+      <dgm:t>
+        <a:bodyPr/>
+        <a:lstStyle/>
+        <a:p>
+          <a:endParaRPr lang="en-US"/>
+        </a:p>
+      </dgm:t>
+    </dgm:pt>
+    <dgm:pt modelId="{9E48D2CB-A10D-F043-82EB-5346991866C4}" type="sibTrans" cxnId="{89287A6A-BEA7-3A4C-ADBF-A288EBE99C26}">
+      <dgm:prSet/>
+      <dgm:spPr/>
+      <dgm:t>
+        <a:bodyPr/>
+        <a:lstStyle/>
+        <a:p>
+          <a:endParaRPr lang="en-US"/>
+        </a:p>
+      </dgm:t>
+    </dgm:pt>
+    <dgm:pt modelId="{7E1CD72A-B713-C143-9882-8C159D843681}" type="pres">
+      <dgm:prSet presAssocID="{AAF2875D-34C1-AF46-8DD1-E87030DA7373}" presName="cycle" presStyleCnt="0">
+        <dgm:presLayoutVars>
+          <dgm:dir/>
+          <dgm:resizeHandles val="exact"/>
+        </dgm:presLayoutVars>
+      </dgm:prSet>
+      <dgm:spPr/>
+      <dgm:t>
+        <a:bodyPr/>
+        <a:lstStyle/>
+        <a:p>
+          <a:endParaRPr lang="en-US"/>
+        </a:p>
+      </dgm:t>
+    </dgm:pt>
+    <dgm:pt modelId="{925555DF-C593-7442-B56E-A6444DF5AC83}" type="pres">
+      <dgm:prSet presAssocID="{BD9CC5AE-00DF-B847-82C3-A90A3847F484}" presName="node" presStyleLbl="node1" presStyleIdx="0" presStyleCnt="2">
+        <dgm:presLayoutVars>
+          <dgm:bulletEnabled val="1"/>
+        </dgm:presLayoutVars>
+      </dgm:prSet>
+      <dgm:spPr/>
+      <dgm:t>
+        <a:bodyPr/>
+        <a:lstStyle/>
+        <a:p>
+          <a:endParaRPr lang="en-US"/>
+        </a:p>
+      </dgm:t>
+    </dgm:pt>
+    <dgm:pt modelId="{BFCC0079-3B4A-C245-AAB8-1EDC2CF85988}" type="pres">
+      <dgm:prSet presAssocID="{BD9CC5AE-00DF-B847-82C3-A90A3847F484}" presName="spNode" presStyleCnt="0"/>
+      <dgm:spPr/>
+      <dgm:t>
+        <a:bodyPr/>
+        <a:lstStyle/>
+        <a:p>
+          <a:endParaRPr lang="en-US"/>
+        </a:p>
+      </dgm:t>
+    </dgm:pt>
+    <dgm:pt modelId="{D8E63A63-9E98-4E41-8F49-061DB001287F}" type="pres">
+      <dgm:prSet presAssocID="{654F88CC-D541-334B-B219-13D79C9CEE6D}" presName="sibTrans" presStyleLbl="sibTrans1D1" presStyleIdx="0" presStyleCnt="2"/>
+      <dgm:spPr/>
+      <dgm:t>
+        <a:bodyPr/>
+        <a:lstStyle/>
+        <a:p>
+          <a:endParaRPr lang="en-US"/>
+        </a:p>
+      </dgm:t>
+    </dgm:pt>
+    <dgm:pt modelId="{36AE2327-D754-EC40-AFE4-F0086570F769}" type="pres">
+      <dgm:prSet presAssocID="{12C526B9-57E2-D74A-9E11-5D1D489374BD}" presName="node" presStyleLbl="node1" presStyleIdx="1" presStyleCnt="2">
+        <dgm:presLayoutVars>
+          <dgm:bulletEnabled val="1"/>
+        </dgm:presLayoutVars>
+      </dgm:prSet>
+      <dgm:spPr/>
+      <dgm:t>
+        <a:bodyPr/>
+        <a:lstStyle/>
+        <a:p>
+          <a:endParaRPr lang="en-US"/>
+        </a:p>
+      </dgm:t>
+    </dgm:pt>
+    <dgm:pt modelId="{8543DC46-9850-3B41-8C8A-E46106D29030}" type="pres">
+      <dgm:prSet presAssocID="{12C526B9-57E2-D74A-9E11-5D1D489374BD}" presName="spNode" presStyleCnt="0"/>
+      <dgm:spPr/>
+      <dgm:t>
+        <a:bodyPr/>
+        <a:lstStyle/>
+        <a:p>
+          <a:endParaRPr lang="en-US"/>
+        </a:p>
+      </dgm:t>
+    </dgm:pt>
+    <dgm:pt modelId="{9B827459-CB46-4A41-9AE3-8842E5D6CB5C}" type="pres">
+      <dgm:prSet presAssocID="{9E48D2CB-A10D-F043-82EB-5346991866C4}" presName="sibTrans" presStyleLbl="sibTrans1D1" presStyleIdx="1" presStyleCnt="2"/>
+      <dgm:spPr/>
+      <dgm:t>
+        <a:bodyPr/>
+        <a:lstStyle/>
+        <a:p>
+          <a:endParaRPr lang="en-US"/>
+        </a:p>
+      </dgm:t>
+    </dgm:pt>
+  </dgm:ptLst>
+  <dgm:cxnLst>
+    <dgm:cxn modelId="{F271C2B8-7910-D24A-B81C-A5240D9E4410}" type="presOf" srcId="{BD9CC5AE-00DF-B847-82C3-A90A3847F484}" destId="{925555DF-C593-7442-B56E-A6444DF5AC83}" srcOrd="0" destOrd="0" presId="urn:microsoft.com/office/officeart/2005/8/layout/cycle6"/>
+    <dgm:cxn modelId="{8F12FB46-4A0D-EF4D-AF13-4EE4CE0FC76B}" type="presOf" srcId="{654F88CC-D541-334B-B219-13D79C9CEE6D}" destId="{D8E63A63-9E98-4E41-8F49-061DB001287F}" srcOrd="0" destOrd="0" presId="urn:microsoft.com/office/officeart/2005/8/layout/cycle6"/>
+    <dgm:cxn modelId="{703DBC91-24AE-5040-8F1D-EDC328316E05}" type="presOf" srcId="{AAF2875D-34C1-AF46-8DD1-E87030DA7373}" destId="{7E1CD72A-B713-C143-9882-8C159D843681}" srcOrd="0" destOrd="0" presId="urn:microsoft.com/office/officeart/2005/8/layout/cycle6"/>
+    <dgm:cxn modelId="{559D58FB-BE29-8B41-8247-EB4177633CFF}" type="presOf" srcId="{9E48D2CB-A10D-F043-82EB-5346991866C4}" destId="{9B827459-CB46-4A41-9AE3-8842E5D6CB5C}" srcOrd="0" destOrd="0" presId="urn:microsoft.com/office/officeart/2005/8/layout/cycle6"/>
+    <dgm:cxn modelId="{89287A6A-BEA7-3A4C-ADBF-A288EBE99C26}" srcId="{AAF2875D-34C1-AF46-8DD1-E87030DA7373}" destId="{12C526B9-57E2-D74A-9E11-5D1D489374BD}" srcOrd="1" destOrd="0" parTransId="{E937D3C1-1DA3-344A-B9D5-D0EEA067E023}" sibTransId="{9E48D2CB-A10D-F043-82EB-5346991866C4}"/>
+    <dgm:cxn modelId="{CAF2BCD2-580A-0C4F-AE5F-0565D43A120E}" srcId="{AAF2875D-34C1-AF46-8DD1-E87030DA7373}" destId="{BD9CC5AE-00DF-B847-82C3-A90A3847F484}" srcOrd="0" destOrd="0" parTransId="{6E0CC516-6A6B-1C4F-B136-3084D78ACE73}" sibTransId="{654F88CC-D541-334B-B219-13D79C9CEE6D}"/>
+    <dgm:cxn modelId="{240C04BC-B165-E740-9D66-E42DFF404BB5}" type="presOf" srcId="{12C526B9-57E2-D74A-9E11-5D1D489374BD}" destId="{36AE2327-D754-EC40-AFE4-F0086570F769}" srcOrd="0" destOrd="0" presId="urn:microsoft.com/office/officeart/2005/8/layout/cycle6"/>
+    <dgm:cxn modelId="{934778F9-0939-3148-A4CF-B1427EE0BF93}" type="presParOf" srcId="{7E1CD72A-B713-C143-9882-8C159D843681}" destId="{925555DF-C593-7442-B56E-A6444DF5AC83}" srcOrd="0" destOrd="0" presId="urn:microsoft.com/office/officeart/2005/8/layout/cycle6"/>
+    <dgm:cxn modelId="{FF7165FE-8E02-3647-A5FC-C1F5DF8C942C}" type="presParOf" srcId="{7E1CD72A-B713-C143-9882-8C159D843681}" destId="{BFCC0079-3B4A-C245-AAB8-1EDC2CF85988}" srcOrd="1" destOrd="0" presId="urn:microsoft.com/office/officeart/2005/8/layout/cycle6"/>
+    <dgm:cxn modelId="{AF00CDFE-A5B3-AF46-8CB9-893BA10F366D}" type="presParOf" srcId="{7E1CD72A-B713-C143-9882-8C159D843681}" destId="{D8E63A63-9E98-4E41-8F49-061DB001287F}" srcOrd="2" destOrd="0" presId="urn:microsoft.com/office/officeart/2005/8/layout/cycle6"/>
+    <dgm:cxn modelId="{A0AA3C44-C6F2-9349-91CA-69F5710C7F91}" type="presParOf" srcId="{7E1CD72A-B713-C143-9882-8C159D843681}" destId="{36AE2327-D754-EC40-AFE4-F0086570F769}" srcOrd="3" destOrd="0" presId="urn:microsoft.com/office/officeart/2005/8/layout/cycle6"/>
+    <dgm:cxn modelId="{B63E019B-C982-FD48-BEBC-0349FF1D83B6}" type="presParOf" srcId="{7E1CD72A-B713-C143-9882-8C159D843681}" destId="{8543DC46-9850-3B41-8C8A-E46106D29030}" srcOrd="4" destOrd="0" presId="urn:microsoft.com/office/officeart/2005/8/layout/cycle6"/>
+    <dgm:cxn modelId="{A877D0A3-3944-B74F-81AD-2712B01FB7C4}" type="presParOf" srcId="{7E1CD72A-B713-C143-9882-8C159D843681}" destId="{9B827459-CB46-4A41-9AE3-8842E5D6CB5C}" srcOrd="5" destOrd="0" presId="urn:microsoft.com/office/officeart/2005/8/layout/cycle6"/>
+  </dgm:cxnLst>
+  <dgm:bg/>
+  <dgm:whole/>
+  <dgm:extLst>
+    <a:ext uri="http://schemas.microsoft.com/office/drawing/2008/diagram">
+      <dsp:dataModelExt xmlns:dsp="http://schemas.microsoft.com/office/drawing/2008/diagram" relId="rId7" minVer="http://schemas.openxmlformats.org/drawingml/2006/diagram"/>
+    </a:ext>
+  </dgm:extLst>
+</dgm:dataModel>
+</file>
+
 <file path=ppt/diagrams/drawing1.xml><?xml version="1.0" encoding="utf-8"?>
 <dsp:drawing xmlns:dgm="http://schemas.openxmlformats.org/drawingml/2006/diagram" xmlns:dsp="http://schemas.microsoft.com/office/drawing/2008/diagram" xmlns:a="http://schemas.openxmlformats.org/drawingml/2006/main">
   <dsp:spTree>
@@ -10872,12 +12829,7 @@
           <a:avLst/>
         </a:prstGeom>
         <a:solidFill>
-          <a:schemeClr val="accent2">
-            <a:hueOff val="0"/>
-            <a:satOff val="0"/>
-            <a:lumOff val="0"/>
-            <a:alphaOff val="0"/>
-          </a:schemeClr>
+          <a:schemeClr val="tx2"/>
         </a:solidFill>
         <a:ln w="11429" cap="flat" cmpd="sng" algn="ctr">
           <a:solidFill>
@@ -15416,6 +17368,310 @@
         <a:off x="7646958" y="2625492"/>
         <a:ext cx="856116" cy="513670"/>
       </dsp:txXfrm>
+    </dsp:sp>
+  </dsp:spTree>
+</dsp:drawing>
+</file>
+
+<file path=ppt/diagrams/drawing4.xml><?xml version="1.0" encoding="utf-8"?>
+<dsp:drawing xmlns:dgm="http://schemas.openxmlformats.org/drawingml/2006/diagram" xmlns:dsp="http://schemas.microsoft.com/office/drawing/2008/diagram" xmlns:a="http://schemas.openxmlformats.org/drawingml/2006/main">
+  <dsp:spTree>
+    <dsp:nvGrpSpPr>
+      <dsp:cNvPr id="0" name=""/>
+      <dsp:cNvGrpSpPr/>
+    </dsp:nvGrpSpPr>
+    <dsp:grpSpPr/>
+    <dsp:sp modelId="{925555DF-C593-7442-B56E-A6444DF5AC83}">
+      <dsp:nvSpPr>
+        <dsp:cNvPr id="0" name=""/>
+        <dsp:cNvSpPr/>
+      </dsp:nvSpPr>
+      <dsp:spPr>
+        <a:xfrm>
+          <a:off x="1086120" y="1046082"/>
+          <a:ext cx="3010420" cy="1956773"/>
+        </a:xfrm>
+        <a:prstGeom prst="roundRect">
+          <a:avLst/>
+        </a:prstGeom>
+        <a:solidFill>
+          <a:schemeClr val="dk2">
+            <a:hueOff val="0"/>
+            <a:satOff val="0"/>
+            <a:lumOff val="0"/>
+            <a:alphaOff val="0"/>
+          </a:schemeClr>
+        </a:solidFill>
+        <a:ln>
+          <a:noFill/>
+        </a:ln>
+        <a:effectLst>
+          <a:outerShdw blurRad="50800" dist="25400" dir="5400000" rotWithShape="0">
+            <a:srgbClr val="000000">
+              <a:alpha val="45000"/>
+            </a:srgbClr>
+          </a:outerShdw>
+        </a:effectLst>
+        <a:scene3d>
+          <a:camera prst="orthographicFront" fov="0">
+            <a:rot lat="0" lon="0" rev="0"/>
+          </a:camera>
+          <a:lightRig rig="soft" dir="b">
+            <a:rot lat="0" lon="0" rev="0"/>
+          </a:lightRig>
+        </a:scene3d>
+        <a:sp3d prstMaterial="dkEdge">
+          <a:bevelT w="63500" h="63500" prst="cross"/>
+          <a:contourClr>
+            <a:schemeClr val="dk2">
+              <a:hueOff val="0"/>
+              <a:satOff val="0"/>
+              <a:lumOff val="0"/>
+              <a:alphaOff val="0"/>
+            </a:schemeClr>
+          </a:contourClr>
+        </a:sp3d>
+      </dsp:spPr>
+      <dsp:style>
+        <a:lnRef idx="0">
+          <a:scrgbClr r="0" g="0" b="0"/>
+        </a:lnRef>
+        <a:fillRef idx="3">
+          <a:scrgbClr r="0" g="0" b="0"/>
+        </a:fillRef>
+        <a:effectRef idx="3">
+          <a:scrgbClr r="0" g="0" b="0"/>
+        </a:effectRef>
+        <a:fontRef idx="minor">
+          <a:schemeClr val="lt1"/>
+        </a:fontRef>
+      </dsp:style>
+      <dsp:txBody>
+        <a:bodyPr spcFirstLastPara="0" vert="horz" wrap="square" lIns="179070" tIns="179070" rIns="179070" bIns="179070" numCol="1" spcCol="1270" anchor="ctr" anchorCtr="0">
+          <a:noAutofit/>
+        </a:bodyPr>
+        <a:lstStyle/>
+        <a:p>
+          <a:pPr lvl="0" algn="ctr" defTabSz="2089150" rtl="0">
+            <a:lnSpc>
+              <a:spcPct val="90000"/>
+            </a:lnSpc>
+            <a:spcBef>
+              <a:spcPct val="0"/>
+            </a:spcBef>
+            <a:spcAft>
+              <a:spcPct val="35000"/>
+            </a:spcAft>
+          </a:pPr>
+          <a:r>
+            <a:rPr lang="en-US" sz="4700" b="1" kern="1200" dirty="0" smtClean="0"/>
+            <a:t>Fully Native</a:t>
+          </a:r>
+          <a:endParaRPr lang="en-US" sz="4700" kern="1200" dirty="0"/>
+        </a:p>
+      </dsp:txBody>
+      <dsp:txXfrm>
+        <a:off x="1181642" y="1141604"/>
+        <a:ext cx="2819376" cy="1765729"/>
+      </dsp:txXfrm>
+    </dsp:sp>
+    <dsp:sp modelId="{D8E63A63-9E98-4E41-8F49-061DB001287F}">
+      <dsp:nvSpPr>
+        <dsp:cNvPr id="0" name=""/>
+        <dsp:cNvSpPr/>
+      </dsp:nvSpPr>
+      <dsp:spPr>
+        <a:xfrm>
+          <a:off x="2591330" y="363840"/>
+          <a:ext cx="3321258" cy="3321258"/>
+        </a:xfrm>
+        <a:custGeom>
+          <a:avLst/>
+          <a:gdLst/>
+          <a:ahLst/>
+          <a:cxnLst/>
+          <a:rect l="0" t="0" r="0" b="0"/>
+          <a:pathLst>
+            <a:path>
+              <a:moveTo>
+                <a:pt x="334806" y="660687"/>
+              </a:moveTo>
+              <a:arcTo wR="1660629" hR="1660629" stAng="13021427" swAng="6357147"/>
+            </a:path>
+          </a:pathLst>
+        </a:custGeom>
+        <a:noFill/>
+        <a:ln w="9525" cap="flat" cmpd="sng" algn="ctr">
+          <a:solidFill>
+            <a:schemeClr val="dk2">
+              <a:hueOff val="0"/>
+              <a:satOff val="0"/>
+              <a:lumOff val="0"/>
+              <a:alphaOff val="0"/>
+            </a:schemeClr>
+          </a:solidFill>
+          <a:prstDash val="solid"/>
+        </a:ln>
+        <a:effectLst/>
+      </dsp:spPr>
+      <dsp:style>
+        <a:lnRef idx="1">
+          <a:scrgbClr r="0" g="0" b="0"/>
+        </a:lnRef>
+        <a:fillRef idx="0">
+          <a:scrgbClr r="0" g="0" b="0"/>
+        </a:fillRef>
+        <a:effectRef idx="0">
+          <a:scrgbClr r="0" g="0" b="0"/>
+        </a:effectRef>
+        <a:fontRef idx="minor"/>
+      </dsp:style>
+    </dsp:sp>
+    <dsp:sp modelId="{36AE2327-D754-EC40-AFE4-F0086570F769}">
+      <dsp:nvSpPr>
+        <dsp:cNvPr id="0" name=""/>
+        <dsp:cNvSpPr/>
+      </dsp:nvSpPr>
+      <dsp:spPr>
+        <a:xfrm>
+          <a:off x="4407379" y="1046082"/>
+          <a:ext cx="3010420" cy="1956773"/>
+        </a:xfrm>
+        <a:prstGeom prst="roundRect">
+          <a:avLst/>
+        </a:prstGeom>
+        <a:solidFill>
+          <a:schemeClr val="dk2">
+            <a:hueOff val="0"/>
+            <a:satOff val="0"/>
+            <a:lumOff val="0"/>
+            <a:alphaOff val="0"/>
+          </a:schemeClr>
+        </a:solidFill>
+        <a:ln>
+          <a:noFill/>
+        </a:ln>
+        <a:effectLst>
+          <a:outerShdw blurRad="50800" dist="25400" dir="5400000" rotWithShape="0">
+            <a:srgbClr val="000000">
+              <a:alpha val="45000"/>
+            </a:srgbClr>
+          </a:outerShdw>
+        </a:effectLst>
+        <a:scene3d>
+          <a:camera prst="orthographicFront" fov="0">
+            <a:rot lat="0" lon="0" rev="0"/>
+          </a:camera>
+          <a:lightRig rig="soft" dir="b">
+            <a:rot lat="0" lon="0" rev="0"/>
+          </a:lightRig>
+        </a:scene3d>
+        <a:sp3d prstMaterial="dkEdge">
+          <a:bevelT w="63500" h="63500" prst="cross"/>
+          <a:contourClr>
+            <a:schemeClr val="dk2">
+              <a:hueOff val="0"/>
+              <a:satOff val="0"/>
+              <a:lumOff val="0"/>
+              <a:alphaOff val="0"/>
+            </a:schemeClr>
+          </a:contourClr>
+        </a:sp3d>
+      </dsp:spPr>
+      <dsp:style>
+        <a:lnRef idx="0">
+          <a:scrgbClr r="0" g="0" b="0"/>
+        </a:lnRef>
+        <a:fillRef idx="3">
+          <a:scrgbClr r="0" g="0" b="0"/>
+        </a:fillRef>
+        <a:effectRef idx="3">
+          <a:scrgbClr r="0" g="0" b="0"/>
+        </a:effectRef>
+        <a:fontRef idx="minor">
+          <a:schemeClr val="lt1"/>
+        </a:fontRef>
+      </dsp:style>
+      <dsp:txBody>
+        <a:bodyPr spcFirstLastPara="0" vert="horz" wrap="square" lIns="179070" tIns="179070" rIns="179070" bIns="179070" numCol="1" spcCol="1270" anchor="ctr" anchorCtr="0">
+          <a:noAutofit/>
+        </a:bodyPr>
+        <a:lstStyle/>
+        <a:p>
+          <a:pPr lvl="0" algn="ctr" defTabSz="2089150" rtl="0">
+            <a:lnSpc>
+              <a:spcPct val="90000"/>
+            </a:lnSpc>
+            <a:spcBef>
+              <a:spcPct val="0"/>
+            </a:spcBef>
+            <a:spcAft>
+              <a:spcPct val="35000"/>
+            </a:spcAft>
+          </a:pPr>
+          <a:r>
+            <a:rPr lang="en-US" sz="4700" b="1" kern="1200" smtClean="0"/>
+            <a:t>Cross Platform</a:t>
+          </a:r>
+          <a:endParaRPr lang="en-US" sz="4700" kern="1200"/>
+        </a:p>
+      </dsp:txBody>
+      <dsp:txXfrm>
+        <a:off x="4502901" y="1141604"/>
+        <a:ext cx="2819376" cy="1765729"/>
+      </dsp:txXfrm>
+    </dsp:sp>
+    <dsp:sp modelId="{9B827459-CB46-4A41-9AE3-8842E5D6CB5C}">
+      <dsp:nvSpPr>
+        <dsp:cNvPr id="0" name=""/>
+        <dsp:cNvSpPr/>
+      </dsp:nvSpPr>
+      <dsp:spPr>
+        <a:xfrm>
+          <a:off x="2591330" y="363840"/>
+          <a:ext cx="3321258" cy="3321258"/>
+        </a:xfrm>
+        <a:custGeom>
+          <a:avLst/>
+          <a:gdLst/>
+          <a:ahLst/>
+          <a:cxnLst/>
+          <a:rect l="0" t="0" r="0" b="0"/>
+          <a:pathLst>
+            <a:path>
+              <a:moveTo>
+                <a:pt x="2986452" y="2660571"/>
+              </a:moveTo>
+              <a:arcTo wR="1660629" hR="1660629" stAng="2221427" swAng="6357147"/>
+            </a:path>
+          </a:pathLst>
+        </a:custGeom>
+        <a:noFill/>
+        <a:ln w="9525" cap="flat" cmpd="sng" algn="ctr">
+          <a:solidFill>
+            <a:schemeClr val="dk2">
+              <a:hueOff val="0"/>
+              <a:satOff val="0"/>
+              <a:lumOff val="0"/>
+              <a:alphaOff val="0"/>
+            </a:schemeClr>
+          </a:solidFill>
+          <a:prstDash val="solid"/>
+        </a:ln>
+        <a:effectLst/>
+      </dsp:spPr>
+      <dsp:style>
+        <a:lnRef idx="1">
+          <a:scrgbClr r="0" g="0" b="0"/>
+        </a:lnRef>
+        <a:fillRef idx="0">
+          <a:scrgbClr r="0" g="0" b="0"/>
+        </a:fillRef>
+        <a:effectRef idx="0">
+          <a:scrgbClr r="0" g="0" b="0"/>
+        </a:effectRef>
+        <a:fontRef idx="minor"/>
+      </dsp:style>
     </dsp:sp>
   </dsp:spTree>
 </dsp:drawing>
@@ -18542,6 +20798,215 @@
 </dgm:layoutDef>
 </file>
 
+<file path=ppt/diagrams/layout4.xml><?xml version="1.0" encoding="utf-8"?>
+<dgm:layoutDef xmlns:dgm="http://schemas.openxmlformats.org/drawingml/2006/diagram" xmlns:a="http://schemas.openxmlformats.org/drawingml/2006/main" uniqueId="urn:microsoft.com/office/officeart/2005/8/layout/cycle6">
+  <dgm:title val=""/>
+  <dgm:desc val=""/>
+  <dgm:catLst>
+    <dgm:cat type="cycle" pri="4000"/>
+    <dgm:cat type="relationship" pri="24000"/>
+  </dgm:catLst>
+  <dgm:sampData>
+    <dgm:dataModel>
+      <dgm:ptLst>
+        <dgm:pt modelId="0" type="doc"/>
+        <dgm:pt modelId="1">
+          <dgm:prSet phldr="1"/>
+        </dgm:pt>
+        <dgm:pt modelId="2">
+          <dgm:prSet phldr="1"/>
+        </dgm:pt>
+        <dgm:pt modelId="3">
+          <dgm:prSet phldr="1"/>
+        </dgm:pt>
+        <dgm:pt modelId="4">
+          <dgm:prSet phldr="1"/>
+        </dgm:pt>
+        <dgm:pt modelId="5">
+          <dgm:prSet phldr="1"/>
+        </dgm:pt>
+      </dgm:ptLst>
+      <dgm:cxnLst>
+        <dgm:cxn modelId="6" srcId="0" destId="1" srcOrd="0" destOrd="0"/>
+        <dgm:cxn modelId="7" srcId="0" destId="2" srcOrd="1" destOrd="0"/>
+        <dgm:cxn modelId="8" srcId="0" destId="3" srcOrd="2" destOrd="0"/>
+        <dgm:cxn modelId="9" srcId="0" destId="4" srcOrd="3" destOrd="0"/>
+        <dgm:cxn modelId="10" srcId="0" destId="5" srcOrd="4" destOrd="0"/>
+      </dgm:cxnLst>
+      <dgm:bg/>
+      <dgm:whole/>
+    </dgm:dataModel>
+  </dgm:sampData>
+  <dgm:styleData>
+    <dgm:dataModel>
+      <dgm:ptLst>
+        <dgm:pt modelId="0" type="doc"/>
+        <dgm:pt modelId="1"/>
+        <dgm:pt modelId="2"/>
+        <dgm:pt modelId="3"/>
+      </dgm:ptLst>
+      <dgm:cxnLst>
+        <dgm:cxn modelId="4" srcId="0" destId="1" srcOrd="0" destOrd="0"/>
+        <dgm:cxn modelId="5" srcId="0" destId="2" srcOrd="1" destOrd="0"/>
+        <dgm:cxn modelId="6" srcId="0" destId="3" srcOrd="2" destOrd="0"/>
+      </dgm:cxnLst>
+      <dgm:bg/>
+      <dgm:whole/>
+    </dgm:dataModel>
+  </dgm:styleData>
+  <dgm:clrData>
+    <dgm:dataModel>
+      <dgm:ptLst>
+        <dgm:pt modelId="0" type="doc"/>
+        <dgm:pt modelId="1"/>
+        <dgm:pt modelId="2"/>
+        <dgm:pt modelId="3"/>
+        <dgm:pt modelId="4"/>
+        <dgm:pt modelId="5"/>
+        <dgm:pt modelId="6"/>
+      </dgm:ptLst>
+      <dgm:cxnLst>
+        <dgm:cxn modelId="7" srcId="0" destId="1" srcOrd="0" destOrd="0"/>
+        <dgm:cxn modelId="8" srcId="0" destId="2" srcOrd="1" destOrd="0"/>
+        <dgm:cxn modelId="9" srcId="0" destId="3" srcOrd="2" destOrd="0"/>
+        <dgm:cxn modelId="10" srcId="0" destId="4" srcOrd="3" destOrd="0"/>
+        <dgm:cxn modelId="11" srcId="0" destId="5" srcOrd="4" destOrd="0"/>
+        <dgm:cxn modelId="12" srcId="0" destId="6" srcOrd="5" destOrd="0"/>
+      </dgm:cxnLst>
+      <dgm:bg/>
+      <dgm:whole/>
+    </dgm:dataModel>
+  </dgm:clrData>
+  <dgm:layoutNode name="cycle">
+    <dgm:varLst>
+      <dgm:dir/>
+      <dgm:resizeHandles val="exact"/>
+    </dgm:varLst>
+    <dgm:choose name="Name0">
+      <dgm:if name="Name1" func="var" arg="dir" op="equ" val="norm">
+        <dgm:choose name="Name2">
+          <dgm:if name="Name3" axis="ch" ptType="node" func="cnt" op="gt" val="2">
+            <dgm:alg type="cycle">
+              <dgm:param type="stAng" val="0"/>
+              <dgm:param type="spanAng" val="360"/>
+            </dgm:alg>
+          </dgm:if>
+          <dgm:else name="Name4">
+            <dgm:alg type="cycle">
+              <dgm:param type="stAng" val="-90"/>
+              <dgm:param type="spanAng" val="360"/>
+            </dgm:alg>
+          </dgm:else>
+        </dgm:choose>
+      </dgm:if>
+      <dgm:else name="Name5">
+        <dgm:choose name="Name6">
+          <dgm:if name="Name7" axis="ch" ptType="node" func="cnt" op="gt" val="2">
+            <dgm:alg type="cycle">
+              <dgm:param type="stAng" val="0"/>
+              <dgm:param type="spanAng" val="-360"/>
+            </dgm:alg>
+          </dgm:if>
+          <dgm:else name="Name8">
+            <dgm:alg type="cycle">
+              <dgm:param type="stAng" val="90"/>
+              <dgm:param type="spanAng" val="-360"/>
+            </dgm:alg>
+          </dgm:else>
+        </dgm:choose>
+      </dgm:else>
+    </dgm:choose>
+    <dgm:shape xmlns:r="http://schemas.openxmlformats.org/officeDocument/2006/relationships" r:blip="">
+      <dgm:adjLst/>
+    </dgm:shape>
+    <dgm:presOf/>
+    <dgm:choose name="Name9">
+      <dgm:if name="Name10" func="var" arg="dir" op="equ" val="norm">
+        <dgm:constrLst>
+          <dgm:constr type="w" for="ch" forName="node" refType="w"/>
+          <dgm:constr type="w" for="ch" ptType="sibTrans" refType="w" refFor="ch" refForName="node" op="equ" fact="0.3"/>
+          <dgm:constr type="diam" for="ch" ptType="sibTrans" refType="diam" op="equ"/>
+          <dgm:constr type="sibSp" refType="w" refFor="ch" refForName="node" op="equ" fact="0.15"/>
+          <dgm:constr type="w" for="ch" forName="spNode" refType="sibSp" fact="1.6"/>
+          <dgm:constr type="primFontSz" for="ch" forName="node" op="equ" val="65"/>
+        </dgm:constrLst>
+      </dgm:if>
+      <dgm:else name="Name11">
+        <dgm:constrLst>
+          <dgm:constr type="w" for="ch" forName="node" refType="w"/>
+          <dgm:constr type="w" for="ch" ptType="sibTrans" refType="w" refFor="ch" refForName="node" op="equ" fact="0.3"/>
+          <dgm:constr type="diam" for="ch" ptType="sibTrans" refType="diam" op="equ" fact="-1"/>
+          <dgm:constr type="sibSp" refType="w" refFor="ch" refForName="node" op="equ" fact="0.15"/>
+          <dgm:constr type="w" for="ch" forName="spNode" refType="sibSp" fact="1.6"/>
+          <dgm:constr type="primFontSz" for="ch" forName="node" op="equ" val="65"/>
+        </dgm:constrLst>
+      </dgm:else>
+    </dgm:choose>
+    <dgm:ruleLst/>
+    <dgm:forEach name="Name12" axis="ch" ptType="node">
+      <dgm:layoutNode name="node">
+        <dgm:varLst>
+          <dgm:bulletEnabled val="1"/>
+        </dgm:varLst>
+        <dgm:alg type="tx"/>
+        <dgm:shape xmlns:r="http://schemas.openxmlformats.org/officeDocument/2006/relationships" type="roundRect" r:blip="">
+          <dgm:adjLst/>
+        </dgm:shape>
+        <dgm:presOf axis="desOrSelf" ptType="node"/>
+        <dgm:constrLst>
+          <dgm:constr type="h" refType="w" fact="0.65"/>
+          <dgm:constr type="tMarg" refType="primFontSz" fact="0.3"/>
+          <dgm:constr type="bMarg" refType="primFontSz" fact="0.3"/>
+          <dgm:constr type="lMarg" refType="primFontSz" fact="0.3"/>
+          <dgm:constr type="rMarg" refType="primFontSz" fact="0.3"/>
+        </dgm:constrLst>
+        <dgm:ruleLst>
+          <dgm:rule type="primFontSz" val="5" fact="NaN" max="NaN"/>
+        </dgm:ruleLst>
+      </dgm:layoutNode>
+      <dgm:choose name="Name13">
+        <dgm:if name="Name14" axis="par ch" ptType="doc node" func="cnt" op="gt" val="1">
+          <dgm:layoutNode name="spNode">
+            <dgm:alg type="sp"/>
+            <dgm:shape xmlns:r="http://schemas.openxmlformats.org/officeDocument/2006/relationships" r:blip="">
+              <dgm:adjLst/>
+            </dgm:shape>
+            <dgm:presOf/>
+            <dgm:constrLst>
+              <dgm:constr type="h" refType="w"/>
+            </dgm:constrLst>
+            <dgm:ruleLst/>
+          </dgm:layoutNode>
+          <dgm:forEach name="Name15" axis="followSib" ptType="sibTrans" hideLastTrans="0" cnt="1">
+            <dgm:layoutNode name="sibTrans">
+              <dgm:alg type="conn">
+                <dgm:param type="dim" val="1D"/>
+                <dgm:param type="connRout" val="curve"/>
+                <dgm:param type="begPts" val="radial"/>
+                <dgm:param type="endPts" val="radial"/>
+                <dgm:param type="endSty" val="noArr"/>
+              </dgm:alg>
+              <dgm:shape xmlns:r="http://schemas.openxmlformats.org/officeDocument/2006/relationships" type="conn" r:blip="">
+                <dgm:adjLst/>
+              </dgm:shape>
+              <dgm:presOf axis="self"/>
+              <dgm:constrLst>
+                <dgm:constr type="h" refType="w" fact="0.65"/>
+                <dgm:constr type="connDist"/>
+                <dgm:constr type="begPad" refType="connDist" fact="0.01"/>
+                <dgm:constr type="endPad" refType="connDist" fact="0.01"/>
+              </dgm:constrLst>
+              <dgm:ruleLst/>
+            </dgm:layoutNode>
+          </dgm:forEach>
+        </dgm:if>
+        <dgm:else name="Name16"/>
+      </dgm:choose>
+    </dgm:forEach>
+  </dgm:layoutNode>
+</dgm:layoutDef>
+</file>
+
 <file path=ppt/diagrams/quickStyle1.xml><?xml version="1.0" encoding="utf-8"?>
 <dgm:styleDef xmlns:dgm="http://schemas.openxmlformats.org/drawingml/2006/diagram" xmlns:a="http://schemas.openxmlformats.org/drawingml/2006/main" uniqueId="urn:microsoft.com/office/officeart/2005/8/quickstyle/simple1">
   <dgm:title val=""/>
@@ -21616,6 +24081,1040 @@
         <a:scrgbClr r="0" g="0" b="0"/>
       </a:fillRef>
       <a:effectRef idx="0">
+        <a:scrgbClr r="0" g="0" b="0"/>
+      </a:effectRef>
+      <a:fontRef idx="minor"/>
+    </dgm:style>
+  </dgm:styleLbl>
+  <dgm:styleLbl name="revTx">
+    <dgm:scene3d>
+      <a:camera prst="orthographicFront"/>
+      <a:lightRig rig="threePt" dir="t"/>
+    </dgm:scene3d>
+    <dgm:sp3d/>
+    <dgm:txPr/>
+    <dgm:style>
+      <a:lnRef idx="0">
+        <a:scrgbClr r="0" g="0" b="0"/>
+      </a:lnRef>
+      <a:fillRef idx="0">
+        <a:scrgbClr r="0" g="0" b="0"/>
+      </a:fillRef>
+      <a:effectRef idx="0">
+        <a:scrgbClr r="0" g="0" b="0"/>
+      </a:effectRef>
+      <a:fontRef idx="minor"/>
+    </dgm:style>
+  </dgm:styleLbl>
+</dgm:styleDef>
+</file>
+
+<file path=ppt/diagrams/quickStyle4.xml><?xml version="1.0" encoding="utf-8"?>
+<dgm:styleDef xmlns:dgm="http://schemas.openxmlformats.org/drawingml/2006/diagram" xmlns:a="http://schemas.openxmlformats.org/drawingml/2006/main" uniqueId="urn:microsoft.com/office/officeart/2005/8/quickstyle/simple5">
+  <dgm:title val=""/>
+  <dgm:desc val=""/>
+  <dgm:catLst>
+    <dgm:cat type="simple" pri="10500"/>
+  </dgm:catLst>
+  <dgm:scene3d>
+    <a:camera prst="orthographicFront"/>
+    <a:lightRig rig="threePt" dir="t"/>
+  </dgm:scene3d>
+  <dgm:styleLbl name="node0">
+    <dgm:scene3d>
+      <a:camera prst="orthographicFront"/>
+      <a:lightRig rig="threePt" dir="t"/>
+    </dgm:scene3d>
+    <dgm:sp3d/>
+    <dgm:txPr/>
+    <dgm:style>
+      <a:lnRef idx="0">
+        <a:scrgbClr r="0" g="0" b="0"/>
+      </a:lnRef>
+      <a:fillRef idx="3">
+        <a:scrgbClr r="0" g="0" b="0"/>
+      </a:fillRef>
+      <a:effectRef idx="3">
+        <a:scrgbClr r="0" g="0" b="0"/>
+      </a:effectRef>
+      <a:fontRef idx="minor">
+        <a:schemeClr val="lt1"/>
+      </a:fontRef>
+    </dgm:style>
+  </dgm:styleLbl>
+  <dgm:styleLbl name="lnNode1">
+    <dgm:scene3d>
+      <a:camera prst="orthographicFront"/>
+      <a:lightRig rig="threePt" dir="t"/>
+    </dgm:scene3d>
+    <dgm:sp3d/>
+    <dgm:txPr/>
+    <dgm:style>
+      <a:lnRef idx="0">
+        <a:scrgbClr r="0" g="0" b="0"/>
+      </a:lnRef>
+      <a:fillRef idx="3">
+        <a:scrgbClr r="0" g="0" b="0"/>
+      </a:fillRef>
+      <a:effectRef idx="3">
+        <a:scrgbClr r="0" g="0" b="0"/>
+      </a:effectRef>
+      <a:fontRef idx="minor">
+        <a:schemeClr val="lt1"/>
+      </a:fontRef>
+    </dgm:style>
+  </dgm:styleLbl>
+  <dgm:styleLbl name="vennNode1">
+    <dgm:scene3d>
+      <a:camera prst="orthographicFront"/>
+      <a:lightRig rig="threePt" dir="t"/>
+    </dgm:scene3d>
+    <dgm:sp3d/>
+    <dgm:txPr/>
+    <dgm:style>
+      <a:lnRef idx="0">
+        <a:scrgbClr r="0" g="0" b="0"/>
+      </a:lnRef>
+      <a:fillRef idx="3">
+        <a:scrgbClr r="0" g="0" b="0"/>
+      </a:fillRef>
+      <a:effectRef idx="3">
+        <a:scrgbClr r="0" g="0" b="0"/>
+      </a:effectRef>
+      <a:fontRef idx="minor">
+        <a:schemeClr val="tx1"/>
+      </a:fontRef>
+    </dgm:style>
+  </dgm:styleLbl>
+  <dgm:styleLbl name="alignNode1">
+    <dgm:scene3d>
+      <a:camera prst="orthographicFront"/>
+      <a:lightRig rig="threePt" dir="t"/>
+    </dgm:scene3d>
+    <dgm:sp3d/>
+    <dgm:txPr/>
+    <dgm:style>
+      <a:lnRef idx="1">
+        <a:scrgbClr r="0" g="0" b="0"/>
+      </a:lnRef>
+      <a:fillRef idx="3">
+        <a:scrgbClr r="0" g="0" b="0"/>
+      </a:fillRef>
+      <a:effectRef idx="3">
+        <a:scrgbClr r="0" g="0" b="0"/>
+      </a:effectRef>
+      <a:fontRef idx="minor">
+        <a:schemeClr val="lt1"/>
+      </a:fontRef>
+    </dgm:style>
+  </dgm:styleLbl>
+  <dgm:styleLbl name="node1">
+    <dgm:scene3d>
+      <a:camera prst="orthographicFront"/>
+      <a:lightRig rig="threePt" dir="t"/>
+    </dgm:scene3d>
+    <dgm:sp3d/>
+    <dgm:txPr/>
+    <dgm:style>
+      <a:lnRef idx="0">
+        <a:scrgbClr r="0" g="0" b="0"/>
+      </a:lnRef>
+      <a:fillRef idx="3">
+        <a:scrgbClr r="0" g="0" b="0"/>
+      </a:fillRef>
+      <a:effectRef idx="3">
+        <a:scrgbClr r="0" g="0" b="0"/>
+      </a:effectRef>
+      <a:fontRef idx="minor">
+        <a:schemeClr val="lt1"/>
+      </a:fontRef>
+    </dgm:style>
+  </dgm:styleLbl>
+  <dgm:styleLbl name="node2">
+    <dgm:scene3d>
+      <a:camera prst="orthographicFront"/>
+      <a:lightRig rig="threePt" dir="t"/>
+    </dgm:scene3d>
+    <dgm:sp3d/>
+    <dgm:txPr/>
+    <dgm:style>
+      <a:lnRef idx="0">
+        <a:scrgbClr r="0" g="0" b="0"/>
+      </a:lnRef>
+      <a:fillRef idx="3">
+        <a:scrgbClr r="0" g="0" b="0"/>
+      </a:fillRef>
+      <a:effectRef idx="3">
+        <a:scrgbClr r="0" g="0" b="0"/>
+      </a:effectRef>
+      <a:fontRef idx="minor">
+        <a:schemeClr val="lt1"/>
+      </a:fontRef>
+    </dgm:style>
+  </dgm:styleLbl>
+  <dgm:styleLbl name="node3">
+    <dgm:scene3d>
+      <a:camera prst="orthographicFront"/>
+      <a:lightRig rig="threePt" dir="t"/>
+    </dgm:scene3d>
+    <dgm:sp3d/>
+    <dgm:txPr/>
+    <dgm:style>
+      <a:lnRef idx="0">
+        <a:scrgbClr r="0" g="0" b="0"/>
+      </a:lnRef>
+      <a:fillRef idx="3">
+        <a:scrgbClr r="0" g="0" b="0"/>
+      </a:fillRef>
+      <a:effectRef idx="3">
+        <a:scrgbClr r="0" g="0" b="0"/>
+      </a:effectRef>
+      <a:fontRef idx="minor">
+        <a:schemeClr val="lt1"/>
+      </a:fontRef>
+    </dgm:style>
+  </dgm:styleLbl>
+  <dgm:styleLbl name="node4">
+    <dgm:scene3d>
+      <a:camera prst="orthographicFront"/>
+      <a:lightRig rig="threePt" dir="t"/>
+    </dgm:scene3d>
+    <dgm:sp3d/>
+    <dgm:txPr/>
+    <dgm:style>
+      <a:lnRef idx="0">
+        <a:scrgbClr r="0" g="0" b="0"/>
+      </a:lnRef>
+      <a:fillRef idx="3">
+        <a:scrgbClr r="0" g="0" b="0"/>
+      </a:fillRef>
+      <a:effectRef idx="3">
+        <a:scrgbClr r="0" g="0" b="0"/>
+      </a:effectRef>
+      <a:fontRef idx="minor">
+        <a:schemeClr val="lt1"/>
+      </a:fontRef>
+    </dgm:style>
+  </dgm:styleLbl>
+  <dgm:styleLbl name="fgImgPlace1">
+    <dgm:scene3d>
+      <a:camera prst="orthographicFront"/>
+      <a:lightRig rig="threePt" dir="t"/>
+    </dgm:scene3d>
+    <dgm:sp3d/>
+    <dgm:txPr/>
+    <dgm:style>
+      <a:lnRef idx="0">
+        <a:scrgbClr r="0" g="0" b="0"/>
+      </a:lnRef>
+      <a:fillRef idx="1">
+        <a:scrgbClr r="0" g="0" b="0"/>
+      </a:fillRef>
+      <a:effectRef idx="3">
+        <a:scrgbClr r="0" g="0" b="0"/>
+      </a:effectRef>
+      <a:fontRef idx="minor"/>
+    </dgm:style>
+  </dgm:styleLbl>
+  <dgm:styleLbl name="alignImgPlace1">
+    <dgm:scene3d>
+      <a:camera prst="orthographicFront"/>
+      <a:lightRig rig="threePt" dir="t"/>
+    </dgm:scene3d>
+    <dgm:sp3d/>
+    <dgm:txPr/>
+    <dgm:style>
+      <a:lnRef idx="0">
+        <a:scrgbClr r="0" g="0" b="0"/>
+      </a:lnRef>
+      <a:fillRef idx="1">
+        <a:scrgbClr r="0" g="0" b="0"/>
+      </a:fillRef>
+      <a:effectRef idx="3">
+        <a:scrgbClr r="0" g="0" b="0"/>
+      </a:effectRef>
+      <a:fontRef idx="minor"/>
+    </dgm:style>
+  </dgm:styleLbl>
+  <dgm:styleLbl name="bgImgPlace1">
+    <dgm:scene3d>
+      <a:camera prst="orthographicFront"/>
+      <a:lightRig rig="threePt" dir="t"/>
+    </dgm:scene3d>
+    <dgm:sp3d/>
+    <dgm:txPr/>
+    <dgm:style>
+      <a:lnRef idx="0">
+        <a:scrgbClr r="0" g="0" b="0"/>
+      </a:lnRef>
+      <a:fillRef idx="1">
+        <a:scrgbClr r="0" g="0" b="0"/>
+      </a:fillRef>
+      <a:effectRef idx="3">
+        <a:scrgbClr r="0" g="0" b="0"/>
+      </a:effectRef>
+      <a:fontRef idx="minor"/>
+    </dgm:style>
+  </dgm:styleLbl>
+  <dgm:styleLbl name="sibTrans2D1">
+    <dgm:scene3d>
+      <a:camera prst="orthographicFront"/>
+      <a:lightRig rig="threePt" dir="t"/>
+    </dgm:scene3d>
+    <dgm:sp3d/>
+    <dgm:txPr/>
+    <dgm:style>
+      <a:lnRef idx="0">
+        <a:scrgbClr r="0" g="0" b="0"/>
+      </a:lnRef>
+      <a:fillRef idx="3">
+        <a:scrgbClr r="0" g="0" b="0"/>
+      </a:fillRef>
+      <a:effectRef idx="3">
+        <a:scrgbClr r="0" g="0" b="0"/>
+      </a:effectRef>
+      <a:fontRef idx="minor">
+        <a:schemeClr val="lt1"/>
+      </a:fontRef>
+    </dgm:style>
+  </dgm:styleLbl>
+  <dgm:styleLbl name="fgSibTrans2D1">
+    <dgm:scene3d>
+      <a:camera prst="orthographicFront"/>
+      <a:lightRig rig="threePt" dir="t"/>
+    </dgm:scene3d>
+    <dgm:sp3d/>
+    <dgm:txPr/>
+    <dgm:style>
+      <a:lnRef idx="0">
+        <a:scrgbClr r="0" g="0" b="0"/>
+      </a:lnRef>
+      <a:fillRef idx="3">
+        <a:scrgbClr r="0" g="0" b="0"/>
+      </a:fillRef>
+      <a:effectRef idx="3">
+        <a:scrgbClr r="0" g="0" b="0"/>
+      </a:effectRef>
+      <a:fontRef idx="minor">
+        <a:schemeClr val="lt1"/>
+      </a:fontRef>
+    </dgm:style>
+  </dgm:styleLbl>
+  <dgm:styleLbl name="bgSibTrans2D1">
+    <dgm:scene3d>
+      <a:camera prst="orthographicFront"/>
+      <a:lightRig rig="threePt" dir="t"/>
+    </dgm:scene3d>
+    <dgm:sp3d/>
+    <dgm:txPr/>
+    <dgm:style>
+      <a:lnRef idx="0">
+        <a:scrgbClr r="0" g="0" b="0"/>
+      </a:lnRef>
+      <a:fillRef idx="3">
+        <a:scrgbClr r="0" g="0" b="0"/>
+      </a:fillRef>
+      <a:effectRef idx="3">
+        <a:scrgbClr r="0" g="0" b="0"/>
+      </a:effectRef>
+      <a:fontRef idx="minor">
+        <a:schemeClr val="lt1"/>
+      </a:fontRef>
+    </dgm:style>
+  </dgm:styleLbl>
+  <dgm:styleLbl name="sibTrans1D1">
+    <dgm:scene3d>
+      <a:camera prst="orthographicFront"/>
+      <a:lightRig rig="threePt" dir="t"/>
+    </dgm:scene3d>
+    <dgm:sp3d/>
+    <dgm:txPr/>
+    <dgm:style>
+      <a:lnRef idx="1">
+        <a:scrgbClr r="0" g="0" b="0"/>
+      </a:lnRef>
+      <a:fillRef idx="0">
+        <a:scrgbClr r="0" g="0" b="0"/>
+      </a:fillRef>
+      <a:effectRef idx="0">
+        <a:scrgbClr r="0" g="0" b="0"/>
+      </a:effectRef>
+      <a:fontRef idx="minor"/>
+    </dgm:style>
+  </dgm:styleLbl>
+  <dgm:styleLbl name="callout">
+    <dgm:scene3d>
+      <a:camera prst="orthographicFront"/>
+      <a:lightRig rig="threePt" dir="t"/>
+    </dgm:scene3d>
+    <dgm:sp3d/>
+    <dgm:txPr/>
+    <dgm:style>
+      <a:lnRef idx="1">
+        <a:scrgbClr r="0" g="0" b="0"/>
+      </a:lnRef>
+      <a:fillRef idx="0">
+        <a:scrgbClr r="0" g="0" b="0"/>
+      </a:fillRef>
+      <a:effectRef idx="1">
+        <a:scrgbClr r="0" g="0" b="0"/>
+      </a:effectRef>
+      <a:fontRef idx="minor"/>
+    </dgm:style>
+  </dgm:styleLbl>
+  <dgm:styleLbl name="asst0">
+    <dgm:scene3d>
+      <a:camera prst="orthographicFront"/>
+      <a:lightRig rig="threePt" dir="t"/>
+    </dgm:scene3d>
+    <dgm:sp3d/>
+    <dgm:txPr/>
+    <dgm:style>
+      <a:lnRef idx="0">
+        <a:scrgbClr r="0" g="0" b="0"/>
+      </a:lnRef>
+      <a:fillRef idx="3">
+        <a:scrgbClr r="0" g="0" b="0"/>
+      </a:fillRef>
+      <a:effectRef idx="3">
+        <a:scrgbClr r="0" g="0" b="0"/>
+      </a:effectRef>
+      <a:fontRef idx="minor">
+        <a:schemeClr val="lt1"/>
+      </a:fontRef>
+    </dgm:style>
+  </dgm:styleLbl>
+  <dgm:styleLbl name="asst1">
+    <dgm:scene3d>
+      <a:camera prst="orthographicFront"/>
+      <a:lightRig rig="threePt" dir="t"/>
+    </dgm:scene3d>
+    <dgm:sp3d/>
+    <dgm:txPr/>
+    <dgm:style>
+      <a:lnRef idx="0">
+        <a:scrgbClr r="0" g="0" b="0"/>
+      </a:lnRef>
+      <a:fillRef idx="3">
+        <a:scrgbClr r="0" g="0" b="0"/>
+      </a:fillRef>
+      <a:effectRef idx="3">
+        <a:scrgbClr r="0" g="0" b="0"/>
+      </a:effectRef>
+      <a:fontRef idx="minor">
+        <a:schemeClr val="lt1"/>
+      </a:fontRef>
+    </dgm:style>
+  </dgm:styleLbl>
+  <dgm:styleLbl name="asst2">
+    <dgm:scene3d>
+      <a:camera prst="orthographicFront"/>
+      <a:lightRig rig="threePt" dir="t"/>
+    </dgm:scene3d>
+    <dgm:sp3d/>
+    <dgm:txPr/>
+    <dgm:style>
+      <a:lnRef idx="0">
+        <a:scrgbClr r="0" g="0" b="0"/>
+      </a:lnRef>
+      <a:fillRef idx="3">
+        <a:scrgbClr r="0" g="0" b="0"/>
+      </a:fillRef>
+      <a:effectRef idx="3">
+        <a:scrgbClr r="0" g="0" b="0"/>
+      </a:effectRef>
+      <a:fontRef idx="minor">
+        <a:schemeClr val="lt1"/>
+      </a:fontRef>
+    </dgm:style>
+  </dgm:styleLbl>
+  <dgm:styleLbl name="asst3">
+    <dgm:scene3d>
+      <a:camera prst="orthographicFront"/>
+      <a:lightRig rig="threePt" dir="t"/>
+    </dgm:scene3d>
+    <dgm:sp3d/>
+    <dgm:txPr/>
+    <dgm:style>
+      <a:lnRef idx="0">
+        <a:scrgbClr r="0" g="0" b="0"/>
+      </a:lnRef>
+      <a:fillRef idx="3">
+        <a:scrgbClr r="0" g="0" b="0"/>
+      </a:fillRef>
+      <a:effectRef idx="3">
+        <a:scrgbClr r="0" g="0" b="0"/>
+      </a:effectRef>
+      <a:fontRef idx="minor">
+        <a:schemeClr val="lt1"/>
+      </a:fontRef>
+    </dgm:style>
+  </dgm:styleLbl>
+  <dgm:styleLbl name="asst4">
+    <dgm:scene3d>
+      <a:camera prst="orthographicFront"/>
+      <a:lightRig rig="threePt" dir="t"/>
+    </dgm:scene3d>
+    <dgm:sp3d/>
+    <dgm:txPr/>
+    <dgm:style>
+      <a:lnRef idx="0">
+        <a:scrgbClr r="0" g="0" b="0"/>
+      </a:lnRef>
+      <a:fillRef idx="3">
+        <a:scrgbClr r="0" g="0" b="0"/>
+      </a:fillRef>
+      <a:effectRef idx="3">
+        <a:scrgbClr r="0" g="0" b="0"/>
+      </a:effectRef>
+      <a:fontRef idx="minor">
+        <a:schemeClr val="lt1"/>
+      </a:fontRef>
+    </dgm:style>
+  </dgm:styleLbl>
+  <dgm:styleLbl name="parChTrans2D1">
+    <dgm:scene3d>
+      <a:camera prst="orthographicFront"/>
+      <a:lightRig rig="threePt" dir="t"/>
+    </dgm:scene3d>
+    <dgm:sp3d/>
+    <dgm:txPr/>
+    <dgm:style>
+      <a:lnRef idx="0">
+        <a:scrgbClr r="0" g="0" b="0"/>
+      </a:lnRef>
+      <a:fillRef idx="3">
+        <a:scrgbClr r="0" g="0" b="0"/>
+      </a:fillRef>
+      <a:effectRef idx="3">
+        <a:scrgbClr r="0" g="0" b="0"/>
+      </a:effectRef>
+      <a:fontRef idx="minor">
+        <a:schemeClr val="lt1"/>
+      </a:fontRef>
+    </dgm:style>
+  </dgm:styleLbl>
+  <dgm:styleLbl name="parChTrans2D2">
+    <dgm:scene3d>
+      <a:camera prst="orthographicFront"/>
+      <a:lightRig rig="threePt" dir="t"/>
+    </dgm:scene3d>
+    <dgm:sp3d/>
+    <dgm:txPr/>
+    <dgm:style>
+      <a:lnRef idx="0">
+        <a:scrgbClr r="0" g="0" b="0"/>
+      </a:lnRef>
+      <a:fillRef idx="3">
+        <a:scrgbClr r="0" g="0" b="0"/>
+      </a:fillRef>
+      <a:effectRef idx="3">
+        <a:scrgbClr r="0" g="0" b="0"/>
+      </a:effectRef>
+      <a:fontRef idx="minor">
+        <a:schemeClr val="lt1"/>
+      </a:fontRef>
+    </dgm:style>
+  </dgm:styleLbl>
+  <dgm:styleLbl name="parChTrans2D3">
+    <dgm:scene3d>
+      <a:camera prst="orthographicFront"/>
+      <a:lightRig rig="threePt" dir="t"/>
+    </dgm:scene3d>
+    <dgm:sp3d/>
+    <dgm:txPr/>
+    <dgm:style>
+      <a:lnRef idx="0">
+        <a:scrgbClr r="0" g="0" b="0"/>
+      </a:lnRef>
+      <a:fillRef idx="3">
+        <a:scrgbClr r="0" g="0" b="0"/>
+      </a:fillRef>
+      <a:effectRef idx="3">
+        <a:scrgbClr r="0" g="0" b="0"/>
+      </a:effectRef>
+      <a:fontRef idx="minor">
+        <a:schemeClr val="lt1"/>
+      </a:fontRef>
+    </dgm:style>
+  </dgm:styleLbl>
+  <dgm:styleLbl name="parChTrans2D4">
+    <dgm:scene3d>
+      <a:camera prst="orthographicFront"/>
+      <a:lightRig rig="threePt" dir="t"/>
+    </dgm:scene3d>
+    <dgm:sp3d/>
+    <dgm:txPr/>
+    <dgm:style>
+      <a:lnRef idx="0">
+        <a:scrgbClr r="0" g="0" b="0"/>
+      </a:lnRef>
+      <a:fillRef idx="3">
+        <a:scrgbClr r="0" g="0" b="0"/>
+      </a:fillRef>
+      <a:effectRef idx="3">
+        <a:scrgbClr r="0" g="0" b="0"/>
+      </a:effectRef>
+      <a:fontRef idx="minor">
+        <a:schemeClr val="lt1"/>
+      </a:fontRef>
+    </dgm:style>
+  </dgm:styleLbl>
+  <dgm:styleLbl name="parChTrans1D1">
+    <dgm:scene3d>
+      <a:camera prst="orthographicFront"/>
+      <a:lightRig rig="threePt" dir="t"/>
+    </dgm:scene3d>
+    <dgm:sp3d/>
+    <dgm:txPr/>
+    <dgm:style>
+      <a:lnRef idx="2">
+        <a:scrgbClr r="0" g="0" b="0"/>
+      </a:lnRef>
+      <a:fillRef idx="0">
+        <a:scrgbClr r="0" g="0" b="0"/>
+      </a:fillRef>
+      <a:effectRef idx="0">
+        <a:scrgbClr r="0" g="0" b="0"/>
+      </a:effectRef>
+      <a:fontRef idx="minor"/>
+    </dgm:style>
+  </dgm:styleLbl>
+  <dgm:styleLbl name="parChTrans1D2">
+    <dgm:scene3d>
+      <a:camera prst="orthographicFront"/>
+      <a:lightRig rig="threePt" dir="t"/>
+    </dgm:scene3d>
+    <dgm:sp3d/>
+    <dgm:txPr/>
+    <dgm:style>
+      <a:lnRef idx="2">
+        <a:scrgbClr r="0" g="0" b="0"/>
+      </a:lnRef>
+      <a:fillRef idx="0">
+        <a:scrgbClr r="0" g="0" b="0"/>
+      </a:fillRef>
+      <a:effectRef idx="0">
+        <a:scrgbClr r="0" g="0" b="0"/>
+      </a:effectRef>
+      <a:fontRef idx="minor"/>
+    </dgm:style>
+  </dgm:styleLbl>
+  <dgm:styleLbl name="parChTrans1D3">
+    <dgm:scene3d>
+      <a:camera prst="orthographicFront"/>
+      <a:lightRig rig="threePt" dir="t"/>
+    </dgm:scene3d>
+    <dgm:sp3d/>
+    <dgm:txPr/>
+    <dgm:style>
+      <a:lnRef idx="2">
+        <a:scrgbClr r="0" g="0" b="0"/>
+      </a:lnRef>
+      <a:fillRef idx="0">
+        <a:scrgbClr r="0" g="0" b="0"/>
+      </a:fillRef>
+      <a:effectRef idx="0">
+        <a:scrgbClr r="0" g="0" b="0"/>
+      </a:effectRef>
+      <a:fontRef idx="minor"/>
+    </dgm:style>
+  </dgm:styleLbl>
+  <dgm:styleLbl name="parChTrans1D4">
+    <dgm:scene3d>
+      <a:camera prst="orthographicFront"/>
+      <a:lightRig rig="threePt" dir="t"/>
+    </dgm:scene3d>
+    <dgm:sp3d/>
+    <dgm:txPr/>
+    <dgm:style>
+      <a:lnRef idx="2">
+        <a:scrgbClr r="0" g="0" b="0"/>
+      </a:lnRef>
+      <a:fillRef idx="0">
+        <a:scrgbClr r="0" g="0" b="0"/>
+      </a:fillRef>
+      <a:effectRef idx="0">
+        <a:scrgbClr r="0" g="0" b="0"/>
+      </a:effectRef>
+      <a:fontRef idx="minor"/>
+    </dgm:style>
+  </dgm:styleLbl>
+  <dgm:styleLbl name="fgAcc1">
+    <dgm:scene3d>
+      <a:camera prst="orthographicFront"/>
+      <a:lightRig rig="threePt" dir="t"/>
+    </dgm:scene3d>
+    <dgm:sp3d/>
+    <dgm:txPr/>
+    <dgm:style>
+      <a:lnRef idx="1">
+        <a:scrgbClr r="0" g="0" b="0"/>
+      </a:lnRef>
+      <a:fillRef idx="1">
+        <a:scrgbClr r="0" g="0" b="0"/>
+      </a:fillRef>
+      <a:effectRef idx="2">
+        <a:scrgbClr r="0" g="0" b="0"/>
+      </a:effectRef>
+      <a:fontRef idx="minor"/>
+    </dgm:style>
+  </dgm:styleLbl>
+  <dgm:styleLbl name="conFgAcc1">
+    <dgm:scene3d>
+      <a:camera prst="orthographicFront"/>
+      <a:lightRig rig="threePt" dir="t"/>
+    </dgm:scene3d>
+    <dgm:sp3d/>
+    <dgm:txPr/>
+    <dgm:style>
+      <a:lnRef idx="1">
+        <a:scrgbClr r="0" g="0" b="0"/>
+      </a:lnRef>
+      <a:fillRef idx="1">
+        <a:scrgbClr r="0" g="0" b="0"/>
+      </a:fillRef>
+      <a:effectRef idx="2">
+        <a:scrgbClr r="0" g="0" b="0"/>
+      </a:effectRef>
+      <a:fontRef idx="minor"/>
+    </dgm:style>
+  </dgm:styleLbl>
+  <dgm:styleLbl name="alignAcc1">
+    <dgm:scene3d>
+      <a:camera prst="orthographicFront"/>
+      <a:lightRig rig="threePt" dir="t"/>
+    </dgm:scene3d>
+    <dgm:sp3d/>
+    <dgm:txPr/>
+    <dgm:style>
+      <a:lnRef idx="1">
+        <a:scrgbClr r="0" g="0" b="0"/>
+      </a:lnRef>
+      <a:fillRef idx="1">
+        <a:scrgbClr r="0" g="0" b="0"/>
+      </a:fillRef>
+      <a:effectRef idx="2">
+        <a:scrgbClr r="0" g="0" b="0"/>
+      </a:effectRef>
+      <a:fontRef idx="minor"/>
+    </dgm:style>
+  </dgm:styleLbl>
+  <dgm:styleLbl name="trAlignAcc1">
+    <dgm:scene3d>
+      <a:camera prst="orthographicFront"/>
+      <a:lightRig rig="threePt" dir="t"/>
+    </dgm:scene3d>
+    <dgm:sp3d/>
+    <dgm:txPr/>
+    <dgm:style>
+      <a:lnRef idx="1">
+        <a:scrgbClr r="0" g="0" b="0"/>
+      </a:lnRef>
+      <a:fillRef idx="1">
+        <a:scrgbClr r="0" g="0" b="0"/>
+      </a:fillRef>
+      <a:effectRef idx="0">
+        <a:scrgbClr r="0" g="0" b="0"/>
+      </a:effectRef>
+      <a:fontRef idx="minor"/>
+    </dgm:style>
+  </dgm:styleLbl>
+  <dgm:styleLbl name="bgAcc1">
+    <dgm:scene3d>
+      <a:camera prst="orthographicFront"/>
+      <a:lightRig rig="threePt" dir="t"/>
+    </dgm:scene3d>
+    <dgm:sp3d/>
+    <dgm:txPr/>
+    <dgm:style>
+      <a:lnRef idx="1">
+        <a:scrgbClr r="0" g="0" b="0"/>
+      </a:lnRef>
+      <a:fillRef idx="1">
+        <a:scrgbClr r="0" g="0" b="0"/>
+      </a:fillRef>
+      <a:effectRef idx="2">
+        <a:scrgbClr r="0" g="0" b="0"/>
+      </a:effectRef>
+      <a:fontRef idx="minor"/>
+    </dgm:style>
+  </dgm:styleLbl>
+  <dgm:styleLbl name="solidFgAcc1">
+    <dgm:scene3d>
+      <a:camera prst="orthographicFront"/>
+      <a:lightRig rig="threePt" dir="t"/>
+    </dgm:scene3d>
+    <dgm:sp3d/>
+    <dgm:txPr/>
+    <dgm:style>
+      <a:lnRef idx="1">
+        <a:scrgbClr r="0" g="0" b="0"/>
+      </a:lnRef>
+      <a:fillRef idx="1">
+        <a:scrgbClr r="0" g="0" b="0"/>
+      </a:fillRef>
+      <a:effectRef idx="2">
+        <a:scrgbClr r="0" g="0" b="0"/>
+      </a:effectRef>
+      <a:fontRef idx="minor"/>
+    </dgm:style>
+  </dgm:styleLbl>
+  <dgm:styleLbl name="solidAlignAcc1">
+    <dgm:scene3d>
+      <a:camera prst="orthographicFront"/>
+      <a:lightRig rig="threePt" dir="t"/>
+    </dgm:scene3d>
+    <dgm:sp3d/>
+    <dgm:txPr/>
+    <dgm:style>
+      <a:lnRef idx="1">
+        <a:scrgbClr r="0" g="0" b="0"/>
+      </a:lnRef>
+      <a:fillRef idx="1">
+        <a:scrgbClr r="0" g="0" b="0"/>
+      </a:fillRef>
+      <a:effectRef idx="3">
+        <a:scrgbClr r="0" g="0" b="0"/>
+      </a:effectRef>
+      <a:fontRef idx="minor"/>
+    </dgm:style>
+  </dgm:styleLbl>
+  <dgm:styleLbl name="solidBgAcc1">
+    <dgm:scene3d>
+      <a:camera prst="orthographicFront"/>
+      <a:lightRig rig="threePt" dir="t"/>
+    </dgm:scene3d>
+    <dgm:sp3d/>
+    <dgm:txPr/>
+    <dgm:style>
+      <a:lnRef idx="1">
+        <a:scrgbClr r="0" g="0" b="0"/>
+      </a:lnRef>
+      <a:fillRef idx="1">
+        <a:scrgbClr r="0" g="0" b="0"/>
+      </a:fillRef>
+      <a:effectRef idx="3">
+        <a:scrgbClr r="0" g="0" b="0"/>
+      </a:effectRef>
+      <a:fontRef idx="minor"/>
+    </dgm:style>
+  </dgm:styleLbl>
+  <dgm:styleLbl name="fgAccFollowNode1">
+    <dgm:scene3d>
+      <a:camera prst="orthographicFront"/>
+      <a:lightRig rig="threePt" dir="t"/>
+    </dgm:scene3d>
+    <dgm:sp3d/>
+    <dgm:txPr/>
+    <dgm:style>
+      <a:lnRef idx="1">
+        <a:scrgbClr r="0" g="0" b="0"/>
+      </a:lnRef>
+      <a:fillRef idx="1">
+        <a:scrgbClr r="0" g="0" b="0"/>
+      </a:fillRef>
+      <a:effectRef idx="2">
+        <a:scrgbClr r="0" g="0" b="0"/>
+      </a:effectRef>
+      <a:fontRef idx="minor"/>
+    </dgm:style>
+  </dgm:styleLbl>
+  <dgm:styleLbl name="alignAccFollowNode1">
+    <dgm:scene3d>
+      <a:camera prst="orthographicFront"/>
+      <a:lightRig rig="threePt" dir="t"/>
+    </dgm:scene3d>
+    <dgm:sp3d/>
+    <dgm:txPr/>
+    <dgm:style>
+      <a:lnRef idx="1">
+        <a:scrgbClr r="0" g="0" b="0"/>
+      </a:lnRef>
+      <a:fillRef idx="1">
+        <a:scrgbClr r="0" g="0" b="0"/>
+      </a:fillRef>
+      <a:effectRef idx="2">
+        <a:scrgbClr r="0" g="0" b="0"/>
+      </a:effectRef>
+      <a:fontRef idx="minor"/>
+    </dgm:style>
+  </dgm:styleLbl>
+  <dgm:styleLbl name="bgAccFollowNode1">
+    <dgm:scene3d>
+      <a:camera prst="orthographicFront"/>
+      <a:lightRig rig="threePt" dir="t"/>
+    </dgm:scene3d>
+    <dgm:sp3d/>
+    <dgm:txPr/>
+    <dgm:style>
+      <a:lnRef idx="1">
+        <a:scrgbClr r="0" g="0" b="0"/>
+      </a:lnRef>
+      <a:fillRef idx="1">
+        <a:scrgbClr r="0" g="0" b="0"/>
+      </a:fillRef>
+      <a:effectRef idx="2">
+        <a:scrgbClr r="0" g="0" b="0"/>
+      </a:effectRef>
+      <a:fontRef idx="minor"/>
+    </dgm:style>
+  </dgm:styleLbl>
+  <dgm:styleLbl name="fgAcc0">
+    <dgm:scene3d>
+      <a:camera prst="orthographicFront"/>
+      <a:lightRig rig="threePt" dir="t"/>
+    </dgm:scene3d>
+    <dgm:sp3d/>
+    <dgm:txPr/>
+    <dgm:style>
+      <a:lnRef idx="1">
+        <a:scrgbClr r="0" g="0" b="0"/>
+      </a:lnRef>
+      <a:fillRef idx="1">
+        <a:scrgbClr r="0" g="0" b="0"/>
+      </a:fillRef>
+      <a:effectRef idx="2">
+        <a:scrgbClr r="0" g="0" b="0"/>
+      </a:effectRef>
+      <a:fontRef idx="minor"/>
+    </dgm:style>
+  </dgm:styleLbl>
+  <dgm:styleLbl name="fgAcc2">
+    <dgm:scene3d>
+      <a:camera prst="orthographicFront"/>
+      <a:lightRig rig="threePt" dir="t"/>
+    </dgm:scene3d>
+    <dgm:sp3d/>
+    <dgm:txPr/>
+    <dgm:style>
+      <a:lnRef idx="1">
+        <a:scrgbClr r="0" g="0" b="0"/>
+      </a:lnRef>
+      <a:fillRef idx="1">
+        <a:scrgbClr r="0" g="0" b="0"/>
+      </a:fillRef>
+      <a:effectRef idx="2">
+        <a:scrgbClr r="0" g="0" b="0"/>
+      </a:effectRef>
+      <a:fontRef idx="minor"/>
+    </dgm:style>
+  </dgm:styleLbl>
+  <dgm:styleLbl name="fgAcc3">
+    <dgm:scene3d>
+      <a:camera prst="orthographicFront"/>
+      <a:lightRig rig="threePt" dir="t"/>
+    </dgm:scene3d>
+    <dgm:sp3d/>
+    <dgm:txPr/>
+    <dgm:style>
+      <a:lnRef idx="1">
+        <a:scrgbClr r="0" g="0" b="0"/>
+      </a:lnRef>
+      <a:fillRef idx="1">
+        <a:scrgbClr r="0" g="0" b="0"/>
+      </a:fillRef>
+      <a:effectRef idx="2">
+        <a:scrgbClr r="0" g="0" b="0"/>
+      </a:effectRef>
+      <a:fontRef idx="minor"/>
+    </dgm:style>
+  </dgm:styleLbl>
+  <dgm:styleLbl name="fgAcc4">
+    <dgm:scene3d>
+      <a:camera prst="orthographicFront"/>
+      <a:lightRig rig="threePt" dir="t"/>
+    </dgm:scene3d>
+    <dgm:sp3d/>
+    <dgm:txPr/>
+    <dgm:style>
+      <a:lnRef idx="1">
+        <a:scrgbClr r="0" g="0" b="0"/>
+      </a:lnRef>
+      <a:fillRef idx="1">
+        <a:scrgbClr r="0" g="0" b="0"/>
+      </a:fillRef>
+      <a:effectRef idx="2">
+        <a:scrgbClr r="0" g="0" b="0"/>
+      </a:effectRef>
+      <a:fontRef idx="minor"/>
+    </dgm:style>
+  </dgm:styleLbl>
+  <dgm:styleLbl name="bgShp">
+    <dgm:scene3d>
+      <a:camera prst="orthographicFront"/>
+      <a:lightRig rig="threePt" dir="t"/>
+    </dgm:scene3d>
+    <dgm:sp3d/>
+    <dgm:txPr/>
+    <dgm:style>
+      <a:lnRef idx="0">
+        <a:scrgbClr r="0" g="0" b="0"/>
+      </a:lnRef>
+      <a:fillRef idx="1">
+        <a:scrgbClr r="0" g="0" b="0"/>
+      </a:fillRef>
+      <a:effectRef idx="2">
+        <a:scrgbClr r="0" g="0" b="0"/>
+      </a:effectRef>
+      <a:fontRef idx="minor"/>
+    </dgm:style>
+  </dgm:styleLbl>
+  <dgm:styleLbl name="dkBgShp">
+    <dgm:scene3d>
+      <a:camera prst="orthographicFront"/>
+      <a:lightRig rig="threePt" dir="t"/>
+    </dgm:scene3d>
+    <dgm:sp3d/>
+    <dgm:txPr/>
+    <dgm:style>
+      <a:lnRef idx="0">
+        <a:scrgbClr r="0" g="0" b="0"/>
+      </a:lnRef>
+      <a:fillRef idx="1">
+        <a:scrgbClr r="0" g="0" b="0"/>
+      </a:fillRef>
+      <a:effectRef idx="3">
+        <a:scrgbClr r="0" g="0" b="0"/>
+      </a:effectRef>
+      <a:fontRef idx="minor"/>
+    </dgm:style>
+  </dgm:styleLbl>
+  <dgm:styleLbl name="trBgShp">
+    <dgm:scene3d>
+      <a:camera prst="orthographicFront"/>
+      <a:lightRig rig="threePt" dir="t"/>
+    </dgm:scene3d>
+    <dgm:sp3d/>
+    <dgm:txPr/>
+    <dgm:style>
+      <a:lnRef idx="0">
+        <a:scrgbClr r="0" g="0" b="0"/>
+      </a:lnRef>
+      <a:fillRef idx="1">
+        <a:scrgbClr r="0" g="0" b="0"/>
+      </a:fillRef>
+      <a:effectRef idx="0">
+        <a:scrgbClr r="0" g="0" b="0"/>
+      </a:effectRef>
+      <a:fontRef idx="minor"/>
+    </dgm:style>
+  </dgm:styleLbl>
+  <dgm:styleLbl name="fgShp">
+    <dgm:scene3d>
+      <a:camera prst="orthographicFront"/>
+      <a:lightRig rig="threePt" dir="t"/>
+    </dgm:scene3d>
+    <dgm:sp3d/>
+    <dgm:txPr/>
+    <dgm:style>
+      <a:lnRef idx="0">
+        <a:scrgbClr r="0" g="0" b="0"/>
+      </a:lnRef>
+      <a:fillRef idx="3">
+        <a:scrgbClr r="0" g="0" b="0"/>
+      </a:fillRef>
+      <a:effectRef idx="3">
         <a:scrgbClr r="0" g="0" b="0"/>
       </a:effectRef>
       <a:fontRef idx="minor"/>
@@ -21726,7 +25225,7 @@
           <a:p>
             <a:fld id="{D383A388-81AD-4DD0-BB49-0C836E9CC166}" type="datetimeFigureOut">
               <a:rPr lang="en-US" smtClean="0"/>
-              <a:t>5/6/14</a:t>
+              <a:t>5/16/14</a:t>
             </a:fld>
             <a:endParaRPr lang="en-US"/>
           </a:p>
@@ -21892,7 +25391,7 @@
           <a:p>
             <a:fld id="{83A42379-093C-4640-BDB0-A25E629AF4AF}" type="datetimeFigureOut">
               <a:rPr lang="en-US" smtClean="0"/>
-              <a:t>5/6/14</a:t>
+              <a:t>5/16/14</a:t>
             </a:fld>
             <a:endParaRPr lang="en-US"/>
           </a:p>
@@ -22974,8 +26473,60 @@
             </a:r>
             <a:r>
               <a:rPr lang="en-US" baseline="0" dirty="0" smtClean="0"/>
-              <a:t> the SDKs locally can lead to hours and hours of time lost. </a:t>
+              <a:t> the SDKs locally can lead to hours and hours of time lost.</a:t>
             </a:r>
+          </a:p>
+          <a:p>
+            <a:r>
+              <a:rPr lang="en-US" baseline="0" dirty="0" smtClean="0"/>
+              <a:t> </a:t>
+            </a:r>
+          </a:p>
+          <a:p>
+            <a:pPr lvl="1"/>
+            <a:r>
+              <a:rPr lang="en-US" dirty="0" err="1" smtClean="0"/>
+              <a:t>PhoneGap</a:t>
+            </a:r>
+            <a:r>
+              <a:rPr lang="en-US" dirty="0" smtClean="0"/>
+              <a:t> (JS, HTML5, CSS) </a:t>
+            </a:r>
+          </a:p>
+          <a:p>
+            <a:pPr lvl="2"/>
+            <a:r>
+              <a:rPr lang="en-US" dirty="0" smtClean="0"/>
+              <a:t>Not native. Slower. </a:t>
+            </a:r>
+          </a:p>
+          <a:p>
+            <a:pPr lvl="1"/>
+            <a:r>
+              <a:rPr lang="en-US" dirty="0" err="1" smtClean="0"/>
+              <a:t>Appcelerator</a:t>
+            </a:r>
+            <a:r>
+              <a:rPr lang="en-US" dirty="0" smtClean="0"/>
+              <a:t>: </a:t>
+            </a:r>
+            <a:r>
+              <a:rPr lang="en-US" dirty="0" err="1" smtClean="0"/>
+              <a:t>Javascript</a:t>
+            </a:r>
+            <a:r>
+              <a:rPr lang="en-US" dirty="0" smtClean="0"/>
+              <a:t> API plus native UI components. </a:t>
+            </a:r>
+          </a:p>
+          <a:p>
+            <a:pPr lvl="2"/>
+            <a:r>
+              <a:rPr lang="en-US" dirty="0" smtClean="0"/>
+              <a:t>Required to manage SDKs locally. </a:t>
+            </a:r>
+          </a:p>
+          <a:p>
             <a:endParaRPr lang="en-US" dirty="0"/>
           </a:p>
         </p:txBody>
@@ -23368,7 +26919,7 @@
             <a:pPr eaLnBrk="1" latinLnBrk="0" hangingPunct="1"/>
             <a:fld id="{81663A10-8963-408B-B7A7-2BE0C9C01E2A}" type="datetime1">
               <a:rPr lang="en-US" smtClean="0"/>
-              <a:t>5/6/14</a:t>
+              <a:t>5/16/14</a:t>
             </a:fld>
             <a:endParaRPr lang="en-US"/>
           </a:p>
@@ -23740,7 +27291,7 @@
   </p:clrMapOvr>
   <p:extLst mod="1">
     <p:ext uri="{DCECCB84-F9BA-43D5-87BE-67443E8EF086}">
-      <p15:sldGuideLst xmlns:p15="http://schemas.microsoft.com/office/powerpoint/2012/main" xmlns="">
+      <p15:sldGuideLst xmlns="" xmlns:p15="http://schemas.microsoft.com/office/powerpoint/2012/main">
         <p15:guide id="1" orient="horz" pos="2160">
           <p15:clr>
             <a:srgbClr val="FBAE40"/>
@@ -24369,7 +27920,7 @@
             <a:pPr eaLnBrk="1" latinLnBrk="0" hangingPunct="1"/>
             <a:fld id="{F2890721-CDC0-49BE-AFE7-64C944AACF5F}" type="datetime1">
               <a:rPr lang="en-US" smtClean="0"/>
-              <a:t>5/6/14</a:t>
+              <a:t>5/16/14</a:t>
             </a:fld>
             <a:endParaRPr lang="en-US" dirty="0"/>
           </a:p>
@@ -24502,7 +28053,7 @@
             <a:pPr eaLnBrk="1" latinLnBrk="0" hangingPunct="1"/>
             <a:fld id="{433A5BE9-678F-4DD1-95B6-930E3381EA12}" type="datetime1">
               <a:rPr lang="en-US" smtClean="0"/>
-              <a:t>5/6/14</a:t>
+              <a:t>5/16/14</a:t>
             </a:fld>
             <a:endParaRPr lang="en-US"/>
           </a:p>
@@ -25026,7 +28577,7 @@
             <a:pPr eaLnBrk="1" latinLnBrk="0" hangingPunct="1"/>
             <a:fld id="{02BDF250-BE5F-44C9-A5DF-DC957FDCFC0D}" type="datetime1">
               <a:rPr lang="en-US" smtClean="0"/>
-              <a:t>5/6/14</a:t>
+              <a:t>5/16/14</a:t>
             </a:fld>
             <a:endParaRPr lang="en-US"/>
           </a:p>
@@ -25360,7 +28911,7 @@
             <a:pPr eaLnBrk="1" latinLnBrk="0" hangingPunct="1"/>
             <a:fld id="{9CE94D95-E352-415A-8F95-D0C060D20FB1}" type="datetime1">
               <a:rPr lang="en-US" smtClean="0"/>
-              <a:t>5/6/14</a:t>
+              <a:t>5/16/14</a:t>
             </a:fld>
             <a:endParaRPr lang="en-US"/>
           </a:p>
@@ -25641,7 +29192,7 @@
   </p:clrMapOvr>
   <p:extLst mod="1">
     <p:ext uri="{DCECCB84-F9BA-43D5-87BE-67443E8EF086}">
-      <p15:sldGuideLst xmlns:p15="http://schemas.microsoft.com/office/powerpoint/2012/main" xmlns="">
+      <p15:sldGuideLst xmlns="" xmlns:p15="http://schemas.microsoft.com/office/powerpoint/2012/main">
         <p15:guide id="2" orient="horz" pos="2160">
           <p15:clr>
             <a:srgbClr val="FBAE40"/>
@@ -25722,7 +29273,7 @@
             <a:pPr eaLnBrk="1" latinLnBrk="0" hangingPunct="1"/>
             <a:fld id="{958722A3-5E87-44C8-AE92-65C6CEBEF68D}" type="datetime1">
               <a:rPr lang="en-US" smtClean="0"/>
-              <a:t>5/6/14</a:t>
+              <a:t>5/16/14</a:t>
             </a:fld>
             <a:endParaRPr lang="en-US"/>
           </a:p>
@@ -26248,7 +29799,7 @@
             <a:pPr eaLnBrk="1" latinLnBrk="0" hangingPunct="1"/>
             <a:fld id="{09863461-38BD-4FD1-BF9D-211C72E72FE2}" type="datetime1">
               <a:rPr lang="en-US" smtClean="0"/>
-              <a:t>5/6/14</a:t>
+              <a:t>5/16/14</a:t>
             </a:fld>
             <a:endParaRPr lang="en-US"/>
           </a:p>
@@ -26473,7 +30024,7 @@
   </p:clrMapOvr>
   <p:extLst mod="1">
     <p:ext uri="{DCECCB84-F9BA-43D5-87BE-67443E8EF086}">
-      <p15:sldGuideLst xmlns:p15="http://schemas.microsoft.com/office/powerpoint/2012/main" xmlns="">
+      <p15:sldGuideLst xmlns="" xmlns:p15="http://schemas.microsoft.com/office/powerpoint/2012/main">
         <p15:guide id="1" orient="horz" pos="1272">
           <p15:clr>
             <a:srgbClr val="FBAE40"/>
@@ -26554,7 +30105,7 @@
             <a:pPr eaLnBrk="1" latinLnBrk="0" hangingPunct="1"/>
             <a:fld id="{6CBF5709-960A-49A9-8751-FEF9A5E360AA}" type="datetime1">
               <a:rPr lang="en-US" smtClean="0"/>
-              <a:t>5/6/14</a:t>
+              <a:t>5/16/14</a:t>
             </a:fld>
             <a:endParaRPr lang="en-US"/>
           </a:p>
@@ -27182,7 +30733,7 @@
             <a:pPr eaLnBrk="1" latinLnBrk="0" hangingPunct="1"/>
             <a:fld id="{48C1FD80-18FC-4774-8AAB-366B09B2A217}" type="datetime1">
               <a:rPr lang="en-US" smtClean="0"/>
-              <a:t>5/6/14</a:t>
+              <a:t>5/16/14</a:t>
             </a:fld>
             <a:endParaRPr lang="en-US"/>
           </a:p>
@@ -27581,7 +31132,7 @@
             <a:pPr eaLnBrk="1" latinLnBrk="0" hangingPunct="1"/>
             <a:fld id="{BD372ACB-E49B-443C-90A9-D97449131392}" type="datetime1">
               <a:rPr lang="en-US" smtClean="0"/>
-              <a:t>5/6/14</a:t>
+              <a:t>5/16/14</a:t>
             </a:fld>
             <a:endParaRPr lang="en-US"/>
           </a:p>
@@ -27896,7 +31447,7 @@
             <a:pPr eaLnBrk="1" latinLnBrk="0" hangingPunct="1"/>
             <a:fld id="{6508DA99-E421-4EBE-83B7-7AA044411DE1}" type="datetime1">
               <a:rPr lang="en-US" smtClean="0"/>
-              <a:t>5/6/14</a:t>
+              <a:t>5/16/14</a:t>
             </a:fld>
             <a:endParaRPr lang="en-US"/>
           </a:p>
@@ -28618,7 +32169,7 @@
             <a:pPr eaLnBrk="1" latinLnBrk="0" hangingPunct="1"/>
             <a:fld id="{62F7506B-250E-4C9B-A8AF-00707E40032F}" type="datetime1">
               <a:rPr lang="en-US" smtClean="0"/>
-              <a:t>5/6/14</a:t>
+              <a:t>5/16/14</a:t>
             </a:fld>
             <a:endParaRPr lang="en-US"/>
           </a:p>
@@ -28655,7 +32206,7 @@
   </p:clrMapOvr>
   <p:extLst mod="1">
     <p:ext uri="{DCECCB84-F9BA-43D5-87BE-67443E8EF086}">
-      <p15:sldGuideLst xmlns:p15="http://schemas.microsoft.com/office/powerpoint/2012/main" xmlns="">
+      <p15:sldGuideLst xmlns="" xmlns:p15="http://schemas.microsoft.com/office/powerpoint/2012/main">
         <p15:guide id="1" orient="horz" pos="288">
           <p15:clr>
             <a:srgbClr val="FBAE40"/>
@@ -28903,7 +32454,7 @@
             <a:pPr algn="r" eaLnBrk="1" latinLnBrk="0" hangingPunct="1"/>
             <a:fld id="{45888139-7179-4465-8DDF-46377E1DC30B}" type="datetime1">
               <a:rPr lang="en-US" smtClean="0"/>
-              <a:t>5/6/14</a:t>
+              <a:t>5/16/14</a:t>
             </a:fld>
             <a:endParaRPr lang="en-US" sz="1400" dirty="0">
               <a:solidFill>
@@ -29577,7 +33128,7 @@
   </p:txStyles>
   <p:extLst mod="1">
     <p:ext uri="{27BBF7A9-308A-43DC-89C8-2F10F3537804}">
-      <p15:sldGuideLst xmlns:p15="http://schemas.microsoft.com/office/powerpoint/2012/main" xmlns="">
+      <p15:sldGuideLst xmlns="" xmlns:p15="http://schemas.microsoft.com/office/powerpoint/2012/main">
         <p15:guide id="1" pos="2856">
           <p15:clr>
             <a:srgbClr val="F26B43"/>
@@ -29930,7 +33481,7 @@
             <p:ph sz="quarter" idx="4294967295"/>
             <p:extLst>
               <p:ext uri="{D42A27DB-BD31-4B8C-83A1-F6EECF244321}">
-                <p14:modId xmlns:p14="http://schemas.microsoft.com/office/powerpoint/2010/main" val="3336824804"/>
+                <p14:modId xmlns:p14="http://schemas.microsoft.com/office/powerpoint/2010/main" val="2963219435"/>
               </p:ext>
             </p:extLst>
           </p:nvPr>
@@ -30158,7 +33709,12 @@
             <p:ph sz="quarter" idx="2"/>
           </p:nvPr>
         </p:nvSpPr>
-        <p:spPr/>
+        <p:spPr>
+          <a:xfrm>
+            <a:off x="152046" y="2059487"/>
+            <a:ext cx="4418277" cy="3182003"/>
+          </a:xfrm>
+        </p:spPr>
         <p:txBody>
           <a:bodyPr>
             <a:normAutofit/>
@@ -30169,18 +33725,18 @@
               <a:buNone/>
             </a:pPr>
             <a:r>
-              <a:rPr lang="en-US" sz="1800" dirty="0">
+              <a:rPr lang="en-US" sz="1500" dirty="0">
                 <a:latin typeface="Consolas" panose="020B0609020204030204" pitchFamily="49" charset="0"/>
                 <a:cs typeface="Consolas" panose="020B0609020204030204" pitchFamily="49" charset="0"/>
               </a:rPr>
-              <a:t>type Event </a:t>
+              <a:t>type </a:t>
             </a:r>
             <a:r>
-              <a:rPr lang="en-US" sz="1800" dirty="0" smtClean="0">
+              <a:rPr lang="en-US" sz="1500" dirty="0" smtClean="0">
                 <a:latin typeface="Consolas" panose="020B0609020204030204" pitchFamily="49" charset="0"/>
                 <a:cs typeface="Consolas" panose="020B0609020204030204" pitchFamily="49" charset="0"/>
               </a:rPr>
-              <a:t>=</a:t>
+              <a:t>Transport =</a:t>
             </a:r>
           </a:p>
           <a:p>
@@ -30188,34 +33744,48 @@
               <a:buNone/>
             </a:pPr>
             <a:r>
-              <a:rPr lang="en-US" sz="1800" dirty="0">
+              <a:rPr lang="en-US" sz="1500" dirty="0">
                 <a:latin typeface="Consolas" panose="020B0609020204030204" pitchFamily="49" charset="0"/>
                 <a:cs typeface="Consolas" panose="020B0609020204030204" pitchFamily="49" charset="0"/>
               </a:rPr>
               <a:t> </a:t>
             </a:r>
             <a:r>
-              <a:rPr lang="en-US" sz="1800" dirty="0" smtClean="0">
+              <a:rPr lang="en-US" sz="1500" dirty="0" smtClean="0">
                 <a:latin typeface="Consolas" panose="020B0609020204030204" pitchFamily="49" charset="0"/>
                 <a:cs typeface="Consolas" panose="020B0609020204030204" pitchFamily="49" charset="0"/>
               </a:rPr>
-              <a:t>   | </a:t>
+              <a:t>   | Car </a:t>
             </a:r>
             <a:r>
-              <a:rPr lang="en-US" sz="1800" dirty="0">
+              <a:rPr lang="en-US" sz="1500" dirty="0">
                 <a:latin typeface="Consolas" panose="020B0609020204030204" pitchFamily="49" charset="0"/>
                 <a:cs typeface="Consolas" panose="020B0609020204030204" pitchFamily="49" charset="0"/>
               </a:rPr>
-              <a:t>Price of </a:t>
+              <a:t>of </a:t>
             </a:r>
             <a:r>
-              <a:rPr lang="en-US" sz="1800" dirty="0" smtClean="0">
+              <a:rPr lang="en-US" sz="1500" dirty="0" err="1" smtClean="0">
                 <a:latin typeface="Consolas" panose="020B0609020204030204" pitchFamily="49" charset="0"/>
                 <a:cs typeface="Consolas" panose="020B0609020204030204" pitchFamily="49" charset="0"/>
               </a:rPr>
-              <a:t>float</a:t>
+              <a:t>Make:string</a:t>
             </a:r>
-            <a:endParaRPr lang="en-US" sz="1800" dirty="0">
+            <a:r>
+              <a:rPr lang="en-US" sz="1500" dirty="0" smtClean="0">
+                <a:latin typeface="Consolas" panose="020B0609020204030204" pitchFamily="49" charset="0"/>
+                <a:cs typeface="Consolas" panose="020B0609020204030204" pitchFamily="49" charset="0"/>
+              </a:rPr>
+              <a:t> * </a:t>
+            </a:r>
+            <a:r>
+              <a:rPr lang="en-US" sz="1500" dirty="0" err="1" smtClean="0">
+                <a:latin typeface="Consolas" panose="020B0609020204030204" pitchFamily="49" charset="0"/>
+                <a:cs typeface="Consolas" panose="020B0609020204030204" pitchFamily="49" charset="0"/>
+              </a:rPr>
+              <a:t>Model:string</a:t>
+            </a:r>
+            <a:endParaRPr lang="en-US" sz="1500" dirty="0">
               <a:latin typeface="Consolas" panose="020B0609020204030204" pitchFamily="49" charset="0"/>
               <a:cs typeface="Consolas" panose="020B0609020204030204" pitchFamily="49" charset="0"/>
             </a:endParaRPr>
@@ -30225,27 +33795,27 @@
               <a:buNone/>
             </a:pPr>
             <a:r>
-              <a:rPr lang="en-US" sz="1800" dirty="0" smtClean="0">
+              <a:rPr lang="en-US" sz="1500" dirty="0">
                 <a:latin typeface="Consolas" panose="020B0609020204030204" pitchFamily="49" charset="0"/>
                 <a:cs typeface="Consolas" panose="020B0609020204030204" pitchFamily="49" charset="0"/>
               </a:rPr>
-              <a:t>    | </a:t>
+              <a:t> </a:t>
             </a:r>
             <a:r>
-              <a:rPr lang="en-US" sz="1800" dirty="0">
+              <a:rPr lang="en-US" sz="1500" dirty="0" smtClean="0">
                 <a:latin typeface="Consolas" panose="020B0609020204030204" pitchFamily="49" charset="0"/>
                 <a:cs typeface="Consolas" panose="020B0609020204030204" pitchFamily="49" charset="0"/>
               </a:rPr>
-              <a:t>Split of </a:t>
+              <a:t>   | Bus of </a:t>
             </a:r>
             <a:r>
-              <a:rPr lang="en-US" sz="1800" dirty="0" smtClean="0">
+              <a:rPr lang="en-US" sz="1500" dirty="0" err="1" smtClean="0">
                 <a:latin typeface="Consolas" panose="020B0609020204030204" pitchFamily="49" charset="0"/>
                 <a:cs typeface="Consolas" panose="020B0609020204030204" pitchFamily="49" charset="0"/>
               </a:rPr>
-              <a:t>float</a:t>
+              <a:t>Route:int</a:t>
             </a:r>
-            <a:endParaRPr lang="en-US" sz="1800" dirty="0">
+            <a:endParaRPr lang="en-US" sz="1500" dirty="0" smtClean="0">
               <a:latin typeface="Consolas" panose="020B0609020204030204" pitchFamily="49" charset="0"/>
               <a:cs typeface="Consolas" panose="020B0609020204030204" pitchFamily="49" charset="0"/>
             </a:endParaRPr>
@@ -30255,18 +33825,18 @@
               <a:buNone/>
             </a:pPr>
             <a:r>
-              <a:rPr lang="en-US" sz="1800" dirty="0" smtClean="0">
+              <a:rPr lang="en-US" sz="1500" dirty="0" smtClean="0">
                 <a:latin typeface="Consolas" panose="020B0609020204030204" pitchFamily="49" charset="0"/>
                 <a:cs typeface="Consolas" panose="020B0609020204030204" pitchFamily="49" charset="0"/>
               </a:rPr>
-              <a:t>    | </a:t>
+              <a:t>    </a:t>
             </a:r>
             <a:r>
-              <a:rPr lang="en-US" sz="1800" dirty="0">
+              <a:rPr lang="en-US" sz="1500" dirty="0">
                 <a:latin typeface="Consolas" panose="020B0609020204030204" pitchFamily="49" charset="0"/>
                 <a:cs typeface="Consolas" panose="020B0609020204030204" pitchFamily="49" charset="0"/>
               </a:rPr>
-              <a:t>Dividend of float&lt;money&gt;</a:t>
+              <a:t>| Bicycle</a:t>
             </a:r>
           </a:p>
         </p:txBody>
@@ -30284,7 +33854,7 @@
         <p:spPr/>
         <p:txBody>
           <a:bodyPr>
-            <a:normAutofit fontScale="40000" lnSpcReduction="20000"/>
+            <a:noAutofit/>
           </a:bodyPr>
           <a:lstStyle/>
           <a:p>
@@ -30292,13 +33862,27 @@
               <a:buNone/>
             </a:pPr>
             <a:r>
-              <a:rPr lang="en-US" dirty="0">
+              <a:rPr lang="en-US" sz="900" dirty="0">
                 <a:latin typeface="Consolas" panose="020B0609020204030204" pitchFamily="49" charset="0"/>
                 <a:cs typeface="Consolas" panose="020B0609020204030204" pitchFamily="49" charset="0"/>
               </a:rPr>
-              <a:t>public abstract class Event { } </a:t>
+              <a:t>public abstract class </a:t>
             </a:r>
-            <a:endParaRPr lang="en-US" dirty="0" smtClean="0">
+            <a:r>
+              <a:rPr lang="en-US" sz="900" dirty="0" smtClean="0">
+                <a:latin typeface="Consolas" panose="020B0609020204030204" pitchFamily="49" charset="0"/>
+                <a:cs typeface="Consolas" panose="020B0609020204030204" pitchFamily="49" charset="0"/>
+              </a:rPr>
+              <a:t>Transport{ </a:t>
+            </a:r>
+            <a:r>
+              <a:rPr lang="en-US" sz="900" dirty="0">
+                <a:latin typeface="Consolas" panose="020B0609020204030204" pitchFamily="49" charset="0"/>
+                <a:cs typeface="Consolas" panose="020B0609020204030204" pitchFamily="49" charset="0"/>
+              </a:rPr>
+              <a:t>} </a:t>
+            </a:r>
+            <a:endParaRPr lang="en-US" sz="900" dirty="0" smtClean="0">
               <a:latin typeface="Consolas" panose="020B0609020204030204" pitchFamily="49" charset="0"/>
               <a:cs typeface="Consolas" panose="020B0609020204030204" pitchFamily="49" charset="0"/>
             </a:endParaRPr>
@@ -30307,7 +33891,7 @@
             <a:pPr marL="0" indent="0">
               <a:buNone/>
             </a:pPr>
-            <a:endParaRPr lang="en-US" dirty="0" smtClean="0">
+            <a:endParaRPr lang="en-US" sz="900" dirty="0" smtClean="0">
               <a:latin typeface="Consolas" panose="020B0609020204030204" pitchFamily="49" charset="0"/>
               <a:cs typeface="Consolas" panose="020B0609020204030204" pitchFamily="49" charset="0"/>
             </a:endParaRPr>
@@ -30317,41 +33901,27 @@
               <a:buNone/>
             </a:pPr>
             <a:r>
-              <a:rPr lang="en-US" dirty="0" smtClean="0">
+              <a:rPr lang="en-US" sz="900" dirty="0" smtClean="0">
                 <a:latin typeface="Consolas" panose="020B0609020204030204" pitchFamily="49" charset="0"/>
                 <a:cs typeface="Consolas" panose="020B0609020204030204" pitchFamily="49" charset="0"/>
               </a:rPr>
               <a:t>public </a:t>
             </a:r>
             <a:r>
-              <a:rPr lang="en-US" dirty="0">
+              <a:rPr lang="en-US" sz="900" dirty="0">
                 <a:latin typeface="Consolas" panose="020B0609020204030204" pitchFamily="49" charset="0"/>
                 <a:cs typeface="Consolas" panose="020B0609020204030204" pitchFamily="49" charset="0"/>
               </a:rPr>
               <a:t>abstract class </a:t>
             </a:r>
             <a:r>
-              <a:rPr lang="en-US" dirty="0" err="1">
+              <a:rPr lang="en-US" sz="900" dirty="0" smtClean="0">
                 <a:latin typeface="Consolas" panose="020B0609020204030204" pitchFamily="49" charset="0"/>
                 <a:cs typeface="Consolas" panose="020B0609020204030204" pitchFamily="49" charset="0"/>
               </a:rPr>
-              <a:t>PriceEvent</a:t>
+              <a:t>Car : Transport { </a:t>
             </a:r>
-            <a:r>
-              <a:rPr lang="en-US" dirty="0">
-                <a:latin typeface="Consolas" panose="020B0609020204030204" pitchFamily="49" charset="0"/>
-                <a:cs typeface="Consolas" panose="020B0609020204030204" pitchFamily="49" charset="0"/>
-              </a:rPr>
-              <a:t> : Event </a:t>
-            </a:r>
-            <a:r>
-              <a:rPr lang="en-US" dirty="0" smtClean="0">
-                <a:latin typeface="Consolas" panose="020B0609020204030204" pitchFamily="49" charset="0"/>
-                <a:cs typeface="Consolas" panose="020B0609020204030204" pitchFamily="49" charset="0"/>
-              </a:rPr>
-              <a:t>{ </a:t>
-            </a:r>
-            <a:endParaRPr lang="en-US" dirty="0">
+            <a:endParaRPr lang="en-US" sz="900" dirty="0">
               <a:latin typeface="Consolas" panose="020B0609020204030204" pitchFamily="49" charset="0"/>
               <a:cs typeface="Consolas" panose="020B0609020204030204" pitchFamily="49" charset="0"/>
             </a:endParaRPr>
@@ -30361,32 +33931,18 @@
               <a:buNone/>
             </a:pPr>
             <a:r>
-              <a:rPr lang="en-US" dirty="0" smtClean="0">
+              <a:rPr lang="en-US" sz="900" dirty="0" smtClean="0">
                 <a:latin typeface="Consolas" panose="020B0609020204030204" pitchFamily="49" charset="0"/>
                 <a:cs typeface="Consolas" panose="020B0609020204030204" pitchFamily="49" charset="0"/>
               </a:rPr>
-              <a:t>    public </a:t>
+              <a:t>    public string Make </a:t>
             </a:r>
             <a:r>
-              <a:rPr lang="en-US" dirty="0">
+              <a:rPr lang="en-US" sz="900" dirty="0">
                 <a:latin typeface="Consolas" panose="020B0609020204030204" pitchFamily="49" charset="0"/>
                 <a:cs typeface="Consolas" panose="020B0609020204030204" pitchFamily="49" charset="0"/>
               </a:rPr>
-              <a:t>Price </a:t>
-            </a:r>
-            <a:r>
-              <a:rPr lang="en-US" dirty="0" err="1">
-                <a:latin typeface="Consolas" panose="020B0609020204030204" pitchFamily="49" charset="0"/>
-                <a:cs typeface="Consolas" panose="020B0609020204030204" pitchFamily="49" charset="0"/>
-              </a:rPr>
-              <a:t>Price</a:t>
-            </a:r>
-            <a:r>
-              <a:rPr lang="en-US" dirty="0">
-                <a:latin typeface="Consolas" panose="020B0609020204030204" pitchFamily="49" charset="0"/>
-                <a:cs typeface="Consolas" panose="020B0609020204030204" pitchFamily="49" charset="0"/>
-              </a:rPr>
-              <a:t> { get; private set; } </a:t>
+              <a:t>{ get; private set; } </a:t>
             </a:r>
           </a:p>
           <a:p>
@@ -30394,67 +33950,34 @@
               <a:buNone/>
             </a:pPr>
             <a:r>
-              <a:rPr lang="en-US" dirty="0" smtClean="0">
+              <a:rPr lang="en-US" sz="900" dirty="0" smtClean="0">
                 <a:latin typeface="Consolas" panose="020B0609020204030204" pitchFamily="49" charset="0"/>
                 <a:cs typeface="Consolas" panose="020B0609020204030204" pitchFamily="49" charset="0"/>
               </a:rPr>
-              <a:t>    public </a:t>
+              <a:t>    </a:t>
             </a:r>
             <a:r>
-              <a:rPr lang="en-US" dirty="0" err="1">
+              <a:rPr lang="en-US" sz="900" dirty="0">
                 <a:latin typeface="Consolas" panose="020B0609020204030204" pitchFamily="49" charset="0"/>
                 <a:cs typeface="Consolas" panose="020B0609020204030204" pitchFamily="49" charset="0"/>
               </a:rPr>
-              <a:t>PriceEvent</a:t>
+              <a:t>public string </a:t>
             </a:r>
             <a:r>
-              <a:rPr lang="en-US" dirty="0">
+              <a:rPr lang="en-US" sz="900" dirty="0" smtClean="0">
                 <a:latin typeface="Consolas" panose="020B0609020204030204" pitchFamily="49" charset="0"/>
                 <a:cs typeface="Consolas" panose="020B0609020204030204" pitchFamily="49" charset="0"/>
               </a:rPr>
-              <a:t>(Price price</a:t>
+              <a:t>Model { </a:t>
             </a:r>
             <a:r>
-              <a:rPr lang="en-US" dirty="0" smtClean="0">
+              <a:rPr lang="en-US" sz="900" dirty="0">
                 <a:latin typeface="Consolas" panose="020B0609020204030204" pitchFamily="49" charset="0"/>
                 <a:cs typeface="Consolas" panose="020B0609020204030204" pitchFamily="49" charset="0"/>
               </a:rPr>
-              <a:t>) { </a:t>
+              <a:t>get; private set; } </a:t>
             </a:r>
-          </a:p>
-          <a:p>
-            <a:pPr marL="0" indent="0">
-              <a:buNone/>
-            </a:pPr>
-            <a:r>
-              <a:rPr lang="en-US" dirty="0" smtClean="0">
-                <a:latin typeface="Consolas" panose="020B0609020204030204" pitchFamily="49" charset="0"/>
-                <a:cs typeface="Consolas" panose="020B0609020204030204" pitchFamily="49" charset="0"/>
-              </a:rPr>
-              <a:t>        </a:t>
-            </a:r>
-            <a:r>
-              <a:rPr lang="en-US" dirty="0" err="1" smtClean="0">
-                <a:latin typeface="Consolas" panose="020B0609020204030204" pitchFamily="49" charset="0"/>
-                <a:cs typeface="Consolas" panose="020B0609020204030204" pitchFamily="49" charset="0"/>
-              </a:rPr>
-              <a:t>this.Price</a:t>
-            </a:r>
-            <a:r>
-              <a:rPr lang="en-US" dirty="0" smtClean="0">
-                <a:latin typeface="Consolas" panose="020B0609020204030204" pitchFamily="49" charset="0"/>
-                <a:cs typeface="Consolas" panose="020B0609020204030204" pitchFamily="49" charset="0"/>
-              </a:rPr>
-              <a:t> </a:t>
-            </a:r>
-            <a:r>
-              <a:rPr lang="en-US" dirty="0">
-                <a:latin typeface="Consolas" panose="020B0609020204030204" pitchFamily="49" charset="0"/>
-                <a:cs typeface="Consolas" panose="020B0609020204030204" pitchFamily="49" charset="0"/>
-              </a:rPr>
-              <a:t>= price; </a:t>
-            </a:r>
-            <a:endParaRPr lang="en-US" dirty="0" smtClean="0">
+            <a:endParaRPr lang="en-US" sz="900" dirty="0" smtClean="0">
               <a:latin typeface="Consolas" panose="020B0609020204030204" pitchFamily="49" charset="0"/>
               <a:cs typeface="Consolas" panose="020B0609020204030204" pitchFamily="49" charset="0"/>
             </a:endParaRPr>
@@ -30464,20 +33987,126 @@
               <a:buNone/>
             </a:pPr>
             <a:r>
-              <a:rPr lang="en-US" dirty="0">
+              <a:rPr lang="en-US" sz="900" dirty="0" smtClean="0">
+                <a:latin typeface="Consolas" panose="020B0609020204030204" pitchFamily="49" charset="0"/>
+                <a:cs typeface="Consolas" panose="020B0609020204030204" pitchFamily="49" charset="0"/>
+              </a:rPr>
+              <a:t>    public Car (strin</a:t>
+            </a:r>
+            <a:r>
+              <a:rPr lang="en-US" sz="900" dirty="0">
+                <a:latin typeface="Consolas" panose="020B0609020204030204" pitchFamily="49" charset="0"/>
+                <a:cs typeface="Consolas" panose="020B0609020204030204" pitchFamily="49" charset="0"/>
+              </a:rPr>
+              <a:t>g</a:t>
+            </a:r>
+            <a:r>
+              <a:rPr lang="en-US" sz="900" dirty="0" smtClean="0">
+                <a:latin typeface="Consolas" panose="020B0609020204030204" pitchFamily="49" charset="0"/>
+                <a:cs typeface="Consolas" panose="020B0609020204030204" pitchFamily="49" charset="0"/>
+              </a:rPr>
+              <a:t> make, string model) { </a:t>
+            </a:r>
+          </a:p>
+          <a:p>
+            <a:pPr marL="0" indent="0">
+              <a:buNone/>
+            </a:pPr>
+            <a:r>
+              <a:rPr lang="en-US" sz="900" dirty="0" smtClean="0">
+                <a:latin typeface="Consolas" panose="020B0609020204030204" pitchFamily="49" charset="0"/>
+                <a:cs typeface="Consolas" panose="020B0609020204030204" pitchFamily="49" charset="0"/>
+              </a:rPr>
+              <a:t>        </a:t>
+            </a:r>
+            <a:r>
+              <a:rPr lang="en-US" sz="900" dirty="0" err="1" smtClean="0">
+                <a:latin typeface="Consolas" panose="020B0609020204030204" pitchFamily="49" charset="0"/>
+                <a:cs typeface="Consolas" panose="020B0609020204030204" pitchFamily="49" charset="0"/>
+              </a:rPr>
+              <a:t>this.Make</a:t>
+            </a:r>
+            <a:r>
+              <a:rPr lang="en-US" sz="900" dirty="0" smtClean="0">
                 <a:latin typeface="Consolas" panose="020B0609020204030204" pitchFamily="49" charset="0"/>
                 <a:cs typeface="Consolas" panose="020B0609020204030204" pitchFamily="49" charset="0"/>
               </a:rPr>
               <a:t> </a:t>
             </a:r>
             <a:r>
-              <a:rPr lang="en-US" dirty="0" smtClean="0">
+              <a:rPr lang="en-US" sz="900" dirty="0">
                 <a:latin typeface="Consolas" panose="020B0609020204030204" pitchFamily="49" charset="0"/>
                 <a:cs typeface="Consolas" panose="020B0609020204030204" pitchFamily="49" charset="0"/>
               </a:rPr>
-              <a:t>   } </a:t>
+              <a:t>= </a:t>
             </a:r>
-            <a:endParaRPr lang="en-US" dirty="0">
+            <a:r>
+              <a:rPr lang="en-US" sz="900" dirty="0" smtClean="0">
+                <a:latin typeface="Consolas" panose="020B0609020204030204" pitchFamily="49" charset="0"/>
+                <a:cs typeface="Consolas" panose="020B0609020204030204" pitchFamily="49" charset="0"/>
+              </a:rPr>
+              <a:t>make; </a:t>
+            </a:r>
+          </a:p>
+          <a:p>
+            <a:pPr marL="0" indent="0">
+              <a:buNone/>
+            </a:pPr>
+            <a:r>
+              <a:rPr lang="en-US" sz="900" dirty="0">
+                <a:latin typeface="Consolas" panose="020B0609020204030204" pitchFamily="49" charset="0"/>
+                <a:cs typeface="Consolas" panose="020B0609020204030204" pitchFamily="49" charset="0"/>
+              </a:rPr>
+              <a:t> </a:t>
+            </a:r>
+            <a:r>
+              <a:rPr lang="en-US" sz="900" dirty="0" smtClean="0">
+                <a:latin typeface="Consolas" panose="020B0609020204030204" pitchFamily="49" charset="0"/>
+                <a:cs typeface="Consolas" panose="020B0609020204030204" pitchFamily="49" charset="0"/>
+              </a:rPr>
+              <a:t>       </a:t>
+            </a:r>
+            <a:r>
+              <a:rPr lang="en-US" sz="900" dirty="0" err="1" smtClean="0">
+                <a:latin typeface="Consolas" panose="020B0609020204030204" pitchFamily="49" charset="0"/>
+                <a:cs typeface="Consolas" panose="020B0609020204030204" pitchFamily="49" charset="0"/>
+              </a:rPr>
+              <a:t>this.Model</a:t>
+            </a:r>
+            <a:r>
+              <a:rPr lang="en-US" sz="900" dirty="0" smtClean="0">
+                <a:latin typeface="Consolas" panose="020B0609020204030204" pitchFamily="49" charset="0"/>
+                <a:cs typeface="Consolas" panose="020B0609020204030204" pitchFamily="49" charset="0"/>
+              </a:rPr>
+              <a:t> </a:t>
+            </a:r>
+            <a:r>
+              <a:rPr lang="en-US" sz="900" dirty="0">
+                <a:latin typeface="Consolas" panose="020B0609020204030204" pitchFamily="49" charset="0"/>
+                <a:cs typeface="Consolas" panose="020B0609020204030204" pitchFamily="49" charset="0"/>
+              </a:rPr>
+              <a:t>= </a:t>
+            </a:r>
+            <a:r>
+              <a:rPr lang="en-US" sz="900" dirty="0" smtClean="0">
+                <a:latin typeface="Consolas" panose="020B0609020204030204" pitchFamily="49" charset="0"/>
+                <a:cs typeface="Consolas" panose="020B0609020204030204" pitchFamily="49" charset="0"/>
+              </a:rPr>
+              <a:t>model; </a:t>
+            </a:r>
+          </a:p>
+          <a:p>
+            <a:pPr marL="0" indent="0">
+              <a:buNone/>
+            </a:pPr>
+            <a:r>
+              <a:rPr lang="en-US" sz="900" dirty="0" smtClean="0">
+                <a:latin typeface="Consolas" panose="020B0609020204030204" pitchFamily="49" charset="0"/>
+                <a:cs typeface="Consolas" panose="020B0609020204030204" pitchFamily="49" charset="0"/>
+              </a:rPr>
+              <a:t>    } </a:t>
+            </a:r>
+            <a:endParaRPr lang="en-US" sz="900" dirty="0">
               <a:latin typeface="Consolas" panose="020B0609020204030204" pitchFamily="49" charset="0"/>
               <a:cs typeface="Consolas" panose="020B0609020204030204" pitchFamily="49" charset="0"/>
             </a:endParaRPr>
@@ -30487,7 +34116,7 @@
               <a:buNone/>
             </a:pPr>
             <a:r>
-              <a:rPr lang="en-US" dirty="0">
+              <a:rPr lang="en-US" sz="900" dirty="0">
                 <a:latin typeface="Consolas" panose="020B0609020204030204" pitchFamily="49" charset="0"/>
                 <a:cs typeface="Consolas" panose="020B0609020204030204" pitchFamily="49" charset="0"/>
               </a:rPr>
@@ -30498,7 +34127,21 @@
             <a:pPr marL="0" indent="0">
               <a:buNone/>
             </a:pPr>
-            <a:endParaRPr lang="en-US" dirty="0">
+            <a:r>
+              <a:rPr lang="en-US" sz="900" dirty="0">
+                <a:latin typeface="Consolas" panose="020B0609020204030204" pitchFamily="49" charset="0"/>
+                <a:cs typeface="Consolas" panose="020B0609020204030204" pitchFamily="49" charset="0"/>
+              </a:rPr>
+              <a:t>public abstract class </a:t>
+            </a:r>
+            <a:r>
+              <a:rPr lang="en-US" sz="900" dirty="0" smtClean="0">
+                <a:latin typeface="Consolas" panose="020B0609020204030204" pitchFamily="49" charset="0"/>
+                <a:cs typeface="Consolas" panose="020B0609020204030204" pitchFamily="49" charset="0"/>
+              </a:rPr>
+              <a:t>Bus : Transport { </a:t>
+            </a:r>
+            <a:endParaRPr lang="en-US" sz="900" dirty="0">
               <a:latin typeface="Consolas" panose="020B0609020204030204" pitchFamily="49" charset="0"/>
               <a:cs typeface="Consolas" panose="020B0609020204030204" pitchFamily="49" charset="0"/>
             </a:endParaRPr>
@@ -30508,41 +34151,27 @@
               <a:buNone/>
             </a:pPr>
             <a:r>
-              <a:rPr lang="en-US" dirty="0">
+              <a:rPr lang="en-US" sz="900" dirty="0" smtClean="0">
                 <a:latin typeface="Consolas" panose="020B0609020204030204" pitchFamily="49" charset="0"/>
                 <a:cs typeface="Consolas" panose="020B0609020204030204" pitchFamily="49" charset="0"/>
               </a:rPr>
-              <a:t>public abstract class </a:t>
+              <a:t>    public </a:t>
             </a:r>
             <a:r>
-              <a:rPr lang="en-US" dirty="0" err="1" smtClean="0">
+              <a:rPr lang="en-US" sz="900" dirty="0" err="1" smtClean="0">
                 <a:latin typeface="Consolas" panose="020B0609020204030204" pitchFamily="49" charset="0"/>
                 <a:cs typeface="Consolas" panose="020B0609020204030204" pitchFamily="49" charset="0"/>
               </a:rPr>
-              <a:t>SplitEvent</a:t>
+              <a:t>int</a:t>
             </a:r>
             <a:r>
-              <a:rPr lang="en-US" dirty="0" smtClean="0">
+              <a:rPr lang="en-US" sz="900" dirty="0" smtClean="0">
                 <a:latin typeface="Consolas" panose="020B0609020204030204" pitchFamily="49" charset="0"/>
                 <a:cs typeface="Consolas" panose="020B0609020204030204" pitchFamily="49" charset="0"/>
               </a:rPr>
-              <a:t> </a:t>
+              <a:t> Route { get; private set; } </a:t>
             </a:r>
-            <a:r>
-              <a:rPr lang="en-US" dirty="0">
-                <a:latin typeface="Consolas" panose="020B0609020204030204" pitchFamily="49" charset="0"/>
-                <a:cs typeface="Consolas" panose="020B0609020204030204" pitchFamily="49" charset="0"/>
-              </a:rPr>
-              <a:t>: Event </a:t>
-            </a:r>
-            <a:r>
-              <a:rPr lang="en-US" dirty="0" smtClean="0">
-                <a:latin typeface="Consolas" panose="020B0609020204030204" pitchFamily="49" charset="0"/>
-                <a:cs typeface="Consolas" panose="020B0609020204030204" pitchFamily="49" charset="0"/>
-              </a:rPr>
-              <a:t>{ </a:t>
-            </a:r>
-            <a:endParaRPr lang="en-US" dirty="0">
+            <a:endParaRPr lang="en-US" sz="900" dirty="0">
               <a:latin typeface="Consolas" panose="020B0609020204030204" pitchFamily="49" charset="0"/>
               <a:cs typeface="Consolas" panose="020B0609020204030204" pitchFamily="49" charset="0"/>
             </a:endParaRPr>
@@ -30552,13 +34181,27 @@
               <a:buNone/>
             </a:pPr>
             <a:r>
-              <a:rPr lang="en-US" dirty="0" smtClean="0">
+              <a:rPr lang="en-US" sz="900" dirty="0" smtClean="0">
                 <a:latin typeface="Consolas" panose="020B0609020204030204" pitchFamily="49" charset="0"/>
                 <a:cs typeface="Consolas" panose="020B0609020204030204" pitchFamily="49" charset="0"/>
               </a:rPr>
-              <a:t>    public double Factor { get; private set; } </a:t>
+              <a:t>    public Bus (</a:t>
             </a:r>
-            <a:endParaRPr lang="en-US" dirty="0">
+            <a:r>
+              <a:rPr lang="en-US" sz="900" dirty="0" err="1" smtClean="0">
+                <a:latin typeface="Consolas" panose="020B0609020204030204" pitchFamily="49" charset="0"/>
+                <a:cs typeface="Consolas" panose="020B0609020204030204" pitchFamily="49" charset="0"/>
+              </a:rPr>
+              <a:t>int</a:t>
+            </a:r>
+            <a:r>
+              <a:rPr lang="en-US" sz="900" dirty="0" smtClean="0">
+                <a:latin typeface="Consolas" panose="020B0609020204030204" pitchFamily="49" charset="0"/>
+                <a:cs typeface="Consolas" panose="020B0609020204030204" pitchFamily="49" charset="0"/>
+              </a:rPr>
+              <a:t> route) { </a:t>
+            </a:r>
+            <a:endParaRPr lang="en-US" sz="900" dirty="0">
               <a:latin typeface="Consolas" panose="020B0609020204030204" pitchFamily="49" charset="0"/>
               <a:cs typeface="Consolas" panose="020B0609020204030204" pitchFamily="49" charset="0"/>
             </a:endParaRPr>
@@ -30568,41 +34211,41 @@
               <a:buNone/>
             </a:pPr>
             <a:r>
-              <a:rPr lang="en-US" dirty="0" smtClean="0">
+              <a:rPr lang="en-US" sz="900" dirty="0" smtClean="0">
                 <a:latin typeface="Consolas" panose="020B0609020204030204" pitchFamily="49" charset="0"/>
                 <a:cs typeface="Consolas" panose="020B0609020204030204" pitchFamily="49" charset="0"/>
               </a:rPr>
-              <a:t>    public </a:t>
+              <a:t>        </a:t>
             </a:r>
             <a:r>
-              <a:rPr lang="en-US" dirty="0" err="1" smtClean="0">
+              <a:rPr lang="en-US" sz="900" dirty="0" err="1" smtClean="0">
                 <a:latin typeface="Consolas" panose="020B0609020204030204" pitchFamily="49" charset="0"/>
                 <a:cs typeface="Consolas" panose="020B0609020204030204" pitchFamily="49" charset="0"/>
               </a:rPr>
-              <a:t>SplitEvent</a:t>
+              <a:t>this.Route</a:t>
             </a:r>
             <a:r>
-              <a:rPr lang="en-US" dirty="0" smtClean="0">
+              <a:rPr lang="en-US" sz="900" dirty="0" smtClean="0">
                 <a:latin typeface="Consolas" panose="020B0609020204030204" pitchFamily="49" charset="0"/>
                 <a:cs typeface="Consolas" panose="020B0609020204030204" pitchFamily="49" charset="0"/>
               </a:rPr>
-              <a:t> (</a:t>
+              <a:t> </a:t>
             </a:r>
             <a:r>
-              <a:rPr lang="en-US" dirty="0">
+              <a:rPr lang="en-US" sz="900" dirty="0">
                 <a:latin typeface="Consolas" panose="020B0609020204030204" pitchFamily="49" charset="0"/>
                 <a:cs typeface="Consolas" panose="020B0609020204030204" pitchFamily="49" charset="0"/>
               </a:rPr>
-              <a:t>double factor) </a:t>
+              <a:t>= </a:t>
             </a:r>
             <a:r>
-              <a:rPr lang="en-US" dirty="0" smtClean="0">
+              <a:rPr lang="en-US" sz="900" dirty="0" smtClean="0">
                 <a:latin typeface="Consolas" panose="020B0609020204030204" pitchFamily="49" charset="0"/>
                 <a:cs typeface="Consolas" panose="020B0609020204030204" pitchFamily="49" charset="0"/>
               </a:rPr>
-              <a:t>{ </a:t>
+              <a:t>route; </a:t>
             </a:r>
-            <a:endParaRPr lang="en-US" dirty="0">
+            <a:endParaRPr lang="en-US" sz="900" dirty="0">
               <a:latin typeface="Consolas" panose="020B0609020204030204" pitchFamily="49" charset="0"/>
               <a:cs typeface="Consolas" panose="020B0609020204030204" pitchFamily="49" charset="0"/>
             </a:endParaRPr>
@@ -30612,46 +34255,13 @@
               <a:buNone/>
             </a:pPr>
             <a:r>
-              <a:rPr lang="en-US" dirty="0" smtClean="0">
-                <a:latin typeface="Consolas" panose="020B0609020204030204" pitchFamily="49" charset="0"/>
-                <a:cs typeface="Consolas" panose="020B0609020204030204" pitchFamily="49" charset="0"/>
-              </a:rPr>
-              <a:t>        </a:t>
-            </a:r>
-            <a:r>
-              <a:rPr lang="en-US" dirty="0" err="1" smtClean="0">
-                <a:latin typeface="Consolas" panose="020B0609020204030204" pitchFamily="49" charset="0"/>
-                <a:cs typeface="Consolas" panose="020B0609020204030204" pitchFamily="49" charset="0"/>
-              </a:rPr>
-              <a:t>this.Factor</a:t>
-            </a:r>
-            <a:r>
-              <a:rPr lang="en-US" dirty="0" smtClean="0">
-                <a:latin typeface="Consolas" panose="020B0609020204030204" pitchFamily="49" charset="0"/>
-                <a:cs typeface="Consolas" panose="020B0609020204030204" pitchFamily="49" charset="0"/>
-              </a:rPr>
-              <a:t> </a:t>
-            </a:r>
-            <a:r>
-              <a:rPr lang="en-US" dirty="0">
-                <a:latin typeface="Consolas" panose="020B0609020204030204" pitchFamily="49" charset="0"/>
-                <a:cs typeface="Consolas" panose="020B0609020204030204" pitchFamily="49" charset="0"/>
-              </a:rPr>
-              <a:t>= factor; </a:t>
-            </a:r>
-          </a:p>
-          <a:p>
-            <a:pPr marL="0" indent="0">
-              <a:buNone/>
-            </a:pPr>
-            <a:r>
-              <a:rPr lang="en-US" dirty="0" smtClean="0">
+              <a:rPr lang="en-US" sz="900" dirty="0" smtClean="0">
                 <a:latin typeface="Consolas" panose="020B0609020204030204" pitchFamily="49" charset="0"/>
                 <a:cs typeface="Consolas" panose="020B0609020204030204" pitchFamily="49" charset="0"/>
               </a:rPr>
               <a:t>    } </a:t>
             </a:r>
-            <a:endParaRPr lang="en-US" dirty="0">
+            <a:endParaRPr lang="en-US" sz="900" dirty="0">
               <a:latin typeface="Consolas" panose="020B0609020204030204" pitchFamily="49" charset="0"/>
               <a:cs typeface="Consolas" panose="020B0609020204030204" pitchFamily="49" charset="0"/>
             </a:endParaRPr>
@@ -30661,18 +34271,22 @@
               <a:buNone/>
             </a:pPr>
             <a:r>
-              <a:rPr lang="en-US" dirty="0">
+              <a:rPr lang="en-US" sz="900" dirty="0">
                 <a:latin typeface="Consolas" panose="020B0609020204030204" pitchFamily="49" charset="0"/>
                 <a:cs typeface="Consolas" panose="020B0609020204030204" pitchFamily="49" charset="0"/>
               </a:rPr>
               <a:t>} </a:t>
             </a:r>
+            <a:endParaRPr lang="en-US" sz="900" dirty="0" smtClean="0">
+              <a:latin typeface="Consolas" panose="020B0609020204030204" pitchFamily="49" charset="0"/>
+              <a:cs typeface="Consolas" panose="020B0609020204030204" pitchFamily="49" charset="0"/>
+            </a:endParaRPr>
           </a:p>
           <a:p>
             <a:pPr marL="0" indent="0">
               <a:buNone/>
             </a:pPr>
-            <a:endParaRPr lang="en-US" dirty="0">
+            <a:endParaRPr lang="en-US" sz="900" dirty="0">
               <a:latin typeface="Consolas" panose="020B0609020204030204" pitchFamily="49" charset="0"/>
               <a:cs typeface="Consolas" panose="020B0609020204030204" pitchFamily="49" charset="0"/>
             </a:endParaRPr>
@@ -30682,27 +34296,27 @@
               <a:buNone/>
             </a:pPr>
             <a:r>
-              <a:rPr lang="en-US" dirty="0">
+              <a:rPr lang="en-US" sz="900" dirty="0">
                 <a:latin typeface="Consolas" panose="020B0609020204030204" pitchFamily="49" charset="0"/>
                 <a:cs typeface="Consolas" panose="020B0609020204030204" pitchFamily="49" charset="0"/>
               </a:rPr>
               <a:t>public class </a:t>
             </a:r>
             <a:r>
-              <a:rPr lang="en-US" dirty="0" err="1">
+              <a:rPr lang="en-US" sz="900" dirty="0" smtClean="0">
                 <a:latin typeface="Consolas" panose="020B0609020204030204" pitchFamily="49" charset="0"/>
                 <a:cs typeface="Consolas" panose="020B0609020204030204" pitchFamily="49" charset="0"/>
               </a:rPr>
-              <a:t>DividendEvent</a:t>
+              <a:t>Bicycle: Transport { </a:t>
             </a:r>
             <a:r>
-              <a:rPr lang="en-US" dirty="0">
+              <a:rPr lang="en-US" sz="900" dirty="0">
                 <a:latin typeface="Consolas" panose="020B0609020204030204" pitchFamily="49" charset="0"/>
                 <a:cs typeface="Consolas" panose="020B0609020204030204" pitchFamily="49" charset="0"/>
               </a:rPr>
-              <a:t> : Event { } </a:t>
+              <a:t>} </a:t>
             </a:r>
-            <a:endParaRPr lang="en-US" dirty="0" smtClean="0">
+            <a:endParaRPr lang="en-US" sz="900" dirty="0" smtClean="0">
               <a:latin typeface="Consolas" panose="020B0609020204030204" pitchFamily="49" charset="0"/>
               <a:cs typeface="Consolas" panose="020B0609020204030204" pitchFamily="49" charset="0"/>
             </a:endParaRPr>
@@ -30712,13 +34326,13 @@
               <a:buNone/>
             </a:pPr>
             <a:r>
-              <a:rPr lang="en-US" dirty="0" smtClean="0">
+              <a:rPr lang="en-US" sz="900" dirty="0" smtClean="0">
                 <a:latin typeface="Consolas" panose="020B0609020204030204" pitchFamily="49" charset="0"/>
                 <a:cs typeface="Consolas" panose="020B0609020204030204" pitchFamily="49" charset="0"/>
               </a:rPr>
-              <a:t>...</a:t>
+              <a:t>... </a:t>
             </a:r>
-            <a:endParaRPr lang="en-US" dirty="0">
+            <a:endParaRPr lang="en-US" sz="900" dirty="0">
               <a:latin typeface="Consolas" panose="020B0609020204030204" pitchFamily="49" charset="0"/>
               <a:cs typeface="Consolas" panose="020B0609020204030204" pitchFamily="49" charset="0"/>
             </a:endParaRPr>
@@ -30787,6 +34401,173 @@
       </p:grpSpPr>
       <p:sp>
         <p:nvSpPr>
+          <p:cNvPr id="8" name="Text Placeholder 7"/>
+          <p:cNvSpPr>
+            <a:spLocks noGrp="1"/>
+          </p:cNvSpPr>
+          <p:nvPr>
+            <p:ph type="body" idx="1"/>
+          </p:nvPr>
+        </p:nvSpPr>
+        <p:spPr/>
+        <p:txBody>
+          <a:bodyPr/>
+          <a:lstStyle/>
+          <a:p>
+            <a:pPr algn="ctr"/>
+            <a:r>
+              <a:rPr lang="en-US" dirty="0" smtClean="0"/>
+              <a:t>F#</a:t>
+            </a:r>
+            <a:endParaRPr lang="en-US" dirty="0"/>
+          </a:p>
+        </p:txBody>
+      </p:sp>
+      <p:sp>
+        <p:nvSpPr>
+          <p:cNvPr id="10" name="Text Placeholder 9"/>
+          <p:cNvSpPr>
+            <a:spLocks noGrp="1"/>
+          </p:cNvSpPr>
+          <p:nvPr>
+            <p:ph type="body" sz="half" idx="3"/>
+          </p:nvPr>
+        </p:nvSpPr>
+        <p:spPr/>
+        <p:txBody>
+          <a:bodyPr/>
+          <a:lstStyle/>
+          <a:p>
+            <a:pPr algn="ctr"/>
+            <a:r>
+              <a:rPr lang="en-US" dirty="0" smtClean="0"/>
+              <a:t>C#</a:t>
+            </a:r>
+            <a:endParaRPr lang="en-US" dirty="0"/>
+          </a:p>
+        </p:txBody>
+      </p:sp>
+      <p:sp>
+        <p:nvSpPr>
+          <p:cNvPr id="9" name="Content Placeholder 8"/>
+          <p:cNvSpPr>
+            <a:spLocks noGrp="1"/>
+          </p:cNvSpPr>
+          <p:nvPr>
+            <p:ph sz="quarter" idx="2"/>
+          </p:nvPr>
+        </p:nvSpPr>
+        <p:spPr>
+          <a:xfrm>
+            <a:off x="152046" y="2059487"/>
+            <a:ext cx="4418277" cy="3182003"/>
+          </a:xfrm>
+        </p:spPr>
+        <p:txBody>
+          <a:bodyPr>
+            <a:normAutofit/>
+          </a:bodyPr>
+          <a:lstStyle/>
+          <a:p>
+            <a:pPr marL="0" indent="0">
+              <a:buNone/>
+            </a:pPr>
+            <a:endParaRPr lang="en-US" sz="1500" dirty="0">
+              <a:latin typeface="Consolas" panose="020B0609020204030204" pitchFamily="49" charset="0"/>
+              <a:cs typeface="Consolas" panose="020B0609020204030204" pitchFamily="49" charset="0"/>
+            </a:endParaRPr>
+          </a:p>
+        </p:txBody>
+      </p:sp>
+      <p:sp>
+        <p:nvSpPr>
+          <p:cNvPr id="11" name="Content Placeholder 10"/>
+          <p:cNvSpPr>
+            <a:spLocks noGrp="1"/>
+          </p:cNvSpPr>
+          <p:nvPr>
+            <p:ph sz="quarter" idx="4"/>
+          </p:nvPr>
+        </p:nvSpPr>
+        <p:spPr/>
+        <p:txBody>
+          <a:bodyPr>
+            <a:noAutofit/>
+          </a:bodyPr>
+          <a:lstStyle/>
+          <a:p>
+            <a:pPr marL="0" indent="0">
+              <a:buNone/>
+            </a:pPr>
+            <a:endParaRPr lang="en-US" sz="900" dirty="0">
+              <a:latin typeface="Consolas" panose="020B0609020204030204" pitchFamily="49" charset="0"/>
+              <a:cs typeface="Consolas" panose="020B0609020204030204" pitchFamily="49" charset="0"/>
+            </a:endParaRPr>
+          </a:p>
+        </p:txBody>
+      </p:sp>
+      <p:sp>
+        <p:nvSpPr>
+          <p:cNvPr id="7" name="Title 6"/>
+          <p:cNvSpPr>
+            <a:spLocks noGrp="1"/>
+          </p:cNvSpPr>
+          <p:nvPr>
+            <p:ph type="title"/>
+          </p:nvPr>
+        </p:nvSpPr>
+        <p:spPr/>
+        <p:txBody>
+          <a:bodyPr/>
+          <a:lstStyle/>
+          <a:p>
+            <a:r>
+              <a:rPr lang="en-US" dirty="0" smtClean="0"/>
+              <a:t>Why F#?</a:t>
+            </a:r>
+            <a:endParaRPr lang="en-US" dirty="0"/>
+          </a:p>
+        </p:txBody>
+      </p:sp>
+    </p:spTree>
+    <p:extLst>
+      <p:ext uri="{BB962C8B-B14F-4D97-AF65-F5344CB8AC3E}">
+        <p14:creationId xmlns:p14="http://schemas.microsoft.com/office/powerpoint/2010/main" val="2053573157"/>
+      </p:ext>
+    </p:extLst>
+  </p:cSld>
+  <p:clrMapOvr>
+    <a:masterClrMapping/>
+  </p:clrMapOvr>
+  <p:timing>
+    <p:tnLst>
+      <p:par>
+        <p:cTn xmlns:p14="http://schemas.microsoft.com/office/powerpoint/2010/main" id="1" dur="indefinite" restart="never" nodeType="tmRoot"/>
+      </p:par>
+    </p:tnLst>
+  </p:timing>
+</p:sld>
+</file>
+
+<file path=ppt/slides/slide15.xml><?xml version="1.0" encoding="utf-8"?>
+<p:sld xmlns:a="http://schemas.openxmlformats.org/drawingml/2006/main" xmlns:r="http://schemas.openxmlformats.org/officeDocument/2006/relationships" xmlns:p="http://schemas.openxmlformats.org/presentationml/2006/main">
+  <p:cSld>
+    <p:spTree>
+      <p:nvGrpSpPr>
+        <p:cNvPr id="1" name=""/>
+        <p:cNvGrpSpPr/>
+        <p:nvPr/>
+      </p:nvGrpSpPr>
+      <p:grpSpPr>
+        <a:xfrm>
+          <a:off x="0" y="0"/>
+          <a:ext cx="0" cy="0"/>
+          <a:chOff x="0" y="0"/>
+          <a:chExt cx="0" cy="0"/>
+        </a:xfrm>
+      </p:grpSpPr>
+      <p:sp>
+        <p:nvSpPr>
           <p:cNvPr id="2" name="Title 1"/>
           <p:cNvSpPr>
             <a:spLocks noGrp="1"/>
@@ -30816,78 +34597,31 @@
           </a:p>
         </p:txBody>
       </p:sp>
-      <p:sp>
-        <p:nvSpPr>
-          <p:cNvPr id="3" name="Content Placeholder 2"/>
-          <p:cNvSpPr>
-            <a:spLocks noGrp="1"/>
-          </p:cNvSpPr>
+      <p:graphicFrame>
+        <p:nvGraphicFramePr>
+          <p:cNvPr id="4" name="Content Placeholder 3"/>
+          <p:cNvGraphicFramePr>
+            <a:graphicFrameLocks noGrp="1"/>
+          </p:cNvGraphicFramePr>
           <p:nvPr>
             <p:ph sz="quarter" idx="1"/>
+            <p:extLst>
+              <p:ext uri="{D42A27DB-BD31-4B8C-83A1-F6EECF244321}">
+                <p14:modId xmlns:p14="http://schemas.microsoft.com/office/powerpoint/2010/main" val="1985449494"/>
+              </p:ext>
+            </p:extLst>
           </p:nvPr>
-        </p:nvSpPr>
-        <p:spPr/>
-        <p:txBody>
-          <a:bodyPr/>
-          <a:lstStyle/>
-          <a:p>
-            <a:r>
-              <a:rPr lang="en-US" dirty="0" smtClean="0"/>
-              <a:t>Fully native. </a:t>
-            </a:r>
-          </a:p>
-          <a:p>
-            <a:r>
-              <a:rPr lang="en-US" dirty="0" smtClean="0"/>
-              <a:t>Competitors: </a:t>
-            </a:r>
-          </a:p>
-          <a:p>
-            <a:pPr lvl="1"/>
-            <a:r>
-              <a:rPr lang="en-US" dirty="0" err="1" smtClean="0"/>
-              <a:t>PhoneGap</a:t>
-            </a:r>
-            <a:r>
-              <a:rPr lang="en-US" dirty="0" smtClean="0"/>
-              <a:t> (JS, HTML5, CSS) </a:t>
-            </a:r>
-          </a:p>
-          <a:p>
-            <a:pPr lvl="2"/>
-            <a:r>
-              <a:rPr lang="en-US" dirty="0" smtClean="0"/>
-              <a:t>Not native. Slower. </a:t>
-            </a:r>
-          </a:p>
-          <a:p>
-            <a:pPr lvl="1"/>
-            <a:r>
-              <a:rPr lang="en-US" dirty="0" err="1" smtClean="0"/>
-              <a:t>Appcelerator</a:t>
-            </a:r>
-            <a:r>
-              <a:rPr lang="en-US" dirty="0" smtClean="0"/>
-              <a:t>: </a:t>
-            </a:r>
-            <a:r>
-              <a:rPr lang="en-US" dirty="0" err="1" smtClean="0"/>
-              <a:t>Javascript</a:t>
-            </a:r>
-            <a:r>
-              <a:rPr lang="en-US" dirty="0" smtClean="0"/>
-              <a:t> API plus native UI components. </a:t>
-            </a:r>
-          </a:p>
-          <a:p>
-            <a:pPr lvl="2"/>
-            <a:r>
-              <a:rPr lang="en-US" dirty="0" smtClean="0"/>
-              <a:t>Required to manage SDKs locally. </a:t>
-            </a:r>
-          </a:p>
-        </p:txBody>
-      </p:sp>
+        </p:nvGraphicFramePr>
+        <p:xfrm>
+          <a:off x="301752" y="1272539"/>
+          <a:ext cx="8503920" cy="4048939"/>
+        </p:xfrm>
+        <a:graphic>
+          <a:graphicData uri="http://schemas.openxmlformats.org/drawingml/2006/diagram">
+            <dgm:relIds xmlns:dgm="http://schemas.openxmlformats.org/drawingml/2006/diagram" xmlns:r="http://schemas.openxmlformats.org/officeDocument/2006/relationships" r:dm="rId3" r:lo="rId4" r:qs="rId5" r:cs="rId6"/>
+          </a:graphicData>
+        </a:graphic>
+      </p:graphicFrame>
     </p:spTree>
     <p:extLst>
       <p:ext uri="{BB962C8B-B14F-4D97-AF65-F5344CB8AC3E}">
@@ -30908,7 +34642,7 @@
 </p:sld>
 </file>
 
-<file path=ppt/slides/slide15.xml><?xml version="1.0" encoding="utf-8"?>
+<file path=ppt/slides/slide16.xml><?xml version="1.0" encoding="utf-8"?>
 <p:sld xmlns:a="http://schemas.openxmlformats.org/drawingml/2006/main" xmlns:r="http://schemas.openxmlformats.org/officeDocument/2006/relationships" xmlns:p="http://schemas.openxmlformats.org/presentationml/2006/main">
   <p:cSld>
     <p:spTree>
@@ -31008,7 +34742,7 @@
 </p:sld>
 </file>
 
-<file path=ppt/slides/slide16.xml><?xml version="1.0" encoding="utf-8"?>
+<file path=ppt/slides/slide17.xml><?xml version="1.0" encoding="utf-8"?>
 <p:sld xmlns:a="http://schemas.openxmlformats.org/drawingml/2006/main" xmlns:r="http://schemas.openxmlformats.org/officeDocument/2006/relationships" xmlns:p="http://schemas.openxmlformats.org/presentationml/2006/main">
   <p:cSld>
     <p:spTree>
@@ -31106,7 +34840,7 @@
 </p:sld>
 </file>
 
-<file path=ppt/slides/slide17.xml><?xml version="1.0" encoding="utf-8"?>
+<file path=ppt/slides/slide18.xml><?xml version="1.0" encoding="utf-8"?>
 <p:sld xmlns:a="http://schemas.openxmlformats.org/drawingml/2006/main" xmlns:r="http://schemas.openxmlformats.org/officeDocument/2006/relationships" xmlns:p="http://schemas.openxmlformats.org/presentationml/2006/main">
   <p:cSld>
     <p:spTree>
@@ -31340,7 +35074,7 @@
 </p:sld>
 </file>
 
-<file path=ppt/slides/slide18.xml><?xml version="1.0" encoding="utf-8"?>
+<file path=ppt/slides/slide19.xml><?xml version="1.0" encoding="utf-8"?>
 <p:sld xmlns:a="http://schemas.openxmlformats.org/drawingml/2006/main" xmlns:r="http://schemas.openxmlformats.org/officeDocument/2006/relationships" xmlns:p="http://schemas.openxmlformats.org/presentationml/2006/main">
   <p:cSld>
     <p:spTree>
@@ -33088,7 +36822,7 @@
         </p:nvSpPr>
         <p:spPr>
           <a:xfrm>
-            <a:off x="260579" y="762000"/>
+            <a:off x="2819004" y="1370169"/>
             <a:ext cx="2558425" cy="825500"/>
           </a:xfrm>
         </p:spPr>
@@ -33712,7 +37446,7 @@
   <a:extraClrSchemeLst/>
   <a:extLst>
     <a:ext uri="{05A4C25C-085E-4340-85A3-A5531E510DB2}">
-      <thm15:themeFamily xmlns:thm15="http://schemas.microsoft.com/office/thememl/2012/main" xmlns="" name="Office Theme" id="{62F939B6-93AF-4DB8-9C6B-D6C7DFDC589F}" vid="{4A3C46E8-61CC-4603-A589-7422A47A8E4A}"/>
+      <thm15:themeFamily xmlns="" xmlns:thm15="http://schemas.microsoft.com/office/thememl/2012/main" name="Office Theme" id="{62F939B6-93AF-4DB8-9C6B-D6C7DFDC589F}" vid="{4A3C46E8-61CC-4603-A589-7422A47A8E4A}"/>
     </a:ext>
   </a:extLst>
 </a:theme>
@@ -33973,7 +37707,7 @@
   <a:extraClrSchemeLst/>
   <a:extLst>
     <a:ext uri="{05A4C25C-085E-4340-85A3-A5531E510DB2}">
-      <thm15:themeFamily xmlns:thm15="http://schemas.microsoft.com/office/thememl/2012/main" xmlns="" name="Office Theme" id="{62F939B6-93AF-4DB8-9C6B-D6C7DFDC589F}" vid="{4A3C46E8-61CC-4603-A589-7422A47A8E4A}"/>
+      <thm15:themeFamily xmlns="" xmlns:thm15="http://schemas.microsoft.com/office/thememl/2012/main" name="Office Theme" id="{62F939B6-93AF-4DB8-9C6B-D6C7DFDC589F}" vid="{4A3C46E8-61CC-4603-A589-7422A47A8E4A}"/>
     </a:ext>
   </a:extLst>
 </a:theme>

--- a/Intro to Xamarin F#/F#-iOS.pptx
+++ b/Intro to Xamarin F#/F#-iOS.pptx
@@ -34356,7 +34356,11 @@
           <a:p>
             <a:r>
               <a:rPr lang="en-US" dirty="0" smtClean="0"/>
-              <a:t>Why F#?</a:t>
+              <a:t>Why F</a:t>
+            </a:r>
+            <a:r>
+              <a:rPr lang="en-US" dirty="0" smtClean="0"/>
+              <a:t>#: Concise Code</a:t>
             </a:r>
             <a:endParaRPr lang="en-US" dirty="0"/>
           </a:p>
@@ -34401,114 +34405,7 @@
       </p:grpSpPr>
       <p:sp>
         <p:nvSpPr>
-          <p:cNvPr id="8" name="Text Placeholder 7"/>
-          <p:cNvSpPr>
-            <a:spLocks noGrp="1"/>
-          </p:cNvSpPr>
-          <p:nvPr>
-            <p:ph type="body" idx="1"/>
-          </p:nvPr>
-        </p:nvSpPr>
-        <p:spPr/>
-        <p:txBody>
-          <a:bodyPr/>
-          <a:lstStyle/>
-          <a:p>
-            <a:pPr algn="ctr"/>
-            <a:r>
-              <a:rPr lang="en-US" dirty="0" smtClean="0"/>
-              <a:t>F#</a:t>
-            </a:r>
-            <a:endParaRPr lang="en-US" dirty="0"/>
-          </a:p>
-        </p:txBody>
-      </p:sp>
-      <p:sp>
-        <p:nvSpPr>
-          <p:cNvPr id="10" name="Text Placeholder 9"/>
-          <p:cNvSpPr>
-            <a:spLocks noGrp="1"/>
-          </p:cNvSpPr>
-          <p:nvPr>
-            <p:ph type="body" sz="half" idx="3"/>
-          </p:nvPr>
-        </p:nvSpPr>
-        <p:spPr/>
-        <p:txBody>
-          <a:bodyPr/>
-          <a:lstStyle/>
-          <a:p>
-            <a:pPr algn="ctr"/>
-            <a:r>
-              <a:rPr lang="en-US" dirty="0" smtClean="0"/>
-              <a:t>C#</a:t>
-            </a:r>
-            <a:endParaRPr lang="en-US" dirty="0"/>
-          </a:p>
-        </p:txBody>
-      </p:sp>
-      <p:sp>
-        <p:nvSpPr>
-          <p:cNvPr id="9" name="Content Placeholder 8"/>
-          <p:cNvSpPr>
-            <a:spLocks noGrp="1"/>
-          </p:cNvSpPr>
-          <p:nvPr>
-            <p:ph sz="quarter" idx="2"/>
-          </p:nvPr>
-        </p:nvSpPr>
-        <p:spPr>
-          <a:xfrm>
-            <a:off x="152046" y="2059487"/>
-            <a:ext cx="4418277" cy="3182003"/>
-          </a:xfrm>
-        </p:spPr>
-        <p:txBody>
-          <a:bodyPr>
-            <a:normAutofit/>
-          </a:bodyPr>
-          <a:lstStyle/>
-          <a:p>
-            <a:pPr marL="0" indent="0">
-              <a:buNone/>
-            </a:pPr>
-            <a:endParaRPr lang="en-US" sz="1500" dirty="0">
-              <a:latin typeface="Consolas" panose="020B0609020204030204" pitchFamily="49" charset="0"/>
-              <a:cs typeface="Consolas" panose="020B0609020204030204" pitchFamily="49" charset="0"/>
-            </a:endParaRPr>
-          </a:p>
-        </p:txBody>
-      </p:sp>
-      <p:sp>
-        <p:nvSpPr>
-          <p:cNvPr id="11" name="Content Placeholder 10"/>
-          <p:cNvSpPr>
-            <a:spLocks noGrp="1"/>
-          </p:cNvSpPr>
-          <p:nvPr>
-            <p:ph sz="quarter" idx="4"/>
-          </p:nvPr>
-        </p:nvSpPr>
-        <p:spPr/>
-        <p:txBody>
-          <a:bodyPr>
-            <a:noAutofit/>
-          </a:bodyPr>
-          <a:lstStyle/>
-          <a:p>
-            <a:pPr marL="0" indent="0">
-              <a:buNone/>
-            </a:pPr>
-            <a:endParaRPr lang="en-US" sz="900" dirty="0">
-              <a:latin typeface="Consolas" panose="020B0609020204030204" pitchFamily="49" charset="0"/>
-              <a:cs typeface="Consolas" panose="020B0609020204030204" pitchFamily="49" charset="0"/>
-            </a:endParaRPr>
-          </a:p>
-        </p:txBody>
-      </p:sp>
-      <p:sp>
-        <p:nvSpPr>
-          <p:cNvPr id="7" name="Title 6"/>
+          <p:cNvPr id="4" name="Title 3"/>
           <p:cNvSpPr>
             <a:spLocks noGrp="1"/>
           </p:cNvSpPr>
@@ -34523,29 +34420,188 @@
           <a:p>
             <a:r>
               <a:rPr lang="en-US" dirty="0" smtClean="0"/>
-              <a:t>Why F#?</a:t>
+              <a:t>Why F#: Pattern Matching </a:t>
             </a:r>
             <a:endParaRPr lang="en-US" dirty="0"/>
+          </a:p>
+        </p:txBody>
+      </p:sp>
+      <p:pic>
+        <p:nvPicPr>
+          <p:cNvPr id="6" name="Content Placeholder 5" descr="PM.png"/>
+          <p:cNvPicPr>
+            <a:picLocks noGrp="1" noChangeAspect="1"/>
+          </p:cNvPicPr>
+          <p:nvPr>
+            <p:ph sz="quarter" idx="1"/>
+          </p:nvPr>
+        </p:nvPicPr>
+        <p:blipFill>
+          <a:blip r:embed="rId2">
+            <a:extLst>
+              <a:ext uri="{28A0092B-C50C-407E-A947-70E740481C1C}">
+                <a14:useLocalDpi xmlns:a14="http://schemas.microsoft.com/office/drawing/2010/main" val="0"/>
+              </a:ext>
+            </a:extLst>
+          </a:blip>
+          <a:srcRect t="-79865" b="-79865"/>
+          <a:stretch>
+            <a:fillRect/>
+          </a:stretch>
+        </p:blipFill>
+        <p:spPr>
+          <a:xfrm>
+            <a:off x="301625" y="190500"/>
+            <a:ext cx="8504238" cy="3810000"/>
+          </a:xfrm>
+        </p:spPr>
+      </p:pic>
+      <p:sp>
+        <p:nvSpPr>
+          <p:cNvPr id="7" name="TextBox 6"/>
+          <p:cNvSpPr txBox="1"/>
+          <p:nvPr/>
+        </p:nvSpPr>
+        <p:spPr>
+          <a:xfrm>
+            <a:off x="301751" y="2915634"/>
+            <a:ext cx="8504111" cy="2289577"/>
+          </a:xfrm>
+          <a:prstGeom prst="rect">
+            <a:avLst/>
+          </a:prstGeom>
+        </p:spPr>
+        <p:txBody>
+          <a:bodyPr vert="horz" wrap="none" rtlCol="0" anchor="ctr">
+            <a:normAutofit fontScale="92500" lnSpcReduction="20000"/>
+          </a:bodyPr>
+          <a:lstStyle/>
+          <a:p>
+            <a:r>
+              <a:rPr lang="en-US" dirty="0"/>
+              <a:t>    type Transport =</a:t>
+            </a:r>
+            <a:br>
+              <a:rPr lang="en-US" dirty="0"/>
+            </a:br>
+            <a:r>
+              <a:rPr lang="en-US" dirty="0"/>
+              <a:t>        | Car of </a:t>
+            </a:r>
+            <a:r>
+              <a:rPr lang="en-US" dirty="0" err="1"/>
+              <a:t>Make:string</a:t>
+            </a:r>
+            <a:r>
+              <a:rPr lang="en-US" dirty="0"/>
+              <a:t> * </a:t>
+            </a:r>
+            <a:r>
+              <a:rPr lang="en-US" dirty="0" err="1"/>
+              <a:t>Model:string</a:t>
+            </a:r>
+            <a:r>
+              <a:rPr lang="en-US" dirty="0"/>
+              <a:t/>
+            </a:r>
+            <a:br>
+              <a:rPr lang="en-US" dirty="0"/>
+            </a:br>
+            <a:r>
+              <a:rPr lang="en-US" dirty="0"/>
+              <a:t>        | Bus of </a:t>
+            </a:r>
+            <a:r>
+              <a:rPr lang="en-US" dirty="0" err="1"/>
+              <a:t>Route:int</a:t>
+            </a:r>
+            <a:r>
+              <a:rPr lang="en-US" dirty="0"/>
+              <a:t/>
+            </a:r>
+            <a:br>
+              <a:rPr lang="en-US" dirty="0"/>
+            </a:br>
+            <a:r>
+              <a:rPr lang="en-US" dirty="0"/>
+              <a:t>        | Bicycle</a:t>
+            </a:r>
+            <a:br>
+              <a:rPr lang="en-US" dirty="0"/>
+            </a:br>
+            <a:r>
+              <a:rPr lang="en-US" dirty="0"/>
+              <a:t/>
+            </a:r>
+            <a:br>
+              <a:rPr lang="en-US" dirty="0"/>
+            </a:br>
+            <a:r>
+              <a:rPr lang="en-US" dirty="0"/>
+              <a:t>    let </a:t>
+            </a:r>
+            <a:r>
+              <a:rPr lang="en-US" dirty="0" err="1"/>
+              <a:t>getThereVia</a:t>
+            </a:r>
+            <a:r>
+              <a:rPr lang="en-US" dirty="0"/>
+              <a:t> (</a:t>
+            </a:r>
+            <a:r>
+              <a:rPr lang="en-US" dirty="0" err="1"/>
+              <a:t>transport:Transport</a:t>
+            </a:r>
+            <a:r>
+              <a:rPr lang="en-US" dirty="0"/>
+              <a:t>) =</a:t>
+            </a:r>
+            <a:br>
+              <a:rPr lang="en-US" dirty="0"/>
+            </a:br>
+            <a:r>
+              <a:rPr lang="en-US" dirty="0"/>
+              <a:t>        match transport with</a:t>
+            </a:r>
+            <a:br>
+              <a:rPr lang="en-US" dirty="0"/>
+            </a:br>
+            <a:r>
+              <a:rPr lang="en-US" dirty="0"/>
+              <a:t>           | Car (</a:t>
+            </a:r>
+            <a:r>
+              <a:rPr lang="en-US" dirty="0" err="1"/>
+              <a:t>make,model</a:t>
+            </a:r>
+            <a:r>
+              <a:rPr lang="en-US" dirty="0"/>
+              <a:t>) -&gt; ()</a:t>
+            </a:r>
+            <a:br>
+              <a:rPr lang="en-US" dirty="0"/>
+            </a:br>
+            <a:r>
+              <a:rPr lang="en-US" dirty="0"/>
+              <a:t>           | Bus route -&gt; ()</a:t>
+            </a:r>
+            <a:br>
+              <a:rPr lang="en-US" dirty="0"/>
+            </a:br>
+            <a:endParaRPr lang="en-US" dirty="0" smtClean="0"/>
           </a:p>
         </p:txBody>
       </p:sp>
     </p:spTree>
     <p:extLst>
       <p:ext uri="{BB962C8B-B14F-4D97-AF65-F5344CB8AC3E}">
-        <p14:creationId xmlns:p14="http://schemas.microsoft.com/office/powerpoint/2010/main" val="2053573157"/>
+        <p14:creationId xmlns:p14="http://schemas.microsoft.com/office/powerpoint/2010/main" val="3618274339"/>
       </p:ext>
     </p:extLst>
   </p:cSld>
   <p:clrMapOvr>
     <a:masterClrMapping/>
   </p:clrMapOvr>
-  <p:timing>
-    <p:tnLst>
-      <p:par>
-        <p:cTn xmlns:p14="http://schemas.microsoft.com/office/powerpoint/2010/main" id="1" dur="indefinite" restart="never" nodeType="tmRoot"/>
-      </p:par>
-    </p:tnLst>
-  </p:timing>
 </p:sld>
 </file>
 
@@ -36822,7 +36878,7 @@
         </p:nvSpPr>
         <p:spPr>
           <a:xfrm>
-            <a:off x="2819004" y="1370169"/>
+            <a:off x="260579" y="778098"/>
             <a:ext cx="2558425" cy="825500"/>
           </a:xfrm>
         </p:spPr>

--- a/Intro to Xamarin F#/F#-iOS.pptx
+++ b/Intro to Xamarin F#/F#-iOS.pptx
@@ -177,7 +177,7 @@
       </p14:sectionLst>
     </p:ext>
     <p:ext uri="{EFAFB233-063F-42B5-8137-9DF3F51BA10A}">
-      <p15:sldGuideLst xmlns="" xmlns:p15="http://schemas.microsoft.com/office/powerpoint/2012/main"/>
+      <p15:sldGuideLst xmlns:p15="http://schemas.microsoft.com/office/powerpoint/2012/main" xmlns=""/>
     </p:ext>
   </p:extLst>
 </p:presentation>
@@ -9064,53 +9064,53 @@
     </dgm:pt>
   </dgm:ptLst>
   <dgm:cxnLst>
+    <dgm:cxn modelId="{7B289421-D34D-4D74-859B-AC7E21915524}" srcId="{AD95B609-3303-4583-87CD-2E7F35A6232A}" destId="{C10C8E44-53F0-4A95-B9E0-2C9674291AA8}" srcOrd="3" destOrd="0" parTransId="{920BB62B-541D-4CE3-A066-A85B338438D5}" sibTransId="{061A730A-78F6-4A11-99AC-7B30F084080D}"/>
+    <dgm:cxn modelId="{E840FF57-B382-423C-81EB-BAE38A169A99}" type="presOf" srcId="{819C193B-EAAC-476D-87A2-67263294D4D7}" destId="{F584A7AF-7AC4-466A-8058-C318E2452A4B}" srcOrd="0" destOrd="0" presId="urn:microsoft.com/office/officeart/2009/3/layout/SubStepProcess"/>
+    <dgm:cxn modelId="{96CAADBA-F321-46B8-98E3-BEBA2FD7B912}" srcId="{AD95B609-3303-4583-87CD-2E7F35A6232A}" destId="{6A3553B0-7A40-4A90-8516-16E3CA923718}" srcOrd="9" destOrd="0" parTransId="{978F89D0-B7DF-472A-9B03-C03A2DAC6155}" sibTransId="{02616C06-F1C3-427F-A227-7AC767461962}"/>
+    <dgm:cxn modelId="{2272C4A2-DBEA-444D-A06E-3431E02455D7}" type="presOf" srcId="{5F3E792C-E8E1-476D-A80F-9499729EB818}" destId="{930BC43C-89CA-4487-8A31-9FD4482A7DBB}" srcOrd="0" destOrd="0" presId="urn:microsoft.com/office/officeart/2009/3/layout/SubStepProcess"/>
+    <dgm:cxn modelId="{851DB145-7372-4AC1-AF6A-D698EF9EE1BC}" srcId="{AD95B609-3303-4583-87CD-2E7F35A6232A}" destId="{09EA8485-884F-484C-A626-8D7CC15A3984}" srcOrd="0" destOrd="0" parTransId="{5FB69482-A19E-4427-96EA-07A3C9999C37}" sibTransId="{8AAC2FF5-D3FB-432C-861F-AB07B94A8D17}"/>
+    <dgm:cxn modelId="{FFAB0640-BE7B-46C0-8665-26BD249B3807}" srcId="{95BAF3F2-D109-4E98-938E-0D603B5A9F7E}" destId="{C8DEEE97-A2B3-4862-9DF2-3CEFFDAFBD8C}" srcOrd="2" destOrd="0" parTransId="{C7B2C226-A6D5-4834-8096-D1248E9CC62E}" sibTransId="{91CF8BD8-BFB9-40E3-853E-F90C6E8E6A13}"/>
+    <dgm:cxn modelId="{8D2262FF-7BD1-412A-89FC-76A2FD0DB228}" srcId="{5F3E792C-E8E1-476D-A80F-9499729EB818}" destId="{E68E75D6-761A-40F6-92D7-5D34BDFDED6B}" srcOrd="4" destOrd="0" parTransId="{D57684C3-5833-4939-84F3-9DB3A7B8355B}" sibTransId="{67C4EF1D-D1C6-4DFB-8AB4-0F125B825D49}"/>
+    <dgm:cxn modelId="{67E122BD-5A88-4BC5-87A2-0BD09F7B29C1}" srcId="{AD95B609-3303-4583-87CD-2E7F35A6232A}" destId="{601322D6-BAE4-4D1D-BCE6-6DCA32544F9C}" srcOrd="8" destOrd="0" parTransId="{637D7C5F-8769-4305-8D07-D59FE1FD1DE7}" sibTransId="{54996A8C-05FB-49D6-A511-AB405B78FA03}"/>
+    <dgm:cxn modelId="{BBD5550C-232A-4358-A34B-E691CB70D253}" type="presOf" srcId="{D606B092-3F2D-43A2-91A0-195B86BD53DA}" destId="{DACE86A9-A05C-4CA3-83EC-40A63736638E}" srcOrd="0" destOrd="0" presId="urn:microsoft.com/office/officeart/2009/3/layout/SubStepProcess"/>
+    <dgm:cxn modelId="{403898F6-0BAD-4688-A767-D217A8C683D4}" srcId="{5F3E792C-E8E1-476D-A80F-9499729EB818}" destId="{0F6B5F89-03F0-4758-83E8-D38163FD5BDE}" srcOrd="2" destOrd="0" parTransId="{EBA221A6-4FBA-4E6B-B225-DD14D670EBEA}" sibTransId="{5E04DA45-E29B-461D-82AB-215C64D40866}"/>
+    <dgm:cxn modelId="{F8EEC1A3-BCEC-47CB-A295-ED345B1CA661}" srcId="{5F3E792C-E8E1-476D-A80F-9499729EB818}" destId="{89511B21-2A9E-472A-9A95-A6CC8E5FAADC}" srcOrd="3" destOrd="0" parTransId="{D05D4F68-E719-460B-9F4E-58BD7CE28669}" sibTransId="{75834831-EB4A-4A18-B9A1-240FBBF0B096}"/>
+    <dgm:cxn modelId="{F48F5137-40DB-4A59-99E3-0E978E3DEF58}" srcId="{AD95B609-3303-4583-87CD-2E7F35A6232A}" destId="{923AF866-B32B-4260-B12C-2D9D1E7F500A}" srcOrd="6" destOrd="0" parTransId="{AF943EA0-1A4F-46EE-A05F-E3454E545030}" sibTransId="{A687BB37-1EE6-4B22-8B58-BC618FF5F169}"/>
+    <dgm:cxn modelId="{3F9DF11D-9E55-40DB-828E-94E39C910C39}" srcId="{95BAF3F2-D109-4E98-938E-0D603B5A9F7E}" destId="{AD95B609-3303-4583-87CD-2E7F35A6232A}" srcOrd="0" destOrd="0" parTransId="{CA20A938-4752-4205-AB97-93C91C21D438}" sibTransId="{3B9797B8-1C0C-4F3D-B18B-50FEFFD6A0E1}"/>
+    <dgm:cxn modelId="{0844B31D-EA76-413B-90AD-5BC0795A08EC}" type="presOf" srcId="{95BAF3F2-D109-4E98-938E-0D603B5A9F7E}" destId="{4144592D-B1E6-44E0-B992-396491D46FD6}" srcOrd="0" destOrd="0" presId="urn:microsoft.com/office/officeart/2009/3/layout/SubStepProcess"/>
+    <dgm:cxn modelId="{4FC88EA4-07E8-46D1-9E82-24A7A8C10B6D}" type="presOf" srcId="{C10C8E44-53F0-4A95-B9E0-2C9674291AA8}" destId="{71035CB5-025D-4273-8618-B75128118237}" srcOrd="0" destOrd="0" presId="urn:microsoft.com/office/officeart/2009/3/layout/SubStepProcess"/>
+    <dgm:cxn modelId="{F1AFFDE5-DD20-4815-BF43-D769DB44BACA}" srcId="{5F3E792C-E8E1-476D-A80F-9499729EB818}" destId="{D606B092-3F2D-43A2-91A0-195B86BD53DA}" srcOrd="0" destOrd="0" parTransId="{66219553-9A84-45B1-A624-9936C43E8047}" sibTransId="{A7BB68E8-CFE5-41C3-8EF5-4BD28FD84C12}"/>
+    <dgm:cxn modelId="{A3957A6C-D036-469E-B3D1-F88D60B75E43}" type="presOf" srcId="{D30CC538-6A3E-4ABF-A7CF-4766B1619AA9}" destId="{847583CB-3949-4F46-92DF-5BC70B8A4826}" srcOrd="0" destOrd="0" presId="urn:microsoft.com/office/officeart/2009/3/layout/SubStepProcess"/>
+    <dgm:cxn modelId="{8B1CD69F-17F8-408D-9317-3FFF303D955D}" srcId="{5F3E792C-E8E1-476D-A80F-9499729EB818}" destId="{F0E93695-53B8-4FC4-A086-1D1368A1D979}" srcOrd="5" destOrd="0" parTransId="{CECFB84A-5A6F-4AF8-A5F1-6D04D4FFEA8C}" sibTransId="{748B5E76-AAE3-42CC-A068-BA09A8FF52F7}"/>
+    <dgm:cxn modelId="{54F418C8-B003-4C3E-9127-5F1AB7C5EAB9}" type="presOf" srcId="{6A3553B0-7A40-4A90-8516-16E3CA923718}" destId="{5C20E412-C74A-48DA-A2A0-6CC529AF4FA3}" srcOrd="0" destOrd="0" presId="urn:microsoft.com/office/officeart/2009/3/layout/SubStepProcess"/>
+    <dgm:cxn modelId="{26413D1F-B4DC-42ED-9508-59902F295F56}" type="presOf" srcId="{C8DEEE97-A2B3-4862-9DF2-3CEFFDAFBD8C}" destId="{8F724D7A-FC3E-4ECA-A525-6E3BA44424E6}" srcOrd="0" destOrd="0" presId="urn:microsoft.com/office/officeart/2009/3/layout/SubStepProcess"/>
+    <dgm:cxn modelId="{25B05C16-2E1D-4598-A63C-2EBA88E4E99E}" srcId="{AD95B609-3303-4583-87CD-2E7F35A6232A}" destId="{C9FBCAE5-829B-4790-8E80-1EECA1A01A54}" srcOrd="7" destOrd="0" parTransId="{7A836164-CEBD-48A7-AC9C-F5DD82973333}" sibTransId="{EE61A56A-8119-4850-BEBC-D362BADC6A72}"/>
+    <dgm:cxn modelId="{4C37B3D5-3822-43C1-924F-09811DAEA3A9}" srcId="{C8DEEE97-A2B3-4862-9DF2-3CEFFDAFBD8C}" destId="{8A2B1C81-E47D-47F9-AF76-7772C9C66239}" srcOrd="0" destOrd="0" parTransId="{C182E80D-2B6A-40C0-A10D-D2F624D54BBD}" sibTransId="{9F3FC4D9-FE32-489C-B204-29B67185D75E}"/>
+    <dgm:cxn modelId="{2BF4C107-6A6D-4E8E-849D-47619B617BC8}" type="presOf" srcId="{601322D6-BAE4-4D1D-BCE6-6DCA32544F9C}" destId="{91B759A7-7C2B-4E54-BA5E-24E6B1B5CF56}" srcOrd="0" destOrd="0" presId="urn:microsoft.com/office/officeart/2009/3/layout/SubStepProcess"/>
+    <dgm:cxn modelId="{CD0E5135-9AEC-43CF-9708-D51FAE0A47E7}" srcId="{C8DEEE97-A2B3-4862-9DF2-3CEFFDAFBD8C}" destId="{FB911FC4-0553-4EE8-B15D-6BC139993559}" srcOrd="2" destOrd="0" parTransId="{888E84C5-66E0-4C28-A734-38304805F82E}" sibTransId="{DEFD4263-88D9-490E-87EF-714CEEB943C7}"/>
+    <dgm:cxn modelId="{D1CF7A31-8599-46BA-90C2-84F1F54679FB}" type="presOf" srcId="{0F6B5F89-03F0-4758-83E8-D38163FD5BDE}" destId="{26448DDA-E83C-4832-BD33-7AA9AE7A1FBD}" srcOrd="0" destOrd="0" presId="urn:microsoft.com/office/officeart/2009/3/layout/SubStepProcess"/>
     <dgm:cxn modelId="{6268C07B-C038-4857-8651-1893FD20867D}" srcId="{AD95B609-3303-4583-87CD-2E7F35A6232A}" destId="{D30CC538-6A3E-4ABF-A7CF-4766B1619AA9}" srcOrd="4" destOrd="0" parTransId="{B2821827-82C3-4E38-B688-D3944481D084}" sibTransId="{BF6AAC22-75F1-42CE-B071-35E223068637}"/>
-    <dgm:cxn modelId="{F8EEC1A3-BCEC-47CB-A295-ED345B1CA661}" srcId="{5F3E792C-E8E1-476D-A80F-9499729EB818}" destId="{89511B21-2A9E-472A-9A95-A6CC8E5FAADC}" srcOrd="3" destOrd="0" parTransId="{D05D4F68-E719-460B-9F4E-58BD7CE28669}" sibTransId="{75834831-EB4A-4A18-B9A1-240FBBF0B096}"/>
-    <dgm:cxn modelId="{BBD5550C-232A-4358-A34B-E691CB70D253}" type="presOf" srcId="{D606B092-3F2D-43A2-91A0-195B86BD53DA}" destId="{DACE86A9-A05C-4CA3-83EC-40A63736638E}" srcOrd="0" destOrd="0" presId="urn:microsoft.com/office/officeart/2009/3/layout/SubStepProcess"/>
-    <dgm:cxn modelId="{96CAADBA-F321-46B8-98E3-BEBA2FD7B912}" srcId="{AD95B609-3303-4583-87CD-2E7F35A6232A}" destId="{6A3553B0-7A40-4A90-8516-16E3CA923718}" srcOrd="9" destOrd="0" parTransId="{978F89D0-B7DF-472A-9B03-C03A2DAC6155}" sibTransId="{02616C06-F1C3-427F-A227-7AC767461962}"/>
-    <dgm:cxn modelId="{377FACA8-B085-47AC-B304-A0E88863179D}" type="presOf" srcId="{89511B21-2A9E-472A-9A95-A6CC8E5FAADC}" destId="{CD82906B-C356-4E42-B320-83690748577F}" srcOrd="0" destOrd="0" presId="urn:microsoft.com/office/officeart/2009/3/layout/SubStepProcess"/>
-    <dgm:cxn modelId="{A3957A6C-D036-469E-B3D1-F88D60B75E43}" type="presOf" srcId="{D30CC538-6A3E-4ABF-A7CF-4766B1619AA9}" destId="{847583CB-3949-4F46-92DF-5BC70B8A4826}" srcOrd="0" destOrd="0" presId="urn:microsoft.com/office/officeart/2009/3/layout/SubStepProcess"/>
-    <dgm:cxn modelId="{8E97018E-B7DF-4E20-8722-CCCA4B5E1266}" type="presOf" srcId="{9C8E4A14-3A8E-458D-8E2C-9E6CF1CCC4B0}" destId="{64ECA41F-8C16-4299-9A9C-307AD1C48C43}" srcOrd="0" destOrd="0" presId="urn:microsoft.com/office/officeart/2009/3/layout/SubStepProcess"/>
-    <dgm:cxn modelId="{D3AF6C03-A3CB-480F-97B6-3EE9EAD07334}" type="presOf" srcId="{AD95B609-3303-4583-87CD-2E7F35A6232A}" destId="{ECA4621E-2E99-4BEF-9592-8A07D21B3E61}" srcOrd="0" destOrd="0" presId="urn:microsoft.com/office/officeart/2009/3/layout/SubStepProcess"/>
-    <dgm:cxn modelId="{F1AFFDE5-DD20-4815-BF43-D769DB44BACA}" srcId="{5F3E792C-E8E1-476D-A80F-9499729EB818}" destId="{D606B092-3F2D-43A2-91A0-195B86BD53DA}" srcOrd="0" destOrd="0" parTransId="{66219553-9A84-45B1-A624-9936C43E8047}" sibTransId="{A7BB68E8-CFE5-41C3-8EF5-4BD28FD84C12}"/>
-    <dgm:cxn modelId="{67E122BD-5A88-4BC5-87A2-0BD09F7B29C1}" srcId="{AD95B609-3303-4583-87CD-2E7F35A6232A}" destId="{601322D6-BAE4-4D1D-BCE6-6DCA32544F9C}" srcOrd="8" destOrd="0" parTransId="{637D7C5F-8769-4305-8D07-D59FE1FD1DE7}" sibTransId="{54996A8C-05FB-49D6-A511-AB405B78FA03}"/>
-    <dgm:cxn modelId="{068E6F1E-736A-46C5-B02A-C306EA3B88EC}" srcId="{AD95B609-3303-4583-87CD-2E7F35A6232A}" destId="{C0E686F4-07E0-48F0-9175-5A4E8D81D8F8}" srcOrd="2" destOrd="0" parTransId="{AB56B838-13C1-4272-A57B-C7EBE9D83F0E}" sibTransId="{C2B9156C-1718-44F9-961C-87D932C09337}"/>
-    <dgm:cxn modelId="{8D2262FF-7BD1-412A-89FC-76A2FD0DB228}" srcId="{5F3E792C-E8E1-476D-A80F-9499729EB818}" destId="{E68E75D6-761A-40F6-92D7-5D34BDFDED6B}" srcOrd="4" destOrd="0" parTransId="{D57684C3-5833-4939-84F3-9DB3A7B8355B}" sibTransId="{67C4EF1D-D1C6-4DFB-8AB4-0F125B825D49}"/>
-    <dgm:cxn modelId="{434BDFE1-C15D-40CC-A54F-F9725EADEFA2}" type="presOf" srcId="{33060EEB-721D-46E8-A715-2FC01D6BD15A}" destId="{875414DA-731F-42C8-985C-69C9D4D037D6}" srcOrd="0" destOrd="0" presId="urn:microsoft.com/office/officeart/2009/3/layout/SubStepProcess"/>
-    <dgm:cxn modelId="{4C37B3D5-3822-43C1-924F-09811DAEA3A9}" srcId="{C8DEEE97-A2B3-4862-9DF2-3CEFFDAFBD8C}" destId="{8A2B1C81-E47D-47F9-AF76-7772C9C66239}" srcOrd="0" destOrd="0" parTransId="{C182E80D-2B6A-40C0-A10D-D2F624D54BBD}" sibTransId="{9F3FC4D9-FE32-489C-B204-29B67185D75E}"/>
-    <dgm:cxn modelId="{5F736D82-879F-4B3C-913F-3051C7E05534}" type="presOf" srcId="{FB911FC4-0553-4EE8-B15D-6BC139993559}" destId="{F80CB992-25F3-4146-990C-CB3F855D4E45}" srcOrd="0" destOrd="0" presId="urn:microsoft.com/office/officeart/2009/3/layout/SubStepProcess"/>
-    <dgm:cxn modelId="{D1CF7A31-8599-46BA-90C2-84F1F54679FB}" type="presOf" srcId="{0F6B5F89-03F0-4758-83E8-D38163FD5BDE}" destId="{26448DDA-E83C-4832-BD33-7AA9AE7A1FBD}" srcOrd="0" destOrd="0" presId="urn:microsoft.com/office/officeart/2009/3/layout/SubStepProcess"/>
-    <dgm:cxn modelId="{80D65BB7-863C-43A0-B16C-EE8308742636}" type="presOf" srcId="{C0E686F4-07E0-48F0-9175-5A4E8D81D8F8}" destId="{389E0D84-76EC-4FFF-A4B8-7C47016BC1F8}" srcOrd="0" destOrd="0" presId="urn:microsoft.com/office/officeart/2009/3/layout/SubStepProcess"/>
-    <dgm:cxn modelId="{CD0E5135-9AEC-43CF-9708-D51FAE0A47E7}" srcId="{C8DEEE97-A2B3-4862-9DF2-3CEFFDAFBD8C}" destId="{FB911FC4-0553-4EE8-B15D-6BC139993559}" srcOrd="2" destOrd="0" parTransId="{888E84C5-66E0-4C28-A734-38304805F82E}" sibTransId="{DEFD4263-88D9-490E-87EF-714CEEB943C7}"/>
-    <dgm:cxn modelId="{198D3979-2267-4660-8977-14D75A3B4E78}" srcId="{5F3E792C-E8E1-476D-A80F-9499729EB818}" destId="{9C8E4A14-3A8E-458D-8E2C-9E6CF1CCC4B0}" srcOrd="6" destOrd="0" parTransId="{A04CC4F2-75DE-4F68-A745-417004977698}" sibTransId="{C848A657-410B-47FE-97E4-32DE211692A4}"/>
-    <dgm:cxn modelId="{26413D1F-B4DC-42ED-9508-59902F295F56}" type="presOf" srcId="{C8DEEE97-A2B3-4862-9DF2-3CEFFDAFBD8C}" destId="{8F724D7A-FC3E-4ECA-A525-6E3BA44424E6}" srcOrd="0" destOrd="0" presId="urn:microsoft.com/office/officeart/2009/3/layout/SubStepProcess"/>
-    <dgm:cxn modelId="{403898F6-0BAD-4688-A767-D217A8C683D4}" srcId="{5F3E792C-E8E1-476D-A80F-9499729EB818}" destId="{0F6B5F89-03F0-4758-83E8-D38163FD5BDE}" srcOrd="2" destOrd="0" parTransId="{EBA221A6-4FBA-4E6B-B225-DD14D670EBEA}" sibTransId="{5E04DA45-E29B-461D-82AB-215C64D40866}"/>
-    <dgm:cxn modelId="{2BF4C107-6A6D-4E8E-849D-47619B617BC8}" type="presOf" srcId="{601322D6-BAE4-4D1D-BCE6-6DCA32544F9C}" destId="{91B759A7-7C2B-4E54-BA5E-24E6B1B5CF56}" srcOrd="0" destOrd="0" presId="urn:microsoft.com/office/officeart/2009/3/layout/SubStepProcess"/>
-    <dgm:cxn modelId="{8140EE19-556D-4E7E-A353-1E233B3F5AC0}" type="presOf" srcId="{EDD1FF38-46FD-4A03-BCBE-20400FF7D1C8}" destId="{5D0F8DBC-FA8A-4ACB-A014-076E69604080}" srcOrd="0" destOrd="0" presId="urn:microsoft.com/office/officeart/2009/3/layout/SubStepProcess"/>
-    <dgm:cxn modelId="{34BEB09E-E2A5-4DF6-B8E2-B6D70FF4B1CF}" type="presOf" srcId="{C9FBCAE5-829B-4790-8E80-1EECA1A01A54}" destId="{B69F6CCC-94E3-460A-9C6F-EB373D226EE5}" srcOrd="0" destOrd="0" presId="urn:microsoft.com/office/officeart/2009/3/layout/SubStepProcess"/>
-    <dgm:cxn modelId="{DAA1C1C8-0688-4806-8A68-F6112A67A090}" srcId="{5F3E792C-E8E1-476D-A80F-9499729EB818}" destId="{819C193B-EAAC-476D-87A2-67263294D4D7}" srcOrd="1" destOrd="0" parTransId="{8399B9EE-C7E2-4231-A7C8-EA226A9367CB}" sibTransId="{79E766F7-3576-4828-BC83-6F97132DFE01}"/>
-    <dgm:cxn modelId="{4FC88EA4-07E8-46D1-9E82-24A7A8C10B6D}" type="presOf" srcId="{C10C8E44-53F0-4A95-B9E0-2C9674291AA8}" destId="{71035CB5-025D-4273-8618-B75128118237}" srcOrd="0" destOrd="0" presId="urn:microsoft.com/office/officeart/2009/3/layout/SubStepProcess"/>
-    <dgm:cxn modelId="{5BD6DBEF-E391-4FA4-B6E3-2F80ED0491B5}" type="presOf" srcId="{09EA8485-884F-484C-A626-8D7CC15A3984}" destId="{CA782425-D4E6-4F03-9D7E-94A648C70890}" srcOrd="0" destOrd="0" presId="urn:microsoft.com/office/officeart/2009/3/layout/SubStepProcess"/>
     <dgm:cxn modelId="{3DF45BE5-B035-4FF1-880E-D6735D0B4C8C}" type="presOf" srcId="{E68E75D6-761A-40F6-92D7-5D34BDFDED6B}" destId="{6F1B3249-C222-4DDB-A636-3200F8B317BC}" srcOrd="0" destOrd="0" presId="urn:microsoft.com/office/officeart/2009/3/layout/SubStepProcess"/>
     <dgm:cxn modelId="{644B7DC9-0862-46B5-B9A1-663198E1ECFA}" type="presOf" srcId="{F0E93695-53B8-4FC4-A086-1D1368A1D979}" destId="{665F2682-A452-430A-A3D8-81BEFE3D16A5}" srcOrd="0" destOrd="0" presId="urn:microsoft.com/office/officeart/2009/3/layout/SubStepProcess"/>
-    <dgm:cxn modelId="{54F418C8-B003-4C3E-9127-5F1AB7C5EAB9}" type="presOf" srcId="{6A3553B0-7A40-4A90-8516-16E3CA923718}" destId="{5C20E412-C74A-48DA-A2A0-6CC529AF4FA3}" srcOrd="0" destOrd="0" presId="urn:microsoft.com/office/officeart/2009/3/layout/SubStepProcess"/>
+    <dgm:cxn modelId="{F6ABFB68-ED34-4CE6-808C-BE75A6866E02}" srcId="{95BAF3F2-D109-4E98-938E-0D603B5A9F7E}" destId="{5F3E792C-E8E1-476D-A80F-9499729EB818}" srcOrd="1" destOrd="0" parTransId="{86EDC1AE-450F-413C-BFB9-337801F67ECB}" sibTransId="{7911D3D9-7603-4E23-8D5B-51615984B9C4}"/>
+    <dgm:cxn modelId="{BB55E895-5854-49E5-B68B-590ADBCE66FD}" srcId="{AD95B609-3303-4583-87CD-2E7F35A6232A}" destId="{33060EEB-721D-46E8-A715-2FC01D6BD15A}" srcOrd="5" destOrd="0" parTransId="{96364B11-B350-41FB-8E2B-B34E47C1D94A}" sibTransId="{9722F965-D8DA-42EF-92C5-FE9E51E31C1D}"/>
+    <dgm:cxn modelId="{8E97018E-B7DF-4E20-8722-CCCA4B5E1266}" type="presOf" srcId="{9C8E4A14-3A8E-458D-8E2C-9E6CF1CCC4B0}" destId="{64ECA41F-8C16-4299-9A9C-307AD1C48C43}" srcOrd="0" destOrd="0" presId="urn:microsoft.com/office/officeart/2009/3/layout/SubStepProcess"/>
+    <dgm:cxn modelId="{F658C6DC-E3B9-4DF8-8CB6-5AFB4FE20A71}" type="presOf" srcId="{8A2B1C81-E47D-47F9-AF76-7772C9C66239}" destId="{69457D61-8171-4A3D-B02E-77898F9E34F4}" srcOrd="0" destOrd="0" presId="urn:microsoft.com/office/officeart/2009/3/layout/SubStepProcess"/>
+    <dgm:cxn modelId="{80D65BB7-863C-43A0-B16C-EE8308742636}" type="presOf" srcId="{C0E686F4-07E0-48F0-9175-5A4E8D81D8F8}" destId="{389E0D84-76EC-4FFF-A4B8-7C47016BC1F8}" srcOrd="0" destOrd="0" presId="urn:microsoft.com/office/officeart/2009/3/layout/SubStepProcess"/>
+    <dgm:cxn modelId="{377FACA8-B085-47AC-B304-A0E88863179D}" type="presOf" srcId="{89511B21-2A9E-472A-9A95-A6CC8E5FAADC}" destId="{CD82906B-C356-4E42-B320-83690748577F}" srcOrd="0" destOrd="0" presId="urn:microsoft.com/office/officeart/2009/3/layout/SubStepProcess"/>
+    <dgm:cxn modelId="{DAA1C1C8-0688-4806-8A68-F6112A67A090}" srcId="{5F3E792C-E8E1-476D-A80F-9499729EB818}" destId="{819C193B-EAAC-476D-87A2-67263294D4D7}" srcOrd="1" destOrd="0" parTransId="{8399B9EE-C7E2-4231-A7C8-EA226A9367CB}" sibTransId="{79E766F7-3576-4828-BC83-6F97132DFE01}"/>
+    <dgm:cxn modelId="{D3AF6C03-A3CB-480F-97B6-3EE9EAD07334}" type="presOf" srcId="{AD95B609-3303-4583-87CD-2E7F35A6232A}" destId="{ECA4621E-2E99-4BEF-9592-8A07D21B3E61}" srcOrd="0" destOrd="0" presId="urn:microsoft.com/office/officeart/2009/3/layout/SubStepProcess"/>
+    <dgm:cxn modelId="{8140EE19-556D-4E7E-A353-1E233B3F5AC0}" type="presOf" srcId="{EDD1FF38-46FD-4A03-BCBE-20400FF7D1C8}" destId="{5D0F8DBC-FA8A-4ACB-A014-076E69604080}" srcOrd="0" destOrd="0" presId="urn:microsoft.com/office/officeart/2009/3/layout/SubStepProcess"/>
+    <dgm:cxn modelId="{5BD6DBEF-E391-4FA4-B6E3-2F80ED0491B5}" type="presOf" srcId="{09EA8485-884F-484C-A626-8D7CC15A3984}" destId="{CA782425-D4E6-4F03-9D7E-94A648C70890}" srcOrd="0" destOrd="0" presId="urn:microsoft.com/office/officeart/2009/3/layout/SubStepProcess"/>
+    <dgm:cxn modelId="{34BEB09E-E2A5-4DF6-B8E2-B6D70FF4B1CF}" type="presOf" srcId="{C9FBCAE5-829B-4790-8E80-1EECA1A01A54}" destId="{B69F6CCC-94E3-460A-9C6F-EB373D226EE5}" srcOrd="0" destOrd="0" presId="urn:microsoft.com/office/officeart/2009/3/layout/SubStepProcess"/>
+    <dgm:cxn modelId="{434BDFE1-C15D-40CC-A54F-F9725EADEFA2}" type="presOf" srcId="{33060EEB-721D-46E8-A715-2FC01D6BD15A}" destId="{875414DA-731F-42C8-985C-69C9D4D037D6}" srcOrd="0" destOrd="0" presId="urn:microsoft.com/office/officeart/2009/3/layout/SubStepProcess"/>
+    <dgm:cxn modelId="{B0F2EEBF-33AE-4D0F-B65C-C95F8D10DAFB}" srcId="{AD95B609-3303-4583-87CD-2E7F35A6232A}" destId="{EDD1FF38-46FD-4A03-BCBE-20400FF7D1C8}" srcOrd="1" destOrd="0" parTransId="{25DBED34-3B55-46C2-92B0-F73CB140844A}" sibTransId="{1BC48B71-3693-4D66-8B80-472DE094EEBB}"/>
     <dgm:cxn modelId="{4B5413BA-4CBE-4FE6-B24D-47F97A25911D}" type="presOf" srcId="{923AF866-B32B-4260-B12C-2D9D1E7F500A}" destId="{BBD82359-4377-47EB-9B8B-CAD76182BA0B}" srcOrd="0" destOrd="0" presId="urn:microsoft.com/office/officeart/2009/3/layout/SubStepProcess"/>
-    <dgm:cxn modelId="{FFAB0640-BE7B-46C0-8665-26BD249B3807}" srcId="{95BAF3F2-D109-4E98-938E-0D603B5A9F7E}" destId="{C8DEEE97-A2B3-4862-9DF2-3CEFFDAFBD8C}" srcOrd="2" destOrd="0" parTransId="{C7B2C226-A6D5-4834-8096-D1248E9CC62E}" sibTransId="{91CF8BD8-BFB9-40E3-853E-F90C6E8E6A13}"/>
-    <dgm:cxn modelId="{7B289421-D34D-4D74-859B-AC7E21915524}" srcId="{AD95B609-3303-4583-87CD-2E7F35A6232A}" destId="{C10C8E44-53F0-4A95-B9E0-2C9674291AA8}" srcOrd="3" destOrd="0" parTransId="{920BB62B-541D-4CE3-A066-A85B338438D5}" sibTransId="{061A730A-78F6-4A11-99AC-7B30F084080D}"/>
-    <dgm:cxn modelId="{BB55E895-5854-49E5-B68B-590ADBCE66FD}" srcId="{AD95B609-3303-4583-87CD-2E7F35A6232A}" destId="{33060EEB-721D-46E8-A715-2FC01D6BD15A}" srcOrd="5" destOrd="0" parTransId="{96364B11-B350-41FB-8E2B-B34E47C1D94A}" sibTransId="{9722F965-D8DA-42EF-92C5-FE9E51E31C1D}"/>
+    <dgm:cxn modelId="{92127220-0A13-466E-AB84-2717FD98E1F4}" type="presOf" srcId="{6DB29109-100D-48FC-AE54-B7783E34D7A7}" destId="{D8A00F33-4D08-48BD-A1DF-39F3BE097E6F}" srcOrd="0" destOrd="0" presId="urn:microsoft.com/office/officeart/2009/3/layout/SubStepProcess"/>
+    <dgm:cxn modelId="{198D3979-2267-4660-8977-14D75A3B4E78}" srcId="{5F3E792C-E8E1-476D-A80F-9499729EB818}" destId="{9C8E4A14-3A8E-458D-8E2C-9E6CF1CCC4B0}" srcOrd="6" destOrd="0" parTransId="{A04CC4F2-75DE-4F68-A745-417004977698}" sibTransId="{C848A657-410B-47FE-97E4-32DE211692A4}"/>
+    <dgm:cxn modelId="{5F736D82-879F-4B3C-913F-3051C7E05534}" type="presOf" srcId="{FB911FC4-0553-4EE8-B15D-6BC139993559}" destId="{F80CB992-25F3-4146-990C-CB3F855D4E45}" srcOrd="0" destOrd="0" presId="urn:microsoft.com/office/officeart/2009/3/layout/SubStepProcess"/>
+    <dgm:cxn modelId="{068E6F1E-736A-46C5-B02A-C306EA3B88EC}" srcId="{AD95B609-3303-4583-87CD-2E7F35A6232A}" destId="{C0E686F4-07E0-48F0-9175-5A4E8D81D8F8}" srcOrd="2" destOrd="0" parTransId="{AB56B838-13C1-4272-A57B-C7EBE9D83F0E}" sibTransId="{C2B9156C-1718-44F9-961C-87D932C09337}"/>
     <dgm:cxn modelId="{07AD1FD7-1774-4689-A54F-41ADED4D8F53}" srcId="{C8DEEE97-A2B3-4862-9DF2-3CEFFDAFBD8C}" destId="{6DB29109-100D-48FC-AE54-B7783E34D7A7}" srcOrd="1" destOrd="0" parTransId="{02A31342-2519-42A2-8333-40D4384B27EF}" sibTransId="{8FB1B6A8-2918-4F6C-9C38-6CECD4EE07B7}"/>
-    <dgm:cxn modelId="{25B05C16-2E1D-4598-A63C-2EBA88E4E99E}" srcId="{AD95B609-3303-4583-87CD-2E7F35A6232A}" destId="{C9FBCAE5-829B-4790-8E80-1EECA1A01A54}" srcOrd="7" destOrd="0" parTransId="{7A836164-CEBD-48A7-AC9C-F5DD82973333}" sibTransId="{EE61A56A-8119-4850-BEBC-D362BADC6A72}"/>
-    <dgm:cxn modelId="{3F9DF11D-9E55-40DB-828E-94E39C910C39}" srcId="{95BAF3F2-D109-4E98-938E-0D603B5A9F7E}" destId="{AD95B609-3303-4583-87CD-2E7F35A6232A}" srcOrd="0" destOrd="0" parTransId="{CA20A938-4752-4205-AB97-93C91C21D438}" sibTransId="{3B9797B8-1C0C-4F3D-B18B-50FEFFD6A0E1}"/>
-    <dgm:cxn modelId="{E840FF57-B382-423C-81EB-BAE38A169A99}" type="presOf" srcId="{819C193B-EAAC-476D-87A2-67263294D4D7}" destId="{F584A7AF-7AC4-466A-8058-C318E2452A4B}" srcOrd="0" destOrd="0" presId="urn:microsoft.com/office/officeart/2009/3/layout/SubStepProcess"/>
-    <dgm:cxn modelId="{F658C6DC-E3B9-4DF8-8CB6-5AFB4FE20A71}" type="presOf" srcId="{8A2B1C81-E47D-47F9-AF76-7772C9C66239}" destId="{69457D61-8171-4A3D-B02E-77898F9E34F4}" srcOrd="0" destOrd="0" presId="urn:microsoft.com/office/officeart/2009/3/layout/SubStepProcess"/>
-    <dgm:cxn modelId="{F6ABFB68-ED34-4CE6-808C-BE75A6866E02}" srcId="{95BAF3F2-D109-4E98-938E-0D603B5A9F7E}" destId="{5F3E792C-E8E1-476D-A80F-9499729EB818}" srcOrd="1" destOrd="0" parTransId="{86EDC1AE-450F-413C-BFB9-337801F67ECB}" sibTransId="{7911D3D9-7603-4E23-8D5B-51615984B9C4}"/>
-    <dgm:cxn modelId="{0844B31D-EA76-413B-90AD-5BC0795A08EC}" type="presOf" srcId="{95BAF3F2-D109-4E98-938E-0D603B5A9F7E}" destId="{4144592D-B1E6-44E0-B992-396491D46FD6}" srcOrd="0" destOrd="0" presId="urn:microsoft.com/office/officeart/2009/3/layout/SubStepProcess"/>
-    <dgm:cxn modelId="{F48F5137-40DB-4A59-99E3-0E978E3DEF58}" srcId="{AD95B609-3303-4583-87CD-2E7F35A6232A}" destId="{923AF866-B32B-4260-B12C-2D9D1E7F500A}" srcOrd="6" destOrd="0" parTransId="{AF943EA0-1A4F-46EE-A05F-E3454E545030}" sibTransId="{A687BB37-1EE6-4B22-8B58-BC618FF5F169}"/>
-    <dgm:cxn modelId="{851DB145-7372-4AC1-AF6A-D698EF9EE1BC}" srcId="{AD95B609-3303-4583-87CD-2E7F35A6232A}" destId="{09EA8485-884F-484C-A626-8D7CC15A3984}" srcOrd="0" destOrd="0" parTransId="{5FB69482-A19E-4427-96EA-07A3C9999C37}" sibTransId="{8AAC2FF5-D3FB-432C-861F-AB07B94A8D17}"/>
-    <dgm:cxn modelId="{2272C4A2-DBEA-444D-A06E-3431E02455D7}" type="presOf" srcId="{5F3E792C-E8E1-476D-A80F-9499729EB818}" destId="{930BC43C-89CA-4487-8A31-9FD4482A7DBB}" srcOrd="0" destOrd="0" presId="urn:microsoft.com/office/officeart/2009/3/layout/SubStepProcess"/>
-    <dgm:cxn modelId="{92127220-0A13-466E-AB84-2717FD98E1F4}" type="presOf" srcId="{6DB29109-100D-48FC-AE54-B7783E34D7A7}" destId="{D8A00F33-4D08-48BD-A1DF-39F3BE097E6F}" srcOrd="0" destOrd="0" presId="urn:microsoft.com/office/officeart/2009/3/layout/SubStepProcess"/>
-    <dgm:cxn modelId="{B0F2EEBF-33AE-4D0F-B65C-C95F8D10DAFB}" srcId="{AD95B609-3303-4583-87CD-2E7F35A6232A}" destId="{EDD1FF38-46FD-4A03-BCBE-20400FF7D1C8}" srcOrd="1" destOrd="0" parTransId="{25DBED34-3B55-46C2-92B0-F73CB140844A}" sibTransId="{1BC48B71-3693-4D66-8B80-472DE094EEBB}"/>
-    <dgm:cxn modelId="{8B1CD69F-17F8-408D-9317-3FFF303D955D}" srcId="{5F3E792C-E8E1-476D-A80F-9499729EB818}" destId="{F0E93695-53B8-4FC4-A086-1D1368A1D979}" srcOrd="5" destOrd="0" parTransId="{CECFB84A-5A6F-4AF8-A5F1-6D04D4FFEA8C}" sibTransId="{748B5E76-AAE3-42CC-A068-BA09A8FF52F7}"/>
     <dgm:cxn modelId="{B8A6BEF9-DFA4-4199-AA3E-3812787480C3}" type="presParOf" srcId="{4144592D-B1E6-44E0-B992-396491D46FD6}" destId="{ECA4621E-2E99-4BEF-9592-8A07D21B3E61}" srcOrd="0" destOrd="0" presId="urn:microsoft.com/office/officeart/2009/3/layout/SubStepProcess"/>
     <dgm:cxn modelId="{5C9A286A-D6FF-44D6-9281-8B83257C0103}" type="presParOf" srcId="{4144592D-B1E6-44E0-B992-396491D46FD6}" destId="{2A563650-F912-4157-A811-C159B047D303}" srcOrd="1" destOrd="0" presId="urn:microsoft.com/office/officeart/2009/3/layout/SubStepProcess"/>
     <dgm:cxn modelId="{D04A4040-82E1-4D7A-8357-21DD84823907}" type="presParOf" srcId="{4144592D-B1E6-44E0-B992-396491D46FD6}" destId="{5CFD5AEE-B526-4A28-9A9F-CD5A5B54978C}" srcOrd="2" destOrd="0" presId="urn:microsoft.com/office/officeart/2009/3/layout/SubStepProcess"/>
@@ -25225,7 +25225,7 @@
           <a:p>
             <a:fld id="{D383A388-81AD-4DD0-BB49-0C836E9CC166}" type="datetimeFigureOut">
               <a:rPr lang="en-US" smtClean="0"/>
-              <a:t>5/16/14</a:t>
+              <a:t>5/20/14</a:t>
             </a:fld>
             <a:endParaRPr lang="en-US"/>
           </a:p>
@@ -25391,7 +25391,7 @@
           <a:p>
             <a:fld id="{83A42379-093C-4640-BDB0-A25E629AF4AF}" type="datetimeFigureOut">
               <a:rPr lang="en-US" smtClean="0"/>
-              <a:t>5/16/14</a:t>
+              <a:t>5/20/14</a:t>
             </a:fld>
             <a:endParaRPr lang="en-US"/>
           </a:p>
@@ -25893,6 +25893,104 @@
           <a:lstStyle/>
           <a:p>
             <a:r>
+              <a:rPr lang="en-US" dirty="0" err="1" smtClean="0"/>
+              <a:t>AppDelegate</a:t>
+            </a:r>
+            <a:r>
+              <a:rPr lang="en-US" baseline="0" dirty="0" smtClean="0"/>
+              <a:t> must be registered</a:t>
+            </a:r>
+          </a:p>
+          <a:p>
+            <a:r>
+              <a:rPr lang="en-US" baseline="0" dirty="0" smtClean="0"/>
+              <a:t>Main needs to be labeled as an Entry Point. </a:t>
+            </a:r>
+          </a:p>
+          <a:p>
+            <a:endParaRPr lang="en-US" dirty="0" smtClean="0"/>
+          </a:p>
+          <a:p>
+            <a:r>
+              <a:rPr lang="en-US" dirty="0" err="1" smtClean="0"/>
+              <a:t>FinishedLaunching</a:t>
+            </a:r>
+            <a:r>
+              <a:rPr lang="en-US" baseline="0" dirty="0" smtClean="0"/>
+              <a:t>: </a:t>
+            </a:r>
+          </a:p>
+          <a:p>
+            <a:pPr marL="171450" indent="-171450">
+              <a:buFontTx/>
+              <a:buChar char="-"/>
+            </a:pPr>
+            <a:r>
+              <a:rPr lang="en-US" baseline="0" dirty="0" smtClean="0"/>
+              <a:t>Set root view controller. </a:t>
+            </a:r>
+            <a:endParaRPr lang="en-US" dirty="0"/>
+          </a:p>
+        </p:txBody>
+      </p:sp>
+    </p:spTree>
+    <p:extLst>
+      <p:ext uri="{BB962C8B-B14F-4D97-AF65-F5344CB8AC3E}">
+        <p14:creationId xmlns:p14="http://schemas.microsoft.com/office/powerpoint/2010/main" val="1518105697"/>
+      </p:ext>
+    </p:extLst>
+  </p:cSld>
+  <p:clrMapOvr>
+    <a:masterClrMapping/>
+  </p:clrMapOvr>
+</p:notes>
+</file>
+
+<file path=ppt/notesSlides/notesSlide11.xml><?xml version="1.0" encoding="utf-8"?>
+<p:notes xmlns:a="http://schemas.openxmlformats.org/drawingml/2006/main" xmlns:r="http://schemas.openxmlformats.org/officeDocument/2006/relationships" xmlns:p="http://schemas.openxmlformats.org/presentationml/2006/main">
+  <p:cSld>
+    <p:spTree>
+      <p:nvGrpSpPr>
+        <p:cNvPr id="1" name=""/>
+        <p:cNvGrpSpPr/>
+        <p:nvPr/>
+      </p:nvGrpSpPr>
+      <p:grpSpPr>
+        <a:xfrm>
+          <a:off x="0" y="0"/>
+          <a:ext cx="0" cy="0"/>
+          <a:chOff x="0" y="0"/>
+          <a:chExt cx="0" cy="0"/>
+        </a:xfrm>
+      </p:grpSpPr>
+      <p:sp>
+        <p:nvSpPr>
+          <p:cNvPr id="2" name="Slide Image Placeholder 1"/>
+          <p:cNvSpPr>
+            <a:spLocks noGrp="1" noRot="1" noChangeAspect="1"/>
+          </p:cNvSpPr>
+          <p:nvPr>
+            <p:ph type="sldImg"/>
+          </p:nvPr>
+        </p:nvSpPr>
+        <p:spPr/>
+      </p:sp>
+      <p:sp>
+        <p:nvSpPr>
+          <p:cNvPr id="3" name="Notes Placeholder 2"/>
+          <p:cNvSpPr>
+            <a:spLocks noGrp="1"/>
+          </p:cNvSpPr>
+          <p:nvPr>
+            <p:ph type="body" idx="1"/>
+          </p:nvPr>
+        </p:nvSpPr>
+        <p:spPr/>
+        <p:txBody>
+          <a:bodyPr/>
+          <a:lstStyle/>
+          <a:p>
+            <a:r>
               <a:rPr lang="en-US" dirty="0" smtClean="0"/>
               <a:t>Register each view controller.</a:t>
             </a:r>
@@ -25950,7 +26048,7 @@
 </p:notes>
 </file>
 
-<file path=ppt/notesSlides/notesSlide11.xml><?xml version="1.0" encoding="utf-8"?>
+<file path=ppt/notesSlides/notesSlide12.xml><?xml version="1.0" encoding="utf-8"?>
 <p:notes xmlns:a="http://schemas.openxmlformats.org/drawingml/2006/main" xmlns:r="http://schemas.openxmlformats.org/officeDocument/2006/relationships" xmlns:p="http://schemas.openxmlformats.org/presentationml/2006/main">
   <p:cSld>
     <p:spTree>
@@ -26118,6 +26216,75 @@
           <a:p>
             <a:r>
               <a:rPr lang="en-US" dirty="0" smtClean="0"/>
+              <a:t>Clarity &amp; conciseness</a:t>
+            </a:r>
+            <a:r>
+              <a:rPr lang="en-US" baseline="0" dirty="0" smtClean="0"/>
+              <a:t> of code. </a:t>
+            </a:r>
+            <a:endParaRPr lang="en-US" dirty="0"/>
+          </a:p>
+        </p:txBody>
+      </p:sp>
+    </p:spTree>
+    <p:extLst>
+      <p:ext uri="{BB962C8B-B14F-4D97-AF65-F5344CB8AC3E}">
+        <p14:creationId xmlns:p14="http://schemas.microsoft.com/office/powerpoint/2010/main" val="711773857"/>
+      </p:ext>
+    </p:extLst>
+  </p:cSld>
+  <p:clrMapOvr>
+    <a:masterClrMapping/>
+  </p:clrMapOvr>
+</p:notes>
+</file>
+
+<file path=ppt/notesSlides/notesSlide4.xml><?xml version="1.0" encoding="utf-8"?>
+<p:notes xmlns:a="http://schemas.openxmlformats.org/drawingml/2006/main" xmlns:r="http://schemas.openxmlformats.org/officeDocument/2006/relationships" xmlns:p="http://schemas.openxmlformats.org/presentationml/2006/main">
+  <p:cSld>
+    <p:spTree>
+      <p:nvGrpSpPr>
+        <p:cNvPr id="1" name=""/>
+        <p:cNvGrpSpPr/>
+        <p:nvPr/>
+      </p:nvGrpSpPr>
+      <p:grpSpPr>
+        <a:xfrm>
+          <a:off x="0" y="0"/>
+          <a:ext cx="0" cy="0"/>
+          <a:chOff x="0" y="0"/>
+          <a:chExt cx="0" cy="0"/>
+        </a:xfrm>
+      </p:grpSpPr>
+      <p:sp>
+        <p:nvSpPr>
+          <p:cNvPr id="2" name="Slide Image Placeholder 1"/>
+          <p:cNvSpPr>
+            <a:spLocks noGrp="1" noRot="1" noChangeAspect="1"/>
+          </p:cNvSpPr>
+          <p:nvPr>
+            <p:ph type="sldImg"/>
+          </p:nvPr>
+        </p:nvSpPr>
+        <p:spPr/>
+      </p:sp>
+      <p:sp>
+        <p:nvSpPr>
+          <p:cNvPr id="3" name="Notes Placeholder 2"/>
+          <p:cNvSpPr>
+            <a:spLocks noGrp="1"/>
+          </p:cNvSpPr>
+          <p:nvPr>
+            <p:ph type="body" idx="1"/>
+          </p:nvPr>
+        </p:nvSpPr>
+        <p:spPr/>
+        <p:txBody>
+          <a:bodyPr/>
+          <a:lstStyle/>
+          <a:p>
+            <a:r>
+              <a:rPr lang="en-US" dirty="0" smtClean="0"/>
               <a:t>F#</a:t>
             </a:r>
             <a:r>
@@ -26141,7 +26308,7 @@
 </p:notes>
 </file>
 
-<file path=ppt/notesSlides/notesSlide4.xml><?xml version="1.0" encoding="utf-8"?>
+<file path=ppt/notesSlides/notesSlide5.xml><?xml version="1.0" encoding="utf-8"?>
 <p:notes xmlns:a="http://schemas.openxmlformats.org/drawingml/2006/main" xmlns:r="http://schemas.openxmlformats.org/officeDocument/2006/relationships" xmlns:p="http://schemas.openxmlformats.org/presentationml/2006/main">
   <p:cSld>
     <p:spTree>
@@ -26202,7 +26369,7 @@
 </p:notes>
 </file>
 
-<file path=ppt/notesSlides/notesSlide5.xml><?xml version="1.0" encoding="utf-8"?>
+<file path=ppt/notesSlides/notesSlide6.xml><?xml version="1.0" encoding="utf-8"?>
 <p:notes xmlns:a="http://schemas.openxmlformats.org/drawingml/2006/main" xmlns:r="http://schemas.openxmlformats.org/officeDocument/2006/relationships" xmlns:p="http://schemas.openxmlformats.org/presentationml/2006/main">
   <p:cSld>
     <p:spTree>
@@ -26247,9 +26414,18 @@
           <a:lstStyle/>
           <a:p>
             <a:r>
-              <a:rPr lang="en-US" dirty="0" smtClean="0"/>
-              <a:t>Option types! </a:t>
+              <a:rPr lang="en-US" dirty="0" err="1" smtClean="0"/>
+              <a:t>NullReferenceException</a:t>
             </a:r>
+            <a:r>
+              <a:rPr lang="en-US" baseline="0" dirty="0" smtClean="0"/>
+              <a:t> can be obviated because of </a:t>
+            </a:r>
+            <a:r>
+              <a:rPr lang="en-US" baseline="0" smtClean="0"/>
+              <a:t>option types. </a:t>
+            </a:r>
+            <a:endParaRPr lang="en-US" dirty="0" smtClean="0"/>
           </a:p>
           <a:p>
             <a:endParaRPr lang="en-US" dirty="0"/>
@@ -26269,7 +26445,7 @@
 </p:notes>
 </file>
 
-<file path=ppt/notesSlides/notesSlide6.xml><?xml version="1.0" encoding="utf-8"?>
+<file path=ppt/notesSlides/notesSlide7.xml><?xml version="1.0" encoding="utf-8"?>
 <p:notes xmlns:a="http://schemas.openxmlformats.org/drawingml/2006/main" xmlns:r="http://schemas.openxmlformats.org/officeDocument/2006/relationships" xmlns:p="http://schemas.openxmlformats.org/presentationml/2006/main">
   <p:cSld>
     <p:spTree>
@@ -26362,7 +26538,7 @@
 </p:notes>
 </file>
 
-<file path=ppt/notesSlides/notesSlide7.xml><?xml version="1.0" encoding="utf-8"?>
+<file path=ppt/notesSlides/notesSlide8.xml><?xml version="1.0" encoding="utf-8"?>
 <p:notes xmlns:a="http://schemas.openxmlformats.org/drawingml/2006/main" xmlns:r="http://schemas.openxmlformats.org/officeDocument/2006/relationships" xmlns:p="http://schemas.openxmlformats.org/presentationml/2006/main">
   <p:cSld>
     <p:spTree>
@@ -26423,7 +26599,7 @@
 </p:notes>
 </file>
 
-<file path=ppt/notesSlides/notesSlide8.xml><?xml version="1.0" encoding="utf-8"?>
+<file path=ppt/notesSlides/notesSlide9.xml><?xml version="1.0" encoding="utf-8"?>
 <p:notes xmlns:a="http://schemas.openxmlformats.org/drawingml/2006/main" xmlns:r="http://schemas.openxmlformats.org/officeDocument/2006/relationships" xmlns:p="http://schemas.openxmlformats.org/presentationml/2006/main">
   <p:cSld>
     <p:spTree>
@@ -26535,104 +26711,6 @@
     <p:extLst>
       <p:ext uri="{BB962C8B-B14F-4D97-AF65-F5344CB8AC3E}">
         <p14:creationId xmlns:p14="http://schemas.microsoft.com/office/powerpoint/2010/main" val="2047796930"/>
-      </p:ext>
-    </p:extLst>
-  </p:cSld>
-  <p:clrMapOvr>
-    <a:masterClrMapping/>
-  </p:clrMapOvr>
-</p:notes>
-</file>
-
-<file path=ppt/notesSlides/notesSlide9.xml><?xml version="1.0" encoding="utf-8"?>
-<p:notes xmlns:a="http://schemas.openxmlformats.org/drawingml/2006/main" xmlns:r="http://schemas.openxmlformats.org/officeDocument/2006/relationships" xmlns:p="http://schemas.openxmlformats.org/presentationml/2006/main">
-  <p:cSld>
-    <p:spTree>
-      <p:nvGrpSpPr>
-        <p:cNvPr id="1" name=""/>
-        <p:cNvGrpSpPr/>
-        <p:nvPr/>
-      </p:nvGrpSpPr>
-      <p:grpSpPr>
-        <a:xfrm>
-          <a:off x="0" y="0"/>
-          <a:ext cx="0" cy="0"/>
-          <a:chOff x="0" y="0"/>
-          <a:chExt cx="0" cy="0"/>
-        </a:xfrm>
-      </p:grpSpPr>
-      <p:sp>
-        <p:nvSpPr>
-          <p:cNvPr id="2" name="Slide Image Placeholder 1"/>
-          <p:cNvSpPr>
-            <a:spLocks noGrp="1" noRot="1" noChangeAspect="1"/>
-          </p:cNvSpPr>
-          <p:nvPr>
-            <p:ph type="sldImg"/>
-          </p:nvPr>
-        </p:nvSpPr>
-        <p:spPr/>
-      </p:sp>
-      <p:sp>
-        <p:nvSpPr>
-          <p:cNvPr id="3" name="Notes Placeholder 2"/>
-          <p:cNvSpPr>
-            <a:spLocks noGrp="1"/>
-          </p:cNvSpPr>
-          <p:nvPr>
-            <p:ph type="body" idx="1"/>
-          </p:nvPr>
-        </p:nvSpPr>
-        <p:spPr/>
-        <p:txBody>
-          <a:bodyPr/>
-          <a:lstStyle/>
-          <a:p>
-            <a:r>
-              <a:rPr lang="en-US" dirty="0" err="1" smtClean="0"/>
-              <a:t>AppDelegate</a:t>
-            </a:r>
-            <a:r>
-              <a:rPr lang="en-US" baseline="0" dirty="0" smtClean="0"/>
-              <a:t> must be registered</a:t>
-            </a:r>
-          </a:p>
-          <a:p>
-            <a:r>
-              <a:rPr lang="en-US" baseline="0" dirty="0" smtClean="0"/>
-              <a:t>Main needs to be labeled as an Entry Point. </a:t>
-            </a:r>
-          </a:p>
-          <a:p>
-            <a:endParaRPr lang="en-US" dirty="0" smtClean="0"/>
-          </a:p>
-          <a:p>
-            <a:r>
-              <a:rPr lang="en-US" dirty="0" err="1" smtClean="0"/>
-              <a:t>FinishedLaunching</a:t>
-            </a:r>
-            <a:r>
-              <a:rPr lang="en-US" baseline="0" dirty="0" smtClean="0"/>
-              <a:t>: </a:t>
-            </a:r>
-          </a:p>
-          <a:p>
-            <a:pPr marL="171450" indent="-171450">
-              <a:buFontTx/>
-              <a:buChar char="-"/>
-            </a:pPr>
-            <a:r>
-              <a:rPr lang="en-US" baseline="0" dirty="0" smtClean="0"/>
-              <a:t>Set root view controller. </a:t>
-            </a:r>
-            <a:endParaRPr lang="en-US" dirty="0"/>
-          </a:p>
-        </p:txBody>
-      </p:sp>
-    </p:spTree>
-    <p:extLst>
-      <p:ext uri="{BB962C8B-B14F-4D97-AF65-F5344CB8AC3E}">
-        <p14:creationId xmlns:p14="http://schemas.microsoft.com/office/powerpoint/2010/main" val="1518105697"/>
       </p:ext>
     </p:extLst>
   </p:cSld>
@@ -26919,7 +26997,7 @@
             <a:pPr eaLnBrk="1" latinLnBrk="0" hangingPunct="1"/>
             <a:fld id="{81663A10-8963-408B-B7A7-2BE0C9C01E2A}" type="datetime1">
               <a:rPr lang="en-US" smtClean="0"/>
-              <a:t>5/16/14</a:t>
+              <a:t>5/20/14</a:t>
             </a:fld>
             <a:endParaRPr lang="en-US"/>
           </a:p>
@@ -27291,7 +27369,7 @@
   </p:clrMapOvr>
   <p:extLst mod="1">
     <p:ext uri="{DCECCB84-F9BA-43D5-87BE-67443E8EF086}">
-      <p15:sldGuideLst xmlns="" xmlns:p15="http://schemas.microsoft.com/office/powerpoint/2012/main">
+      <p15:sldGuideLst xmlns:p15="http://schemas.microsoft.com/office/powerpoint/2012/main" xmlns="">
         <p15:guide id="1" orient="horz" pos="2160">
           <p15:clr>
             <a:srgbClr val="FBAE40"/>
@@ -27920,7 +27998,7 @@
             <a:pPr eaLnBrk="1" latinLnBrk="0" hangingPunct="1"/>
             <a:fld id="{F2890721-CDC0-49BE-AFE7-64C944AACF5F}" type="datetime1">
               <a:rPr lang="en-US" smtClean="0"/>
-              <a:t>5/16/14</a:t>
+              <a:t>5/20/14</a:t>
             </a:fld>
             <a:endParaRPr lang="en-US" dirty="0"/>
           </a:p>
@@ -28053,7 +28131,7 @@
             <a:pPr eaLnBrk="1" latinLnBrk="0" hangingPunct="1"/>
             <a:fld id="{433A5BE9-678F-4DD1-95B6-930E3381EA12}" type="datetime1">
               <a:rPr lang="en-US" smtClean="0"/>
-              <a:t>5/16/14</a:t>
+              <a:t>5/20/14</a:t>
             </a:fld>
             <a:endParaRPr lang="en-US"/>
           </a:p>
@@ -28577,7 +28655,7 @@
             <a:pPr eaLnBrk="1" latinLnBrk="0" hangingPunct="1"/>
             <a:fld id="{02BDF250-BE5F-44C9-A5DF-DC957FDCFC0D}" type="datetime1">
               <a:rPr lang="en-US" smtClean="0"/>
-              <a:t>5/16/14</a:t>
+              <a:t>5/20/14</a:t>
             </a:fld>
             <a:endParaRPr lang="en-US"/>
           </a:p>
@@ -28911,7 +28989,7 @@
             <a:pPr eaLnBrk="1" latinLnBrk="0" hangingPunct="1"/>
             <a:fld id="{9CE94D95-E352-415A-8F95-D0C060D20FB1}" type="datetime1">
               <a:rPr lang="en-US" smtClean="0"/>
-              <a:t>5/16/14</a:t>
+              <a:t>5/20/14</a:t>
             </a:fld>
             <a:endParaRPr lang="en-US"/>
           </a:p>
@@ -29192,7 +29270,7 @@
   </p:clrMapOvr>
   <p:extLst mod="1">
     <p:ext uri="{DCECCB84-F9BA-43D5-87BE-67443E8EF086}">
-      <p15:sldGuideLst xmlns="" xmlns:p15="http://schemas.microsoft.com/office/powerpoint/2012/main">
+      <p15:sldGuideLst xmlns:p15="http://schemas.microsoft.com/office/powerpoint/2012/main" xmlns="">
         <p15:guide id="2" orient="horz" pos="2160">
           <p15:clr>
             <a:srgbClr val="FBAE40"/>
@@ -29273,7 +29351,7 @@
             <a:pPr eaLnBrk="1" latinLnBrk="0" hangingPunct="1"/>
             <a:fld id="{958722A3-5E87-44C8-AE92-65C6CEBEF68D}" type="datetime1">
               <a:rPr lang="en-US" smtClean="0"/>
-              <a:t>5/16/14</a:t>
+              <a:t>5/20/14</a:t>
             </a:fld>
             <a:endParaRPr lang="en-US"/>
           </a:p>
@@ -29799,7 +29877,7 @@
             <a:pPr eaLnBrk="1" latinLnBrk="0" hangingPunct="1"/>
             <a:fld id="{09863461-38BD-4FD1-BF9D-211C72E72FE2}" type="datetime1">
               <a:rPr lang="en-US" smtClean="0"/>
-              <a:t>5/16/14</a:t>
+              <a:t>5/20/14</a:t>
             </a:fld>
             <a:endParaRPr lang="en-US"/>
           </a:p>
@@ -30024,7 +30102,7 @@
   </p:clrMapOvr>
   <p:extLst mod="1">
     <p:ext uri="{DCECCB84-F9BA-43D5-87BE-67443E8EF086}">
-      <p15:sldGuideLst xmlns="" xmlns:p15="http://schemas.microsoft.com/office/powerpoint/2012/main">
+      <p15:sldGuideLst xmlns:p15="http://schemas.microsoft.com/office/powerpoint/2012/main" xmlns="">
         <p15:guide id="1" orient="horz" pos="1272">
           <p15:clr>
             <a:srgbClr val="FBAE40"/>
@@ -30105,7 +30183,7 @@
             <a:pPr eaLnBrk="1" latinLnBrk="0" hangingPunct="1"/>
             <a:fld id="{6CBF5709-960A-49A9-8751-FEF9A5E360AA}" type="datetime1">
               <a:rPr lang="en-US" smtClean="0"/>
-              <a:t>5/16/14</a:t>
+              <a:t>5/20/14</a:t>
             </a:fld>
             <a:endParaRPr lang="en-US"/>
           </a:p>
@@ -30733,7 +30811,7 @@
             <a:pPr eaLnBrk="1" latinLnBrk="0" hangingPunct="1"/>
             <a:fld id="{48C1FD80-18FC-4774-8AAB-366B09B2A217}" type="datetime1">
               <a:rPr lang="en-US" smtClean="0"/>
-              <a:t>5/16/14</a:t>
+              <a:t>5/20/14</a:t>
             </a:fld>
             <a:endParaRPr lang="en-US"/>
           </a:p>
@@ -31132,7 +31210,7 @@
             <a:pPr eaLnBrk="1" latinLnBrk="0" hangingPunct="1"/>
             <a:fld id="{BD372ACB-E49B-443C-90A9-D97449131392}" type="datetime1">
               <a:rPr lang="en-US" smtClean="0"/>
-              <a:t>5/16/14</a:t>
+              <a:t>5/20/14</a:t>
             </a:fld>
             <a:endParaRPr lang="en-US"/>
           </a:p>
@@ -31447,7 +31525,7 @@
             <a:pPr eaLnBrk="1" latinLnBrk="0" hangingPunct="1"/>
             <a:fld id="{6508DA99-E421-4EBE-83B7-7AA044411DE1}" type="datetime1">
               <a:rPr lang="en-US" smtClean="0"/>
-              <a:t>5/16/14</a:t>
+              <a:t>5/20/14</a:t>
             </a:fld>
             <a:endParaRPr lang="en-US"/>
           </a:p>
@@ -32169,7 +32247,7 @@
             <a:pPr eaLnBrk="1" latinLnBrk="0" hangingPunct="1"/>
             <a:fld id="{62F7506B-250E-4C9B-A8AF-00707E40032F}" type="datetime1">
               <a:rPr lang="en-US" smtClean="0"/>
-              <a:t>5/16/14</a:t>
+              <a:t>5/20/14</a:t>
             </a:fld>
             <a:endParaRPr lang="en-US"/>
           </a:p>
@@ -32206,7 +32284,7 @@
   </p:clrMapOvr>
   <p:extLst mod="1">
     <p:ext uri="{DCECCB84-F9BA-43D5-87BE-67443E8EF086}">
-      <p15:sldGuideLst xmlns="" xmlns:p15="http://schemas.microsoft.com/office/powerpoint/2012/main">
+      <p15:sldGuideLst xmlns:p15="http://schemas.microsoft.com/office/powerpoint/2012/main" xmlns="">
         <p15:guide id="1" orient="horz" pos="288">
           <p15:clr>
             <a:srgbClr val="FBAE40"/>
@@ -32454,7 +32532,7 @@
             <a:pPr algn="r" eaLnBrk="1" latinLnBrk="0" hangingPunct="1"/>
             <a:fld id="{45888139-7179-4465-8DDF-46377E1DC30B}" type="datetime1">
               <a:rPr lang="en-US" smtClean="0"/>
-              <a:t>5/16/14</a:t>
+              <a:t>5/20/14</a:t>
             </a:fld>
             <a:endParaRPr lang="en-US" sz="1400" dirty="0">
               <a:solidFill>
@@ -33128,7 +33206,7 @@
   </p:txStyles>
   <p:extLst mod="1">
     <p:ext uri="{27BBF7A9-308A-43DC-89C8-2F10F3537804}">
-      <p15:sldGuideLst xmlns="" xmlns:p15="http://schemas.microsoft.com/office/powerpoint/2012/main">
+      <p15:sldGuideLst xmlns:p15="http://schemas.microsoft.com/office/powerpoint/2012/main" xmlns="">
         <p15:guide id="1" pos="2856">
           <p15:clr>
             <a:srgbClr val="F26B43"/>
@@ -34356,11 +34434,7 @@
           <a:p>
             <a:r>
               <a:rPr lang="en-US" dirty="0" smtClean="0"/>
-              <a:t>Why F</a:t>
-            </a:r>
-            <a:r>
-              <a:rPr lang="en-US" dirty="0" smtClean="0"/>
-              <a:t>#: Concise Code</a:t>
+              <a:t>Why F#: Concise Code</a:t>
             </a:r>
             <a:endParaRPr lang="en-US" dirty="0"/>
           </a:p>
@@ -35743,7 +35817,7 @@
             </a:r>
             <a:r>
               <a:rPr lang="en-US" b="0" dirty="0" smtClean="0">
-                <a:hlinkClick r:id="rId2"/>
+                <a:hlinkClick r:id="rId3"/>
               </a:rPr>
               <a:t>Source</a:t>
             </a:r>
@@ -37502,7 +37576,7 @@
   <a:extraClrSchemeLst/>
   <a:extLst>
     <a:ext uri="{05A4C25C-085E-4340-85A3-A5531E510DB2}">
-      <thm15:themeFamily xmlns="" xmlns:thm15="http://schemas.microsoft.com/office/thememl/2012/main" name="Office Theme" id="{62F939B6-93AF-4DB8-9C6B-D6C7DFDC589F}" vid="{4A3C46E8-61CC-4603-A589-7422A47A8E4A}"/>
+      <thm15:themeFamily xmlns:thm15="http://schemas.microsoft.com/office/thememl/2012/main" xmlns="" name="Office Theme" id="{62F939B6-93AF-4DB8-9C6B-D6C7DFDC589F}" vid="{4A3C46E8-61CC-4603-A589-7422A47A8E4A}"/>
     </a:ext>
   </a:extLst>
 </a:theme>
@@ -37763,7 +37837,7 @@
   <a:extraClrSchemeLst/>
   <a:extLst>
     <a:ext uri="{05A4C25C-085E-4340-85A3-A5531E510DB2}">
-      <thm15:themeFamily xmlns="" xmlns:thm15="http://schemas.microsoft.com/office/thememl/2012/main" name="Office Theme" id="{62F939B6-93AF-4DB8-9C6B-D6C7DFDC589F}" vid="{4A3C46E8-61CC-4603-A589-7422A47A8E4A}"/>
+      <thm15:themeFamily xmlns:thm15="http://schemas.microsoft.com/office/thememl/2012/main" xmlns="" name="Office Theme" id="{62F939B6-93AF-4DB8-9C6B-D6C7DFDC589F}" vid="{4A3C46E8-61CC-4603-A589-7422A47A8E4A}"/>
     </a:ext>
   </a:extLst>
 </a:theme>

--- a/Intro to Xamarin F#/F#-iOS.pptx
+++ b/Intro to Xamarin F#/F#-iOS.pptx
@@ -25763,12 +25763,32 @@
             </a:pPr>
             <a:r>
               <a:rPr lang="en-US" dirty="0" smtClean="0"/>
-              <a:t>Play </a:t>
+              <a:t>Play Minesweeper game</a:t>
             </a:r>
             <a:r>
               <a:rPr lang="en-US" smtClean="0"/>
-              <a:t>Minesweeper game. </a:t>
+              <a:t>. </a:t>
             </a:r>
+          </a:p>
+          <a:p>
+            <a:pPr marL="171450" marR="0" indent="-171450" algn="l" defTabSz="914400" rtl="0" eaLnBrk="1" fontAlgn="auto" latinLnBrk="0" hangingPunct="1">
+              <a:lnSpc>
+                <a:spcPct val="100000"/>
+              </a:lnSpc>
+              <a:spcBef>
+                <a:spcPts val="0"/>
+              </a:spcBef>
+              <a:spcAft>
+                <a:spcPts val="0"/>
+              </a:spcAft>
+              <a:buClrTx/>
+              <a:buSzTx/>
+              <a:buFontTx/>
+              <a:buChar char="-"/>
+              <a:tabLst/>
+              <a:defRPr/>
+            </a:pPr>
+            <a:endParaRPr lang="en-US" dirty="0" smtClean="0"/>
           </a:p>
           <a:p>
             <a:pPr marL="171450" marR="0" indent="-171450" algn="l" defTabSz="914400" rtl="0" eaLnBrk="1" fontAlgn="auto" latinLnBrk="0" hangingPunct="1">

--- a/Intro to Xamarin F#/F#-iOS.pptx
+++ b/Intro to Xamarin F#/F#-iOS.pptx
@@ -25763,11 +25763,7 @@
             </a:pPr>
             <a:r>
               <a:rPr lang="en-US" dirty="0" smtClean="0"/>
-              <a:t>Play Minesweeper game</a:t>
-            </a:r>
-            <a:r>
-              <a:rPr lang="en-US" smtClean="0"/>
-              <a:t>. </a:t>
+              <a:t>Play Minesweeper game. </a:t>
             </a:r>
           </a:p>
           <a:p>
@@ -25810,7 +25806,7 @@
             </a:pPr>
             <a:r>
               <a:rPr lang="en-US" dirty="0" smtClean="0"/>
-              <a:t>Work </a:t>
+              <a:t>I work </a:t>
             </a:r>
             <a:r>
               <a:rPr lang="en-US" dirty="0" smtClean="0"/>
@@ -25893,7 +25889,7 @@
             </a:r>
             <a:r>
               <a:rPr lang="en-US" baseline="0" dirty="0" smtClean="0"/>
-              <a:t>d all move to Nashville!!! </a:t>
+              <a:t>d all move to Nashville!!! :D</a:t>
             </a:r>
             <a:endParaRPr lang="en-US" dirty="0" smtClean="0"/>
           </a:p>
@@ -25962,8 +25958,9 @@
             </a:r>
             <a:r>
               <a:rPr lang="en-US" baseline="0" dirty="0" smtClean="0"/>
-              <a:t> because</a:t>
+              <a:t> are a way to return typed data from an external data source. </a:t>
             </a:r>
+            <a:endParaRPr lang="en-US" dirty="0" smtClean="0"/>
           </a:p>
           <a:p>
             <a:r>
@@ -26905,7 +26902,7 @@
           <a:p>
             <a:r>
               <a:rPr lang="en-US" baseline="0" dirty="0" smtClean="0"/>
-              <a:t>True for every </a:t>
+              <a:t>Not using editors: true for every </a:t>
             </a:r>
             <a:r>
               <a:rPr lang="en-US" baseline="0" dirty="0" err="1" smtClean="0"/>
@@ -26921,7 +26918,7 @@
             </a:r>
             <a:r>
               <a:rPr lang="en-US" baseline="0" dirty="0" smtClean="0"/>
-              <a:t>, </a:t>
+              <a:t> &amp; ASP.NET, </a:t>
             </a:r>
             <a:r>
               <a:rPr lang="en-US" baseline="0" dirty="0" err="1" smtClean="0"/>

--- a/Intro to Xamarin F#/F#-iOS.pptx
+++ b/Intro to Xamarin F#/F#-iOS.pptx
@@ -183,7 +183,7 @@
       </p14:sectionLst>
     </p:ext>
     <p:ext uri="{EFAFB233-063F-42B5-8137-9DF3F51BA10A}">
-      <p15:sldGuideLst xmlns="" xmlns:p15="http://schemas.microsoft.com/office/powerpoint/2012/main"/>
+      <p15:sldGuideLst xmlns:p15="http://schemas.microsoft.com/office/powerpoint/2012/main" xmlns=""/>
     </p:ext>
   </p:extLst>
 </p:presentation>
@@ -3571,11 +3571,7 @@
           <a:pPr rtl="0"/>
           <a:r>
             <a:rPr lang="en-US" dirty="0" smtClean="0"/>
-            <a:t>Requires </a:t>
-          </a:r>
-          <a:r>
-            <a:rPr lang="en-US" dirty="0" smtClean="0"/>
-            <a:t>“return”</a:t>
+            <a:t>Requires “return”</a:t>
           </a:r>
           <a:endParaRPr lang="en-US" dirty="0"/>
         </a:p>
@@ -6717,77 +6713,77 @@
     </dgm:pt>
   </dgm:ptLst>
   <dgm:cxnLst>
-    <dgm:cxn modelId="{E8723274-1853-45D7-A757-21348F627A2E}" srcId="{194E95D0-950B-476F-9946-FE9D28B98CDB}" destId="{2EBC060E-B1C8-4DF0-A223-EAB0E0083EF3}" srcOrd="34" destOrd="0" parTransId="{1424FD25-E8E5-4C17-A87E-D05C6C3A75B0}" sibTransId="{4CD5365C-CA21-4633-95F2-6CCCDF138EBC}"/>
+    <dgm:cxn modelId="{79BDBD22-C930-4FBB-979D-D076B143DD97}" srcId="{194E95D0-950B-476F-9946-FE9D28B98CDB}" destId="{1068BD1A-AEBE-487E-8A62-39341AE76E7B}" srcOrd="5" destOrd="0" parTransId="{95D2D7FF-91CD-4919-ADD0-CA8E6A4DEF66}" sibTransId="{AD4CC5B6-7453-4EFC-97BE-3DEF384A76C2}"/>
+    <dgm:cxn modelId="{31E1CB85-BE7B-2B48-A303-8789809B3879}" type="presOf" srcId="{24041390-4DFE-48C6-99E1-F12104459913}" destId="{40FD2088-8EF6-46B0-8316-A4CBC62B5812}" srcOrd="0" destOrd="0" presId="urn:microsoft.com/office/officeart/2005/8/layout/default"/>
+    <dgm:cxn modelId="{7B360468-338A-41DC-84B3-3D9786426D12}" srcId="{194E95D0-950B-476F-9946-FE9D28B98CDB}" destId="{85D639EB-D6C0-44DB-AB93-1AB4C41BCA2B}" srcOrd="31" destOrd="0" parTransId="{428F4C12-4DE0-4873-81F9-DB8D338FD630}" sibTransId="{A39B279E-B36B-488A-8B69-46DBF9FF352F}"/>
+    <dgm:cxn modelId="{27047883-934C-41AF-9C43-FC37E4218AD7}" srcId="{194E95D0-950B-476F-9946-FE9D28B98CDB}" destId="{15324BF9-A016-4648-B6F8-4AB280BD1406}" srcOrd="1" destOrd="0" parTransId="{C3558DFD-5D19-47BC-BCE5-CCD4D7B88216}" sibTransId="{27E7DE3E-22CF-4DFF-9F58-1DA4B1EC26C2}"/>
+    <dgm:cxn modelId="{DC186A94-8375-41BF-8A9B-401DD9002570}" srcId="{194E95D0-950B-476F-9946-FE9D28B98CDB}" destId="{160BF83D-A9CE-4824-B3DE-825EDF3BC965}" srcOrd="14" destOrd="0" parTransId="{DCDE0BB3-2783-4E6E-A196-11068C9405BF}" sibTransId="{CF50BDC2-225C-44BB-A783-D7C58C145758}"/>
+    <dgm:cxn modelId="{2CD381F6-CF92-2541-9E49-BA18663E6AF5}" type="presOf" srcId="{0F0610D6-47E1-4F8C-8EB1-DA98AF22C9D0}" destId="{A40B25EA-4D42-4B37-86F1-13DD08F2C6FA}" srcOrd="0" destOrd="0" presId="urn:microsoft.com/office/officeart/2005/8/layout/default"/>
+    <dgm:cxn modelId="{AE1AFA15-9185-664C-98A6-BDB7468EB206}" type="presOf" srcId="{93E86672-38F8-4D4D-A32C-C7294AAE8CC1}" destId="{D909952A-6702-4010-ACC4-581466EBFCED}" srcOrd="0" destOrd="0" presId="urn:microsoft.com/office/officeart/2005/8/layout/default"/>
+    <dgm:cxn modelId="{9BFDDB31-722C-FE48-AD90-14D9B213C769}" type="presOf" srcId="{7BEB4D34-0DE2-41C0-8D20-C8CC584746D9}" destId="{693C4AA7-CB13-4A4C-9402-EB2C47D62B88}" srcOrd="0" destOrd="0" presId="urn:microsoft.com/office/officeart/2005/8/layout/default"/>
+    <dgm:cxn modelId="{548A4133-B069-429E-A909-0D2096C40C22}" srcId="{194E95D0-950B-476F-9946-FE9D28B98CDB}" destId="{A0EC7E2C-63AB-419C-B83F-1D713734E919}" srcOrd="2" destOrd="0" parTransId="{199B951F-98F0-4683-AC97-828D52CA2891}" sibTransId="{D8B6FA00-DAA9-471F-89FA-B20E1B505B15}"/>
+    <dgm:cxn modelId="{93111ECD-AC61-414B-9082-BEB35C90A5BA}" type="presOf" srcId="{A0EC7E2C-63AB-419C-B83F-1D713734E919}" destId="{43EE97B9-4FB2-48FE-B44A-0AB89A2AB708}" srcOrd="0" destOrd="0" presId="urn:microsoft.com/office/officeart/2005/8/layout/default"/>
+    <dgm:cxn modelId="{19323009-843D-4440-805F-9DAB97B81BC5}" srcId="{194E95D0-950B-476F-9946-FE9D28B98CDB}" destId="{5C0526F7-3E75-4852-8BD4-49F1EE88ACE0}" srcOrd="10" destOrd="0" parTransId="{F6A00EBC-FDB1-4796-A3D9-A6622E68C8EB}" sibTransId="{4FEDC4B5-FB81-4404-A568-68D7DE836DBB}"/>
     <dgm:cxn modelId="{48E2DA19-1DE3-48B0-8B51-A5F05FC1CE9E}" srcId="{194E95D0-950B-476F-9946-FE9D28B98CDB}" destId="{C08CD9A2-04EC-434D-9383-01D7E01BF75D}" srcOrd="12" destOrd="0" parTransId="{55CAF9AC-95BD-4B8F-9B5B-E6B9CC060322}" sibTransId="{A128AF21-0B78-4202-B581-45A247624862}"/>
+    <dgm:cxn modelId="{4297953D-9625-41C9-BEBD-B4F57D251922}" srcId="{194E95D0-950B-476F-9946-FE9D28B98CDB}" destId="{EA66204D-661C-4FA8-BAE2-6F17D7EB9EA6}" srcOrd="13" destOrd="0" parTransId="{06A069C7-AF4C-4914-8B71-AF891135BBC8}" sibTransId="{973B4F6E-6CEA-45CC-9F43-D03BACEB0577}"/>
+    <dgm:cxn modelId="{2D7163AC-A835-6B41-B2DE-82C978348AE2}" type="presOf" srcId="{42D9364A-7969-2D48-9A49-6765C0474283}" destId="{6FBF687C-4976-A54E-8DA5-3AAECD829659}" srcOrd="0" destOrd="0" presId="urn:microsoft.com/office/officeart/2005/8/layout/default"/>
+    <dgm:cxn modelId="{E649578A-EA94-874F-8C0A-1478DC5A072C}" type="presOf" srcId="{D233575E-1FFF-4A97-B40A-58925D513E82}" destId="{E4FB5DDA-79F7-492D-9891-5F5FBF2969E8}" srcOrd="0" destOrd="0" presId="urn:microsoft.com/office/officeart/2005/8/layout/default"/>
+    <dgm:cxn modelId="{7A37B183-BDE2-2448-9B33-6DE18FB8D010}" type="presOf" srcId="{1068BD1A-AEBE-487E-8A62-39341AE76E7B}" destId="{B635E842-0B7F-4432-8EE1-3C6721BE2B29}" srcOrd="0" destOrd="0" presId="urn:microsoft.com/office/officeart/2005/8/layout/default"/>
+    <dgm:cxn modelId="{90F0A10B-D405-414B-A67B-E68A7C3EFCA1}" type="presOf" srcId="{9A113CD9-6FCB-4560-B03E-91092BB11C85}" destId="{5ED443AC-26A9-458A-B099-9C3515FACB44}" srcOrd="0" destOrd="0" presId="urn:microsoft.com/office/officeart/2005/8/layout/default"/>
+    <dgm:cxn modelId="{2669B802-5E16-8346-BF79-1E9FE96C2046}" type="presOf" srcId="{1621A23E-B514-45DE-A08A-3283A92C3B49}" destId="{996BC527-1A00-4696-8FA2-53676D4AFDF2}" srcOrd="0" destOrd="0" presId="urn:microsoft.com/office/officeart/2005/8/layout/default"/>
+    <dgm:cxn modelId="{CEFD54EE-CD41-7441-844E-899BF69DA2DB}" type="presOf" srcId="{5444E707-757D-457E-9E32-163489F88123}" destId="{C3777CFC-DBAF-4C37-856B-97465C52FEE0}" srcOrd="0" destOrd="0" presId="urn:microsoft.com/office/officeart/2005/8/layout/default"/>
+    <dgm:cxn modelId="{E93B787E-AD5C-4080-AF23-2DA7765CCAA2}" srcId="{194E95D0-950B-476F-9946-FE9D28B98CDB}" destId="{D3039EAC-AAF5-4B7C-A948-7FE7431C4732}" srcOrd="25" destOrd="0" parTransId="{CE2FD7D3-BEA7-490C-A3ED-1E84D4F31E94}" sibTransId="{66C4082F-1F9D-4F38-A7FF-66770D51E923}"/>
+    <dgm:cxn modelId="{2B73E8F5-396A-4CD8-A109-31525A6C2C37}" srcId="{194E95D0-950B-476F-9946-FE9D28B98CDB}" destId="{D233575E-1FFF-4A97-B40A-58925D513E82}" srcOrd="28" destOrd="0" parTransId="{5092DCEB-24C5-4978-B69C-915F36BE90CA}" sibTransId="{D5AE2DB7-3085-4194-AF57-137F9F8A42D9}"/>
+    <dgm:cxn modelId="{23FCB95B-31D7-4835-857F-8121D7D14A7B}" srcId="{194E95D0-950B-476F-9946-FE9D28B98CDB}" destId="{6EFF81F8-77B3-4202-9679-15FDBB2CF187}" srcOrd="9" destOrd="0" parTransId="{F728EC1C-80B5-49F6-9A5B-23B17448622A}" sibTransId="{95DF0152-83AE-4C05-BB5E-CA0414787BC5}"/>
+    <dgm:cxn modelId="{B80E4483-F639-499D-A6D4-5EFB571D69EF}" type="presOf" srcId="{194E95D0-950B-476F-9946-FE9D28B98CDB}" destId="{148849EA-39C1-42B5-9441-7B6D9ED54BF9}" srcOrd="0" destOrd="0" presId="urn:microsoft.com/office/officeart/2005/8/layout/default"/>
+    <dgm:cxn modelId="{DEFB3FD7-DCE3-464E-A543-97F256CB6905}" type="presOf" srcId="{FCCD2624-583C-4E96-ABEA-7A6C589B60AD}" destId="{8309C897-728B-4970-8D1F-9D0C6D3B4098}" srcOrd="0" destOrd="0" presId="urn:microsoft.com/office/officeart/2005/8/layout/default"/>
     <dgm:cxn modelId="{0C8368EE-0785-4874-90D2-19D42A0B4382}" srcId="{194E95D0-950B-476F-9946-FE9D28B98CDB}" destId="{7B2A0224-5EE9-49AA-99A8-525F8CAB95B9}" srcOrd="4" destOrd="0" parTransId="{AEE65B70-CB50-44CD-8AB9-4603D4BDA4A9}" sibTransId="{8994CD76-8340-46D9-900D-437CE4102531}"/>
-    <dgm:cxn modelId="{A8A4E054-5955-40E4-A353-6D9D65C3D6AE}" srcId="{194E95D0-950B-476F-9946-FE9D28B98CDB}" destId="{F3D92DBF-AF47-4B55-8A35-15776CCDC373}" srcOrd="32" destOrd="0" parTransId="{27E50F68-4F5E-41B2-ABB1-2E9B5E2FFC05}" sibTransId="{F6ED13D0-0054-455D-9B62-ADBC4F63A997}"/>
-    <dgm:cxn modelId="{E649578A-EA94-874F-8C0A-1478DC5A072C}" type="presOf" srcId="{D233575E-1FFF-4A97-B40A-58925D513E82}" destId="{E4FB5DDA-79F7-492D-9891-5F5FBF2969E8}" srcOrd="0" destOrd="0" presId="urn:microsoft.com/office/officeart/2005/8/layout/default"/>
-    <dgm:cxn modelId="{9564A208-2AEF-450F-825D-5DE783FD43CB}" srcId="{194E95D0-950B-476F-9946-FE9D28B98CDB}" destId="{16E4BC52-F2E9-4510-BADC-81BE29A2E83D}" srcOrd="16" destOrd="0" parTransId="{8505BCC3-E636-4040-B8A1-CA209C9B094B}" sibTransId="{F858E30D-70D0-4A46-B55C-699E12FB7769}"/>
-    <dgm:cxn modelId="{B80E4483-F639-499D-A6D4-5EFB571D69EF}" type="presOf" srcId="{194E95D0-950B-476F-9946-FE9D28B98CDB}" destId="{148849EA-39C1-42B5-9441-7B6D9ED54BF9}" srcOrd="0" destOrd="0" presId="urn:microsoft.com/office/officeart/2005/8/layout/default"/>
-    <dgm:cxn modelId="{DC186A94-8375-41BF-8A9B-401DD9002570}" srcId="{194E95D0-950B-476F-9946-FE9D28B98CDB}" destId="{160BF83D-A9CE-4824-B3DE-825EDF3BC965}" srcOrd="14" destOrd="0" parTransId="{DCDE0BB3-2783-4E6E-A196-11068C9405BF}" sibTransId="{CF50BDC2-225C-44BB-A783-D7C58C145758}"/>
-    <dgm:cxn modelId="{2D7163AC-A835-6B41-B2DE-82C978348AE2}" type="presOf" srcId="{42D9364A-7969-2D48-9A49-6765C0474283}" destId="{6FBF687C-4976-A54E-8DA5-3AAECD829659}" srcOrd="0" destOrd="0" presId="urn:microsoft.com/office/officeart/2005/8/layout/default"/>
-    <dgm:cxn modelId="{19323009-843D-4440-805F-9DAB97B81BC5}" srcId="{194E95D0-950B-476F-9946-FE9D28B98CDB}" destId="{5C0526F7-3E75-4852-8BD4-49F1EE88ACE0}" srcOrd="10" destOrd="0" parTransId="{F6A00EBC-FDB1-4796-A3D9-A6622E68C8EB}" sibTransId="{4FEDC4B5-FB81-4404-A568-68D7DE836DBB}"/>
-    <dgm:cxn modelId="{95652D76-011D-41AF-9934-E06EEF7CE6E4}" srcId="{194E95D0-950B-476F-9946-FE9D28B98CDB}" destId="{FCCD2624-583C-4E96-ABEA-7A6C589B60AD}" srcOrd="20" destOrd="0" parTransId="{82B36ED9-83C6-488D-8F56-5A807CE3DCF0}" sibTransId="{E86177A3-6001-4617-9EF5-914AE97C1EB2}"/>
-    <dgm:cxn modelId="{A06E330B-1AD5-3D45-8875-2AD4AF276280}" type="presOf" srcId="{15324BF9-A016-4648-B6F8-4AB280BD1406}" destId="{95226B08-B6A9-4D52-B34F-B45E3C79DBE5}" srcOrd="0" destOrd="0" presId="urn:microsoft.com/office/officeart/2005/8/layout/default"/>
-    <dgm:cxn modelId="{F2DE4A33-E26A-4244-A547-E4D3F828DF67}" srcId="{194E95D0-950B-476F-9946-FE9D28B98CDB}" destId="{9A113CD9-6FCB-4560-B03E-91092BB11C85}" srcOrd="30" destOrd="0" parTransId="{6B57A007-9075-4B9A-BBE9-3FCF0BE5F811}" sibTransId="{F9604371-5E86-49AC-B478-FC2C5B892B6B}"/>
+    <dgm:cxn modelId="{7D9D780B-762C-D64A-95FD-F22BE74EE400}" type="presOf" srcId="{16E4BC52-F2E9-4510-BADC-81BE29A2E83D}" destId="{9847E307-CD1D-4846-B7D8-0494F7A603B0}" srcOrd="0" destOrd="0" presId="urn:microsoft.com/office/officeart/2005/8/layout/default"/>
+    <dgm:cxn modelId="{54B020AB-C04E-4AF8-A987-4D0E3E3F7690}" srcId="{194E95D0-950B-476F-9946-FE9D28B98CDB}" destId="{A296EE4C-9A3D-4803-AAF4-2791813FA0B0}" srcOrd="19" destOrd="0" parTransId="{EEEB07CE-5FFE-4968-BF54-DA16AF5931BF}" sibTransId="{B63A3E96-8BA9-477A-A0F0-EDB3E704B2F2}"/>
+    <dgm:cxn modelId="{34A451E7-1124-8840-94FE-3C37EF4FFD76}" type="presOf" srcId="{1580CAB0-997B-429A-AAD5-CE84EF0B7633}" destId="{390FA066-E030-4FDB-8636-1976F66E2C91}" srcOrd="0" destOrd="0" presId="urn:microsoft.com/office/officeart/2005/8/layout/default"/>
+    <dgm:cxn modelId="{5A646143-5D5D-4341-B7FF-B133A46D74D2}" srcId="{194E95D0-950B-476F-9946-FE9D28B98CDB}" destId="{F5AB6529-E5A4-4DFC-9E44-5A883CF59351}" srcOrd="8" destOrd="0" parTransId="{1E02BC5A-7120-46A7-A102-59141857F9BD}" sibTransId="{B1FFA83F-D1AA-4A55-9D4D-533F1F0C23C6}"/>
+    <dgm:cxn modelId="{260410C4-BD7E-134D-81AB-CF12C8143592}" type="presOf" srcId="{043B0B19-3471-43D5-9F24-6A53122D52AE}" destId="{E1C48568-E515-44F8-A77B-C365365504C6}" srcOrd="0" destOrd="0" presId="urn:microsoft.com/office/officeart/2005/8/layout/default"/>
+    <dgm:cxn modelId="{A5092C35-253A-4A5A-A723-67A8B6F4C2E0}" srcId="{194E95D0-950B-476F-9946-FE9D28B98CDB}" destId="{24041390-4DFE-48C6-99E1-F12104459913}" srcOrd="22" destOrd="0" parTransId="{E58C2C49-8D4C-4F33-9DB7-C053943B1E57}" sibTransId="{AC76A270-86BC-4BEF-84EF-219DE3E065F4}"/>
+    <dgm:cxn modelId="{625FB51B-B4CA-44AA-9F51-C675C4B7C2EE}" srcId="{194E95D0-950B-476F-9946-FE9D28B98CDB}" destId="{771F3508-2E1C-4C69-9C15-5C8D980865F9}" srcOrd="23" destOrd="0" parTransId="{4E1A4A45-830C-4282-99FF-324F39EEE4AB}" sibTransId="{22595120-5C06-4259-A080-11B870084771}"/>
+    <dgm:cxn modelId="{12F47F31-A4EA-784C-B56B-41D74225826C}" srcId="{194E95D0-950B-476F-9946-FE9D28B98CDB}" destId="{42D9364A-7969-2D48-9A49-6765C0474283}" srcOrd="0" destOrd="0" parTransId="{5B88D60A-58DA-BE4F-867A-194DB7D78A96}" sibTransId="{6715D0D3-2FF1-2740-8A11-78F51A5F10C0}"/>
+    <dgm:cxn modelId="{6E870EFE-ABFF-4A29-B5C8-F9B30D7B2424}" srcId="{194E95D0-950B-476F-9946-FE9D28B98CDB}" destId="{0F6FCD28-7FEF-4DD3-A888-A968E800ED82}" srcOrd="27" destOrd="0" parTransId="{9A495AF5-CFF8-496F-977D-BB65A955479D}" sibTransId="{14EFD0D0-DC11-4E1B-9DF4-EB886FC260E0}"/>
+    <dgm:cxn modelId="{BE29A766-87F3-F145-B4AD-CCD909AA16E5}" type="presOf" srcId="{D3039EAC-AAF5-4B7C-A948-7FE7431C4732}" destId="{BAB233C4-D205-4542-A773-2AA8AA733441}" srcOrd="0" destOrd="0" presId="urn:microsoft.com/office/officeart/2005/8/layout/default"/>
+    <dgm:cxn modelId="{91CEC7A3-6174-4C16-9E56-2C84B8310C12}" srcId="{194E95D0-950B-476F-9946-FE9D28B98CDB}" destId="{1580CAB0-997B-429A-AAD5-CE84EF0B7633}" srcOrd="17" destOrd="0" parTransId="{6061C668-0ACA-4D95-9DE5-C429FCA809C3}" sibTransId="{9F5342DA-EFAD-464A-B7A4-04CD6510A0AD}"/>
+    <dgm:cxn modelId="{00FC31B1-606B-FB47-957E-F37D34B141DF}" type="presOf" srcId="{F3D92DBF-AF47-4B55-8A35-15776CCDC373}" destId="{14A040B2-94A2-4929-AA35-DA1A4E1EBC79}" srcOrd="0" destOrd="0" presId="urn:microsoft.com/office/officeart/2005/8/layout/default"/>
     <dgm:cxn modelId="{8E20AF57-5BDB-654C-A1B5-2B7B7642E647}" type="presOf" srcId="{85D639EB-D6C0-44DB-AB93-1AB4C41BCA2B}" destId="{0BC36948-4CA3-4097-9E57-59069B5C6745}" srcOrd="0" destOrd="0" presId="urn:microsoft.com/office/officeart/2005/8/layout/default"/>
-    <dgm:cxn modelId="{8E485559-AF56-0344-A5C3-682467886ED7}" type="presOf" srcId="{6EFF81F8-77B3-4202-9679-15FDBB2CF187}" destId="{6B37801D-70B2-4AC8-AF98-0DA6C781A321}" srcOrd="0" destOrd="0" presId="urn:microsoft.com/office/officeart/2005/8/layout/default"/>
-    <dgm:cxn modelId="{A9A577F5-F80E-E842-AB50-D753F7CEB908}" type="presOf" srcId="{1A8D4511-BFE2-49EF-9128-4C5D2E2F4FF9}" destId="{EF941BEE-2D93-4EEC-A4BF-0F909DA1CD00}" srcOrd="0" destOrd="0" presId="urn:microsoft.com/office/officeart/2005/8/layout/default"/>
-    <dgm:cxn modelId="{6E870EFE-ABFF-4A29-B5C8-F9B30D7B2424}" srcId="{194E95D0-950B-476F-9946-FE9D28B98CDB}" destId="{0F6FCD28-7FEF-4DD3-A888-A968E800ED82}" srcOrd="27" destOrd="0" parTransId="{9A495AF5-CFF8-496F-977D-BB65A955479D}" sibTransId="{14EFD0D0-DC11-4E1B-9DF4-EB886FC260E0}"/>
-    <dgm:cxn modelId="{F1E52762-1977-4BAB-B467-4EDF0518AD51}" srcId="{194E95D0-950B-476F-9946-FE9D28B98CDB}" destId="{345729B2-0832-4A68-85D8-D4D7F5A5610F}" srcOrd="29" destOrd="0" parTransId="{A9EB832A-8B94-4B42-A9D2-01A71C8E1D8F}" sibTransId="{CFF2BED8-D087-4996-86F6-3349B922EF01}"/>
-    <dgm:cxn modelId="{91CEC7A3-6174-4C16-9E56-2C84B8310C12}" srcId="{194E95D0-950B-476F-9946-FE9D28B98CDB}" destId="{1580CAB0-997B-429A-AAD5-CE84EF0B7633}" srcOrd="17" destOrd="0" parTransId="{6061C668-0ACA-4D95-9DE5-C429FCA809C3}" sibTransId="{9F5342DA-EFAD-464A-B7A4-04CD6510A0AD}"/>
-    <dgm:cxn modelId="{2CD381F6-CF92-2541-9E49-BA18663E6AF5}" type="presOf" srcId="{0F0610D6-47E1-4F8C-8EB1-DA98AF22C9D0}" destId="{A40B25EA-4D42-4B37-86F1-13DD08F2C6FA}" srcOrd="0" destOrd="0" presId="urn:microsoft.com/office/officeart/2005/8/layout/default"/>
-    <dgm:cxn modelId="{12F47F31-A4EA-784C-B56B-41D74225826C}" srcId="{194E95D0-950B-476F-9946-FE9D28B98CDB}" destId="{42D9364A-7969-2D48-9A49-6765C0474283}" srcOrd="0" destOrd="0" parTransId="{5B88D60A-58DA-BE4F-867A-194DB7D78A96}" sibTransId="{6715D0D3-2FF1-2740-8A11-78F51A5F10C0}"/>
-    <dgm:cxn modelId="{BE29A766-87F3-F145-B4AD-CCD909AA16E5}" type="presOf" srcId="{D3039EAC-AAF5-4B7C-A948-7FE7431C4732}" destId="{BAB233C4-D205-4542-A773-2AA8AA733441}" srcOrd="0" destOrd="0" presId="urn:microsoft.com/office/officeart/2005/8/layout/default"/>
-    <dgm:cxn modelId="{F396851E-5CD9-420A-B88E-4A15C7D616B7}" srcId="{194E95D0-950B-476F-9946-FE9D28B98CDB}" destId="{5444E707-757D-457E-9E32-163489F88123}" srcOrd="24" destOrd="0" parTransId="{BCDCA68A-C4DD-4EF3-BAA4-77B3FB1005B4}" sibTransId="{DA9F37A3-E57D-4AB6-BD09-31572C99267E}"/>
-    <dgm:cxn modelId="{CEFD54EE-CD41-7441-844E-899BF69DA2DB}" type="presOf" srcId="{5444E707-757D-457E-9E32-163489F88123}" destId="{C3777CFC-DBAF-4C37-856B-97465C52FEE0}" srcOrd="0" destOrd="0" presId="urn:microsoft.com/office/officeart/2005/8/layout/default"/>
-    <dgm:cxn modelId="{5503608D-DF69-0A45-B125-8CF1334842C5}" type="presOf" srcId="{F5AB6529-E5A4-4DFC-9E44-5A883CF59351}" destId="{CFB80AB0-BE2C-4C3E-B39E-C8F8F2E3127F}" srcOrd="0" destOrd="0" presId="urn:microsoft.com/office/officeart/2005/8/layout/default"/>
-    <dgm:cxn modelId="{C2EA66F5-BF98-44C4-94A4-BF546B8DC6C3}" srcId="{194E95D0-950B-476F-9946-FE9D28B98CDB}" destId="{043B0B19-3471-43D5-9F24-6A53122D52AE}" srcOrd="7" destOrd="0" parTransId="{495B3233-8FA9-4B4B-878E-CE42249A5183}" sibTransId="{4F115DD3-319A-427F-8146-B7897099D680}"/>
-    <dgm:cxn modelId="{C3EFB5BB-8E21-4F26-9D17-7A55CF58FF9D}" srcId="{194E95D0-950B-476F-9946-FE9D28B98CDB}" destId="{0F0610D6-47E1-4F8C-8EB1-DA98AF22C9D0}" srcOrd="3" destOrd="0" parTransId="{6E91F94C-05CE-4183-B70A-7F33665560E3}" sibTransId="{7C2EF30C-91EA-4063-8930-42FBB0901785}"/>
-    <dgm:cxn modelId="{ED15772F-B76F-44B5-ACFF-E395C2E5911D}" srcId="{194E95D0-950B-476F-9946-FE9D28B98CDB}" destId="{D182817B-BF3E-4A38-A862-543FFD70D176}" srcOrd="21" destOrd="0" parTransId="{334739FE-41F9-4598-8B33-A68AE75AA22A}" sibTransId="{6A3653EE-EE07-4C8F-A244-526ED26EF396}"/>
-    <dgm:cxn modelId="{F0F6FA87-D9E7-4842-842F-F0585F76E9D2}" srcId="{194E95D0-950B-476F-9946-FE9D28B98CDB}" destId="{41FB4CB0-F67E-42B6-9645-C5CD0B883C48}" srcOrd="6" destOrd="0" parTransId="{28034C13-C0B5-4E03-85AF-87163462E69E}" sibTransId="{BDB1D460-F623-435F-A79D-CE86174AC701}"/>
-    <dgm:cxn modelId="{7B360468-338A-41DC-84B3-3D9786426D12}" srcId="{194E95D0-950B-476F-9946-FE9D28B98CDB}" destId="{85D639EB-D6C0-44DB-AB93-1AB4C41BCA2B}" srcOrd="31" destOrd="0" parTransId="{428F4C12-4DE0-4873-81F9-DB8D338FD630}" sibTransId="{A39B279E-B36B-488A-8B69-46DBF9FF352F}"/>
-    <dgm:cxn modelId="{79BDBD22-C930-4FBB-979D-D076B143DD97}" srcId="{194E95D0-950B-476F-9946-FE9D28B98CDB}" destId="{1068BD1A-AEBE-487E-8A62-39341AE76E7B}" srcOrd="5" destOrd="0" parTransId="{95D2D7FF-91CD-4919-ADD0-CA8E6A4DEF66}" sibTransId="{AD4CC5B6-7453-4EFC-97BE-3DEF384A76C2}"/>
+    <dgm:cxn modelId="{77073A08-0673-B04B-B135-CCB380AA10E7}" type="presOf" srcId="{A296EE4C-9A3D-4803-AAF4-2791813FA0B0}" destId="{5CBF43AA-D97C-485D-9616-CA0D899FB6FA}" srcOrd="0" destOrd="0" presId="urn:microsoft.com/office/officeart/2005/8/layout/default"/>
     <dgm:cxn modelId="{27CFF2CE-633D-C042-9127-A56B39F2C422}" type="presOf" srcId="{771F3508-2E1C-4C69-9C15-5C8D980865F9}" destId="{8D6D8191-FE9E-495B-843B-D8BFF1420BE2}" srcOrd="0" destOrd="0" presId="urn:microsoft.com/office/officeart/2005/8/layout/default"/>
     <dgm:cxn modelId="{31C1B079-1698-684D-8ABE-018B01577CBB}" type="presOf" srcId="{345729B2-0832-4A68-85D8-D4D7F5A5610F}" destId="{8C692049-8838-4109-8627-0137E0193615}" srcOrd="0" destOrd="0" presId="urn:microsoft.com/office/officeart/2005/8/layout/default"/>
-    <dgm:cxn modelId="{7D9D780B-762C-D64A-95FD-F22BE74EE400}" type="presOf" srcId="{16E4BC52-F2E9-4510-BADC-81BE29A2E83D}" destId="{9847E307-CD1D-4846-B7D8-0494F7A603B0}" srcOrd="0" destOrd="0" presId="urn:microsoft.com/office/officeart/2005/8/layout/default"/>
-    <dgm:cxn modelId="{548A4133-B069-429E-A909-0D2096C40C22}" srcId="{194E95D0-950B-476F-9946-FE9D28B98CDB}" destId="{A0EC7E2C-63AB-419C-B83F-1D713734E919}" srcOrd="2" destOrd="0" parTransId="{199B951F-98F0-4683-AC97-828D52CA2891}" sibTransId="{D8B6FA00-DAA9-471F-89FA-B20E1B505B15}"/>
+    <dgm:cxn modelId="{2D986120-5664-7741-BCB6-259C80EEE0D1}" type="presOf" srcId="{EA66204D-661C-4FA8-BAE2-6F17D7EB9EA6}" destId="{321A4018-B592-4007-AD71-5F7C8FE7AE01}" srcOrd="0" destOrd="0" presId="urn:microsoft.com/office/officeart/2005/8/layout/default"/>
     <dgm:cxn modelId="{CF5C3943-1777-429D-B81D-1F62AEA19676}" srcId="{194E95D0-950B-476F-9946-FE9D28B98CDB}" destId="{7BEB4D34-0DE2-41C0-8D20-C8CC584746D9}" srcOrd="15" destOrd="0" parTransId="{667DBD44-462D-4F99-A968-8EC6FCDEBC76}" sibTransId="{F6BF7E95-EA42-4964-ABCE-80E34EFA11EB}"/>
-    <dgm:cxn modelId="{260410C4-BD7E-134D-81AB-CF12C8143592}" type="presOf" srcId="{043B0B19-3471-43D5-9F24-6A53122D52AE}" destId="{E1C48568-E515-44F8-A77B-C365365504C6}" srcOrd="0" destOrd="0" presId="urn:microsoft.com/office/officeart/2005/8/layout/default"/>
-    <dgm:cxn modelId="{2B73E8F5-396A-4CD8-A109-31525A6C2C37}" srcId="{194E95D0-950B-476F-9946-FE9D28B98CDB}" destId="{D233575E-1FFF-4A97-B40A-58925D513E82}" srcOrd="28" destOrd="0" parTransId="{5092DCEB-24C5-4978-B69C-915F36BE90CA}" sibTransId="{D5AE2DB7-3085-4194-AF57-137F9F8A42D9}"/>
-    <dgm:cxn modelId="{AE1AFA15-9185-664C-98A6-BDB7468EB206}" type="presOf" srcId="{93E86672-38F8-4D4D-A32C-C7294AAE8CC1}" destId="{D909952A-6702-4010-ACC4-581466EBFCED}" srcOrd="0" destOrd="0" presId="urn:microsoft.com/office/officeart/2005/8/layout/default"/>
+    <dgm:cxn modelId="{3F56F09E-C413-4848-95C7-2C2EC96D5EE2}" srcId="{194E95D0-950B-476F-9946-FE9D28B98CDB}" destId="{1A8D4511-BFE2-49EF-9128-4C5D2E2F4FF9}" srcOrd="18" destOrd="0" parTransId="{FC1B1B11-26BE-46E5-A924-266C692EC3CF}" sibTransId="{5F0B3921-C8AE-4E51-A244-AA84368B15DF}"/>
+    <dgm:cxn modelId="{8E485559-AF56-0344-A5C3-682467886ED7}" type="presOf" srcId="{6EFF81F8-77B3-4202-9679-15FDBB2CF187}" destId="{6B37801D-70B2-4AC8-AF98-0DA6C781A321}" srcOrd="0" destOrd="0" presId="urn:microsoft.com/office/officeart/2005/8/layout/default"/>
+    <dgm:cxn modelId="{C3EFB5BB-8E21-4F26-9D17-7A55CF58FF9D}" srcId="{194E95D0-950B-476F-9946-FE9D28B98CDB}" destId="{0F0610D6-47E1-4F8C-8EB1-DA98AF22C9D0}" srcOrd="3" destOrd="0" parTransId="{6E91F94C-05CE-4183-B70A-7F33665560E3}" sibTransId="{7C2EF30C-91EA-4063-8930-42FBB0901785}"/>
+    <dgm:cxn modelId="{675C8CEF-A4B0-644A-8C55-84D8BA243EC3}" type="presOf" srcId="{0F6FCD28-7FEF-4DD3-A888-A968E800ED82}" destId="{827FD361-F42B-473B-9D4C-2F2DD3219A5D}" srcOrd="0" destOrd="0" presId="urn:microsoft.com/office/officeart/2005/8/layout/default"/>
+    <dgm:cxn modelId="{1D1334E0-8392-42C3-8212-3059ED4E82A4}" srcId="{194E95D0-950B-476F-9946-FE9D28B98CDB}" destId="{2798D985-A96F-4043-9FE3-3B717C1AD0F3}" srcOrd="11" destOrd="0" parTransId="{41656C7B-6BC7-49C2-A6DE-5DABA8562C04}" sibTransId="{F11C192E-57A0-4BDB-8394-60020E52F08E}"/>
+    <dgm:cxn modelId="{ED15772F-B76F-44B5-ACFF-E395C2E5911D}" srcId="{194E95D0-950B-476F-9946-FE9D28B98CDB}" destId="{D182817B-BF3E-4A38-A862-543FFD70D176}" srcOrd="21" destOrd="0" parTransId="{334739FE-41F9-4598-8B33-A68AE75AA22A}" sibTransId="{6A3653EE-EE07-4C8F-A244-526ED26EF396}"/>
+    <dgm:cxn modelId="{19839975-33D6-3349-9516-95FFD33C85B5}" type="presOf" srcId="{5C0526F7-3E75-4852-8BD4-49F1EE88ACE0}" destId="{E2708732-0242-40AC-9C5D-73D643D5DF17}" srcOrd="0" destOrd="0" presId="urn:microsoft.com/office/officeart/2005/8/layout/default"/>
+    <dgm:cxn modelId="{CF35507D-B1AA-9048-B965-1CCA9555BFB1}" type="presOf" srcId="{7B2A0224-5EE9-49AA-99A8-525F8CAB95B9}" destId="{D812158E-D5E9-43B5-BF2E-F1AA6326F531}" srcOrd="0" destOrd="0" presId="urn:microsoft.com/office/officeart/2005/8/layout/default"/>
+    <dgm:cxn modelId="{F396851E-5CD9-420A-B88E-4A15C7D616B7}" srcId="{194E95D0-950B-476F-9946-FE9D28B98CDB}" destId="{5444E707-757D-457E-9E32-163489F88123}" srcOrd="24" destOrd="0" parTransId="{BCDCA68A-C4DD-4EF3-BAA4-77B3FB1005B4}" sibTransId="{DA9F37A3-E57D-4AB6-BD09-31572C99267E}"/>
+    <dgm:cxn modelId="{95652D76-011D-41AF-9934-E06EEF7CE6E4}" srcId="{194E95D0-950B-476F-9946-FE9D28B98CDB}" destId="{FCCD2624-583C-4E96-ABEA-7A6C589B60AD}" srcOrd="20" destOrd="0" parTransId="{82B36ED9-83C6-488D-8F56-5A807CE3DCF0}" sibTransId="{E86177A3-6001-4617-9EF5-914AE97C1EB2}"/>
+    <dgm:cxn modelId="{9564A208-2AEF-450F-825D-5DE783FD43CB}" srcId="{194E95D0-950B-476F-9946-FE9D28B98CDB}" destId="{16E4BC52-F2E9-4510-BADC-81BE29A2E83D}" srcOrd="16" destOrd="0" parTransId="{8505BCC3-E636-4040-B8A1-CA209C9B094B}" sibTransId="{F858E30D-70D0-4A46-B55C-699E12FB7769}"/>
+    <dgm:cxn modelId="{A9A577F5-F80E-E842-AB50-D753F7CEB908}" type="presOf" srcId="{1A8D4511-BFE2-49EF-9128-4C5D2E2F4FF9}" destId="{EF941BEE-2D93-4EEC-A4BF-0F909DA1CD00}" srcOrd="0" destOrd="0" presId="urn:microsoft.com/office/officeart/2005/8/layout/default"/>
+    <dgm:cxn modelId="{2E308739-90BF-254B-B271-A5A2E5CFA0A5}" type="presOf" srcId="{C08CD9A2-04EC-434D-9383-01D7E01BF75D}" destId="{EEA07650-BA0A-4F38-8097-E2F7762011F9}" srcOrd="0" destOrd="0" presId="urn:microsoft.com/office/officeart/2005/8/layout/default"/>
+    <dgm:cxn modelId="{5503608D-DF69-0A45-B125-8CF1334842C5}" type="presOf" srcId="{F5AB6529-E5A4-4DFC-9E44-5A883CF59351}" destId="{CFB80AB0-BE2C-4C3E-B39E-C8F8F2E3127F}" srcOrd="0" destOrd="0" presId="urn:microsoft.com/office/officeart/2005/8/layout/default"/>
+    <dgm:cxn modelId="{A06E330B-1AD5-3D45-8875-2AD4AF276280}" type="presOf" srcId="{15324BF9-A016-4648-B6F8-4AB280BD1406}" destId="{95226B08-B6A9-4D52-B34F-B45E3C79DBE5}" srcOrd="0" destOrd="0" presId="urn:microsoft.com/office/officeart/2005/8/layout/default"/>
+    <dgm:cxn modelId="{07099904-3531-4150-AB53-08CF2FF75AFA}" srcId="{194E95D0-950B-476F-9946-FE9D28B98CDB}" destId="{93E86672-38F8-4D4D-A32C-C7294AAE8CC1}" srcOrd="33" destOrd="0" parTransId="{77E7A388-5138-4B2E-8F7A-C5FCB435C469}" sibTransId="{A4AA6A9E-7ED7-4B6B-9DB8-17D98D8BAAE4}"/>
     <dgm:cxn modelId="{A0F455F2-CD95-5D45-AEAF-84FE013FF784}" type="presOf" srcId="{41FB4CB0-F67E-42B6-9645-C5CD0B883C48}" destId="{D3BEAFEC-C659-448A-B755-CBE24CBA0AC2}" srcOrd="0" destOrd="0" presId="urn:microsoft.com/office/officeart/2005/8/layout/default"/>
-    <dgm:cxn modelId="{2D986120-5664-7741-BCB6-259C80EEE0D1}" type="presOf" srcId="{EA66204D-661C-4FA8-BAE2-6F17D7EB9EA6}" destId="{321A4018-B592-4007-AD71-5F7C8FE7AE01}" srcOrd="0" destOrd="0" presId="urn:microsoft.com/office/officeart/2005/8/layout/default"/>
-    <dgm:cxn modelId="{2E308739-90BF-254B-B271-A5A2E5CFA0A5}" type="presOf" srcId="{C08CD9A2-04EC-434D-9383-01D7E01BF75D}" destId="{EEA07650-BA0A-4F38-8097-E2F7762011F9}" srcOrd="0" destOrd="0" presId="urn:microsoft.com/office/officeart/2005/8/layout/default"/>
-    <dgm:cxn modelId="{00FC31B1-606B-FB47-957E-F37D34B141DF}" type="presOf" srcId="{F3D92DBF-AF47-4B55-8A35-15776CCDC373}" destId="{14A040B2-94A2-4929-AA35-DA1A4E1EBC79}" srcOrd="0" destOrd="0" presId="urn:microsoft.com/office/officeart/2005/8/layout/default"/>
-    <dgm:cxn modelId="{07099904-3531-4150-AB53-08CF2FF75AFA}" srcId="{194E95D0-950B-476F-9946-FE9D28B98CDB}" destId="{93E86672-38F8-4D4D-A32C-C7294AAE8CC1}" srcOrd="33" destOrd="0" parTransId="{77E7A388-5138-4B2E-8F7A-C5FCB435C469}" sibTransId="{A4AA6A9E-7ED7-4B6B-9DB8-17D98D8BAAE4}"/>
-    <dgm:cxn modelId="{19839975-33D6-3349-9516-95FFD33C85B5}" type="presOf" srcId="{5C0526F7-3E75-4852-8BD4-49F1EE88ACE0}" destId="{E2708732-0242-40AC-9C5D-73D643D5DF17}" srcOrd="0" destOrd="0" presId="urn:microsoft.com/office/officeart/2005/8/layout/default"/>
-    <dgm:cxn modelId="{5A646143-5D5D-4341-B7FF-B133A46D74D2}" srcId="{194E95D0-950B-476F-9946-FE9D28B98CDB}" destId="{F5AB6529-E5A4-4DFC-9E44-5A883CF59351}" srcOrd="8" destOrd="0" parTransId="{1E02BC5A-7120-46A7-A102-59141857F9BD}" sibTransId="{B1FFA83F-D1AA-4A55-9D4D-533F1F0C23C6}"/>
+    <dgm:cxn modelId="{2490D3C7-FC33-4A5B-9869-7F1FF8E40E68}" srcId="{194E95D0-950B-476F-9946-FE9D28B98CDB}" destId="{1621A23E-B514-45DE-A08A-3283A92C3B49}" srcOrd="26" destOrd="0" parTransId="{7CCB76AC-228B-4298-8E02-D2EAC8910A1F}" sibTransId="{FEBBC531-6030-488F-A082-523BAF2FACA2}"/>
+    <dgm:cxn modelId="{F0F6FA87-D9E7-4842-842F-F0585F76E9D2}" srcId="{194E95D0-950B-476F-9946-FE9D28B98CDB}" destId="{41FB4CB0-F67E-42B6-9645-C5CD0B883C48}" srcOrd="6" destOrd="0" parTransId="{28034C13-C0B5-4E03-85AF-87163462E69E}" sibTransId="{BDB1D460-F623-435F-A79D-CE86174AC701}"/>
+    <dgm:cxn modelId="{F2DE4A33-E26A-4244-A547-E4D3F828DF67}" srcId="{194E95D0-950B-476F-9946-FE9D28B98CDB}" destId="{9A113CD9-6FCB-4560-B03E-91092BB11C85}" srcOrd="30" destOrd="0" parTransId="{6B57A007-9075-4B9A-BBE9-3FCF0BE5F811}" sibTransId="{F9604371-5E86-49AC-B478-FC2C5B892B6B}"/>
+    <dgm:cxn modelId="{A8A4E054-5955-40E4-A353-6D9D65C3D6AE}" srcId="{194E95D0-950B-476F-9946-FE9D28B98CDB}" destId="{F3D92DBF-AF47-4B55-8A35-15776CCDC373}" srcOrd="32" destOrd="0" parTransId="{27E50F68-4F5E-41B2-ABB1-2E9B5E2FFC05}" sibTransId="{F6ED13D0-0054-455D-9B62-ADBC4F63A997}"/>
+    <dgm:cxn modelId="{E8723274-1853-45D7-A757-21348F627A2E}" srcId="{194E95D0-950B-476F-9946-FE9D28B98CDB}" destId="{2EBC060E-B1C8-4DF0-A223-EAB0E0083EF3}" srcOrd="34" destOrd="0" parTransId="{1424FD25-E8E5-4C17-A87E-D05C6C3A75B0}" sibTransId="{4CD5365C-CA21-4633-95F2-6CCCDF138EBC}"/>
+    <dgm:cxn modelId="{4E382A50-28D1-8C4E-9C18-84795A3514E7}" type="presOf" srcId="{2798D985-A96F-4043-9FE3-3B717C1AD0F3}" destId="{1FF8FC97-8A11-4BCE-9A46-E86B6FECDB58}" srcOrd="0" destOrd="0" presId="urn:microsoft.com/office/officeart/2005/8/layout/default"/>
+    <dgm:cxn modelId="{C2EA66F5-BF98-44C4-94A4-BF546B8DC6C3}" srcId="{194E95D0-950B-476F-9946-FE9D28B98CDB}" destId="{043B0B19-3471-43D5-9F24-6A53122D52AE}" srcOrd="7" destOrd="0" parTransId="{495B3233-8FA9-4B4B-878E-CE42249A5183}" sibTransId="{4F115DD3-319A-427F-8146-B7897099D680}"/>
+    <dgm:cxn modelId="{F1E52762-1977-4BAB-B467-4EDF0518AD51}" srcId="{194E95D0-950B-476F-9946-FE9D28B98CDB}" destId="{345729B2-0832-4A68-85D8-D4D7F5A5610F}" srcOrd="29" destOrd="0" parTransId="{A9EB832A-8B94-4B42-A9D2-01A71C8E1D8F}" sibTransId="{CFF2BED8-D087-4996-86F6-3349B922EF01}"/>
+    <dgm:cxn modelId="{73AB6A8A-E433-3641-9C54-187E7B990358}" type="presOf" srcId="{2EBC060E-B1C8-4DF0-A223-EAB0E0083EF3}" destId="{21080237-9017-4EDA-B880-D8A467A437EB}" srcOrd="0" destOrd="0" presId="urn:microsoft.com/office/officeart/2005/8/layout/default"/>
+    <dgm:cxn modelId="{3FC71534-26F8-D047-9BAA-48C2F8ECBD55}" type="presOf" srcId="{160BF83D-A9CE-4824-B3DE-825EDF3BC965}" destId="{7DD4A333-582B-4C7E-BE7E-3206CE477091}" srcOrd="0" destOrd="0" presId="urn:microsoft.com/office/officeart/2005/8/layout/default"/>
     <dgm:cxn modelId="{2AEE7CA2-8109-E04C-AADC-84BD59106237}" type="presOf" srcId="{D182817B-BF3E-4A38-A862-543FFD70D176}" destId="{64DF4073-C86B-41E5-95C1-765A4722EA51}" srcOrd="0" destOrd="0" presId="urn:microsoft.com/office/officeart/2005/8/layout/default"/>
-    <dgm:cxn modelId="{23FCB95B-31D7-4835-857F-8121D7D14A7B}" srcId="{194E95D0-950B-476F-9946-FE9D28B98CDB}" destId="{6EFF81F8-77B3-4202-9679-15FDBB2CF187}" srcOrd="9" destOrd="0" parTransId="{F728EC1C-80B5-49F6-9A5B-23B17448622A}" sibTransId="{95DF0152-83AE-4C05-BB5E-CA0414787BC5}"/>
-    <dgm:cxn modelId="{3FC71534-26F8-D047-9BAA-48C2F8ECBD55}" type="presOf" srcId="{160BF83D-A9CE-4824-B3DE-825EDF3BC965}" destId="{7DD4A333-582B-4C7E-BE7E-3206CE477091}" srcOrd="0" destOrd="0" presId="urn:microsoft.com/office/officeart/2005/8/layout/default"/>
-    <dgm:cxn modelId="{9BFDDB31-722C-FE48-AD90-14D9B213C769}" type="presOf" srcId="{7BEB4D34-0DE2-41C0-8D20-C8CC584746D9}" destId="{693C4AA7-CB13-4A4C-9402-EB2C47D62B88}" srcOrd="0" destOrd="0" presId="urn:microsoft.com/office/officeart/2005/8/layout/default"/>
-    <dgm:cxn modelId="{675C8CEF-A4B0-644A-8C55-84D8BA243EC3}" type="presOf" srcId="{0F6FCD28-7FEF-4DD3-A888-A968E800ED82}" destId="{827FD361-F42B-473B-9D4C-2F2DD3219A5D}" srcOrd="0" destOrd="0" presId="urn:microsoft.com/office/officeart/2005/8/layout/default"/>
-    <dgm:cxn modelId="{625FB51B-B4CA-44AA-9F51-C675C4B7C2EE}" srcId="{194E95D0-950B-476F-9946-FE9D28B98CDB}" destId="{771F3508-2E1C-4C69-9C15-5C8D980865F9}" srcOrd="23" destOrd="0" parTransId="{4E1A4A45-830C-4282-99FF-324F39EEE4AB}" sibTransId="{22595120-5C06-4259-A080-11B870084771}"/>
-    <dgm:cxn modelId="{4297953D-9625-41C9-BEBD-B4F57D251922}" srcId="{194E95D0-950B-476F-9946-FE9D28B98CDB}" destId="{EA66204D-661C-4FA8-BAE2-6F17D7EB9EA6}" srcOrd="13" destOrd="0" parTransId="{06A069C7-AF4C-4914-8B71-AF891135BBC8}" sibTransId="{973B4F6E-6CEA-45CC-9F43-D03BACEB0577}"/>
-    <dgm:cxn modelId="{CF35507D-B1AA-9048-B965-1CCA9555BFB1}" type="presOf" srcId="{7B2A0224-5EE9-49AA-99A8-525F8CAB95B9}" destId="{D812158E-D5E9-43B5-BF2E-F1AA6326F531}" srcOrd="0" destOrd="0" presId="urn:microsoft.com/office/officeart/2005/8/layout/default"/>
-    <dgm:cxn modelId="{54B020AB-C04E-4AF8-A987-4D0E3E3F7690}" srcId="{194E95D0-950B-476F-9946-FE9D28B98CDB}" destId="{A296EE4C-9A3D-4803-AAF4-2791813FA0B0}" srcOrd="19" destOrd="0" parTransId="{EEEB07CE-5FFE-4968-BF54-DA16AF5931BF}" sibTransId="{B63A3E96-8BA9-477A-A0F0-EDB3E704B2F2}"/>
-    <dgm:cxn modelId="{2669B802-5E16-8346-BF79-1E9FE96C2046}" type="presOf" srcId="{1621A23E-B514-45DE-A08A-3283A92C3B49}" destId="{996BC527-1A00-4696-8FA2-53676D4AFDF2}" srcOrd="0" destOrd="0" presId="urn:microsoft.com/office/officeart/2005/8/layout/default"/>
-    <dgm:cxn modelId="{93111ECD-AC61-414B-9082-BEB35C90A5BA}" type="presOf" srcId="{A0EC7E2C-63AB-419C-B83F-1D713734E919}" destId="{43EE97B9-4FB2-48FE-B44A-0AB89A2AB708}" srcOrd="0" destOrd="0" presId="urn:microsoft.com/office/officeart/2005/8/layout/default"/>
-    <dgm:cxn modelId="{3F56F09E-C413-4848-95C7-2C2EC96D5EE2}" srcId="{194E95D0-950B-476F-9946-FE9D28B98CDB}" destId="{1A8D4511-BFE2-49EF-9128-4C5D2E2F4FF9}" srcOrd="18" destOrd="0" parTransId="{FC1B1B11-26BE-46E5-A924-266C692EC3CF}" sibTransId="{5F0B3921-C8AE-4E51-A244-AA84368B15DF}"/>
-    <dgm:cxn modelId="{2490D3C7-FC33-4A5B-9869-7F1FF8E40E68}" srcId="{194E95D0-950B-476F-9946-FE9D28B98CDB}" destId="{1621A23E-B514-45DE-A08A-3283A92C3B49}" srcOrd="26" destOrd="0" parTransId="{7CCB76AC-228B-4298-8E02-D2EAC8910A1F}" sibTransId="{FEBBC531-6030-488F-A082-523BAF2FACA2}"/>
-    <dgm:cxn modelId="{27047883-934C-41AF-9C43-FC37E4218AD7}" srcId="{194E95D0-950B-476F-9946-FE9D28B98CDB}" destId="{15324BF9-A016-4648-B6F8-4AB280BD1406}" srcOrd="1" destOrd="0" parTransId="{C3558DFD-5D19-47BC-BCE5-CCD4D7B88216}" sibTransId="{27E7DE3E-22CF-4DFF-9F58-1DA4B1EC26C2}"/>
-    <dgm:cxn modelId="{34A451E7-1124-8840-94FE-3C37EF4FFD76}" type="presOf" srcId="{1580CAB0-997B-429A-AAD5-CE84EF0B7633}" destId="{390FA066-E030-4FDB-8636-1976F66E2C91}" srcOrd="0" destOrd="0" presId="urn:microsoft.com/office/officeart/2005/8/layout/default"/>
-    <dgm:cxn modelId="{90F0A10B-D405-414B-A67B-E68A7C3EFCA1}" type="presOf" srcId="{9A113CD9-6FCB-4560-B03E-91092BB11C85}" destId="{5ED443AC-26A9-458A-B099-9C3515FACB44}" srcOrd="0" destOrd="0" presId="urn:microsoft.com/office/officeart/2005/8/layout/default"/>
-    <dgm:cxn modelId="{A5092C35-253A-4A5A-A723-67A8B6F4C2E0}" srcId="{194E95D0-950B-476F-9946-FE9D28B98CDB}" destId="{24041390-4DFE-48C6-99E1-F12104459913}" srcOrd="22" destOrd="0" parTransId="{E58C2C49-8D4C-4F33-9DB7-C053943B1E57}" sibTransId="{AC76A270-86BC-4BEF-84EF-219DE3E065F4}"/>
-    <dgm:cxn modelId="{DEFB3FD7-DCE3-464E-A543-97F256CB6905}" type="presOf" srcId="{FCCD2624-583C-4E96-ABEA-7A6C589B60AD}" destId="{8309C897-728B-4970-8D1F-9D0C6D3B4098}" srcOrd="0" destOrd="0" presId="urn:microsoft.com/office/officeart/2005/8/layout/default"/>
-    <dgm:cxn modelId="{31E1CB85-BE7B-2B48-A303-8789809B3879}" type="presOf" srcId="{24041390-4DFE-48C6-99E1-F12104459913}" destId="{40FD2088-8EF6-46B0-8316-A4CBC62B5812}" srcOrd="0" destOrd="0" presId="urn:microsoft.com/office/officeart/2005/8/layout/default"/>
-    <dgm:cxn modelId="{73AB6A8A-E433-3641-9C54-187E7B990358}" type="presOf" srcId="{2EBC060E-B1C8-4DF0-A223-EAB0E0083EF3}" destId="{21080237-9017-4EDA-B880-D8A467A437EB}" srcOrd="0" destOrd="0" presId="urn:microsoft.com/office/officeart/2005/8/layout/default"/>
-    <dgm:cxn modelId="{1D1334E0-8392-42C3-8212-3059ED4E82A4}" srcId="{194E95D0-950B-476F-9946-FE9D28B98CDB}" destId="{2798D985-A96F-4043-9FE3-3B717C1AD0F3}" srcOrd="11" destOrd="0" parTransId="{41656C7B-6BC7-49C2-A6DE-5DABA8562C04}" sibTransId="{F11C192E-57A0-4BDB-8394-60020E52F08E}"/>
-    <dgm:cxn modelId="{4E382A50-28D1-8C4E-9C18-84795A3514E7}" type="presOf" srcId="{2798D985-A96F-4043-9FE3-3B717C1AD0F3}" destId="{1FF8FC97-8A11-4BCE-9A46-E86B6FECDB58}" srcOrd="0" destOrd="0" presId="urn:microsoft.com/office/officeart/2005/8/layout/default"/>
-    <dgm:cxn modelId="{77073A08-0673-B04B-B135-CCB380AA10E7}" type="presOf" srcId="{A296EE4C-9A3D-4803-AAF4-2791813FA0B0}" destId="{5CBF43AA-D97C-485D-9616-CA0D899FB6FA}" srcOrd="0" destOrd="0" presId="urn:microsoft.com/office/officeart/2005/8/layout/default"/>
-    <dgm:cxn modelId="{E93B787E-AD5C-4080-AF23-2DA7765CCAA2}" srcId="{194E95D0-950B-476F-9946-FE9D28B98CDB}" destId="{D3039EAC-AAF5-4B7C-A948-7FE7431C4732}" srcOrd="25" destOrd="0" parTransId="{CE2FD7D3-BEA7-490C-A3ED-1E84D4F31E94}" sibTransId="{66C4082F-1F9D-4F38-A7FF-66770D51E923}"/>
-    <dgm:cxn modelId="{7A37B183-BDE2-2448-9B33-6DE18FB8D010}" type="presOf" srcId="{1068BD1A-AEBE-487E-8A62-39341AE76E7B}" destId="{B635E842-0B7F-4432-8EE1-3C6721BE2B29}" srcOrd="0" destOrd="0" presId="urn:microsoft.com/office/officeart/2005/8/layout/default"/>
     <dgm:cxn modelId="{A4053D61-A753-FE4D-A4BA-C3D694BCC6EE}" type="presParOf" srcId="{148849EA-39C1-42B5-9441-7B6D9ED54BF9}" destId="{6FBF687C-4976-A54E-8DA5-3AAECD829659}" srcOrd="0" destOrd="0" presId="urn:microsoft.com/office/officeart/2005/8/layout/default"/>
     <dgm:cxn modelId="{5A641977-8B58-1141-9401-0BEF79AEE1CE}" type="presParOf" srcId="{148849EA-39C1-42B5-9441-7B6D9ED54BF9}" destId="{AD9D574E-FDB3-3D48-8772-612DA5219359}" srcOrd="1" destOrd="0" presId="urn:microsoft.com/office/officeart/2005/8/layout/default"/>
     <dgm:cxn modelId="{E47064FD-A8C9-F842-AC33-FB3D52E8E080}" type="presParOf" srcId="{148849EA-39C1-42B5-9441-7B6D9ED54BF9}" destId="{95226B08-B6A9-4D52-B34F-B45E3C79DBE5}" srcOrd="2" destOrd="0" presId="urn:microsoft.com/office/officeart/2005/8/layout/default"/>
@@ -9981,53 +9977,53 @@
     </dgm:pt>
   </dgm:ptLst>
   <dgm:cxnLst>
+    <dgm:cxn modelId="{7B289421-D34D-4D74-859B-AC7E21915524}" srcId="{AD95B609-3303-4583-87CD-2E7F35A6232A}" destId="{C10C8E44-53F0-4A95-B9E0-2C9674291AA8}" srcOrd="3" destOrd="0" parTransId="{920BB62B-541D-4CE3-A066-A85B338438D5}" sibTransId="{061A730A-78F6-4A11-99AC-7B30F084080D}"/>
+    <dgm:cxn modelId="{E840FF57-B382-423C-81EB-BAE38A169A99}" type="presOf" srcId="{819C193B-EAAC-476D-87A2-67263294D4D7}" destId="{F584A7AF-7AC4-466A-8058-C318E2452A4B}" srcOrd="0" destOrd="0" presId="urn:microsoft.com/office/officeart/2009/3/layout/SubStepProcess"/>
+    <dgm:cxn modelId="{96CAADBA-F321-46B8-98E3-BEBA2FD7B912}" srcId="{AD95B609-3303-4583-87CD-2E7F35A6232A}" destId="{6A3553B0-7A40-4A90-8516-16E3CA923718}" srcOrd="9" destOrd="0" parTransId="{978F89D0-B7DF-472A-9B03-C03A2DAC6155}" sibTransId="{02616C06-F1C3-427F-A227-7AC767461962}"/>
+    <dgm:cxn modelId="{2272C4A2-DBEA-444D-A06E-3431E02455D7}" type="presOf" srcId="{5F3E792C-E8E1-476D-A80F-9499729EB818}" destId="{930BC43C-89CA-4487-8A31-9FD4482A7DBB}" srcOrd="0" destOrd="0" presId="urn:microsoft.com/office/officeart/2009/3/layout/SubStepProcess"/>
+    <dgm:cxn modelId="{851DB145-7372-4AC1-AF6A-D698EF9EE1BC}" srcId="{AD95B609-3303-4583-87CD-2E7F35A6232A}" destId="{09EA8485-884F-484C-A626-8D7CC15A3984}" srcOrd="0" destOrd="0" parTransId="{5FB69482-A19E-4427-96EA-07A3C9999C37}" sibTransId="{8AAC2FF5-D3FB-432C-861F-AB07B94A8D17}"/>
+    <dgm:cxn modelId="{FFAB0640-BE7B-46C0-8665-26BD249B3807}" srcId="{95BAF3F2-D109-4E98-938E-0D603B5A9F7E}" destId="{C8DEEE97-A2B3-4862-9DF2-3CEFFDAFBD8C}" srcOrd="2" destOrd="0" parTransId="{C7B2C226-A6D5-4834-8096-D1248E9CC62E}" sibTransId="{91CF8BD8-BFB9-40E3-853E-F90C6E8E6A13}"/>
+    <dgm:cxn modelId="{8D2262FF-7BD1-412A-89FC-76A2FD0DB228}" srcId="{5F3E792C-E8E1-476D-A80F-9499729EB818}" destId="{E68E75D6-761A-40F6-92D7-5D34BDFDED6B}" srcOrd="4" destOrd="0" parTransId="{D57684C3-5833-4939-84F3-9DB3A7B8355B}" sibTransId="{67C4EF1D-D1C6-4DFB-8AB4-0F125B825D49}"/>
+    <dgm:cxn modelId="{67E122BD-5A88-4BC5-87A2-0BD09F7B29C1}" srcId="{AD95B609-3303-4583-87CD-2E7F35A6232A}" destId="{601322D6-BAE4-4D1D-BCE6-6DCA32544F9C}" srcOrd="8" destOrd="0" parTransId="{637D7C5F-8769-4305-8D07-D59FE1FD1DE7}" sibTransId="{54996A8C-05FB-49D6-A511-AB405B78FA03}"/>
+    <dgm:cxn modelId="{BBD5550C-232A-4358-A34B-E691CB70D253}" type="presOf" srcId="{D606B092-3F2D-43A2-91A0-195B86BD53DA}" destId="{DACE86A9-A05C-4CA3-83EC-40A63736638E}" srcOrd="0" destOrd="0" presId="urn:microsoft.com/office/officeart/2009/3/layout/SubStepProcess"/>
+    <dgm:cxn modelId="{403898F6-0BAD-4688-A767-D217A8C683D4}" srcId="{5F3E792C-E8E1-476D-A80F-9499729EB818}" destId="{0F6B5F89-03F0-4758-83E8-D38163FD5BDE}" srcOrd="2" destOrd="0" parTransId="{EBA221A6-4FBA-4E6B-B225-DD14D670EBEA}" sibTransId="{5E04DA45-E29B-461D-82AB-215C64D40866}"/>
+    <dgm:cxn modelId="{F8EEC1A3-BCEC-47CB-A295-ED345B1CA661}" srcId="{5F3E792C-E8E1-476D-A80F-9499729EB818}" destId="{89511B21-2A9E-472A-9A95-A6CC8E5FAADC}" srcOrd="3" destOrd="0" parTransId="{D05D4F68-E719-460B-9F4E-58BD7CE28669}" sibTransId="{75834831-EB4A-4A18-B9A1-240FBBF0B096}"/>
+    <dgm:cxn modelId="{F48F5137-40DB-4A59-99E3-0E978E3DEF58}" srcId="{AD95B609-3303-4583-87CD-2E7F35A6232A}" destId="{923AF866-B32B-4260-B12C-2D9D1E7F500A}" srcOrd="6" destOrd="0" parTransId="{AF943EA0-1A4F-46EE-A05F-E3454E545030}" sibTransId="{A687BB37-1EE6-4B22-8B58-BC618FF5F169}"/>
+    <dgm:cxn modelId="{3F9DF11D-9E55-40DB-828E-94E39C910C39}" srcId="{95BAF3F2-D109-4E98-938E-0D603B5A9F7E}" destId="{AD95B609-3303-4583-87CD-2E7F35A6232A}" srcOrd="0" destOrd="0" parTransId="{CA20A938-4752-4205-AB97-93C91C21D438}" sibTransId="{3B9797B8-1C0C-4F3D-B18B-50FEFFD6A0E1}"/>
+    <dgm:cxn modelId="{0844B31D-EA76-413B-90AD-5BC0795A08EC}" type="presOf" srcId="{95BAF3F2-D109-4E98-938E-0D603B5A9F7E}" destId="{4144592D-B1E6-44E0-B992-396491D46FD6}" srcOrd="0" destOrd="0" presId="urn:microsoft.com/office/officeart/2009/3/layout/SubStepProcess"/>
+    <dgm:cxn modelId="{4FC88EA4-07E8-46D1-9E82-24A7A8C10B6D}" type="presOf" srcId="{C10C8E44-53F0-4A95-B9E0-2C9674291AA8}" destId="{71035CB5-025D-4273-8618-B75128118237}" srcOrd="0" destOrd="0" presId="urn:microsoft.com/office/officeart/2009/3/layout/SubStepProcess"/>
+    <dgm:cxn modelId="{F1AFFDE5-DD20-4815-BF43-D769DB44BACA}" srcId="{5F3E792C-E8E1-476D-A80F-9499729EB818}" destId="{D606B092-3F2D-43A2-91A0-195B86BD53DA}" srcOrd="0" destOrd="0" parTransId="{66219553-9A84-45B1-A624-9936C43E8047}" sibTransId="{A7BB68E8-CFE5-41C3-8EF5-4BD28FD84C12}"/>
+    <dgm:cxn modelId="{A3957A6C-D036-469E-B3D1-F88D60B75E43}" type="presOf" srcId="{D30CC538-6A3E-4ABF-A7CF-4766B1619AA9}" destId="{847583CB-3949-4F46-92DF-5BC70B8A4826}" srcOrd="0" destOrd="0" presId="urn:microsoft.com/office/officeart/2009/3/layout/SubStepProcess"/>
+    <dgm:cxn modelId="{8B1CD69F-17F8-408D-9317-3FFF303D955D}" srcId="{5F3E792C-E8E1-476D-A80F-9499729EB818}" destId="{F0E93695-53B8-4FC4-A086-1D1368A1D979}" srcOrd="5" destOrd="0" parTransId="{CECFB84A-5A6F-4AF8-A5F1-6D04D4FFEA8C}" sibTransId="{748B5E76-AAE3-42CC-A068-BA09A8FF52F7}"/>
+    <dgm:cxn modelId="{54F418C8-B003-4C3E-9127-5F1AB7C5EAB9}" type="presOf" srcId="{6A3553B0-7A40-4A90-8516-16E3CA923718}" destId="{5C20E412-C74A-48DA-A2A0-6CC529AF4FA3}" srcOrd="0" destOrd="0" presId="urn:microsoft.com/office/officeart/2009/3/layout/SubStepProcess"/>
+    <dgm:cxn modelId="{26413D1F-B4DC-42ED-9508-59902F295F56}" type="presOf" srcId="{C8DEEE97-A2B3-4862-9DF2-3CEFFDAFBD8C}" destId="{8F724D7A-FC3E-4ECA-A525-6E3BA44424E6}" srcOrd="0" destOrd="0" presId="urn:microsoft.com/office/officeart/2009/3/layout/SubStepProcess"/>
+    <dgm:cxn modelId="{25B05C16-2E1D-4598-A63C-2EBA88E4E99E}" srcId="{AD95B609-3303-4583-87CD-2E7F35A6232A}" destId="{C9FBCAE5-829B-4790-8E80-1EECA1A01A54}" srcOrd="7" destOrd="0" parTransId="{7A836164-CEBD-48A7-AC9C-F5DD82973333}" sibTransId="{EE61A56A-8119-4850-BEBC-D362BADC6A72}"/>
+    <dgm:cxn modelId="{4C37B3D5-3822-43C1-924F-09811DAEA3A9}" srcId="{C8DEEE97-A2B3-4862-9DF2-3CEFFDAFBD8C}" destId="{8A2B1C81-E47D-47F9-AF76-7772C9C66239}" srcOrd="0" destOrd="0" parTransId="{C182E80D-2B6A-40C0-A10D-D2F624D54BBD}" sibTransId="{9F3FC4D9-FE32-489C-B204-29B67185D75E}"/>
+    <dgm:cxn modelId="{2BF4C107-6A6D-4E8E-849D-47619B617BC8}" type="presOf" srcId="{601322D6-BAE4-4D1D-BCE6-6DCA32544F9C}" destId="{91B759A7-7C2B-4E54-BA5E-24E6B1B5CF56}" srcOrd="0" destOrd="0" presId="urn:microsoft.com/office/officeart/2009/3/layout/SubStepProcess"/>
+    <dgm:cxn modelId="{CD0E5135-9AEC-43CF-9708-D51FAE0A47E7}" srcId="{C8DEEE97-A2B3-4862-9DF2-3CEFFDAFBD8C}" destId="{FB911FC4-0553-4EE8-B15D-6BC139993559}" srcOrd="2" destOrd="0" parTransId="{888E84C5-66E0-4C28-A734-38304805F82E}" sibTransId="{DEFD4263-88D9-490E-87EF-714CEEB943C7}"/>
+    <dgm:cxn modelId="{D1CF7A31-8599-46BA-90C2-84F1F54679FB}" type="presOf" srcId="{0F6B5F89-03F0-4758-83E8-D38163FD5BDE}" destId="{26448DDA-E83C-4832-BD33-7AA9AE7A1FBD}" srcOrd="0" destOrd="0" presId="urn:microsoft.com/office/officeart/2009/3/layout/SubStepProcess"/>
     <dgm:cxn modelId="{6268C07B-C038-4857-8651-1893FD20867D}" srcId="{AD95B609-3303-4583-87CD-2E7F35A6232A}" destId="{D30CC538-6A3E-4ABF-A7CF-4766B1619AA9}" srcOrd="4" destOrd="0" parTransId="{B2821827-82C3-4E38-B688-D3944481D084}" sibTransId="{BF6AAC22-75F1-42CE-B071-35E223068637}"/>
-    <dgm:cxn modelId="{F8EEC1A3-BCEC-47CB-A295-ED345B1CA661}" srcId="{5F3E792C-E8E1-476D-A80F-9499729EB818}" destId="{89511B21-2A9E-472A-9A95-A6CC8E5FAADC}" srcOrd="3" destOrd="0" parTransId="{D05D4F68-E719-460B-9F4E-58BD7CE28669}" sibTransId="{75834831-EB4A-4A18-B9A1-240FBBF0B096}"/>
-    <dgm:cxn modelId="{BBD5550C-232A-4358-A34B-E691CB70D253}" type="presOf" srcId="{D606B092-3F2D-43A2-91A0-195B86BD53DA}" destId="{DACE86A9-A05C-4CA3-83EC-40A63736638E}" srcOrd="0" destOrd="0" presId="urn:microsoft.com/office/officeart/2009/3/layout/SubStepProcess"/>
-    <dgm:cxn modelId="{96CAADBA-F321-46B8-98E3-BEBA2FD7B912}" srcId="{AD95B609-3303-4583-87CD-2E7F35A6232A}" destId="{6A3553B0-7A40-4A90-8516-16E3CA923718}" srcOrd="9" destOrd="0" parTransId="{978F89D0-B7DF-472A-9B03-C03A2DAC6155}" sibTransId="{02616C06-F1C3-427F-A227-7AC767461962}"/>
-    <dgm:cxn modelId="{377FACA8-B085-47AC-B304-A0E88863179D}" type="presOf" srcId="{89511B21-2A9E-472A-9A95-A6CC8E5FAADC}" destId="{CD82906B-C356-4E42-B320-83690748577F}" srcOrd="0" destOrd="0" presId="urn:microsoft.com/office/officeart/2009/3/layout/SubStepProcess"/>
-    <dgm:cxn modelId="{A3957A6C-D036-469E-B3D1-F88D60B75E43}" type="presOf" srcId="{D30CC538-6A3E-4ABF-A7CF-4766B1619AA9}" destId="{847583CB-3949-4F46-92DF-5BC70B8A4826}" srcOrd="0" destOrd="0" presId="urn:microsoft.com/office/officeart/2009/3/layout/SubStepProcess"/>
-    <dgm:cxn modelId="{8E97018E-B7DF-4E20-8722-CCCA4B5E1266}" type="presOf" srcId="{9C8E4A14-3A8E-458D-8E2C-9E6CF1CCC4B0}" destId="{64ECA41F-8C16-4299-9A9C-307AD1C48C43}" srcOrd="0" destOrd="0" presId="urn:microsoft.com/office/officeart/2009/3/layout/SubStepProcess"/>
-    <dgm:cxn modelId="{D3AF6C03-A3CB-480F-97B6-3EE9EAD07334}" type="presOf" srcId="{AD95B609-3303-4583-87CD-2E7F35A6232A}" destId="{ECA4621E-2E99-4BEF-9592-8A07D21B3E61}" srcOrd="0" destOrd="0" presId="urn:microsoft.com/office/officeart/2009/3/layout/SubStepProcess"/>
-    <dgm:cxn modelId="{F1AFFDE5-DD20-4815-BF43-D769DB44BACA}" srcId="{5F3E792C-E8E1-476D-A80F-9499729EB818}" destId="{D606B092-3F2D-43A2-91A0-195B86BD53DA}" srcOrd="0" destOrd="0" parTransId="{66219553-9A84-45B1-A624-9936C43E8047}" sibTransId="{A7BB68E8-CFE5-41C3-8EF5-4BD28FD84C12}"/>
-    <dgm:cxn modelId="{67E122BD-5A88-4BC5-87A2-0BD09F7B29C1}" srcId="{AD95B609-3303-4583-87CD-2E7F35A6232A}" destId="{601322D6-BAE4-4D1D-BCE6-6DCA32544F9C}" srcOrd="8" destOrd="0" parTransId="{637D7C5F-8769-4305-8D07-D59FE1FD1DE7}" sibTransId="{54996A8C-05FB-49D6-A511-AB405B78FA03}"/>
-    <dgm:cxn modelId="{068E6F1E-736A-46C5-B02A-C306EA3B88EC}" srcId="{AD95B609-3303-4583-87CD-2E7F35A6232A}" destId="{C0E686F4-07E0-48F0-9175-5A4E8D81D8F8}" srcOrd="2" destOrd="0" parTransId="{AB56B838-13C1-4272-A57B-C7EBE9D83F0E}" sibTransId="{C2B9156C-1718-44F9-961C-87D932C09337}"/>
-    <dgm:cxn modelId="{8D2262FF-7BD1-412A-89FC-76A2FD0DB228}" srcId="{5F3E792C-E8E1-476D-A80F-9499729EB818}" destId="{E68E75D6-761A-40F6-92D7-5D34BDFDED6B}" srcOrd="4" destOrd="0" parTransId="{D57684C3-5833-4939-84F3-9DB3A7B8355B}" sibTransId="{67C4EF1D-D1C6-4DFB-8AB4-0F125B825D49}"/>
-    <dgm:cxn modelId="{434BDFE1-C15D-40CC-A54F-F9725EADEFA2}" type="presOf" srcId="{33060EEB-721D-46E8-A715-2FC01D6BD15A}" destId="{875414DA-731F-42C8-985C-69C9D4D037D6}" srcOrd="0" destOrd="0" presId="urn:microsoft.com/office/officeart/2009/3/layout/SubStepProcess"/>
-    <dgm:cxn modelId="{4C37B3D5-3822-43C1-924F-09811DAEA3A9}" srcId="{C8DEEE97-A2B3-4862-9DF2-3CEFFDAFBD8C}" destId="{8A2B1C81-E47D-47F9-AF76-7772C9C66239}" srcOrd="0" destOrd="0" parTransId="{C182E80D-2B6A-40C0-A10D-D2F624D54BBD}" sibTransId="{9F3FC4D9-FE32-489C-B204-29B67185D75E}"/>
-    <dgm:cxn modelId="{5F736D82-879F-4B3C-913F-3051C7E05534}" type="presOf" srcId="{FB911FC4-0553-4EE8-B15D-6BC139993559}" destId="{F80CB992-25F3-4146-990C-CB3F855D4E45}" srcOrd="0" destOrd="0" presId="urn:microsoft.com/office/officeart/2009/3/layout/SubStepProcess"/>
-    <dgm:cxn modelId="{D1CF7A31-8599-46BA-90C2-84F1F54679FB}" type="presOf" srcId="{0F6B5F89-03F0-4758-83E8-D38163FD5BDE}" destId="{26448DDA-E83C-4832-BD33-7AA9AE7A1FBD}" srcOrd="0" destOrd="0" presId="urn:microsoft.com/office/officeart/2009/3/layout/SubStepProcess"/>
-    <dgm:cxn modelId="{80D65BB7-863C-43A0-B16C-EE8308742636}" type="presOf" srcId="{C0E686F4-07E0-48F0-9175-5A4E8D81D8F8}" destId="{389E0D84-76EC-4FFF-A4B8-7C47016BC1F8}" srcOrd="0" destOrd="0" presId="urn:microsoft.com/office/officeart/2009/3/layout/SubStepProcess"/>
-    <dgm:cxn modelId="{CD0E5135-9AEC-43CF-9708-D51FAE0A47E7}" srcId="{C8DEEE97-A2B3-4862-9DF2-3CEFFDAFBD8C}" destId="{FB911FC4-0553-4EE8-B15D-6BC139993559}" srcOrd="2" destOrd="0" parTransId="{888E84C5-66E0-4C28-A734-38304805F82E}" sibTransId="{DEFD4263-88D9-490E-87EF-714CEEB943C7}"/>
-    <dgm:cxn modelId="{198D3979-2267-4660-8977-14D75A3B4E78}" srcId="{5F3E792C-E8E1-476D-A80F-9499729EB818}" destId="{9C8E4A14-3A8E-458D-8E2C-9E6CF1CCC4B0}" srcOrd="6" destOrd="0" parTransId="{A04CC4F2-75DE-4F68-A745-417004977698}" sibTransId="{C848A657-410B-47FE-97E4-32DE211692A4}"/>
-    <dgm:cxn modelId="{26413D1F-B4DC-42ED-9508-59902F295F56}" type="presOf" srcId="{C8DEEE97-A2B3-4862-9DF2-3CEFFDAFBD8C}" destId="{8F724D7A-FC3E-4ECA-A525-6E3BA44424E6}" srcOrd="0" destOrd="0" presId="urn:microsoft.com/office/officeart/2009/3/layout/SubStepProcess"/>
-    <dgm:cxn modelId="{403898F6-0BAD-4688-A767-D217A8C683D4}" srcId="{5F3E792C-E8E1-476D-A80F-9499729EB818}" destId="{0F6B5F89-03F0-4758-83E8-D38163FD5BDE}" srcOrd="2" destOrd="0" parTransId="{EBA221A6-4FBA-4E6B-B225-DD14D670EBEA}" sibTransId="{5E04DA45-E29B-461D-82AB-215C64D40866}"/>
-    <dgm:cxn modelId="{2BF4C107-6A6D-4E8E-849D-47619B617BC8}" type="presOf" srcId="{601322D6-BAE4-4D1D-BCE6-6DCA32544F9C}" destId="{91B759A7-7C2B-4E54-BA5E-24E6B1B5CF56}" srcOrd="0" destOrd="0" presId="urn:microsoft.com/office/officeart/2009/3/layout/SubStepProcess"/>
-    <dgm:cxn modelId="{8140EE19-556D-4E7E-A353-1E233B3F5AC0}" type="presOf" srcId="{EDD1FF38-46FD-4A03-BCBE-20400FF7D1C8}" destId="{5D0F8DBC-FA8A-4ACB-A014-076E69604080}" srcOrd="0" destOrd="0" presId="urn:microsoft.com/office/officeart/2009/3/layout/SubStepProcess"/>
-    <dgm:cxn modelId="{34BEB09E-E2A5-4DF6-B8E2-B6D70FF4B1CF}" type="presOf" srcId="{C9FBCAE5-829B-4790-8E80-1EECA1A01A54}" destId="{B69F6CCC-94E3-460A-9C6F-EB373D226EE5}" srcOrd="0" destOrd="0" presId="urn:microsoft.com/office/officeart/2009/3/layout/SubStepProcess"/>
-    <dgm:cxn modelId="{DAA1C1C8-0688-4806-8A68-F6112A67A090}" srcId="{5F3E792C-E8E1-476D-A80F-9499729EB818}" destId="{819C193B-EAAC-476D-87A2-67263294D4D7}" srcOrd="1" destOrd="0" parTransId="{8399B9EE-C7E2-4231-A7C8-EA226A9367CB}" sibTransId="{79E766F7-3576-4828-BC83-6F97132DFE01}"/>
-    <dgm:cxn modelId="{4FC88EA4-07E8-46D1-9E82-24A7A8C10B6D}" type="presOf" srcId="{C10C8E44-53F0-4A95-B9E0-2C9674291AA8}" destId="{71035CB5-025D-4273-8618-B75128118237}" srcOrd="0" destOrd="0" presId="urn:microsoft.com/office/officeart/2009/3/layout/SubStepProcess"/>
-    <dgm:cxn modelId="{5BD6DBEF-E391-4FA4-B6E3-2F80ED0491B5}" type="presOf" srcId="{09EA8485-884F-484C-A626-8D7CC15A3984}" destId="{CA782425-D4E6-4F03-9D7E-94A648C70890}" srcOrd="0" destOrd="0" presId="urn:microsoft.com/office/officeart/2009/3/layout/SubStepProcess"/>
     <dgm:cxn modelId="{3DF45BE5-B035-4FF1-880E-D6735D0B4C8C}" type="presOf" srcId="{E68E75D6-761A-40F6-92D7-5D34BDFDED6B}" destId="{6F1B3249-C222-4DDB-A636-3200F8B317BC}" srcOrd="0" destOrd="0" presId="urn:microsoft.com/office/officeart/2009/3/layout/SubStepProcess"/>
     <dgm:cxn modelId="{644B7DC9-0862-46B5-B9A1-663198E1ECFA}" type="presOf" srcId="{F0E93695-53B8-4FC4-A086-1D1368A1D979}" destId="{665F2682-A452-430A-A3D8-81BEFE3D16A5}" srcOrd="0" destOrd="0" presId="urn:microsoft.com/office/officeart/2009/3/layout/SubStepProcess"/>
-    <dgm:cxn modelId="{54F418C8-B003-4C3E-9127-5F1AB7C5EAB9}" type="presOf" srcId="{6A3553B0-7A40-4A90-8516-16E3CA923718}" destId="{5C20E412-C74A-48DA-A2A0-6CC529AF4FA3}" srcOrd="0" destOrd="0" presId="urn:microsoft.com/office/officeart/2009/3/layout/SubStepProcess"/>
+    <dgm:cxn modelId="{F6ABFB68-ED34-4CE6-808C-BE75A6866E02}" srcId="{95BAF3F2-D109-4E98-938E-0D603B5A9F7E}" destId="{5F3E792C-E8E1-476D-A80F-9499729EB818}" srcOrd="1" destOrd="0" parTransId="{86EDC1AE-450F-413C-BFB9-337801F67ECB}" sibTransId="{7911D3D9-7603-4E23-8D5B-51615984B9C4}"/>
+    <dgm:cxn modelId="{BB55E895-5854-49E5-B68B-590ADBCE66FD}" srcId="{AD95B609-3303-4583-87CD-2E7F35A6232A}" destId="{33060EEB-721D-46E8-A715-2FC01D6BD15A}" srcOrd="5" destOrd="0" parTransId="{96364B11-B350-41FB-8E2B-B34E47C1D94A}" sibTransId="{9722F965-D8DA-42EF-92C5-FE9E51E31C1D}"/>
+    <dgm:cxn modelId="{8E97018E-B7DF-4E20-8722-CCCA4B5E1266}" type="presOf" srcId="{9C8E4A14-3A8E-458D-8E2C-9E6CF1CCC4B0}" destId="{64ECA41F-8C16-4299-9A9C-307AD1C48C43}" srcOrd="0" destOrd="0" presId="urn:microsoft.com/office/officeart/2009/3/layout/SubStepProcess"/>
+    <dgm:cxn modelId="{F658C6DC-E3B9-4DF8-8CB6-5AFB4FE20A71}" type="presOf" srcId="{8A2B1C81-E47D-47F9-AF76-7772C9C66239}" destId="{69457D61-8171-4A3D-B02E-77898F9E34F4}" srcOrd="0" destOrd="0" presId="urn:microsoft.com/office/officeart/2009/3/layout/SubStepProcess"/>
+    <dgm:cxn modelId="{80D65BB7-863C-43A0-B16C-EE8308742636}" type="presOf" srcId="{C0E686F4-07E0-48F0-9175-5A4E8D81D8F8}" destId="{389E0D84-76EC-4FFF-A4B8-7C47016BC1F8}" srcOrd="0" destOrd="0" presId="urn:microsoft.com/office/officeart/2009/3/layout/SubStepProcess"/>
+    <dgm:cxn modelId="{377FACA8-B085-47AC-B304-A0E88863179D}" type="presOf" srcId="{89511B21-2A9E-472A-9A95-A6CC8E5FAADC}" destId="{CD82906B-C356-4E42-B320-83690748577F}" srcOrd="0" destOrd="0" presId="urn:microsoft.com/office/officeart/2009/3/layout/SubStepProcess"/>
+    <dgm:cxn modelId="{DAA1C1C8-0688-4806-8A68-F6112A67A090}" srcId="{5F3E792C-E8E1-476D-A80F-9499729EB818}" destId="{819C193B-EAAC-476D-87A2-67263294D4D7}" srcOrd="1" destOrd="0" parTransId="{8399B9EE-C7E2-4231-A7C8-EA226A9367CB}" sibTransId="{79E766F7-3576-4828-BC83-6F97132DFE01}"/>
+    <dgm:cxn modelId="{D3AF6C03-A3CB-480F-97B6-3EE9EAD07334}" type="presOf" srcId="{AD95B609-3303-4583-87CD-2E7F35A6232A}" destId="{ECA4621E-2E99-4BEF-9592-8A07D21B3E61}" srcOrd="0" destOrd="0" presId="urn:microsoft.com/office/officeart/2009/3/layout/SubStepProcess"/>
+    <dgm:cxn modelId="{8140EE19-556D-4E7E-A353-1E233B3F5AC0}" type="presOf" srcId="{EDD1FF38-46FD-4A03-BCBE-20400FF7D1C8}" destId="{5D0F8DBC-FA8A-4ACB-A014-076E69604080}" srcOrd="0" destOrd="0" presId="urn:microsoft.com/office/officeart/2009/3/layout/SubStepProcess"/>
+    <dgm:cxn modelId="{5BD6DBEF-E391-4FA4-B6E3-2F80ED0491B5}" type="presOf" srcId="{09EA8485-884F-484C-A626-8D7CC15A3984}" destId="{CA782425-D4E6-4F03-9D7E-94A648C70890}" srcOrd="0" destOrd="0" presId="urn:microsoft.com/office/officeart/2009/3/layout/SubStepProcess"/>
+    <dgm:cxn modelId="{34BEB09E-E2A5-4DF6-B8E2-B6D70FF4B1CF}" type="presOf" srcId="{C9FBCAE5-829B-4790-8E80-1EECA1A01A54}" destId="{B69F6CCC-94E3-460A-9C6F-EB373D226EE5}" srcOrd="0" destOrd="0" presId="urn:microsoft.com/office/officeart/2009/3/layout/SubStepProcess"/>
+    <dgm:cxn modelId="{434BDFE1-C15D-40CC-A54F-F9725EADEFA2}" type="presOf" srcId="{33060EEB-721D-46E8-A715-2FC01D6BD15A}" destId="{875414DA-731F-42C8-985C-69C9D4D037D6}" srcOrd="0" destOrd="0" presId="urn:microsoft.com/office/officeart/2009/3/layout/SubStepProcess"/>
+    <dgm:cxn modelId="{B0F2EEBF-33AE-4D0F-B65C-C95F8D10DAFB}" srcId="{AD95B609-3303-4583-87CD-2E7F35A6232A}" destId="{EDD1FF38-46FD-4A03-BCBE-20400FF7D1C8}" srcOrd="1" destOrd="0" parTransId="{25DBED34-3B55-46C2-92B0-F73CB140844A}" sibTransId="{1BC48B71-3693-4D66-8B80-472DE094EEBB}"/>
     <dgm:cxn modelId="{4B5413BA-4CBE-4FE6-B24D-47F97A25911D}" type="presOf" srcId="{923AF866-B32B-4260-B12C-2D9D1E7F500A}" destId="{BBD82359-4377-47EB-9B8B-CAD76182BA0B}" srcOrd="0" destOrd="0" presId="urn:microsoft.com/office/officeart/2009/3/layout/SubStepProcess"/>
-    <dgm:cxn modelId="{FFAB0640-BE7B-46C0-8665-26BD249B3807}" srcId="{95BAF3F2-D109-4E98-938E-0D603B5A9F7E}" destId="{C8DEEE97-A2B3-4862-9DF2-3CEFFDAFBD8C}" srcOrd="2" destOrd="0" parTransId="{C7B2C226-A6D5-4834-8096-D1248E9CC62E}" sibTransId="{91CF8BD8-BFB9-40E3-853E-F90C6E8E6A13}"/>
-    <dgm:cxn modelId="{7B289421-D34D-4D74-859B-AC7E21915524}" srcId="{AD95B609-3303-4583-87CD-2E7F35A6232A}" destId="{C10C8E44-53F0-4A95-B9E0-2C9674291AA8}" srcOrd="3" destOrd="0" parTransId="{920BB62B-541D-4CE3-A066-A85B338438D5}" sibTransId="{061A730A-78F6-4A11-99AC-7B30F084080D}"/>
-    <dgm:cxn modelId="{BB55E895-5854-49E5-B68B-590ADBCE66FD}" srcId="{AD95B609-3303-4583-87CD-2E7F35A6232A}" destId="{33060EEB-721D-46E8-A715-2FC01D6BD15A}" srcOrd="5" destOrd="0" parTransId="{96364B11-B350-41FB-8E2B-B34E47C1D94A}" sibTransId="{9722F965-D8DA-42EF-92C5-FE9E51E31C1D}"/>
+    <dgm:cxn modelId="{92127220-0A13-466E-AB84-2717FD98E1F4}" type="presOf" srcId="{6DB29109-100D-48FC-AE54-B7783E34D7A7}" destId="{D8A00F33-4D08-48BD-A1DF-39F3BE097E6F}" srcOrd="0" destOrd="0" presId="urn:microsoft.com/office/officeart/2009/3/layout/SubStepProcess"/>
+    <dgm:cxn modelId="{198D3979-2267-4660-8977-14D75A3B4E78}" srcId="{5F3E792C-E8E1-476D-A80F-9499729EB818}" destId="{9C8E4A14-3A8E-458D-8E2C-9E6CF1CCC4B0}" srcOrd="6" destOrd="0" parTransId="{A04CC4F2-75DE-4F68-A745-417004977698}" sibTransId="{C848A657-410B-47FE-97E4-32DE211692A4}"/>
+    <dgm:cxn modelId="{5F736D82-879F-4B3C-913F-3051C7E05534}" type="presOf" srcId="{FB911FC4-0553-4EE8-B15D-6BC139993559}" destId="{F80CB992-25F3-4146-990C-CB3F855D4E45}" srcOrd="0" destOrd="0" presId="urn:microsoft.com/office/officeart/2009/3/layout/SubStepProcess"/>
+    <dgm:cxn modelId="{068E6F1E-736A-46C5-B02A-C306EA3B88EC}" srcId="{AD95B609-3303-4583-87CD-2E7F35A6232A}" destId="{C0E686F4-07E0-48F0-9175-5A4E8D81D8F8}" srcOrd="2" destOrd="0" parTransId="{AB56B838-13C1-4272-A57B-C7EBE9D83F0E}" sibTransId="{C2B9156C-1718-44F9-961C-87D932C09337}"/>
     <dgm:cxn modelId="{07AD1FD7-1774-4689-A54F-41ADED4D8F53}" srcId="{C8DEEE97-A2B3-4862-9DF2-3CEFFDAFBD8C}" destId="{6DB29109-100D-48FC-AE54-B7783E34D7A7}" srcOrd="1" destOrd="0" parTransId="{02A31342-2519-42A2-8333-40D4384B27EF}" sibTransId="{8FB1B6A8-2918-4F6C-9C38-6CECD4EE07B7}"/>
-    <dgm:cxn modelId="{25B05C16-2E1D-4598-A63C-2EBA88E4E99E}" srcId="{AD95B609-3303-4583-87CD-2E7F35A6232A}" destId="{C9FBCAE5-829B-4790-8E80-1EECA1A01A54}" srcOrd="7" destOrd="0" parTransId="{7A836164-CEBD-48A7-AC9C-F5DD82973333}" sibTransId="{EE61A56A-8119-4850-BEBC-D362BADC6A72}"/>
-    <dgm:cxn modelId="{3F9DF11D-9E55-40DB-828E-94E39C910C39}" srcId="{95BAF3F2-D109-4E98-938E-0D603B5A9F7E}" destId="{AD95B609-3303-4583-87CD-2E7F35A6232A}" srcOrd="0" destOrd="0" parTransId="{CA20A938-4752-4205-AB97-93C91C21D438}" sibTransId="{3B9797B8-1C0C-4F3D-B18B-50FEFFD6A0E1}"/>
-    <dgm:cxn modelId="{E840FF57-B382-423C-81EB-BAE38A169A99}" type="presOf" srcId="{819C193B-EAAC-476D-87A2-67263294D4D7}" destId="{F584A7AF-7AC4-466A-8058-C318E2452A4B}" srcOrd="0" destOrd="0" presId="urn:microsoft.com/office/officeart/2009/3/layout/SubStepProcess"/>
-    <dgm:cxn modelId="{F658C6DC-E3B9-4DF8-8CB6-5AFB4FE20A71}" type="presOf" srcId="{8A2B1C81-E47D-47F9-AF76-7772C9C66239}" destId="{69457D61-8171-4A3D-B02E-77898F9E34F4}" srcOrd="0" destOrd="0" presId="urn:microsoft.com/office/officeart/2009/3/layout/SubStepProcess"/>
-    <dgm:cxn modelId="{F6ABFB68-ED34-4CE6-808C-BE75A6866E02}" srcId="{95BAF3F2-D109-4E98-938E-0D603B5A9F7E}" destId="{5F3E792C-E8E1-476D-A80F-9499729EB818}" srcOrd="1" destOrd="0" parTransId="{86EDC1AE-450F-413C-BFB9-337801F67ECB}" sibTransId="{7911D3D9-7603-4E23-8D5B-51615984B9C4}"/>
-    <dgm:cxn modelId="{0844B31D-EA76-413B-90AD-5BC0795A08EC}" type="presOf" srcId="{95BAF3F2-D109-4E98-938E-0D603B5A9F7E}" destId="{4144592D-B1E6-44E0-B992-396491D46FD6}" srcOrd="0" destOrd="0" presId="urn:microsoft.com/office/officeart/2009/3/layout/SubStepProcess"/>
-    <dgm:cxn modelId="{F48F5137-40DB-4A59-99E3-0E978E3DEF58}" srcId="{AD95B609-3303-4583-87CD-2E7F35A6232A}" destId="{923AF866-B32B-4260-B12C-2D9D1E7F500A}" srcOrd="6" destOrd="0" parTransId="{AF943EA0-1A4F-46EE-A05F-E3454E545030}" sibTransId="{A687BB37-1EE6-4B22-8B58-BC618FF5F169}"/>
-    <dgm:cxn modelId="{851DB145-7372-4AC1-AF6A-D698EF9EE1BC}" srcId="{AD95B609-3303-4583-87CD-2E7F35A6232A}" destId="{09EA8485-884F-484C-A626-8D7CC15A3984}" srcOrd="0" destOrd="0" parTransId="{5FB69482-A19E-4427-96EA-07A3C9999C37}" sibTransId="{8AAC2FF5-D3FB-432C-861F-AB07B94A8D17}"/>
-    <dgm:cxn modelId="{2272C4A2-DBEA-444D-A06E-3431E02455D7}" type="presOf" srcId="{5F3E792C-E8E1-476D-A80F-9499729EB818}" destId="{930BC43C-89CA-4487-8A31-9FD4482A7DBB}" srcOrd="0" destOrd="0" presId="urn:microsoft.com/office/officeart/2009/3/layout/SubStepProcess"/>
-    <dgm:cxn modelId="{92127220-0A13-466E-AB84-2717FD98E1F4}" type="presOf" srcId="{6DB29109-100D-48FC-AE54-B7783E34D7A7}" destId="{D8A00F33-4D08-48BD-A1DF-39F3BE097E6F}" srcOrd="0" destOrd="0" presId="urn:microsoft.com/office/officeart/2009/3/layout/SubStepProcess"/>
-    <dgm:cxn modelId="{B0F2EEBF-33AE-4D0F-B65C-C95F8D10DAFB}" srcId="{AD95B609-3303-4583-87CD-2E7F35A6232A}" destId="{EDD1FF38-46FD-4A03-BCBE-20400FF7D1C8}" srcOrd="1" destOrd="0" parTransId="{25DBED34-3B55-46C2-92B0-F73CB140844A}" sibTransId="{1BC48B71-3693-4D66-8B80-472DE094EEBB}"/>
-    <dgm:cxn modelId="{8B1CD69F-17F8-408D-9317-3FFF303D955D}" srcId="{5F3E792C-E8E1-476D-A80F-9499729EB818}" destId="{F0E93695-53B8-4FC4-A086-1D1368A1D979}" srcOrd="5" destOrd="0" parTransId="{CECFB84A-5A6F-4AF8-A5F1-6D04D4FFEA8C}" sibTransId="{748B5E76-AAE3-42CC-A068-BA09A8FF52F7}"/>
     <dgm:cxn modelId="{B8A6BEF9-DFA4-4199-AA3E-3812787480C3}" type="presParOf" srcId="{4144592D-B1E6-44E0-B992-396491D46FD6}" destId="{ECA4621E-2E99-4BEF-9592-8A07D21B3E61}" srcOrd="0" destOrd="0" presId="urn:microsoft.com/office/officeart/2009/3/layout/SubStepProcess"/>
     <dgm:cxn modelId="{5C9A286A-D6FF-44D6-9281-8B83257C0103}" type="presParOf" srcId="{4144592D-B1E6-44E0-B992-396491D46FD6}" destId="{2A563650-F912-4157-A811-C159B047D303}" srcOrd="1" destOrd="0" presId="urn:microsoft.com/office/officeart/2009/3/layout/SubStepProcess"/>
     <dgm:cxn modelId="{D04A4040-82E1-4D7A-8357-21DD84823907}" type="presParOf" srcId="{4144592D-B1E6-44E0-B992-396491D46FD6}" destId="{5CFD5AEE-B526-4A28-9A9F-CD5A5B54978C}" srcOrd="2" destOrd="0" presId="urn:microsoft.com/office/officeart/2009/3/layout/SubStepProcess"/>
@@ -10744,11 +10740,7 @@
           </a:pPr>
           <a:r>
             <a:rPr lang="en-US" sz="1800" kern="1200" dirty="0" smtClean="0"/>
-            <a:t>Requires </a:t>
-          </a:r>
-          <a:r>
-            <a:rPr lang="en-US" sz="1800" kern="1200" dirty="0" smtClean="0"/>
-            <a:t>“return”</a:t>
+            <a:t>Requires “return”</a:t>
           </a:r>
           <a:endParaRPr lang="en-US" sz="1800" kern="1200" dirty="0"/>
         </a:p>
@@ -25265,7 +25257,7 @@
           <a:p>
             <a:fld id="{D383A388-81AD-4DD0-BB49-0C836E9CC166}" type="datetimeFigureOut">
               <a:rPr lang="en-US" smtClean="0"/>
-              <a:t>6/5/14</a:t>
+              <a:t>7/11/14</a:t>
             </a:fld>
             <a:endParaRPr lang="en-US"/>
           </a:p>
@@ -25431,7 +25423,7 @@
           <a:p>
             <a:fld id="{83A42379-093C-4640-BDB0-A25E629AF4AF}" type="datetimeFigureOut">
               <a:rPr lang="en-US" smtClean="0"/>
-              <a:t>6/5/14</a:t>
+              <a:t>7/11/14</a:t>
             </a:fld>
             <a:endParaRPr lang="en-US"/>
           </a:p>
@@ -25806,11 +25798,7 @@
             </a:pPr>
             <a:r>
               <a:rPr lang="en-US" dirty="0" smtClean="0"/>
-              <a:t>I work </a:t>
-            </a:r>
-            <a:r>
-              <a:rPr lang="en-US" dirty="0" smtClean="0"/>
-              <a:t>at FFL</a:t>
+              <a:t>I work at FFL</a:t>
             </a:r>
             <a:r>
               <a:rPr lang="en-US" baseline="0" dirty="0" smtClean="0"/>
@@ -25845,11 +25833,7 @@
             </a:r>
             <a:r>
               <a:rPr lang="en-US" baseline="0" dirty="0" smtClean="0"/>
-              <a:t> </a:t>
-            </a:r>
-            <a:r>
-              <a:rPr lang="en-US" baseline="0" dirty="0" smtClean="0"/>
-              <a:t>UG. One of the </a:t>
+              <a:t> UG. One of the </a:t>
             </a:r>
             <a:r>
               <a:rPr lang="en-US" baseline="0" dirty="0" err="1" smtClean="0"/>
@@ -25993,11 +25977,7 @@
             </a:r>
             <a:r>
               <a:rPr lang="en-US" dirty="0" smtClean="0"/>
-              <a:t> Data demo</a:t>
-            </a:r>
-            <a:r>
-              <a:rPr lang="en-US" dirty="0" smtClean="0"/>
-              <a:t>&gt;</a:t>
+              <a:t> Data demo&gt;</a:t>
             </a:r>
           </a:p>
           <a:p>
@@ -26201,11 +26181,7 @@
             </a:r>
             <a:r>
               <a:rPr lang="en-US" baseline="0" dirty="0" smtClean="0"/>
-              <a:t> </a:t>
-            </a:r>
-            <a:r>
-              <a:rPr lang="en-US" baseline="0" dirty="0" smtClean="0"/>
-              <a:t>must be registered</a:t>
+              <a:t> must be registered</a:t>
             </a:r>
           </a:p>
           <a:p>
@@ -26213,7 +26189,6 @@
               <a:rPr lang="en-US" baseline="0" dirty="0" smtClean="0"/>
               <a:t>Main needs to be labeled as an Entry Point. </a:t>
             </a:r>
-            <a:endParaRPr lang="en-US" baseline="0" dirty="0" smtClean="0"/>
           </a:p>
           <a:p>
             <a:endParaRPr lang="en-US" baseline="0" dirty="0" smtClean="0"/>
@@ -26223,7 +26198,6 @@
               <a:rPr lang="en-US" baseline="0" dirty="0" smtClean="0"/>
               <a:t>&lt;- is assignment</a:t>
             </a:r>
-            <a:endParaRPr lang="en-US" baseline="0" dirty="0" smtClean="0"/>
           </a:p>
           <a:p>
             <a:endParaRPr lang="en-US" dirty="0" smtClean="0"/>
@@ -26414,6 +26388,18 @@
           <a:bodyPr/>
           <a:lstStyle/>
           <a:p>
+            <a:r>
+              <a:rPr lang="en-US" dirty="0" smtClean="0"/>
+              <a:t>Also, finish looking at </a:t>
+            </a:r>
+            <a:r>
+              <a:rPr lang="en-US" dirty="0" err="1" smtClean="0"/>
+              <a:t>Tasky</a:t>
+            </a:r>
+            <a:r>
+              <a:rPr lang="en-US" smtClean="0"/>
+              <a:t>. </a:t>
+            </a:r>
             <a:endParaRPr lang="en-US" dirty="0"/>
           </a:p>
         </p:txBody>
@@ -26894,7 +26880,6 @@
               <a:rPr lang="en-US" baseline="0" dirty="0" smtClean="0"/>
               <a:t> gets flack for lack of UI support. </a:t>
             </a:r>
-            <a:endParaRPr lang="en-US" baseline="0" dirty="0" smtClean="0"/>
           </a:p>
           <a:p>
             <a:endParaRPr lang="en-US" baseline="0" dirty="0" smtClean="0"/>
@@ -27628,7 +27613,7 @@
             <a:pPr eaLnBrk="1" latinLnBrk="0" hangingPunct="1"/>
             <a:fld id="{81663A10-8963-408B-B7A7-2BE0C9C01E2A}" type="datetime1">
               <a:rPr lang="en-US" smtClean="0"/>
-              <a:t>6/5/14</a:t>
+              <a:t>7/11/14</a:t>
             </a:fld>
             <a:endParaRPr lang="en-US"/>
           </a:p>
@@ -28000,7 +27985,7 @@
   </p:clrMapOvr>
   <p:extLst mod="1">
     <p:ext uri="{DCECCB84-F9BA-43D5-87BE-67443E8EF086}">
-      <p15:sldGuideLst xmlns="" xmlns:p15="http://schemas.microsoft.com/office/powerpoint/2012/main">
+      <p15:sldGuideLst xmlns:p15="http://schemas.microsoft.com/office/powerpoint/2012/main" xmlns="">
         <p15:guide id="1" orient="horz" pos="2160">
           <p15:clr>
             <a:srgbClr val="FBAE40"/>
@@ -28629,7 +28614,7 @@
             <a:pPr eaLnBrk="1" latinLnBrk="0" hangingPunct="1"/>
             <a:fld id="{F2890721-CDC0-49BE-AFE7-64C944AACF5F}" type="datetime1">
               <a:rPr lang="en-US" smtClean="0"/>
-              <a:t>6/5/14</a:t>
+              <a:t>7/11/14</a:t>
             </a:fld>
             <a:endParaRPr lang="en-US" dirty="0"/>
           </a:p>
@@ -28762,7 +28747,7 @@
             <a:pPr eaLnBrk="1" latinLnBrk="0" hangingPunct="1"/>
             <a:fld id="{433A5BE9-678F-4DD1-95B6-930E3381EA12}" type="datetime1">
               <a:rPr lang="en-US" smtClean="0"/>
-              <a:t>6/5/14</a:t>
+              <a:t>7/11/14</a:t>
             </a:fld>
             <a:endParaRPr lang="en-US"/>
           </a:p>
@@ -29286,7 +29271,7 @@
             <a:pPr eaLnBrk="1" latinLnBrk="0" hangingPunct="1"/>
             <a:fld id="{02BDF250-BE5F-44C9-A5DF-DC957FDCFC0D}" type="datetime1">
               <a:rPr lang="en-US" smtClean="0"/>
-              <a:t>6/5/14</a:t>
+              <a:t>7/11/14</a:t>
             </a:fld>
             <a:endParaRPr lang="en-US"/>
           </a:p>
@@ -29620,7 +29605,7 @@
             <a:pPr eaLnBrk="1" latinLnBrk="0" hangingPunct="1"/>
             <a:fld id="{9CE94D95-E352-415A-8F95-D0C060D20FB1}" type="datetime1">
               <a:rPr lang="en-US" smtClean="0"/>
-              <a:t>6/5/14</a:t>
+              <a:t>7/11/14</a:t>
             </a:fld>
             <a:endParaRPr lang="en-US"/>
           </a:p>
@@ -29901,7 +29886,7 @@
   </p:clrMapOvr>
   <p:extLst mod="1">
     <p:ext uri="{DCECCB84-F9BA-43D5-87BE-67443E8EF086}">
-      <p15:sldGuideLst xmlns="" xmlns:p15="http://schemas.microsoft.com/office/powerpoint/2012/main">
+      <p15:sldGuideLst xmlns:p15="http://schemas.microsoft.com/office/powerpoint/2012/main" xmlns="">
         <p15:guide id="2" orient="horz" pos="2160">
           <p15:clr>
             <a:srgbClr val="FBAE40"/>
@@ -29982,7 +29967,7 @@
             <a:pPr eaLnBrk="1" latinLnBrk="0" hangingPunct="1"/>
             <a:fld id="{958722A3-5E87-44C8-AE92-65C6CEBEF68D}" type="datetime1">
               <a:rPr lang="en-US" smtClean="0"/>
-              <a:t>6/5/14</a:t>
+              <a:t>7/11/14</a:t>
             </a:fld>
             <a:endParaRPr lang="en-US"/>
           </a:p>
@@ -30508,7 +30493,7 @@
             <a:pPr eaLnBrk="1" latinLnBrk="0" hangingPunct="1"/>
             <a:fld id="{09863461-38BD-4FD1-BF9D-211C72E72FE2}" type="datetime1">
               <a:rPr lang="en-US" smtClean="0"/>
-              <a:t>6/5/14</a:t>
+              <a:t>7/11/14</a:t>
             </a:fld>
             <a:endParaRPr lang="en-US"/>
           </a:p>
@@ -30733,7 +30718,7 @@
   </p:clrMapOvr>
   <p:extLst mod="1">
     <p:ext uri="{DCECCB84-F9BA-43D5-87BE-67443E8EF086}">
-      <p15:sldGuideLst xmlns="" xmlns:p15="http://schemas.microsoft.com/office/powerpoint/2012/main">
+      <p15:sldGuideLst xmlns:p15="http://schemas.microsoft.com/office/powerpoint/2012/main" xmlns="">
         <p15:guide id="1" orient="horz" pos="1272">
           <p15:clr>
             <a:srgbClr val="FBAE40"/>
@@ -30814,7 +30799,7 @@
             <a:pPr eaLnBrk="1" latinLnBrk="0" hangingPunct="1"/>
             <a:fld id="{6CBF5709-960A-49A9-8751-FEF9A5E360AA}" type="datetime1">
               <a:rPr lang="en-US" smtClean="0"/>
-              <a:t>6/5/14</a:t>
+              <a:t>7/11/14</a:t>
             </a:fld>
             <a:endParaRPr lang="en-US"/>
           </a:p>
@@ -31442,7 +31427,7 @@
             <a:pPr eaLnBrk="1" latinLnBrk="0" hangingPunct="1"/>
             <a:fld id="{48C1FD80-18FC-4774-8AAB-366B09B2A217}" type="datetime1">
               <a:rPr lang="en-US" smtClean="0"/>
-              <a:t>6/5/14</a:t>
+              <a:t>7/11/14</a:t>
             </a:fld>
             <a:endParaRPr lang="en-US"/>
           </a:p>
@@ -31841,7 +31826,7 @@
             <a:pPr eaLnBrk="1" latinLnBrk="0" hangingPunct="1"/>
             <a:fld id="{BD372ACB-E49B-443C-90A9-D97449131392}" type="datetime1">
               <a:rPr lang="en-US" smtClean="0"/>
-              <a:t>6/5/14</a:t>
+              <a:t>7/11/14</a:t>
             </a:fld>
             <a:endParaRPr lang="en-US"/>
           </a:p>
@@ -32156,7 +32141,7 @@
             <a:pPr eaLnBrk="1" latinLnBrk="0" hangingPunct="1"/>
             <a:fld id="{6508DA99-E421-4EBE-83B7-7AA044411DE1}" type="datetime1">
               <a:rPr lang="en-US" smtClean="0"/>
-              <a:t>6/5/14</a:t>
+              <a:t>7/11/14</a:t>
             </a:fld>
             <a:endParaRPr lang="en-US"/>
           </a:p>
@@ -32878,7 +32863,7 @@
             <a:pPr eaLnBrk="1" latinLnBrk="0" hangingPunct="1"/>
             <a:fld id="{62F7506B-250E-4C9B-A8AF-00707E40032F}" type="datetime1">
               <a:rPr lang="en-US" smtClean="0"/>
-              <a:t>6/5/14</a:t>
+              <a:t>7/11/14</a:t>
             </a:fld>
             <a:endParaRPr lang="en-US"/>
           </a:p>
@@ -32915,7 +32900,7 @@
   </p:clrMapOvr>
   <p:extLst mod="1">
     <p:ext uri="{DCECCB84-F9BA-43D5-87BE-67443E8EF086}">
-      <p15:sldGuideLst xmlns="" xmlns:p15="http://schemas.microsoft.com/office/powerpoint/2012/main">
+      <p15:sldGuideLst xmlns:p15="http://schemas.microsoft.com/office/powerpoint/2012/main" xmlns="">
         <p15:guide id="1" orient="horz" pos="288">
           <p15:clr>
             <a:srgbClr val="FBAE40"/>
@@ -33163,7 +33148,7 @@
             <a:pPr algn="r" eaLnBrk="1" latinLnBrk="0" hangingPunct="1"/>
             <a:fld id="{45888139-7179-4465-8DDF-46377E1DC30B}" type="datetime1">
               <a:rPr lang="en-US" smtClean="0"/>
-              <a:t>6/5/14</a:t>
+              <a:t>7/11/14</a:t>
             </a:fld>
             <a:endParaRPr lang="en-US" sz="1400" dirty="0">
               <a:solidFill>
@@ -33837,7 +33822,7 @@
   </p:txStyles>
   <p:extLst mod="1">
     <p:ext uri="{27BBF7A9-308A-43DC-89C8-2F10F3537804}">
-      <p15:sldGuideLst xmlns="" xmlns:p15="http://schemas.microsoft.com/office/powerpoint/2012/main">
+      <p15:sldGuideLst xmlns:p15="http://schemas.microsoft.com/office/powerpoint/2012/main" xmlns="">
         <p15:guide id="1" pos="2856">
           <p15:clr>
             <a:srgbClr val="F26B43"/>
@@ -34078,7 +34063,6 @@
               <a:rPr lang="en-US" dirty="0"/>
               <a:t>Several reasons why you should learn F#</a:t>
             </a:r>
-            <a:endParaRPr lang="en-US" dirty="0"/>
           </a:p>
         </p:txBody>
       </p:sp>
@@ -36527,11 +36511,11 @@
   <p:clrMapOvr>
     <a:masterClrMapping/>
   </p:clrMapOvr>
-  <mc:AlternateContent xmlns:mc="http://schemas.openxmlformats.org/markup-compatibility/2006" xmlns:p14="http://schemas.microsoft.com/office/powerpoint/2010/main">
-    <mc:Choice Requires="p14">
+  <mc:AlternateContent xmlns:mc="http://schemas.openxmlformats.org/markup-compatibility/2006">
+    <mc:Choice xmlns:p14="http://schemas.microsoft.com/office/powerpoint/2010/main" Requires="p14">
       <p:transition spd="slow" p14:dur="2000"/>
     </mc:Choice>
-    <mc:Fallback xmlns="">
+    <mc:Fallback>
       <p:transition xmlns:p14="http://schemas.microsoft.com/office/powerpoint/2010/main" spd="slow"/>
     </mc:Fallback>
   </mc:AlternateContent>
@@ -36633,6 +36617,14 @@
   <p:clrMapOvr>
     <a:masterClrMapping/>
   </p:clrMapOvr>
+  <mc:AlternateContent xmlns:mc="http://schemas.openxmlformats.org/markup-compatibility/2006">
+    <mc:Choice xmlns:p14="http://schemas.microsoft.com/office/powerpoint/2010/main" Requires="p14">
+      <p:transition spd="slow" p14:dur="2000"/>
+    </mc:Choice>
+    <mc:Fallback>
+      <p:transition xmlns:p14="http://schemas.microsoft.com/office/powerpoint/2010/main" spd="slow"/>
+    </mc:Fallback>
+  </mc:AlternateContent>
   <p:timing>
     <p:tnLst>
       <p:par>
@@ -37899,11 +37891,7 @@
           <a:p>
             <a:r>
               <a:rPr lang="en-US" dirty="0" smtClean="0"/>
-              <a:t>|</a:t>
-            </a:r>
-            <a:r>
-              <a:rPr lang="en-US" dirty="0" smtClean="0"/>
-              <a:t>&gt;</a:t>
+              <a:t>|&gt;</a:t>
             </a:r>
             <a:r>
               <a:rPr lang="en-US" dirty="0"/>
@@ -37914,11 +37902,7 @@
             </a:br>
             <a:r>
               <a:rPr lang="en-US" dirty="0" smtClean="0"/>
-              <a:t>Significant </a:t>
-            </a:r>
-            <a:r>
-              <a:rPr lang="en-US" dirty="0" smtClean="0"/>
-              <a:t>whitespace</a:t>
+              <a:t>Significant whitespace</a:t>
             </a:r>
             <a:br>
               <a:rPr lang="en-US" dirty="0" smtClean="0"/>
@@ -37926,10 +37910,6 @@
             <a:r>
               <a:rPr lang="en-US" dirty="0" smtClean="0"/>
               <a:t>Immutable by default</a:t>
-            </a:r>
-            <a:r>
-              <a:rPr lang="en-US" dirty="0" smtClean="0"/>
-              <a:t/>
             </a:r>
             <a:br>
               <a:rPr lang="en-US" dirty="0" smtClean="0"/>
@@ -40109,7 +40089,7 @@
   <a:extraClrSchemeLst/>
   <a:extLst>
     <a:ext uri="{05A4C25C-085E-4340-85A3-A5531E510DB2}">
-      <thm15:themeFamily xmlns="" xmlns:thm15="http://schemas.microsoft.com/office/thememl/2012/main" name="Office Theme" id="{62F939B6-93AF-4DB8-9C6B-D6C7DFDC589F}" vid="{4A3C46E8-61CC-4603-A589-7422A47A8E4A}"/>
+      <thm15:themeFamily xmlns:thm15="http://schemas.microsoft.com/office/thememl/2012/main" xmlns="" name="Office Theme" id="{62F939B6-93AF-4DB8-9C6B-D6C7DFDC589F}" vid="{4A3C46E8-61CC-4603-A589-7422A47A8E4A}"/>
     </a:ext>
   </a:extLst>
 </a:theme>
@@ -40370,7 +40350,7 @@
   <a:extraClrSchemeLst/>
   <a:extLst>
     <a:ext uri="{05A4C25C-085E-4340-85A3-A5531E510DB2}">
-      <thm15:themeFamily xmlns="" xmlns:thm15="http://schemas.microsoft.com/office/thememl/2012/main" name="Office Theme" id="{62F939B6-93AF-4DB8-9C6B-D6C7DFDC589F}" vid="{4A3C46E8-61CC-4603-A589-7422A47A8E4A}"/>
+      <thm15:themeFamily xmlns:thm15="http://schemas.microsoft.com/office/thememl/2012/main" xmlns="" name="Office Theme" id="{62F939B6-93AF-4DB8-9C6B-D6C7DFDC589F}" vid="{4A3C46E8-61CC-4603-A589-7422A47A8E4A}"/>
     </a:ext>
   </a:extLst>
 </a:theme>

--- a/Intro to Xamarin F#/F#-iOS.pptx
+++ b/Intro to Xamarin F#/F#-iOS.pptx
@@ -26397,7 +26397,7 @@
               <a:t>Tasky</a:t>
             </a:r>
             <a:r>
-              <a:rPr lang="en-US" smtClean="0"/>
+              <a:rPr lang="en-US" dirty="0" smtClean="0"/>
               <a:t>. </a:t>
             </a:r>
             <a:endParaRPr lang="en-US" dirty="0"/>
@@ -36424,7 +36424,7 @@
 </file>
 
 <file path=ppt/slides/slide17.xml><?xml version="1.0" encoding="utf-8"?>
-<p:sld xmlns:a="http://schemas.openxmlformats.org/drawingml/2006/main" xmlns:r="http://schemas.openxmlformats.org/officeDocument/2006/relationships" xmlns:p="http://schemas.openxmlformats.org/presentationml/2006/main">
+<p:sld xmlns:a="http://schemas.openxmlformats.org/drawingml/2006/main" xmlns:r="http://schemas.openxmlformats.org/officeDocument/2006/relationships" xmlns:p="http://schemas.openxmlformats.org/presentationml/2006/main" show="0">
   <p:cSld>
     <p:spTree>
       <p:nvGrpSpPr>
@@ -36530,7 +36530,7 @@
 </file>
 
 <file path=ppt/slides/slide18.xml><?xml version="1.0" encoding="utf-8"?>
-<p:sld xmlns:a="http://schemas.openxmlformats.org/drawingml/2006/main" xmlns:r="http://schemas.openxmlformats.org/officeDocument/2006/relationships" xmlns:p="http://schemas.openxmlformats.org/presentationml/2006/main">
+<p:sld xmlns:a="http://schemas.openxmlformats.org/drawingml/2006/main" xmlns:r="http://schemas.openxmlformats.org/officeDocument/2006/relationships" xmlns:p="http://schemas.openxmlformats.org/presentationml/2006/main" show="0">
   <p:cSld>
     <p:spTree>
       <p:nvGrpSpPr>
@@ -36668,8 +36668,12 @@
           <a:lstStyle/>
           <a:p>
             <a:r>
+              <a:rPr lang="en-US" dirty="0" err="1" smtClean="0"/>
+              <a:t>Tasky</a:t>
+            </a:r>
+            <a:r>
               <a:rPr lang="en-US" dirty="0" smtClean="0"/>
-              <a:t>Minesweeper</a:t>
+              <a:t> &amp; Minesweeper</a:t>
             </a:r>
             <a:endParaRPr lang="en-US" dirty="0"/>
           </a:p>

--- a/Intro to Xamarin F#/F#-iOS.pptx
+++ b/Intro to Xamarin F#/F#-iOS.pptx
@@ -3734,7 +3734,7 @@
       </dgm:prSet>
       <dgm:spPr>
         <a:solidFill>
-          <a:srgbClr val="FFB400"/>
+          <a:schemeClr val="accent4"/>
         </a:solidFill>
         <a:ln/>
       </dgm:spPr>
@@ -3860,10 +3860,10 @@
         <a:p>
           <a:pPr rtl="0"/>
           <a:r>
-            <a:rPr lang="en-US" smtClean="0"/>
+            <a:rPr lang="en-US" dirty="0" smtClean="0"/>
             <a:t>No easy cloning syntax for structures (e.g. records)</a:t>
           </a:r>
-          <a:endParaRPr lang="en-US"/>
+          <a:endParaRPr lang="en-US" dirty="0"/>
         </a:p>
       </dgm:t>
     </dgm:pt>
@@ -3918,10 +3918,14 @@
         <a:p>
           <a:pPr rtl="0"/>
           <a:r>
-            <a:rPr lang="en-US" smtClean="0"/>
-            <a:t>Literal data structures are only list and dict</a:t>
+            <a:rPr lang="en-US" dirty="0" smtClean="0"/>
+            <a:t>Literal data structures are only list and </a:t>
           </a:r>
-          <a:endParaRPr lang="en-US"/>
+          <a:r>
+            <a:rPr lang="en-US" dirty="0" err="1" smtClean="0"/>
+            <a:t>dict</a:t>
+          </a:r>
+          <a:endParaRPr lang="en-US" dirty="0"/>
         </a:p>
       </dgm:t>
     </dgm:pt>
@@ -4097,6 +4101,13 @@
     <dgm:pt modelId="{8BE71D0C-570C-B74F-A9E7-FE079B5F3722}" type="pres">
       <dgm:prSet presAssocID="{0EDB5E31-4C18-A047-AFA6-681F51EB0690}" presName="sibTrans" presStyleCnt="0"/>
       <dgm:spPr/>
+      <dgm:t>
+        <a:bodyPr/>
+        <a:lstStyle/>
+        <a:p>
+          <a:endParaRPr lang="en-US"/>
+        </a:p>
+      </dgm:t>
     </dgm:pt>
     <dgm:pt modelId="{C559C7D2-483D-5F48-A26B-8EAE5264A151}" type="pres">
       <dgm:prSet presAssocID="{3FB97A8E-F053-1C41-9D45-64B6DB3F015D}" presName="node" presStyleLbl="node1" presStyleIdx="1" presStyleCnt="12">
@@ -4116,6 +4127,13 @@
     <dgm:pt modelId="{1D8C1E3B-A2C0-6B46-8DC6-3EFECB962B6F}" type="pres">
       <dgm:prSet presAssocID="{754D125B-8C61-244D-A3DB-23E9F339A2DC}" presName="sibTrans" presStyleCnt="0"/>
       <dgm:spPr/>
+      <dgm:t>
+        <a:bodyPr/>
+        <a:lstStyle/>
+        <a:p>
+          <a:endParaRPr lang="en-US"/>
+        </a:p>
+      </dgm:t>
     </dgm:pt>
     <dgm:pt modelId="{B50BA639-ABAB-FE4D-8ADD-55047E4C39C3}" type="pres">
       <dgm:prSet presAssocID="{E01DFDD3-EC32-C74C-8789-E54DEEF95C54}" presName="node" presStyleLbl="node1" presStyleIdx="2" presStyleCnt="12">
@@ -4135,6 +4153,13 @@
     <dgm:pt modelId="{7A152123-140B-774A-B73E-25A573BE2906}" type="pres">
       <dgm:prSet presAssocID="{18AEC6DA-9F31-8747-86C9-7992D3CC2DE8}" presName="sibTrans" presStyleCnt="0"/>
       <dgm:spPr/>
+      <dgm:t>
+        <a:bodyPr/>
+        <a:lstStyle/>
+        <a:p>
+          <a:endParaRPr lang="en-US"/>
+        </a:p>
+      </dgm:t>
     </dgm:pt>
     <dgm:pt modelId="{06F8D891-E03C-384C-925C-BF00949E46F9}" type="pres">
       <dgm:prSet presAssocID="{0492D821-7CB5-C441-881C-9EFD3C3BE68B}" presName="node" presStyleLbl="node1" presStyleIdx="3" presStyleCnt="12">
@@ -4154,6 +4179,13 @@
     <dgm:pt modelId="{71B47179-4767-7540-9334-4F7213AC3C96}" type="pres">
       <dgm:prSet presAssocID="{D816F0A9-235C-2E4C-A1F1-AFCD18F32129}" presName="sibTrans" presStyleCnt="0"/>
       <dgm:spPr/>
+      <dgm:t>
+        <a:bodyPr/>
+        <a:lstStyle/>
+        <a:p>
+          <a:endParaRPr lang="en-US"/>
+        </a:p>
+      </dgm:t>
     </dgm:pt>
     <dgm:pt modelId="{11474513-4025-C14D-A522-ABA4AAA37054}" type="pres">
       <dgm:prSet presAssocID="{3EB4FE68-6170-2B46-A835-87A83C258E72}" presName="node" presStyleLbl="node1" presStyleIdx="4" presStyleCnt="12">
@@ -4173,6 +4205,13 @@
     <dgm:pt modelId="{A7AA554F-0130-0A42-AD19-8AC444BABC87}" type="pres">
       <dgm:prSet presAssocID="{7B5E2D53-6439-4B4A-93D2-F99BCAF44198}" presName="sibTrans" presStyleCnt="0"/>
       <dgm:spPr/>
+      <dgm:t>
+        <a:bodyPr/>
+        <a:lstStyle/>
+        <a:p>
+          <a:endParaRPr lang="en-US"/>
+        </a:p>
+      </dgm:t>
     </dgm:pt>
     <dgm:pt modelId="{061AE71F-0195-C141-A566-BC6E7334CFAB}" type="pres">
       <dgm:prSet presAssocID="{8E7D25B5-6B5C-F342-805C-13B511360055}" presName="node" presStyleLbl="node1" presStyleIdx="5" presStyleCnt="12">
@@ -4192,6 +4231,13 @@
     <dgm:pt modelId="{C448931B-093B-F047-BB41-95E06CBAD33B}" type="pres">
       <dgm:prSet presAssocID="{74B16FBC-DB9C-FC47-BC9F-D10AC0C42157}" presName="sibTrans" presStyleCnt="0"/>
       <dgm:spPr/>
+      <dgm:t>
+        <a:bodyPr/>
+        <a:lstStyle/>
+        <a:p>
+          <a:endParaRPr lang="en-US"/>
+        </a:p>
+      </dgm:t>
     </dgm:pt>
     <dgm:pt modelId="{F04EE06E-93A5-C04E-A361-BFAB13584AF6}" type="pres">
       <dgm:prSet presAssocID="{ACF09673-413B-CA4E-8667-6700A0D1C728}" presName="node" presStyleLbl="node1" presStyleIdx="6" presStyleCnt="12">
@@ -4211,6 +4257,13 @@
     <dgm:pt modelId="{547D110A-28D6-AD4D-9CF0-9B2E9BE69791}" type="pres">
       <dgm:prSet presAssocID="{CDBC78C5-55C1-7C4A-8E64-8B6A4F1D7A97}" presName="sibTrans" presStyleCnt="0"/>
       <dgm:spPr/>
+      <dgm:t>
+        <a:bodyPr/>
+        <a:lstStyle/>
+        <a:p>
+          <a:endParaRPr lang="en-US"/>
+        </a:p>
+      </dgm:t>
     </dgm:pt>
     <dgm:pt modelId="{4F8F0504-5974-5A4E-9E4D-51D812023CA9}" type="pres">
       <dgm:prSet presAssocID="{6DA8F6B3-47B1-6D4D-A117-9ADC30CD5977}" presName="node" presStyleLbl="node1" presStyleIdx="7" presStyleCnt="12">
@@ -4230,6 +4283,13 @@
     <dgm:pt modelId="{1AF7DEC0-DC82-624C-BCB7-054C5E64B911}" type="pres">
       <dgm:prSet presAssocID="{C3FF784C-7084-334C-8EE9-EC9731ECBDDC}" presName="sibTrans" presStyleCnt="0"/>
       <dgm:spPr/>
+      <dgm:t>
+        <a:bodyPr/>
+        <a:lstStyle/>
+        <a:p>
+          <a:endParaRPr lang="en-US"/>
+        </a:p>
+      </dgm:t>
     </dgm:pt>
     <dgm:pt modelId="{A85E33D0-8102-E147-B6B1-163961A7DBB1}" type="pres">
       <dgm:prSet presAssocID="{1E2B09E3-704C-E741-A5F0-6A9796F83349}" presName="node" presStyleLbl="node1" presStyleIdx="8" presStyleCnt="12">
@@ -4249,6 +4309,13 @@
     <dgm:pt modelId="{245BC375-839F-C544-9922-D111AD543A08}" type="pres">
       <dgm:prSet presAssocID="{14B02EA9-C47F-1547-98C2-871FC429CB8D}" presName="sibTrans" presStyleCnt="0"/>
       <dgm:spPr/>
+      <dgm:t>
+        <a:bodyPr/>
+        <a:lstStyle/>
+        <a:p>
+          <a:endParaRPr lang="en-US"/>
+        </a:p>
+      </dgm:t>
     </dgm:pt>
     <dgm:pt modelId="{601B4B08-727E-1543-B42A-9294C0357C2F}" type="pres">
       <dgm:prSet presAssocID="{F6B412E0-B22D-6F49-AB38-D8B243C48C26}" presName="node" presStyleLbl="node1" presStyleIdx="9" presStyleCnt="12">
@@ -4268,6 +4335,13 @@
     <dgm:pt modelId="{26EB9FD7-8B6A-994B-9F49-2F05099B5D59}" type="pres">
       <dgm:prSet presAssocID="{4D9DE4C3-3CF0-A941-A077-105FCAFF15D0}" presName="sibTrans" presStyleCnt="0"/>
       <dgm:spPr/>
+      <dgm:t>
+        <a:bodyPr/>
+        <a:lstStyle/>
+        <a:p>
+          <a:endParaRPr lang="en-US"/>
+        </a:p>
+      </dgm:t>
     </dgm:pt>
     <dgm:pt modelId="{EC20D3D3-5EEC-3F4A-A2D0-E13FF7788B2E}" type="pres">
       <dgm:prSet presAssocID="{438E9B57-9CAC-2D41-A349-093C7314AB84}" presName="node" presStyleLbl="node1" presStyleIdx="10" presStyleCnt="12">
@@ -4287,6 +4361,13 @@
     <dgm:pt modelId="{5D4947C3-31CC-E541-8C85-27544C8EF3E0}" type="pres">
       <dgm:prSet presAssocID="{108DE620-A145-6C4A-8182-E4ADF37F6766}" presName="sibTrans" presStyleCnt="0"/>
       <dgm:spPr/>
+      <dgm:t>
+        <a:bodyPr/>
+        <a:lstStyle/>
+        <a:p>
+          <a:endParaRPr lang="en-US"/>
+        </a:p>
+      </dgm:t>
     </dgm:pt>
     <dgm:pt modelId="{15B29C39-BA4F-6E4B-A963-05DF828884A6}" type="pres">
       <dgm:prSet presAssocID="{226DB6F8-830A-E042-9B6A-FC21427F3C95}" presName="node" presStyleLbl="node1" presStyleIdx="11" presStyleCnt="12">
@@ -6713,77 +6794,77 @@
     </dgm:pt>
   </dgm:ptLst>
   <dgm:cxnLst>
+    <dgm:cxn modelId="{2490D3C7-FC33-4A5B-9869-7F1FF8E40E68}" srcId="{194E95D0-950B-476F-9946-FE9D28B98CDB}" destId="{1621A23E-B514-45DE-A08A-3283A92C3B49}" srcOrd="26" destOrd="0" parTransId="{7CCB76AC-228B-4298-8E02-D2EAC8910A1F}" sibTransId="{FEBBC531-6030-488F-A082-523BAF2FACA2}"/>
+    <dgm:cxn modelId="{CF35507D-B1AA-9048-B965-1CCA9555BFB1}" type="presOf" srcId="{7B2A0224-5EE9-49AA-99A8-525F8CAB95B9}" destId="{D812158E-D5E9-43B5-BF2E-F1AA6326F531}" srcOrd="0" destOrd="0" presId="urn:microsoft.com/office/officeart/2005/8/layout/default"/>
+    <dgm:cxn modelId="{2D7163AC-A835-6B41-B2DE-82C978348AE2}" type="presOf" srcId="{42D9364A-7969-2D48-9A49-6765C0474283}" destId="{6FBF687C-4976-A54E-8DA5-3AAECD829659}" srcOrd="0" destOrd="0" presId="urn:microsoft.com/office/officeart/2005/8/layout/default"/>
+    <dgm:cxn modelId="{E93B787E-AD5C-4080-AF23-2DA7765CCAA2}" srcId="{194E95D0-950B-476F-9946-FE9D28B98CDB}" destId="{D3039EAC-AAF5-4B7C-A948-7FE7431C4732}" srcOrd="25" destOrd="0" parTransId="{CE2FD7D3-BEA7-490C-A3ED-1E84D4F31E94}" sibTransId="{66C4082F-1F9D-4F38-A7FF-66770D51E923}"/>
+    <dgm:cxn modelId="{A8A4E054-5955-40E4-A353-6D9D65C3D6AE}" srcId="{194E95D0-950B-476F-9946-FE9D28B98CDB}" destId="{F3D92DBF-AF47-4B55-8A35-15776CCDC373}" srcOrd="32" destOrd="0" parTransId="{27E50F68-4F5E-41B2-ABB1-2E9B5E2FFC05}" sibTransId="{F6ED13D0-0054-455D-9B62-ADBC4F63A997}"/>
+    <dgm:cxn modelId="{8E485559-AF56-0344-A5C3-682467886ED7}" type="presOf" srcId="{6EFF81F8-77B3-4202-9679-15FDBB2CF187}" destId="{6B37801D-70B2-4AC8-AF98-0DA6C781A321}" srcOrd="0" destOrd="0" presId="urn:microsoft.com/office/officeart/2005/8/layout/default"/>
+    <dgm:cxn modelId="{31E1CB85-BE7B-2B48-A303-8789809B3879}" type="presOf" srcId="{24041390-4DFE-48C6-99E1-F12104459913}" destId="{40FD2088-8EF6-46B0-8316-A4CBC62B5812}" srcOrd="0" destOrd="0" presId="urn:microsoft.com/office/officeart/2005/8/layout/default"/>
+    <dgm:cxn modelId="{8E20AF57-5BDB-654C-A1B5-2B7B7642E647}" type="presOf" srcId="{85D639EB-D6C0-44DB-AB93-1AB4C41BCA2B}" destId="{0BC36948-4CA3-4097-9E57-59069B5C6745}" srcOrd="0" destOrd="0" presId="urn:microsoft.com/office/officeart/2005/8/layout/default"/>
+    <dgm:cxn modelId="{CF5C3943-1777-429D-B81D-1F62AEA19676}" srcId="{194E95D0-950B-476F-9946-FE9D28B98CDB}" destId="{7BEB4D34-0DE2-41C0-8D20-C8CC584746D9}" srcOrd="15" destOrd="0" parTransId="{667DBD44-462D-4F99-A968-8EC6FCDEBC76}" sibTransId="{F6BF7E95-EA42-4964-ABCE-80E34EFA11EB}"/>
+    <dgm:cxn modelId="{548A4133-B069-429E-A909-0D2096C40C22}" srcId="{194E95D0-950B-476F-9946-FE9D28B98CDB}" destId="{A0EC7E2C-63AB-419C-B83F-1D713734E919}" srcOrd="2" destOrd="0" parTransId="{199B951F-98F0-4683-AC97-828D52CA2891}" sibTransId="{D8B6FA00-DAA9-471F-89FA-B20E1B505B15}"/>
+    <dgm:cxn modelId="{6E870EFE-ABFF-4A29-B5C8-F9B30D7B2424}" srcId="{194E95D0-950B-476F-9946-FE9D28B98CDB}" destId="{0F6FCD28-7FEF-4DD3-A888-A968E800ED82}" srcOrd="27" destOrd="0" parTransId="{9A495AF5-CFF8-496F-977D-BB65A955479D}" sibTransId="{14EFD0D0-DC11-4E1B-9DF4-EB886FC260E0}"/>
+    <dgm:cxn modelId="{3FC71534-26F8-D047-9BAA-48C2F8ECBD55}" type="presOf" srcId="{160BF83D-A9CE-4824-B3DE-825EDF3BC965}" destId="{7DD4A333-582B-4C7E-BE7E-3206CE477091}" srcOrd="0" destOrd="0" presId="urn:microsoft.com/office/officeart/2005/8/layout/default"/>
+    <dgm:cxn modelId="{2669B802-5E16-8346-BF79-1E9FE96C2046}" type="presOf" srcId="{1621A23E-B514-45DE-A08A-3283A92C3B49}" destId="{996BC527-1A00-4696-8FA2-53676D4AFDF2}" srcOrd="0" destOrd="0" presId="urn:microsoft.com/office/officeart/2005/8/layout/default"/>
+    <dgm:cxn modelId="{1D1334E0-8392-42C3-8212-3059ED4E82A4}" srcId="{194E95D0-950B-476F-9946-FE9D28B98CDB}" destId="{2798D985-A96F-4043-9FE3-3B717C1AD0F3}" srcOrd="11" destOrd="0" parTransId="{41656C7B-6BC7-49C2-A6DE-5DABA8562C04}" sibTransId="{F11C192E-57A0-4BDB-8394-60020E52F08E}"/>
+    <dgm:cxn modelId="{B80E4483-F639-499D-A6D4-5EFB571D69EF}" type="presOf" srcId="{194E95D0-950B-476F-9946-FE9D28B98CDB}" destId="{148849EA-39C1-42B5-9441-7B6D9ED54BF9}" srcOrd="0" destOrd="0" presId="urn:microsoft.com/office/officeart/2005/8/layout/default"/>
+    <dgm:cxn modelId="{7B360468-338A-41DC-84B3-3D9786426D12}" srcId="{194E95D0-950B-476F-9946-FE9D28B98CDB}" destId="{85D639EB-D6C0-44DB-AB93-1AB4C41BCA2B}" srcOrd="31" destOrd="0" parTransId="{428F4C12-4DE0-4873-81F9-DB8D338FD630}" sibTransId="{A39B279E-B36B-488A-8B69-46DBF9FF352F}"/>
+    <dgm:cxn modelId="{9564A208-2AEF-450F-825D-5DE783FD43CB}" srcId="{194E95D0-950B-476F-9946-FE9D28B98CDB}" destId="{16E4BC52-F2E9-4510-BADC-81BE29A2E83D}" srcOrd="16" destOrd="0" parTransId="{8505BCC3-E636-4040-B8A1-CA209C9B094B}" sibTransId="{F858E30D-70D0-4A46-B55C-699E12FB7769}"/>
+    <dgm:cxn modelId="{E649578A-EA94-874F-8C0A-1478DC5A072C}" type="presOf" srcId="{D233575E-1FFF-4A97-B40A-58925D513E82}" destId="{E4FB5DDA-79F7-492D-9891-5F5FBF2969E8}" srcOrd="0" destOrd="0" presId="urn:microsoft.com/office/officeart/2005/8/layout/default"/>
+    <dgm:cxn modelId="{23FCB95B-31D7-4835-857F-8121D7D14A7B}" srcId="{194E95D0-950B-476F-9946-FE9D28B98CDB}" destId="{6EFF81F8-77B3-4202-9679-15FDBB2CF187}" srcOrd="9" destOrd="0" parTransId="{F728EC1C-80B5-49F6-9A5B-23B17448622A}" sibTransId="{95DF0152-83AE-4C05-BB5E-CA0414787BC5}"/>
+    <dgm:cxn modelId="{2D986120-5664-7741-BCB6-259C80EEE0D1}" type="presOf" srcId="{EA66204D-661C-4FA8-BAE2-6F17D7EB9EA6}" destId="{321A4018-B592-4007-AD71-5F7C8FE7AE01}" srcOrd="0" destOrd="0" presId="urn:microsoft.com/office/officeart/2005/8/layout/default"/>
+    <dgm:cxn modelId="{07099904-3531-4150-AB53-08CF2FF75AFA}" srcId="{194E95D0-950B-476F-9946-FE9D28B98CDB}" destId="{93E86672-38F8-4D4D-A32C-C7294AAE8CC1}" srcOrd="33" destOrd="0" parTransId="{77E7A388-5138-4B2E-8F7A-C5FCB435C469}" sibTransId="{A4AA6A9E-7ED7-4B6B-9DB8-17D98D8BAAE4}"/>
+    <dgm:cxn modelId="{2B73E8F5-396A-4CD8-A109-31525A6C2C37}" srcId="{194E95D0-950B-476F-9946-FE9D28B98CDB}" destId="{D233575E-1FFF-4A97-B40A-58925D513E82}" srcOrd="28" destOrd="0" parTransId="{5092DCEB-24C5-4978-B69C-915F36BE90CA}" sibTransId="{D5AE2DB7-3085-4194-AF57-137F9F8A42D9}"/>
+    <dgm:cxn modelId="{F2DE4A33-E26A-4244-A547-E4D3F828DF67}" srcId="{194E95D0-950B-476F-9946-FE9D28B98CDB}" destId="{9A113CD9-6FCB-4560-B03E-91092BB11C85}" srcOrd="30" destOrd="0" parTransId="{6B57A007-9075-4B9A-BBE9-3FCF0BE5F811}" sibTransId="{F9604371-5E86-49AC-B478-FC2C5B892B6B}"/>
+    <dgm:cxn modelId="{DEFB3FD7-DCE3-464E-A543-97F256CB6905}" type="presOf" srcId="{FCCD2624-583C-4E96-ABEA-7A6C589B60AD}" destId="{8309C897-728B-4970-8D1F-9D0C6D3B4098}" srcOrd="0" destOrd="0" presId="urn:microsoft.com/office/officeart/2005/8/layout/default"/>
+    <dgm:cxn modelId="{AE1AFA15-9185-664C-98A6-BDB7468EB206}" type="presOf" srcId="{93E86672-38F8-4D4D-A32C-C7294AAE8CC1}" destId="{D909952A-6702-4010-ACC4-581466EBFCED}" srcOrd="0" destOrd="0" presId="urn:microsoft.com/office/officeart/2005/8/layout/default"/>
+    <dgm:cxn modelId="{2CD381F6-CF92-2541-9E49-BA18663E6AF5}" type="presOf" srcId="{0F0610D6-47E1-4F8C-8EB1-DA98AF22C9D0}" destId="{A40B25EA-4D42-4B37-86F1-13DD08F2C6FA}" srcOrd="0" destOrd="0" presId="urn:microsoft.com/office/officeart/2005/8/layout/default"/>
+    <dgm:cxn modelId="{0C8368EE-0785-4874-90D2-19D42A0B4382}" srcId="{194E95D0-950B-476F-9946-FE9D28B98CDB}" destId="{7B2A0224-5EE9-49AA-99A8-525F8CAB95B9}" srcOrd="4" destOrd="0" parTransId="{AEE65B70-CB50-44CD-8AB9-4603D4BDA4A9}" sibTransId="{8994CD76-8340-46D9-900D-437CE4102531}"/>
+    <dgm:cxn modelId="{260410C4-BD7E-134D-81AB-CF12C8143592}" type="presOf" srcId="{043B0B19-3471-43D5-9F24-6A53122D52AE}" destId="{E1C48568-E515-44F8-A77B-C365365504C6}" srcOrd="0" destOrd="0" presId="urn:microsoft.com/office/officeart/2005/8/layout/default"/>
+    <dgm:cxn modelId="{34A451E7-1124-8840-94FE-3C37EF4FFD76}" type="presOf" srcId="{1580CAB0-997B-429A-AAD5-CE84EF0B7633}" destId="{390FA066-E030-4FDB-8636-1976F66E2C91}" srcOrd="0" destOrd="0" presId="urn:microsoft.com/office/officeart/2005/8/layout/default"/>
+    <dgm:cxn modelId="{7A37B183-BDE2-2448-9B33-6DE18FB8D010}" type="presOf" srcId="{1068BD1A-AEBE-487E-8A62-39341AE76E7B}" destId="{B635E842-0B7F-4432-8EE1-3C6721BE2B29}" srcOrd="0" destOrd="0" presId="urn:microsoft.com/office/officeart/2005/8/layout/default"/>
+    <dgm:cxn modelId="{5A646143-5D5D-4341-B7FF-B133A46D74D2}" srcId="{194E95D0-950B-476F-9946-FE9D28B98CDB}" destId="{F5AB6529-E5A4-4DFC-9E44-5A883CF59351}" srcOrd="8" destOrd="0" parTransId="{1E02BC5A-7120-46A7-A102-59141857F9BD}" sibTransId="{B1FFA83F-D1AA-4A55-9D4D-533F1F0C23C6}"/>
+    <dgm:cxn modelId="{675C8CEF-A4B0-644A-8C55-84D8BA243EC3}" type="presOf" srcId="{0F6FCD28-7FEF-4DD3-A888-A968E800ED82}" destId="{827FD361-F42B-473B-9D4C-2F2DD3219A5D}" srcOrd="0" destOrd="0" presId="urn:microsoft.com/office/officeart/2005/8/layout/default"/>
     <dgm:cxn modelId="{79BDBD22-C930-4FBB-979D-D076B143DD97}" srcId="{194E95D0-950B-476F-9946-FE9D28B98CDB}" destId="{1068BD1A-AEBE-487E-8A62-39341AE76E7B}" srcOrd="5" destOrd="0" parTransId="{95D2D7FF-91CD-4919-ADD0-CA8E6A4DEF66}" sibTransId="{AD4CC5B6-7453-4EFC-97BE-3DEF384A76C2}"/>
-    <dgm:cxn modelId="{31E1CB85-BE7B-2B48-A303-8789809B3879}" type="presOf" srcId="{24041390-4DFE-48C6-99E1-F12104459913}" destId="{40FD2088-8EF6-46B0-8316-A4CBC62B5812}" srcOrd="0" destOrd="0" presId="urn:microsoft.com/office/officeart/2005/8/layout/default"/>
-    <dgm:cxn modelId="{7B360468-338A-41DC-84B3-3D9786426D12}" srcId="{194E95D0-950B-476F-9946-FE9D28B98CDB}" destId="{85D639EB-D6C0-44DB-AB93-1AB4C41BCA2B}" srcOrd="31" destOrd="0" parTransId="{428F4C12-4DE0-4873-81F9-DB8D338FD630}" sibTransId="{A39B279E-B36B-488A-8B69-46DBF9FF352F}"/>
+    <dgm:cxn modelId="{7D9D780B-762C-D64A-95FD-F22BE74EE400}" type="presOf" srcId="{16E4BC52-F2E9-4510-BADC-81BE29A2E83D}" destId="{9847E307-CD1D-4846-B7D8-0494F7A603B0}" srcOrd="0" destOrd="0" presId="urn:microsoft.com/office/officeart/2005/8/layout/default"/>
+    <dgm:cxn modelId="{C2EA66F5-BF98-44C4-94A4-BF546B8DC6C3}" srcId="{194E95D0-950B-476F-9946-FE9D28B98CDB}" destId="{043B0B19-3471-43D5-9F24-6A53122D52AE}" srcOrd="7" destOrd="0" parTransId="{495B3233-8FA9-4B4B-878E-CE42249A5183}" sibTransId="{4F115DD3-319A-427F-8146-B7897099D680}"/>
+    <dgm:cxn modelId="{A0F455F2-CD95-5D45-AEAF-84FE013FF784}" type="presOf" srcId="{41FB4CB0-F67E-42B6-9645-C5CD0B883C48}" destId="{D3BEAFEC-C659-448A-B755-CBE24CBA0AC2}" srcOrd="0" destOrd="0" presId="urn:microsoft.com/office/officeart/2005/8/layout/default"/>
+    <dgm:cxn modelId="{C3EFB5BB-8E21-4F26-9D17-7A55CF58FF9D}" srcId="{194E95D0-950B-476F-9946-FE9D28B98CDB}" destId="{0F0610D6-47E1-4F8C-8EB1-DA98AF22C9D0}" srcOrd="3" destOrd="0" parTransId="{6E91F94C-05CE-4183-B70A-7F33665560E3}" sibTransId="{7C2EF30C-91EA-4063-8930-42FBB0901785}"/>
+    <dgm:cxn modelId="{90F0A10B-D405-414B-A67B-E68A7C3EFCA1}" type="presOf" srcId="{9A113CD9-6FCB-4560-B03E-91092BB11C85}" destId="{5ED443AC-26A9-458A-B099-9C3515FACB44}" srcOrd="0" destOrd="0" presId="urn:microsoft.com/office/officeart/2005/8/layout/default"/>
+    <dgm:cxn modelId="{A06E330B-1AD5-3D45-8875-2AD4AF276280}" type="presOf" srcId="{15324BF9-A016-4648-B6F8-4AB280BD1406}" destId="{95226B08-B6A9-4D52-B34F-B45E3C79DBE5}" srcOrd="0" destOrd="0" presId="urn:microsoft.com/office/officeart/2005/8/layout/default"/>
+    <dgm:cxn modelId="{9BFDDB31-722C-FE48-AD90-14D9B213C769}" type="presOf" srcId="{7BEB4D34-0DE2-41C0-8D20-C8CC584746D9}" destId="{693C4AA7-CB13-4A4C-9402-EB2C47D62B88}" srcOrd="0" destOrd="0" presId="urn:microsoft.com/office/officeart/2005/8/layout/default"/>
+    <dgm:cxn modelId="{A5092C35-253A-4A5A-A723-67A8B6F4C2E0}" srcId="{194E95D0-950B-476F-9946-FE9D28B98CDB}" destId="{24041390-4DFE-48C6-99E1-F12104459913}" srcOrd="22" destOrd="0" parTransId="{E58C2C49-8D4C-4F33-9DB7-C053943B1E57}" sibTransId="{AC76A270-86BC-4BEF-84EF-219DE3E065F4}"/>
+    <dgm:cxn modelId="{54B020AB-C04E-4AF8-A987-4D0E3E3F7690}" srcId="{194E95D0-950B-476F-9946-FE9D28B98CDB}" destId="{A296EE4C-9A3D-4803-AAF4-2791813FA0B0}" srcOrd="19" destOrd="0" parTransId="{EEEB07CE-5FFE-4968-BF54-DA16AF5931BF}" sibTransId="{B63A3E96-8BA9-477A-A0F0-EDB3E704B2F2}"/>
+    <dgm:cxn modelId="{00FC31B1-606B-FB47-957E-F37D34B141DF}" type="presOf" srcId="{F3D92DBF-AF47-4B55-8A35-15776CCDC373}" destId="{14A040B2-94A2-4929-AA35-DA1A4E1EBC79}" srcOrd="0" destOrd="0" presId="urn:microsoft.com/office/officeart/2005/8/layout/default"/>
+    <dgm:cxn modelId="{BE29A766-87F3-F145-B4AD-CCD909AA16E5}" type="presOf" srcId="{D3039EAC-AAF5-4B7C-A948-7FE7431C4732}" destId="{BAB233C4-D205-4542-A773-2AA8AA733441}" srcOrd="0" destOrd="0" presId="urn:microsoft.com/office/officeart/2005/8/layout/default"/>
+    <dgm:cxn modelId="{A9A577F5-F80E-E842-AB50-D753F7CEB908}" type="presOf" srcId="{1A8D4511-BFE2-49EF-9128-4C5D2E2F4FF9}" destId="{EF941BEE-2D93-4EEC-A4BF-0F909DA1CD00}" srcOrd="0" destOrd="0" presId="urn:microsoft.com/office/officeart/2005/8/layout/default"/>
+    <dgm:cxn modelId="{625FB51B-B4CA-44AA-9F51-C675C4B7C2EE}" srcId="{194E95D0-950B-476F-9946-FE9D28B98CDB}" destId="{771F3508-2E1C-4C69-9C15-5C8D980865F9}" srcOrd="23" destOrd="0" parTransId="{4E1A4A45-830C-4282-99FF-324F39EEE4AB}" sibTransId="{22595120-5C06-4259-A080-11B870084771}"/>
     <dgm:cxn modelId="{27047883-934C-41AF-9C43-FC37E4218AD7}" srcId="{194E95D0-950B-476F-9946-FE9D28B98CDB}" destId="{15324BF9-A016-4648-B6F8-4AB280BD1406}" srcOrd="1" destOrd="0" parTransId="{C3558DFD-5D19-47BC-BCE5-CCD4D7B88216}" sibTransId="{27E7DE3E-22CF-4DFF-9F58-1DA4B1EC26C2}"/>
-    <dgm:cxn modelId="{DC186A94-8375-41BF-8A9B-401DD9002570}" srcId="{194E95D0-950B-476F-9946-FE9D28B98CDB}" destId="{160BF83D-A9CE-4824-B3DE-825EDF3BC965}" srcOrd="14" destOrd="0" parTransId="{DCDE0BB3-2783-4E6E-A196-11068C9405BF}" sibTransId="{CF50BDC2-225C-44BB-A783-D7C58C145758}"/>
-    <dgm:cxn modelId="{2CD381F6-CF92-2541-9E49-BA18663E6AF5}" type="presOf" srcId="{0F0610D6-47E1-4F8C-8EB1-DA98AF22C9D0}" destId="{A40B25EA-4D42-4B37-86F1-13DD08F2C6FA}" srcOrd="0" destOrd="0" presId="urn:microsoft.com/office/officeart/2005/8/layout/default"/>
-    <dgm:cxn modelId="{AE1AFA15-9185-664C-98A6-BDB7468EB206}" type="presOf" srcId="{93E86672-38F8-4D4D-A32C-C7294AAE8CC1}" destId="{D909952A-6702-4010-ACC4-581466EBFCED}" srcOrd="0" destOrd="0" presId="urn:microsoft.com/office/officeart/2005/8/layout/default"/>
-    <dgm:cxn modelId="{9BFDDB31-722C-FE48-AD90-14D9B213C769}" type="presOf" srcId="{7BEB4D34-0DE2-41C0-8D20-C8CC584746D9}" destId="{693C4AA7-CB13-4A4C-9402-EB2C47D62B88}" srcOrd="0" destOrd="0" presId="urn:microsoft.com/office/officeart/2005/8/layout/default"/>
-    <dgm:cxn modelId="{548A4133-B069-429E-A909-0D2096C40C22}" srcId="{194E95D0-950B-476F-9946-FE9D28B98CDB}" destId="{A0EC7E2C-63AB-419C-B83F-1D713734E919}" srcOrd="2" destOrd="0" parTransId="{199B951F-98F0-4683-AC97-828D52CA2891}" sibTransId="{D8B6FA00-DAA9-471F-89FA-B20E1B505B15}"/>
-    <dgm:cxn modelId="{93111ECD-AC61-414B-9082-BEB35C90A5BA}" type="presOf" srcId="{A0EC7E2C-63AB-419C-B83F-1D713734E919}" destId="{43EE97B9-4FB2-48FE-B44A-0AB89A2AB708}" srcOrd="0" destOrd="0" presId="urn:microsoft.com/office/officeart/2005/8/layout/default"/>
+    <dgm:cxn modelId="{F396851E-5CD9-420A-B88E-4A15C7D616B7}" srcId="{194E95D0-950B-476F-9946-FE9D28B98CDB}" destId="{5444E707-757D-457E-9E32-163489F88123}" srcOrd="24" destOrd="0" parTransId="{BCDCA68A-C4DD-4EF3-BAA4-77B3FB1005B4}" sibTransId="{DA9F37A3-E57D-4AB6-BD09-31572C99267E}"/>
+    <dgm:cxn modelId="{27CFF2CE-633D-C042-9127-A56B39F2C422}" type="presOf" srcId="{771F3508-2E1C-4C69-9C15-5C8D980865F9}" destId="{8D6D8191-FE9E-495B-843B-D8BFF1420BE2}" srcOrd="0" destOrd="0" presId="urn:microsoft.com/office/officeart/2005/8/layout/default"/>
+    <dgm:cxn modelId="{95652D76-011D-41AF-9934-E06EEF7CE6E4}" srcId="{194E95D0-950B-476F-9946-FE9D28B98CDB}" destId="{FCCD2624-583C-4E96-ABEA-7A6C589B60AD}" srcOrd="20" destOrd="0" parTransId="{82B36ED9-83C6-488D-8F56-5A807CE3DCF0}" sibTransId="{E86177A3-6001-4617-9EF5-914AE97C1EB2}"/>
+    <dgm:cxn modelId="{19839975-33D6-3349-9516-95FFD33C85B5}" type="presOf" srcId="{5C0526F7-3E75-4852-8BD4-49F1EE88ACE0}" destId="{E2708732-0242-40AC-9C5D-73D643D5DF17}" srcOrd="0" destOrd="0" presId="urn:microsoft.com/office/officeart/2005/8/layout/default"/>
+    <dgm:cxn modelId="{3F56F09E-C413-4848-95C7-2C2EC96D5EE2}" srcId="{194E95D0-950B-476F-9946-FE9D28B98CDB}" destId="{1A8D4511-BFE2-49EF-9128-4C5D2E2F4FF9}" srcOrd="18" destOrd="0" parTransId="{FC1B1B11-26BE-46E5-A924-266C692EC3CF}" sibTransId="{5F0B3921-C8AE-4E51-A244-AA84368B15DF}"/>
+    <dgm:cxn modelId="{E8723274-1853-45D7-A757-21348F627A2E}" srcId="{194E95D0-950B-476F-9946-FE9D28B98CDB}" destId="{2EBC060E-B1C8-4DF0-A223-EAB0E0083EF3}" srcOrd="34" destOrd="0" parTransId="{1424FD25-E8E5-4C17-A87E-D05C6C3A75B0}" sibTransId="{4CD5365C-CA21-4633-95F2-6CCCDF138EBC}"/>
+    <dgm:cxn modelId="{F0F6FA87-D9E7-4842-842F-F0585F76E9D2}" srcId="{194E95D0-950B-476F-9946-FE9D28B98CDB}" destId="{41FB4CB0-F67E-42B6-9645-C5CD0B883C48}" srcOrd="6" destOrd="0" parTransId="{28034C13-C0B5-4E03-85AF-87163462E69E}" sibTransId="{BDB1D460-F623-435F-A79D-CE86174AC701}"/>
+    <dgm:cxn modelId="{4297953D-9625-41C9-BEBD-B4F57D251922}" srcId="{194E95D0-950B-476F-9946-FE9D28B98CDB}" destId="{EA66204D-661C-4FA8-BAE2-6F17D7EB9EA6}" srcOrd="13" destOrd="0" parTransId="{06A069C7-AF4C-4914-8B71-AF891135BBC8}" sibTransId="{973B4F6E-6CEA-45CC-9F43-D03BACEB0577}"/>
+    <dgm:cxn modelId="{73AB6A8A-E433-3641-9C54-187E7B990358}" type="presOf" srcId="{2EBC060E-B1C8-4DF0-A223-EAB0E0083EF3}" destId="{21080237-9017-4EDA-B880-D8A467A437EB}" srcOrd="0" destOrd="0" presId="urn:microsoft.com/office/officeart/2005/8/layout/default"/>
+    <dgm:cxn modelId="{CEFD54EE-CD41-7441-844E-899BF69DA2DB}" type="presOf" srcId="{5444E707-757D-457E-9E32-163489F88123}" destId="{C3777CFC-DBAF-4C37-856B-97465C52FEE0}" srcOrd="0" destOrd="0" presId="urn:microsoft.com/office/officeart/2005/8/layout/default"/>
+    <dgm:cxn modelId="{91CEC7A3-6174-4C16-9E56-2C84B8310C12}" srcId="{194E95D0-950B-476F-9946-FE9D28B98CDB}" destId="{1580CAB0-997B-429A-AAD5-CE84EF0B7633}" srcOrd="17" destOrd="0" parTransId="{6061C668-0ACA-4D95-9DE5-C429FCA809C3}" sibTransId="{9F5342DA-EFAD-464A-B7A4-04CD6510A0AD}"/>
+    <dgm:cxn modelId="{2AEE7CA2-8109-E04C-AADC-84BD59106237}" type="presOf" srcId="{D182817B-BF3E-4A38-A862-543FFD70D176}" destId="{64DF4073-C86B-41E5-95C1-765A4722EA51}" srcOrd="0" destOrd="0" presId="urn:microsoft.com/office/officeart/2005/8/layout/default"/>
+    <dgm:cxn modelId="{2E308739-90BF-254B-B271-A5A2E5CFA0A5}" type="presOf" srcId="{C08CD9A2-04EC-434D-9383-01D7E01BF75D}" destId="{EEA07650-BA0A-4F38-8097-E2F7762011F9}" srcOrd="0" destOrd="0" presId="urn:microsoft.com/office/officeart/2005/8/layout/default"/>
     <dgm:cxn modelId="{19323009-843D-4440-805F-9DAB97B81BC5}" srcId="{194E95D0-950B-476F-9946-FE9D28B98CDB}" destId="{5C0526F7-3E75-4852-8BD4-49F1EE88ACE0}" srcOrd="10" destOrd="0" parTransId="{F6A00EBC-FDB1-4796-A3D9-A6622E68C8EB}" sibTransId="{4FEDC4B5-FB81-4404-A568-68D7DE836DBB}"/>
     <dgm:cxn modelId="{48E2DA19-1DE3-48B0-8B51-A5F05FC1CE9E}" srcId="{194E95D0-950B-476F-9946-FE9D28B98CDB}" destId="{C08CD9A2-04EC-434D-9383-01D7E01BF75D}" srcOrd="12" destOrd="0" parTransId="{55CAF9AC-95BD-4B8F-9B5B-E6B9CC060322}" sibTransId="{A128AF21-0B78-4202-B581-45A247624862}"/>
-    <dgm:cxn modelId="{4297953D-9625-41C9-BEBD-B4F57D251922}" srcId="{194E95D0-950B-476F-9946-FE9D28B98CDB}" destId="{EA66204D-661C-4FA8-BAE2-6F17D7EB9EA6}" srcOrd="13" destOrd="0" parTransId="{06A069C7-AF4C-4914-8B71-AF891135BBC8}" sibTransId="{973B4F6E-6CEA-45CC-9F43-D03BACEB0577}"/>
-    <dgm:cxn modelId="{2D7163AC-A835-6B41-B2DE-82C978348AE2}" type="presOf" srcId="{42D9364A-7969-2D48-9A49-6765C0474283}" destId="{6FBF687C-4976-A54E-8DA5-3AAECD829659}" srcOrd="0" destOrd="0" presId="urn:microsoft.com/office/officeart/2005/8/layout/default"/>
-    <dgm:cxn modelId="{E649578A-EA94-874F-8C0A-1478DC5A072C}" type="presOf" srcId="{D233575E-1FFF-4A97-B40A-58925D513E82}" destId="{E4FB5DDA-79F7-492D-9891-5F5FBF2969E8}" srcOrd="0" destOrd="0" presId="urn:microsoft.com/office/officeart/2005/8/layout/default"/>
-    <dgm:cxn modelId="{7A37B183-BDE2-2448-9B33-6DE18FB8D010}" type="presOf" srcId="{1068BD1A-AEBE-487E-8A62-39341AE76E7B}" destId="{B635E842-0B7F-4432-8EE1-3C6721BE2B29}" srcOrd="0" destOrd="0" presId="urn:microsoft.com/office/officeart/2005/8/layout/default"/>
-    <dgm:cxn modelId="{90F0A10B-D405-414B-A67B-E68A7C3EFCA1}" type="presOf" srcId="{9A113CD9-6FCB-4560-B03E-91092BB11C85}" destId="{5ED443AC-26A9-458A-B099-9C3515FACB44}" srcOrd="0" destOrd="0" presId="urn:microsoft.com/office/officeart/2005/8/layout/default"/>
-    <dgm:cxn modelId="{2669B802-5E16-8346-BF79-1E9FE96C2046}" type="presOf" srcId="{1621A23E-B514-45DE-A08A-3283A92C3B49}" destId="{996BC527-1A00-4696-8FA2-53676D4AFDF2}" srcOrd="0" destOrd="0" presId="urn:microsoft.com/office/officeart/2005/8/layout/default"/>
-    <dgm:cxn modelId="{CEFD54EE-CD41-7441-844E-899BF69DA2DB}" type="presOf" srcId="{5444E707-757D-457E-9E32-163489F88123}" destId="{C3777CFC-DBAF-4C37-856B-97465C52FEE0}" srcOrd="0" destOrd="0" presId="urn:microsoft.com/office/officeart/2005/8/layout/default"/>
-    <dgm:cxn modelId="{E93B787E-AD5C-4080-AF23-2DA7765CCAA2}" srcId="{194E95D0-950B-476F-9946-FE9D28B98CDB}" destId="{D3039EAC-AAF5-4B7C-A948-7FE7431C4732}" srcOrd="25" destOrd="0" parTransId="{CE2FD7D3-BEA7-490C-A3ED-1E84D4F31E94}" sibTransId="{66C4082F-1F9D-4F38-A7FF-66770D51E923}"/>
-    <dgm:cxn modelId="{2B73E8F5-396A-4CD8-A109-31525A6C2C37}" srcId="{194E95D0-950B-476F-9946-FE9D28B98CDB}" destId="{D233575E-1FFF-4A97-B40A-58925D513E82}" srcOrd="28" destOrd="0" parTransId="{5092DCEB-24C5-4978-B69C-915F36BE90CA}" sibTransId="{D5AE2DB7-3085-4194-AF57-137F9F8A42D9}"/>
-    <dgm:cxn modelId="{23FCB95B-31D7-4835-857F-8121D7D14A7B}" srcId="{194E95D0-950B-476F-9946-FE9D28B98CDB}" destId="{6EFF81F8-77B3-4202-9679-15FDBB2CF187}" srcOrd="9" destOrd="0" parTransId="{F728EC1C-80B5-49F6-9A5B-23B17448622A}" sibTransId="{95DF0152-83AE-4C05-BB5E-CA0414787BC5}"/>
-    <dgm:cxn modelId="{B80E4483-F639-499D-A6D4-5EFB571D69EF}" type="presOf" srcId="{194E95D0-950B-476F-9946-FE9D28B98CDB}" destId="{148849EA-39C1-42B5-9441-7B6D9ED54BF9}" srcOrd="0" destOrd="0" presId="urn:microsoft.com/office/officeart/2005/8/layout/default"/>
-    <dgm:cxn modelId="{DEFB3FD7-DCE3-464E-A543-97F256CB6905}" type="presOf" srcId="{FCCD2624-583C-4E96-ABEA-7A6C589B60AD}" destId="{8309C897-728B-4970-8D1F-9D0C6D3B4098}" srcOrd="0" destOrd="0" presId="urn:microsoft.com/office/officeart/2005/8/layout/default"/>
-    <dgm:cxn modelId="{0C8368EE-0785-4874-90D2-19D42A0B4382}" srcId="{194E95D0-950B-476F-9946-FE9D28B98CDB}" destId="{7B2A0224-5EE9-49AA-99A8-525F8CAB95B9}" srcOrd="4" destOrd="0" parTransId="{AEE65B70-CB50-44CD-8AB9-4603D4BDA4A9}" sibTransId="{8994CD76-8340-46D9-900D-437CE4102531}"/>
-    <dgm:cxn modelId="{7D9D780B-762C-D64A-95FD-F22BE74EE400}" type="presOf" srcId="{16E4BC52-F2E9-4510-BADC-81BE29A2E83D}" destId="{9847E307-CD1D-4846-B7D8-0494F7A603B0}" srcOrd="0" destOrd="0" presId="urn:microsoft.com/office/officeart/2005/8/layout/default"/>
-    <dgm:cxn modelId="{54B020AB-C04E-4AF8-A987-4D0E3E3F7690}" srcId="{194E95D0-950B-476F-9946-FE9D28B98CDB}" destId="{A296EE4C-9A3D-4803-AAF4-2791813FA0B0}" srcOrd="19" destOrd="0" parTransId="{EEEB07CE-5FFE-4968-BF54-DA16AF5931BF}" sibTransId="{B63A3E96-8BA9-477A-A0F0-EDB3E704B2F2}"/>
-    <dgm:cxn modelId="{34A451E7-1124-8840-94FE-3C37EF4FFD76}" type="presOf" srcId="{1580CAB0-997B-429A-AAD5-CE84EF0B7633}" destId="{390FA066-E030-4FDB-8636-1976F66E2C91}" srcOrd="0" destOrd="0" presId="urn:microsoft.com/office/officeart/2005/8/layout/default"/>
-    <dgm:cxn modelId="{5A646143-5D5D-4341-B7FF-B133A46D74D2}" srcId="{194E95D0-950B-476F-9946-FE9D28B98CDB}" destId="{F5AB6529-E5A4-4DFC-9E44-5A883CF59351}" srcOrd="8" destOrd="0" parTransId="{1E02BC5A-7120-46A7-A102-59141857F9BD}" sibTransId="{B1FFA83F-D1AA-4A55-9D4D-533F1F0C23C6}"/>
-    <dgm:cxn modelId="{260410C4-BD7E-134D-81AB-CF12C8143592}" type="presOf" srcId="{043B0B19-3471-43D5-9F24-6A53122D52AE}" destId="{E1C48568-E515-44F8-A77B-C365365504C6}" srcOrd="0" destOrd="0" presId="urn:microsoft.com/office/officeart/2005/8/layout/default"/>
-    <dgm:cxn modelId="{A5092C35-253A-4A5A-A723-67A8B6F4C2E0}" srcId="{194E95D0-950B-476F-9946-FE9D28B98CDB}" destId="{24041390-4DFE-48C6-99E1-F12104459913}" srcOrd="22" destOrd="0" parTransId="{E58C2C49-8D4C-4F33-9DB7-C053943B1E57}" sibTransId="{AC76A270-86BC-4BEF-84EF-219DE3E065F4}"/>
-    <dgm:cxn modelId="{625FB51B-B4CA-44AA-9F51-C675C4B7C2EE}" srcId="{194E95D0-950B-476F-9946-FE9D28B98CDB}" destId="{771F3508-2E1C-4C69-9C15-5C8D980865F9}" srcOrd="23" destOrd="0" parTransId="{4E1A4A45-830C-4282-99FF-324F39EEE4AB}" sibTransId="{22595120-5C06-4259-A080-11B870084771}"/>
+    <dgm:cxn modelId="{93111ECD-AC61-414B-9082-BEB35C90A5BA}" type="presOf" srcId="{A0EC7E2C-63AB-419C-B83F-1D713734E919}" destId="{43EE97B9-4FB2-48FE-B44A-0AB89A2AB708}" srcOrd="0" destOrd="0" presId="urn:microsoft.com/office/officeart/2005/8/layout/default"/>
+    <dgm:cxn modelId="{31C1B079-1698-684D-8ABE-018B01577CBB}" type="presOf" srcId="{345729B2-0832-4A68-85D8-D4D7F5A5610F}" destId="{8C692049-8838-4109-8627-0137E0193615}" srcOrd="0" destOrd="0" presId="urn:microsoft.com/office/officeart/2005/8/layout/default"/>
     <dgm:cxn modelId="{12F47F31-A4EA-784C-B56B-41D74225826C}" srcId="{194E95D0-950B-476F-9946-FE9D28B98CDB}" destId="{42D9364A-7969-2D48-9A49-6765C0474283}" srcOrd="0" destOrd="0" parTransId="{5B88D60A-58DA-BE4F-867A-194DB7D78A96}" sibTransId="{6715D0D3-2FF1-2740-8A11-78F51A5F10C0}"/>
-    <dgm:cxn modelId="{6E870EFE-ABFF-4A29-B5C8-F9B30D7B2424}" srcId="{194E95D0-950B-476F-9946-FE9D28B98CDB}" destId="{0F6FCD28-7FEF-4DD3-A888-A968E800ED82}" srcOrd="27" destOrd="0" parTransId="{9A495AF5-CFF8-496F-977D-BB65A955479D}" sibTransId="{14EFD0D0-DC11-4E1B-9DF4-EB886FC260E0}"/>
-    <dgm:cxn modelId="{BE29A766-87F3-F145-B4AD-CCD909AA16E5}" type="presOf" srcId="{D3039EAC-AAF5-4B7C-A948-7FE7431C4732}" destId="{BAB233C4-D205-4542-A773-2AA8AA733441}" srcOrd="0" destOrd="0" presId="urn:microsoft.com/office/officeart/2005/8/layout/default"/>
-    <dgm:cxn modelId="{91CEC7A3-6174-4C16-9E56-2C84B8310C12}" srcId="{194E95D0-950B-476F-9946-FE9D28B98CDB}" destId="{1580CAB0-997B-429A-AAD5-CE84EF0B7633}" srcOrd="17" destOrd="0" parTransId="{6061C668-0ACA-4D95-9DE5-C429FCA809C3}" sibTransId="{9F5342DA-EFAD-464A-B7A4-04CD6510A0AD}"/>
-    <dgm:cxn modelId="{00FC31B1-606B-FB47-957E-F37D34B141DF}" type="presOf" srcId="{F3D92DBF-AF47-4B55-8A35-15776CCDC373}" destId="{14A040B2-94A2-4929-AA35-DA1A4E1EBC79}" srcOrd="0" destOrd="0" presId="urn:microsoft.com/office/officeart/2005/8/layout/default"/>
-    <dgm:cxn modelId="{8E20AF57-5BDB-654C-A1B5-2B7B7642E647}" type="presOf" srcId="{85D639EB-D6C0-44DB-AB93-1AB4C41BCA2B}" destId="{0BC36948-4CA3-4097-9E57-59069B5C6745}" srcOrd="0" destOrd="0" presId="urn:microsoft.com/office/officeart/2005/8/layout/default"/>
+    <dgm:cxn modelId="{5503608D-DF69-0A45-B125-8CF1334842C5}" type="presOf" srcId="{F5AB6529-E5A4-4DFC-9E44-5A883CF59351}" destId="{CFB80AB0-BE2C-4C3E-B39E-C8F8F2E3127F}" srcOrd="0" destOrd="0" presId="urn:microsoft.com/office/officeart/2005/8/layout/default"/>
+    <dgm:cxn modelId="{ED15772F-B76F-44B5-ACFF-E395C2E5911D}" srcId="{194E95D0-950B-476F-9946-FE9D28B98CDB}" destId="{D182817B-BF3E-4A38-A862-543FFD70D176}" srcOrd="21" destOrd="0" parTransId="{334739FE-41F9-4598-8B33-A68AE75AA22A}" sibTransId="{6A3653EE-EE07-4C8F-A244-526ED26EF396}"/>
+    <dgm:cxn modelId="{4E382A50-28D1-8C4E-9C18-84795A3514E7}" type="presOf" srcId="{2798D985-A96F-4043-9FE3-3B717C1AD0F3}" destId="{1FF8FC97-8A11-4BCE-9A46-E86B6FECDB58}" srcOrd="0" destOrd="0" presId="urn:microsoft.com/office/officeart/2005/8/layout/default"/>
+    <dgm:cxn modelId="{DC186A94-8375-41BF-8A9B-401DD9002570}" srcId="{194E95D0-950B-476F-9946-FE9D28B98CDB}" destId="{160BF83D-A9CE-4824-B3DE-825EDF3BC965}" srcOrd="14" destOrd="0" parTransId="{DCDE0BB3-2783-4E6E-A196-11068C9405BF}" sibTransId="{CF50BDC2-225C-44BB-A783-D7C58C145758}"/>
+    <dgm:cxn modelId="{F1E52762-1977-4BAB-B467-4EDF0518AD51}" srcId="{194E95D0-950B-476F-9946-FE9D28B98CDB}" destId="{345729B2-0832-4A68-85D8-D4D7F5A5610F}" srcOrd="29" destOrd="0" parTransId="{A9EB832A-8B94-4B42-A9D2-01A71C8E1D8F}" sibTransId="{CFF2BED8-D087-4996-86F6-3349B922EF01}"/>
     <dgm:cxn modelId="{77073A08-0673-B04B-B135-CCB380AA10E7}" type="presOf" srcId="{A296EE4C-9A3D-4803-AAF4-2791813FA0B0}" destId="{5CBF43AA-D97C-485D-9616-CA0D899FB6FA}" srcOrd="0" destOrd="0" presId="urn:microsoft.com/office/officeart/2005/8/layout/default"/>
-    <dgm:cxn modelId="{27CFF2CE-633D-C042-9127-A56B39F2C422}" type="presOf" srcId="{771F3508-2E1C-4C69-9C15-5C8D980865F9}" destId="{8D6D8191-FE9E-495B-843B-D8BFF1420BE2}" srcOrd="0" destOrd="0" presId="urn:microsoft.com/office/officeart/2005/8/layout/default"/>
-    <dgm:cxn modelId="{31C1B079-1698-684D-8ABE-018B01577CBB}" type="presOf" srcId="{345729B2-0832-4A68-85D8-D4D7F5A5610F}" destId="{8C692049-8838-4109-8627-0137E0193615}" srcOrd="0" destOrd="0" presId="urn:microsoft.com/office/officeart/2005/8/layout/default"/>
-    <dgm:cxn modelId="{2D986120-5664-7741-BCB6-259C80EEE0D1}" type="presOf" srcId="{EA66204D-661C-4FA8-BAE2-6F17D7EB9EA6}" destId="{321A4018-B592-4007-AD71-5F7C8FE7AE01}" srcOrd="0" destOrd="0" presId="urn:microsoft.com/office/officeart/2005/8/layout/default"/>
-    <dgm:cxn modelId="{CF5C3943-1777-429D-B81D-1F62AEA19676}" srcId="{194E95D0-950B-476F-9946-FE9D28B98CDB}" destId="{7BEB4D34-0DE2-41C0-8D20-C8CC584746D9}" srcOrd="15" destOrd="0" parTransId="{667DBD44-462D-4F99-A968-8EC6FCDEBC76}" sibTransId="{F6BF7E95-EA42-4964-ABCE-80E34EFA11EB}"/>
-    <dgm:cxn modelId="{3F56F09E-C413-4848-95C7-2C2EC96D5EE2}" srcId="{194E95D0-950B-476F-9946-FE9D28B98CDB}" destId="{1A8D4511-BFE2-49EF-9128-4C5D2E2F4FF9}" srcOrd="18" destOrd="0" parTransId="{FC1B1B11-26BE-46E5-A924-266C692EC3CF}" sibTransId="{5F0B3921-C8AE-4E51-A244-AA84368B15DF}"/>
-    <dgm:cxn modelId="{8E485559-AF56-0344-A5C3-682467886ED7}" type="presOf" srcId="{6EFF81F8-77B3-4202-9679-15FDBB2CF187}" destId="{6B37801D-70B2-4AC8-AF98-0DA6C781A321}" srcOrd="0" destOrd="0" presId="urn:microsoft.com/office/officeart/2005/8/layout/default"/>
-    <dgm:cxn modelId="{C3EFB5BB-8E21-4F26-9D17-7A55CF58FF9D}" srcId="{194E95D0-950B-476F-9946-FE9D28B98CDB}" destId="{0F0610D6-47E1-4F8C-8EB1-DA98AF22C9D0}" srcOrd="3" destOrd="0" parTransId="{6E91F94C-05CE-4183-B70A-7F33665560E3}" sibTransId="{7C2EF30C-91EA-4063-8930-42FBB0901785}"/>
-    <dgm:cxn modelId="{675C8CEF-A4B0-644A-8C55-84D8BA243EC3}" type="presOf" srcId="{0F6FCD28-7FEF-4DD3-A888-A968E800ED82}" destId="{827FD361-F42B-473B-9D4C-2F2DD3219A5D}" srcOrd="0" destOrd="0" presId="urn:microsoft.com/office/officeart/2005/8/layout/default"/>
-    <dgm:cxn modelId="{1D1334E0-8392-42C3-8212-3059ED4E82A4}" srcId="{194E95D0-950B-476F-9946-FE9D28B98CDB}" destId="{2798D985-A96F-4043-9FE3-3B717C1AD0F3}" srcOrd="11" destOrd="0" parTransId="{41656C7B-6BC7-49C2-A6DE-5DABA8562C04}" sibTransId="{F11C192E-57A0-4BDB-8394-60020E52F08E}"/>
-    <dgm:cxn modelId="{ED15772F-B76F-44B5-ACFF-E395C2E5911D}" srcId="{194E95D0-950B-476F-9946-FE9D28B98CDB}" destId="{D182817B-BF3E-4A38-A862-543FFD70D176}" srcOrd="21" destOrd="0" parTransId="{334739FE-41F9-4598-8B33-A68AE75AA22A}" sibTransId="{6A3653EE-EE07-4C8F-A244-526ED26EF396}"/>
-    <dgm:cxn modelId="{19839975-33D6-3349-9516-95FFD33C85B5}" type="presOf" srcId="{5C0526F7-3E75-4852-8BD4-49F1EE88ACE0}" destId="{E2708732-0242-40AC-9C5D-73D643D5DF17}" srcOrd="0" destOrd="0" presId="urn:microsoft.com/office/officeart/2005/8/layout/default"/>
-    <dgm:cxn modelId="{CF35507D-B1AA-9048-B965-1CCA9555BFB1}" type="presOf" srcId="{7B2A0224-5EE9-49AA-99A8-525F8CAB95B9}" destId="{D812158E-D5E9-43B5-BF2E-F1AA6326F531}" srcOrd="0" destOrd="0" presId="urn:microsoft.com/office/officeart/2005/8/layout/default"/>
-    <dgm:cxn modelId="{F396851E-5CD9-420A-B88E-4A15C7D616B7}" srcId="{194E95D0-950B-476F-9946-FE9D28B98CDB}" destId="{5444E707-757D-457E-9E32-163489F88123}" srcOrd="24" destOrd="0" parTransId="{BCDCA68A-C4DD-4EF3-BAA4-77B3FB1005B4}" sibTransId="{DA9F37A3-E57D-4AB6-BD09-31572C99267E}"/>
-    <dgm:cxn modelId="{95652D76-011D-41AF-9934-E06EEF7CE6E4}" srcId="{194E95D0-950B-476F-9946-FE9D28B98CDB}" destId="{FCCD2624-583C-4E96-ABEA-7A6C589B60AD}" srcOrd="20" destOrd="0" parTransId="{82B36ED9-83C6-488D-8F56-5A807CE3DCF0}" sibTransId="{E86177A3-6001-4617-9EF5-914AE97C1EB2}"/>
-    <dgm:cxn modelId="{9564A208-2AEF-450F-825D-5DE783FD43CB}" srcId="{194E95D0-950B-476F-9946-FE9D28B98CDB}" destId="{16E4BC52-F2E9-4510-BADC-81BE29A2E83D}" srcOrd="16" destOrd="0" parTransId="{8505BCC3-E636-4040-B8A1-CA209C9B094B}" sibTransId="{F858E30D-70D0-4A46-B55C-699E12FB7769}"/>
-    <dgm:cxn modelId="{A9A577F5-F80E-E842-AB50-D753F7CEB908}" type="presOf" srcId="{1A8D4511-BFE2-49EF-9128-4C5D2E2F4FF9}" destId="{EF941BEE-2D93-4EEC-A4BF-0F909DA1CD00}" srcOrd="0" destOrd="0" presId="urn:microsoft.com/office/officeart/2005/8/layout/default"/>
-    <dgm:cxn modelId="{2E308739-90BF-254B-B271-A5A2E5CFA0A5}" type="presOf" srcId="{C08CD9A2-04EC-434D-9383-01D7E01BF75D}" destId="{EEA07650-BA0A-4F38-8097-E2F7762011F9}" srcOrd="0" destOrd="0" presId="urn:microsoft.com/office/officeart/2005/8/layout/default"/>
-    <dgm:cxn modelId="{5503608D-DF69-0A45-B125-8CF1334842C5}" type="presOf" srcId="{F5AB6529-E5A4-4DFC-9E44-5A883CF59351}" destId="{CFB80AB0-BE2C-4C3E-B39E-C8F8F2E3127F}" srcOrd="0" destOrd="0" presId="urn:microsoft.com/office/officeart/2005/8/layout/default"/>
-    <dgm:cxn modelId="{A06E330B-1AD5-3D45-8875-2AD4AF276280}" type="presOf" srcId="{15324BF9-A016-4648-B6F8-4AB280BD1406}" destId="{95226B08-B6A9-4D52-B34F-B45E3C79DBE5}" srcOrd="0" destOrd="0" presId="urn:microsoft.com/office/officeart/2005/8/layout/default"/>
-    <dgm:cxn modelId="{07099904-3531-4150-AB53-08CF2FF75AFA}" srcId="{194E95D0-950B-476F-9946-FE9D28B98CDB}" destId="{93E86672-38F8-4D4D-A32C-C7294AAE8CC1}" srcOrd="33" destOrd="0" parTransId="{77E7A388-5138-4B2E-8F7A-C5FCB435C469}" sibTransId="{A4AA6A9E-7ED7-4B6B-9DB8-17D98D8BAAE4}"/>
-    <dgm:cxn modelId="{A0F455F2-CD95-5D45-AEAF-84FE013FF784}" type="presOf" srcId="{41FB4CB0-F67E-42B6-9645-C5CD0B883C48}" destId="{D3BEAFEC-C659-448A-B755-CBE24CBA0AC2}" srcOrd="0" destOrd="0" presId="urn:microsoft.com/office/officeart/2005/8/layout/default"/>
-    <dgm:cxn modelId="{2490D3C7-FC33-4A5B-9869-7F1FF8E40E68}" srcId="{194E95D0-950B-476F-9946-FE9D28B98CDB}" destId="{1621A23E-B514-45DE-A08A-3283A92C3B49}" srcOrd="26" destOrd="0" parTransId="{7CCB76AC-228B-4298-8E02-D2EAC8910A1F}" sibTransId="{FEBBC531-6030-488F-A082-523BAF2FACA2}"/>
-    <dgm:cxn modelId="{F0F6FA87-D9E7-4842-842F-F0585F76E9D2}" srcId="{194E95D0-950B-476F-9946-FE9D28B98CDB}" destId="{41FB4CB0-F67E-42B6-9645-C5CD0B883C48}" srcOrd="6" destOrd="0" parTransId="{28034C13-C0B5-4E03-85AF-87163462E69E}" sibTransId="{BDB1D460-F623-435F-A79D-CE86174AC701}"/>
-    <dgm:cxn modelId="{F2DE4A33-E26A-4244-A547-E4D3F828DF67}" srcId="{194E95D0-950B-476F-9946-FE9D28B98CDB}" destId="{9A113CD9-6FCB-4560-B03E-91092BB11C85}" srcOrd="30" destOrd="0" parTransId="{6B57A007-9075-4B9A-BBE9-3FCF0BE5F811}" sibTransId="{F9604371-5E86-49AC-B478-FC2C5B892B6B}"/>
-    <dgm:cxn modelId="{A8A4E054-5955-40E4-A353-6D9D65C3D6AE}" srcId="{194E95D0-950B-476F-9946-FE9D28B98CDB}" destId="{F3D92DBF-AF47-4B55-8A35-15776CCDC373}" srcOrd="32" destOrd="0" parTransId="{27E50F68-4F5E-41B2-ABB1-2E9B5E2FFC05}" sibTransId="{F6ED13D0-0054-455D-9B62-ADBC4F63A997}"/>
-    <dgm:cxn modelId="{E8723274-1853-45D7-A757-21348F627A2E}" srcId="{194E95D0-950B-476F-9946-FE9D28B98CDB}" destId="{2EBC060E-B1C8-4DF0-A223-EAB0E0083EF3}" srcOrd="34" destOrd="0" parTransId="{1424FD25-E8E5-4C17-A87E-D05C6C3A75B0}" sibTransId="{4CD5365C-CA21-4633-95F2-6CCCDF138EBC}"/>
-    <dgm:cxn modelId="{4E382A50-28D1-8C4E-9C18-84795A3514E7}" type="presOf" srcId="{2798D985-A96F-4043-9FE3-3B717C1AD0F3}" destId="{1FF8FC97-8A11-4BCE-9A46-E86B6FECDB58}" srcOrd="0" destOrd="0" presId="urn:microsoft.com/office/officeart/2005/8/layout/default"/>
-    <dgm:cxn modelId="{C2EA66F5-BF98-44C4-94A4-BF546B8DC6C3}" srcId="{194E95D0-950B-476F-9946-FE9D28B98CDB}" destId="{043B0B19-3471-43D5-9F24-6A53122D52AE}" srcOrd="7" destOrd="0" parTransId="{495B3233-8FA9-4B4B-878E-CE42249A5183}" sibTransId="{4F115DD3-319A-427F-8146-B7897099D680}"/>
-    <dgm:cxn modelId="{F1E52762-1977-4BAB-B467-4EDF0518AD51}" srcId="{194E95D0-950B-476F-9946-FE9D28B98CDB}" destId="{345729B2-0832-4A68-85D8-D4D7F5A5610F}" srcOrd="29" destOrd="0" parTransId="{A9EB832A-8B94-4B42-A9D2-01A71C8E1D8F}" sibTransId="{CFF2BED8-D087-4996-86F6-3349B922EF01}"/>
-    <dgm:cxn modelId="{73AB6A8A-E433-3641-9C54-187E7B990358}" type="presOf" srcId="{2EBC060E-B1C8-4DF0-A223-EAB0E0083EF3}" destId="{21080237-9017-4EDA-B880-D8A467A437EB}" srcOrd="0" destOrd="0" presId="urn:microsoft.com/office/officeart/2005/8/layout/default"/>
-    <dgm:cxn modelId="{3FC71534-26F8-D047-9BAA-48C2F8ECBD55}" type="presOf" srcId="{160BF83D-A9CE-4824-B3DE-825EDF3BC965}" destId="{7DD4A333-582B-4C7E-BE7E-3206CE477091}" srcOrd="0" destOrd="0" presId="urn:microsoft.com/office/officeart/2005/8/layout/default"/>
-    <dgm:cxn modelId="{2AEE7CA2-8109-E04C-AADC-84BD59106237}" type="presOf" srcId="{D182817B-BF3E-4A38-A862-543FFD70D176}" destId="{64DF4073-C86B-41E5-95C1-765A4722EA51}" srcOrd="0" destOrd="0" presId="urn:microsoft.com/office/officeart/2005/8/layout/default"/>
     <dgm:cxn modelId="{A4053D61-A753-FE4D-A4BA-C3D694BCC6EE}" type="presParOf" srcId="{148849EA-39C1-42B5-9441-7B6D9ED54BF9}" destId="{6FBF687C-4976-A54E-8DA5-3AAECD829659}" srcOrd="0" destOrd="0" presId="urn:microsoft.com/office/officeart/2005/8/layout/default"/>
     <dgm:cxn modelId="{5A641977-8B58-1141-9401-0BEF79AEE1CE}" type="presParOf" srcId="{148849EA-39C1-42B5-9441-7B6D9ED54BF9}" destId="{AD9D574E-FDB3-3D48-8772-612DA5219359}" srcOrd="1" destOrd="0" presId="urn:microsoft.com/office/officeart/2005/8/layout/default"/>
     <dgm:cxn modelId="{E47064FD-A8C9-F842-AC33-FB3D52E8E080}" type="presParOf" srcId="{148849EA-39C1-42B5-9441-7B6D9ED54BF9}" destId="{95226B08-B6A9-4D52-B34F-B45E3C79DBE5}" srcOrd="2" destOrd="0" presId="urn:microsoft.com/office/officeart/2005/8/layout/default"/>
@@ -10932,7 +11013,7 @@
           <a:avLst/>
         </a:prstGeom>
         <a:solidFill>
-          <a:srgbClr val="FFB400"/>
+          <a:schemeClr val="accent4"/>
         </a:solidFill>
         <a:ln>
           <a:noFill/>
@@ -11159,10 +11240,10 @@
             </a:spcAft>
           </a:pPr>
           <a:r>
-            <a:rPr lang="en-US" sz="1800" kern="1200" smtClean="0"/>
+            <a:rPr lang="en-US" sz="1800" kern="1200" dirty="0" smtClean="0"/>
             <a:t>No easy cloning syntax for structures (e.g. records)</a:t>
           </a:r>
-          <a:endParaRPr lang="en-US" sz="1800" kern="1200"/>
+          <a:endParaRPr lang="en-US" sz="1800" kern="1200" dirty="0"/>
         </a:p>
       </dsp:txBody>
       <dsp:txXfrm>
@@ -11243,10 +11324,14 @@
             </a:spcAft>
           </a:pPr>
           <a:r>
-            <a:rPr lang="en-US" sz="1800" kern="1200" smtClean="0"/>
-            <a:t>Literal data structures are only list and dict</a:t>
+            <a:rPr lang="en-US" sz="1800" kern="1200" dirty="0" smtClean="0"/>
+            <a:t>Literal data structures are only list and </a:t>
           </a:r>
-          <a:endParaRPr lang="en-US" sz="1800" kern="1200"/>
+          <a:r>
+            <a:rPr lang="en-US" sz="1800" kern="1200" dirty="0" err="1" smtClean="0"/>
+            <a:t>dict</a:t>
+          </a:r>
+          <a:endParaRPr lang="en-US" sz="1800" kern="1200" dirty="0"/>
         </a:p>
       </dsp:txBody>
       <dsp:txXfrm>
@@ -25257,7 +25342,7 @@
           <a:p>
             <a:fld id="{D383A388-81AD-4DD0-BB49-0C836E9CC166}" type="datetimeFigureOut">
               <a:rPr lang="en-US" smtClean="0"/>
-              <a:t>7/11/14</a:t>
+              <a:t>9/17/14</a:t>
             </a:fld>
             <a:endParaRPr lang="en-US"/>
           </a:p>
@@ -25423,7 +25508,7 @@
           <a:p>
             <a:fld id="{83A42379-093C-4640-BDB0-A25E629AF4AF}" type="datetimeFigureOut">
               <a:rPr lang="en-US" smtClean="0"/>
-              <a:t>7/11/14</a:t>
+              <a:t>9/17/14</a:t>
             </a:fld>
             <a:endParaRPr lang="en-US"/>
           </a:p>
@@ -25719,7 +25804,12 @@
             <p:ph type="sldImg"/>
           </p:nvPr>
         </p:nvSpPr>
-        <p:spPr/>
+        <p:spPr>
+          <a:xfrm>
+            <a:off x="960438" y="1143000"/>
+            <a:ext cx="4937125" cy="3086100"/>
+          </a:xfrm>
+        </p:spPr>
       </p:sp>
       <p:sp>
         <p:nvSpPr>
@@ -25919,7 +26009,12 @@
             <p:ph type="sldImg"/>
           </p:nvPr>
         </p:nvSpPr>
-        <p:spPr/>
+        <p:spPr>
+          <a:xfrm>
+            <a:off x="960438" y="1143000"/>
+            <a:ext cx="4937125" cy="3086100"/>
+          </a:xfrm>
+        </p:spPr>
       </p:sp>
       <p:sp>
         <p:nvSpPr>
@@ -26043,7 +26138,12 @@
             <p:ph type="sldImg"/>
           </p:nvPr>
         </p:nvSpPr>
-        <p:spPr/>
+        <p:spPr>
+          <a:xfrm>
+            <a:off x="960438" y="1143000"/>
+            <a:ext cx="4937125" cy="3086100"/>
+          </a:xfrm>
+        </p:spPr>
       </p:sp>
       <p:sp>
         <p:nvSpPr>
@@ -26128,7 +26228,12 @@
             <p:ph type="sldImg"/>
           </p:nvPr>
         </p:nvSpPr>
-        <p:spPr/>
+        <p:spPr>
+          <a:xfrm>
+            <a:off x="960438" y="1143000"/>
+            <a:ext cx="4937125" cy="3086100"/>
+          </a:xfrm>
+        </p:spPr>
       </p:sp>
       <p:sp>
         <p:nvSpPr>
@@ -26265,7 +26370,12 @@
             <p:ph type="sldImg"/>
           </p:nvPr>
         </p:nvSpPr>
-        <p:spPr/>
+        <p:spPr>
+          <a:xfrm>
+            <a:off x="960438" y="1143000"/>
+            <a:ext cx="4937125" cy="3086100"/>
+          </a:xfrm>
+        </p:spPr>
       </p:sp>
       <p:sp>
         <p:nvSpPr>
@@ -26371,7 +26481,12 @@
             <p:ph type="sldImg"/>
           </p:nvPr>
         </p:nvSpPr>
-        <p:spPr/>
+        <p:spPr>
+          <a:xfrm>
+            <a:off x="960438" y="1143000"/>
+            <a:ext cx="4937125" cy="3086100"/>
+          </a:xfrm>
+        </p:spPr>
       </p:sp>
       <p:sp>
         <p:nvSpPr>
@@ -26444,7 +26559,12 @@
             <p:ph type="sldImg"/>
           </p:nvPr>
         </p:nvSpPr>
-        <p:spPr/>
+        <p:spPr>
+          <a:xfrm>
+            <a:off x="960438" y="1143000"/>
+            <a:ext cx="4937125" cy="3086100"/>
+          </a:xfrm>
+        </p:spPr>
       </p:sp>
       <p:sp>
         <p:nvSpPr>
@@ -26632,7 +26752,12 @@
             <p:ph type="sldImg"/>
           </p:nvPr>
         </p:nvSpPr>
-        <p:spPr/>
+        <p:spPr>
+          <a:xfrm>
+            <a:off x="960438" y="1143000"/>
+            <a:ext cx="4937125" cy="3086100"/>
+          </a:xfrm>
+        </p:spPr>
       </p:sp>
       <p:sp>
         <p:nvSpPr>
@@ -26725,7 +26850,12 @@
             <p:ph type="sldImg"/>
           </p:nvPr>
         </p:nvSpPr>
-        <p:spPr/>
+        <p:spPr>
+          <a:xfrm>
+            <a:off x="960438" y="1143000"/>
+            <a:ext cx="4937125" cy="3086100"/>
+          </a:xfrm>
+        </p:spPr>
       </p:sp>
       <p:sp>
         <p:nvSpPr>
@@ -26786,7 +26916,12 @@
             <p:ph type="sldImg"/>
           </p:nvPr>
         </p:nvSpPr>
-        <p:spPr/>
+        <p:spPr>
+          <a:xfrm>
+            <a:off x="960438" y="1143000"/>
+            <a:ext cx="4937125" cy="3086100"/>
+          </a:xfrm>
+        </p:spPr>
       </p:sp>
       <p:sp>
         <p:nvSpPr>
@@ -26855,7 +26990,12 @@
             <p:ph type="sldImg"/>
           </p:nvPr>
         </p:nvSpPr>
-        <p:spPr/>
+        <p:spPr>
+          <a:xfrm>
+            <a:off x="960438" y="1143000"/>
+            <a:ext cx="4937125" cy="3086100"/>
+          </a:xfrm>
+        </p:spPr>
       </p:sp>
       <p:sp>
         <p:nvSpPr>
@@ -26957,7 +27097,12 @@
             <p:ph type="sldImg"/>
           </p:nvPr>
         </p:nvSpPr>
-        <p:spPr/>
+        <p:spPr>
+          <a:xfrm>
+            <a:off x="960438" y="1143000"/>
+            <a:ext cx="4937125" cy="3086100"/>
+          </a:xfrm>
+        </p:spPr>
       </p:sp>
       <p:sp>
         <p:nvSpPr>
@@ -27055,7 +27200,12 @@
             <p:ph type="sldImg"/>
           </p:nvPr>
         </p:nvSpPr>
-        <p:spPr/>
+        <p:spPr>
+          <a:xfrm>
+            <a:off x="960438" y="1143000"/>
+            <a:ext cx="4937125" cy="3086100"/>
+          </a:xfrm>
+        </p:spPr>
       </p:sp>
       <p:sp>
         <p:nvSpPr>
@@ -27203,7 +27353,12 @@
             <p:ph type="sldImg"/>
           </p:nvPr>
         </p:nvSpPr>
-        <p:spPr/>
+        <p:spPr>
+          <a:xfrm>
+            <a:off x="960438" y="1143000"/>
+            <a:ext cx="4937125" cy="3086100"/>
+          </a:xfrm>
+        </p:spPr>
       </p:sp>
       <p:sp>
         <p:nvSpPr>
@@ -27294,7 +27449,12 @@
             <p:ph type="sldImg"/>
           </p:nvPr>
         </p:nvSpPr>
-        <p:spPr/>
+        <p:spPr>
+          <a:xfrm>
+            <a:off x="960438" y="1143000"/>
+            <a:ext cx="4937125" cy="3086100"/>
+          </a:xfrm>
+        </p:spPr>
       </p:sp>
       <p:sp>
         <p:nvSpPr>
@@ -27512,7 +27672,7 @@
         </p:nvSpPr>
         <p:spPr bwMode="auto">
           <a:xfrm>
-            <a:off x="146304" y="5326381"/>
+            <a:off x="146304" y="5326385"/>
             <a:ext cx="8833104" cy="257969"/>
           </a:xfrm>
           <a:prstGeom prst="rect">
@@ -27550,7 +27710,7 @@
         </p:nvSpPr>
         <p:spPr>
           <a:xfrm>
-            <a:off x="1373323" y="4442058"/>
+            <a:off x="1373323" y="4442059"/>
             <a:ext cx="6400800" cy="682003"/>
           </a:xfrm>
         </p:spPr>
@@ -27613,7 +27773,7 @@
             <a:pPr eaLnBrk="1" latinLnBrk="0" hangingPunct="1"/>
             <a:fld id="{81663A10-8963-408B-B7A7-2BE0C9C01E2A}" type="datetime1">
               <a:rPr lang="en-US" smtClean="0"/>
-              <a:t>7/11/14</a:t>
+              <a:t>9/17/14</a:t>
             </a:fld>
             <a:endParaRPr lang="en-US"/>
           </a:p>
@@ -27822,7 +27982,7 @@
         </p:nvSpPr>
         <p:spPr>
           <a:xfrm>
-            <a:off x="4343400" y="3907950"/>
+            <a:off x="4343400" y="3907954"/>
             <a:ext cx="457200" cy="367771"/>
           </a:xfrm>
         </p:spPr>
@@ -27863,7 +28023,7 @@
         </p:nvSpPr>
         <p:spPr>
           <a:xfrm>
-            <a:off x="160948" y="779646"/>
+            <a:off x="160953" y="779650"/>
             <a:ext cx="290147" cy="544391"/>
           </a:xfrm>
           <a:prstGeom prst="rect">
@@ -27904,7 +28064,7 @@
         </p:nvSpPr>
         <p:spPr>
           <a:xfrm>
-            <a:off x="8575573" y="3276562"/>
+            <a:off x="8575581" y="3276562"/>
             <a:ext cx="294107" cy="527938"/>
           </a:xfrm>
           <a:prstGeom prst="rect">
@@ -27957,7 +28117,7 @@
         </p:nvSpPr>
         <p:spPr>
           <a:xfrm>
-            <a:off x="451095" y="505326"/>
+            <a:off x="451103" y="505326"/>
             <a:ext cx="8221267" cy="3174714"/>
           </a:xfrm>
         </p:spPr>
@@ -28424,7 +28584,7 @@
         </p:nvSpPr>
         <p:spPr>
           <a:xfrm>
-            <a:off x="1371600" y="241498"/>
+            <a:off x="1371600" y="241502"/>
             <a:ext cx="457200" cy="367771"/>
           </a:xfrm>
         </p:spPr>
@@ -28565,7 +28725,7 @@
         </p:nvSpPr>
         <p:spPr bwMode="auto">
           <a:xfrm>
-            <a:off x="149352" y="5323656"/>
+            <a:off x="149352" y="5323660"/>
             <a:ext cx="8833104" cy="257969"/>
           </a:xfrm>
           <a:prstGeom prst="rect">
@@ -28614,7 +28774,7 @@
             <a:pPr eaLnBrk="1" latinLnBrk="0" hangingPunct="1"/>
             <a:fld id="{F2890721-CDC0-49BE-AFE7-64C944AACF5F}" type="datetime1">
               <a:rPr lang="en-US" smtClean="0"/>
-              <a:t>7/11/14</a:t>
+              <a:t>9/17/14</a:t>
             </a:fld>
             <a:endParaRPr lang="en-US" dirty="0"/>
           </a:p>
@@ -28747,7 +28907,7 @@
             <a:pPr eaLnBrk="1" latinLnBrk="0" hangingPunct="1"/>
             <a:fld id="{433A5BE9-678F-4DD1-95B6-930E3381EA12}" type="datetime1">
               <a:rPr lang="en-US" smtClean="0"/>
-              <a:t>7/11/14</a:t>
+              <a:t>9/17/14</a:t>
             </a:fld>
             <a:endParaRPr lang="en-US"/>
           </a:p>
@@ -28784,7 +28944,7 @@
         </p:nvSpPr>
         <p:spPr>
           <a:xfrm>
-            <a:off x="4343400" y="861312"/>
+            <a:off x="4343400" y="861316"/>
             <a:ext cx="457200" cy="367771"/>
           </a:xfrm>
         </p:spPr>
@@ -28985,7 +29145,7 @@
         </p:nvSpPr>
         <p:spPr bwMode="auto">
           <a:xfrm>
-            <a:off x="146304" y="5326381"/>
+            <a:off x="146304" y="5326385"/>
             <a:ext cx="8833104" cy="257969"/>
           </a:xfrm>
           <a:prstGeom prst="rect">
@@ -29195,7 +29355,7 @@
         </p:nvSpPr>
         <p:spPr>
           <a:xfrm>
-            <a:off x="6915912" y="2494347"/>
+            <a:off x="6915912" y="2494351"/>
             <a:ext cx="457200" cy="367771"/>
           </a:xfrm>
         </p:spPr>
@@ -29271,7 +29431,7 @@
             <a:pPr eaLnBrk="1" latinLnBrk="0" hangingPunct="1"/>
             <a:fld id="{02BDF250-BE5F-44C9-A5DF-DC957FDCFC0D}" type="datetime1">
               <a:rPr lang="en-US" smtClean="0"/>
-              <a:t>7/11/14</a:t>
+              <a:t>9/17/14</a:t>
             </a:fld>
             <a:endParaRPr lang="en-US"/>
           </a:p>
@@ -29308,7 +29468,7 @@
         </p:nvSpPr>
         <p:spPr>
           <a:xfrm>
-            <a:off x="7391400" y="254001"/>
+            <a:off x="7391400" y="254005"/>
             <a:ext cx="1447800" cy="4876271"/>
           </a:xfrm>
         </p:spPr>
@@ -29468,7 +29628,7 @@
         </p:nvSpPr>
         <p:spPr bwMode="white">
           <a:xfrm>
-            <a:off x="0" y="-1"/>
+            <a:off x="0" y="2"/>
             <a:ext cx="9144000" cy="3425907"/>
           </a:xfrm>
           <a:prstGeom prst="rect">
@@ -29504,7 +29664,7 @@
         </p:nvSpPr>
         <p:spPr bwMode="auto">
           <a:xfrm>
-            <a:off x="146304" y="5326381"/>
+            <a:off x="146304" y="5326385"/>
             <a:ext cx="8833104" cy="257969"/>
           </a:xfrm>
           <a:prstGeom prst="rect">
@@ -29605,7 +29765,7 @@
             <a:pPr eaLnBrk="1" latinLnBrk="0" hangingPunct="1"/>
             <a:fld id="{9CE94D95-E352-415A-8F95-D0C060D20FB1}" type="datetime1">
               <a:rPr lang="en-US" smtClean="0"/>
-              <a:t>7/11/14</a:t>
+              <a:t>9/17/14</a:t>
             </a:fld>
             <a:endParaRPr lang="en-US"/>
           </a:p>
@@ -29814,7 +29974,7 @@
         </p:nvSpPr>
         <p:spPr>
           <a:xfrm>
-            <a:off x="4343400" y="3219743"/>
+            <a:off x="4343400" y="3219747"/>
             <a:ext cx="457200" cy="367771"/>
           </a:xfrm>
         </p:spPr>
@@ -29967,7 +30127,7 @@
             <a:pPr eaLnBrk="1" latinLnBrk="0" hangingPunct="1"/>
             <a:fld id="{958722A3-5E87-44C8-AE92-65C6CEBEF68D}" type="datetime1">
               <a:rPr lang="en-US" smtClean="0"/>
-              <a:t>7/11/14</a:t>
+              <a:t>9/17/14</a:t>
             </a:fld>
             <a:endParaRPr lang="en-US"/>
           </a:p>
@@ -30004,7 +30164,7 @@
         </p:nvSpPr>
         <p:spPr>
           <a:xfrm>
-            <a:off x="4343814" y="859544"/>
+            <a:off x="4343814" y="859548"/>
             <a:ext cx="457200" cy="367771"/>
           </a:xfrm>
         </p:spPr>
@@ -30392,7 +30552,7 @@
         </p:nvSpPr>
         <p:spPr bwMode="auto">
           <a:xfrm>
-            <a:off x="146304" y="5326381"/>
+            <a:off x="146304" y="5326385"/>
             <a:ext cx="8833104" cy="257969"/>
           </a:xfrm>
           <a:prstGeom prst="rect">
@@ -30493,7 +30653,7 @@
             <a:pPr eaLnBrk="1" latinLnBrk="0" hangingPunct="1"/>
             <a:fld id="{09863461-38BD-4FD1-BF9D-211C72E72FE2}" type="datetime1">
               <a:rPr lang="en-US" smtClean="0"/>
-              <a:t>7/11/14</a:t>
+              <a:t>9/17/14</a:t>
             </a:fld>
             <a:endParaRPr lang="en-US"/>
           </a:p>
@@ -30645,7 +30805,7 @@
         </p:nvSpPr>
         <p:spPr>
           <a:xfrm>
-            <a:off x="4343400" y="1824530"/>
+            <a:off x="4343400" y="1824534"/>
             <a:ext cx="457200" cy="367771"/>
           </a:xfrm>
         </p:spPr>
@@ -30799,7 +30959,7 @@
             <a:pPr eaLnBrk="1" latinLnBrk="0" hangingPunct="1"/>
             <a:fld id="{6CBF5709-960A-49A9-8751-FEF9A5E360AA}" type="datetime1">
               <a:rPr lang="en-US" smtClean="0"/>
-              <a:t>7/11/14</a:t>
+              <a:t>9/17/14</a:t>
             </a:fld>
             <a:endParaRPr lang="en-US"/>
           </a:p>
@@ -30836,7 +30996,7 @@
         </p:nvSpPr>
         <p:spPr>
           <a:xfrm>
-            <a:off x="4343400" y="859667"/>
+            <a:off x="4343400" y="859671"/>
             <a:ext cx="457200" cy="367771"/>
           </a:xfrm>
         </p:spPr>
@@ -30863,7 +31023,7 @@
         </p:nvSpPr>
         <p:spPr bwMode="auto">
           <a:xfrm flipV="1">
-            <a:off x="4563083" y="1313044"/>
+            <a:off x="4563091" y="1313044"/>
             <a:ext cx="8921" cy="4016298"/>
           </a:xfrm>
           <a:prstGeom prst="line">
@@ -31427,7 +31587,7 @@
             <a:pPr eaLnBrk="1" latinLnBrk="0" hangingPunct="1"/>
             <a:fld id="{48C1FD80-18FC-4774-8AAB-366B09B2A217}" type="datetime1">
               <a:rPr lang="en-US" smtClean="0"/>
-              <a:t>7/11/14</a:t>
+              <a:t>9/17/14</a:t>
             </a:fld>
             <a:endParaRPr lang="en-US"/>
           </a:p>
@@ -31545,7 +31705,7 @@
         </p:nvSpPr>
         <p:spPr>
           <a:xfrm>
-            <a:off x="301752" y="2059487"/>
+            <a:off x="301752" y="2059489"/>
             <a:ext cx="4041648" cy="3182003"/>
           </a:xfrm>
         </p:spPr>
@@ -31723,7 +31883,7 @@
         </p:nvSpPr>
         <p:spPr>
           <a:xfrm>
-            <a:off x="4343400" y="859777"/>
+            <a:off x="4343400" y="859781"/>
             <a:ext cx="457200" cy="367771"/>
           </a:xfrm>
         </p:spPr>
@@ -31826,7 +31986,7 @@
             <a:pPr eaLnBrk="1" latinLnBrk="0" hangingPunct="1"/>
             <a:fld id="{BD372ACB-E49B-443C-90A9-D97449131392}" type="datetime1">
               <a:rPr lang="en-US" smtClean="0"/>
-              <a:t>7/11/14</a:t>
+              <a:t>9/17/14</a:t>
             </a:fld>
             <a:endParaRPr lang="en-US"/>
           </a:p>
@@ -31863,7 +32023,7 @@
         </p:nvSpPr>
         <p:spPr>
           <a:xfrm>
-            <a:off x="4343400" y="859721"/>
+            <a:off x="4343400" y="859725"/>
             <a:ext cx="457200" cy="367771"/>
           </a:xfrm>
         </p:spPr>
@@ -32059,7 +32219,7 @@
         </p:nvSpPr>
         <p:spPr bwMode="auto">
           <a:xfrm>
-            <a:off x="146304" y="5326381"/>
+            <a:off x="146304" y="5326385"/>
             <a:ext cx="8833104" cy="257969"/>
           </a:xfrm>
           <a:prstGeom prst="rect">
@@ -32141,7 +32301,7 @@
             <a:pPr eaLnBrk="1" latinLnBrk="0" hangingPunct="1"/>
             <a:fld id="{6508DA99-E421-4EBE-83B7-7AA044411DE1}" type="datetime1">
               <a:rPr lang="en-US" smtClean="0"/>
-              <a:t>7/11/14</a:t>
+              <a:t>9/17/14</a:t>
             </a:fld>
             <a:endParaRPr lang="en-US"/>
           </a:p>
@@ -32776,7 +32936,7 @@
         </p:nvSpPr>
         <p:spPr>
           <a:xfrm>
-            <a:off x="1371600" y="241498"/>
+            <a:off x="1371600" y="241502"/>
             <a:ext cx="457200" cy="367771"/>
           </a:xfrm>
         </p:spPr>
@@ -32819,7 +32979,7 @@
         </p:nvSpPr>
         <p:spPr bwMode="auto">
           <a:xfrm>
-            <a:off x="149352" y="5323656"/>
+            <a:off x="149352" y="5323660"/>
             <a:ext cx="8833104" cy="257969"/>
           </a:xfrm>
           <a:prstGeom prst="rect">
@@ -32863,7 +33023,7 @@
             <a:pPr eaLnBrk="1" latinLnBrk="0" hangingPunct="1"/>
             <a:fld id="{62F7506B-250E-4C9B-A8AF-00707E40032F}" type="datetime1">
               <a:rPr lang="en-US" smtClean="0"/>
-              <a:t>7/11/14</a:t>
+              <a:t>9/17/14</a:t>
             </a:fld>
             <a:endParaRPr lang="en-US"/>
           </a:p>
@@ -32980,7 +33140,7 @@
         </p:nvSpPr>
         <p:spPr bwMode="white">
           <a:xfrm>
-            <a:off x="0" y="1"/>
+            <a:off x="0" y="4"/>
             <a:ext cx="9144000" cy="1161143"/>
           </a:xfrm>
           <a:prstGeom prst="rect">
@@ -33088,7 +33248,7 @@
         </p:nvSpPr>
         <p:spPr bwMode="auto">
           <a:xfrm>
-            <a:off x="149352" y="5323656"/>
+            <a:off x="149352" y="5323660"/>
             <a:ext cx="8833104" cy="257969"/>
           </a:xfrm>
           <a:prstGeom prst="rect">
@@ -33148,7 +33308,7 @@
             <a:pPr algn="r" eaLnBrk="1" latinLnBrk="0" hangingPunct="1"/>
             <a:fld id="{45888139-7179-4465-8DDF-46377E1DC30B}" type="datetime1">
               <a:rPr lang="en-US" smtClean="0"/>
-              <a:t>7/11/14</a:t>
+              <a:t>9/17/14</a:t>
             </a:fld>
             <a:endParaRPr lang="en-US" sz="1400" dirty="0">
               <a:solidFill>
@@ -33382,7 +33542,7 @@
         </p:nvSpPr>
         <p:spPr>
           <a:xfrm>
-            <a:off x="4343400" y="859667"/>
+            <a:off x="4343400" y="859671"/>
             <a:ext cx="457200" cy="367771"/>
           </a:xfrm>
           <a:prstGeom prst="rect">
@@ -33907,69 +34067,6 @@
           </a:p>
         </p:txBody>
       </p:sp>
-      <p:pic>
-        <p:nvPicPr>
-          <p:cNvPr id="4" name="Picture 2"/>
-          <p:cNvPicPr>
-            <a:picLocks noChangeAspect="1" noChangeArrowheads="1"/>
-          </p:cNvPicPr>
-          <p:nvPr/>
-        </p:nvPicPr>
-        <p:blipFill>
-          <a:blip r:embed="rId3" cstate="print">
-            <a:extLst>
-              <a:ext uri="{28A0092B-C50C-407E-A947-70E740481C1C}">
-                <a14:useLocalDpi xmlns:a14="http://schemas.microsoft.com/office/drawing/2010/main" val="0"/>
-              </a:ext>
-            </a:extLst>
-          </a:blip>
-          <a:stretch>
-            <a:fillRect/>
-          </a:stretch>
-        </p:blipFill>
-        <p:spPr bwMode="auto">
-          <a:xfrm>
-            <a:off x="7024923" y="3515654"/>
-            <a:ext cx="1738313" cy="1730820"/>
-          </a:xfrm>
-          <a:prstGeom prst="rect">
-            <a:avLst/>
-          </a:prstGeom>
-          <a:noFill/>
-          <a:ln>
-            <a:noFill/>
-          </a:ln>
-          <a:effectLst/>
-          <a:extLst>
-            <a:ext uri="{909E8E84-426E-40dd-AFC4-6F175D3DCCD1}">
-              <a14:hiddenFill xmlns:a14="http://schemas.microsoft.com/office/drawing/2010/main">
-                <a:solidFill>
-                  <a:schemeClr val="accent1"/>
-                </a:solidFill>
-              </a14:hiddenFill>
-            </a:ext>
-            <a:ext uri="{91240B29-F687-4f45-9708-019B960494DF}">
-              <a14:hiddenLine xmlns:a14="http://schemas.microsoft.com/office/drawing/2010/main" w="9525">
-                <a:solidFill>
-                  <a:schemeClr val="tx1"/>
-                </a:solidFill>
-                <a:miter lim="800000"/>
-                <a:headEnd/>
-                <a:tailEnd/>
-              </a14:hiddenLine>
-            </a:ext>
-            <a:ext uri="{AF507438-7753-43e0-B8FC-AC1667EBCBE1}">
-              <a14:hiddenEffects xmlns:a14="http://schemas.microsoft.com/office/drawing/2010/main">
-                <a:effectLst>
-                  <a:outerShdw dist="35921" dir="2700000" algn="ctr" rotWithShape="0">
-                    <a:schemeClr val="bg2"/>
-                  </a:outerShdw>
-                </a:effectLst>
-              </a14:hiddenEffects>
-            </a:ext>
-          </a:extLst>
-        </p:spPr>
-      </p:pic>
       <p:sp>
         <p:nvSpPr>
           <p:cNvPr id="3" name="Title 2"/>
@@ -34101,7 +34198,7 @@
         </p:nvSpPr>
         <p:spPr>
           <a:xfrm>
-            <a:off x="301753" y="1243990"/>
+            <a:off x="301765" y="1243992"/>
             <a:ext cx="2555529" cy="510267"/>
           </a:xfrm>
           <a:prstGeom prst="roundRect">
@@ -34166,14 +34263,14 @@
         </p:nvSpPr>
         <p:spPr>
           <a:xfrm>
-            <a:off x="301752" y="1936997"/>
+            <a:off x="301764" y="1936997"/>
             <a:ext cx="2555529" cy="510267"/>
           </a:xfrm>
           <a:prstGeom prst="roundRect">
             <a:avLst/>
           </a:prstGeom>
           <a:solidFill>
-            <a:srgbClr val="09213B"/>
+            <a:schemeClr val="tx2"/>
           </a:solidFill>
           <a:ln>
             <a:noFill/>
@@ -34231,7 +34328,7 @@
         </p:nvSpPr>
         <p:spPr>
           <a:xfrm>
-            <a:off x="301753" y="2631680"/>
+            <a:off x="301765" y="2631682"/>
             <a:ext cx="2555529" cy="510267"/>
           </a:xfrm>
           <a:prstGeom prst="roundRect">
@@ -34296,7 +34393,7 @@
         </p:nvSpPr>
         <p:spPr>
           <a:xfrm>
-            <a:off x="301752" y="3326363"/>
+            <a:off x="301764" y="3326363"/>
             <a:ext cx="2555529" cy="510267"/>
           </a:xfrm>
           <a:prstGeom prst="roundRect">
@@ -34361,7 +34458,7 @@
         </p:nvSpPr>
         <p:spPr>
           <a:xfrm>
-            <a:off x="301752" y="4021046"/>
+            <a:off x="301764" y="4021047"/>
             <a:ext cx="2555529" cy="510267"/>
           </a:xfrm>
           <a:prstGeom prst="roundRect">
@@ -34426,7 +34523,7 @@
         </p:nvSpPr>
         <p:spPr>
           <a:xfrm>
-            <a:off x="301752" y="4716320"/>
+            <a:off x="301764" y="4716322"/>
             <a:ext cx="2555529" cy="510267"/>
           </a:xfrm>
           <a:prstGeom prst="roundRect">
@@ -34582,7 +34679,7 @@
         </p:nvGrpSpPr>
         <p:grpSpPr>
           <a:xfrm>
-            <a:off x="301752" y="1243990"/>
+            <a:off x="301764" y="1243992"/>
             <a:ext cx="8534401" cy="3982597"/>
             <a:chOff x="301752" y="1276006"/>
             <a:chExt cx="8534401" cy="3982597"/>
@@ -35964,7 +36061,7 @@
             <p:ph sz="quarter" idx="1"/>
             <p:extLst>
               <p:ext uri="{D42A27DB-BD31-4B8C-83A1-F6EECF244321}">
-                <p14:modId xmlns:p14="http://schemas.microsoft.com/office/powerpoint/2010/main" val="790910910"/>
+                <p14:modId xmlns:p14="http://schemas.microsoft.com/office/powerpoint/2010/main" val="308240275"/>
               </p:ext>
             </p:extLst>
           </p:nvPr>
@@ -36204,7 +36301,7 @@
             <p:ph sz="quarter" idx="1"/>
             <p:extLst>
               <p:ext uri="{D42A27DB-BD31-4B8C-83A1-F6EECF244321}">
-                <p14:modId xmlns:p14="http://schemas.microsoft.com/office/powerpoint/2010/main" val="3769954961"/>
+                <p14:modId xmlns:p14="http://schemas.microsoft.com/office/powerpoint/2010/main" val="3542302639"/>
               </p:ext>
             </p:extLst>
           </p:nvPr>
@@ -36293,7 +36390,7 @@
         </p:nvSpPr>
         <p:spPr>
           <a:xfrm>
-            <a:off x="227417" y="440700"/>
+            <a:off x="227417" y="440703"/>
             <a:ext cx="8670216" cy="631825"/>
           </a:xfrm>
         </p:spPr>
@@ -36394,7 +36491,7 @@
           </p:nvPr>
         </p:nvGraphicFramePr>
         <p:xfrm>
-          <a:off x="301752" y="1272539"/>
+          <a:off x="301752" y="1272545"/>
           <a:ext cx="8503920" cy="4048939"/>
         </p:xfrm>
         <a:graphic>
@@ -36493,7 +36590,7 @@
         </p:blipFill>
         <p:spPr>
           <a:xfrm>
-            <a:off x="486590" y="1488015"/>
+            <a:off x="486590" y="1488018"/>
             <a:ext cx="8187218" cy="3164635"/>
           </a:xfrm>
           <a:prstGeom prst="rect">
@@ -36599,7 +36696,7 @@
         </p:blipFill>
         <p:spPr>
           <a:xfrm>
-            <a:off x="165555" y="1600408"/>
+            <a:off x="165566" y="1600410"/>
             <a:ext cx="8817117" cy="2945476"/>
           </a:xfrm>
           <a:prstGeom prst="rect">
@@ -36960,7 +37057,7 @@
         </p:blipFill>
         <p:spPr>
           <a:xfrm>
-            <a:off x="1951974" y="2276999"/>
+            <a:off x="1951979" y="2276999"/>
             <a:ext cx="5254117" cy="2952813"/>
           </a:xfrm>
           <a:prstGeom prst="rect">
@@ -37204,7 +37301,7 @@
         </p:blipFill>
         <p:spPr bwMode="auto">
           <a:xfrm>
-            <a:off x="7024923" y="3515654"/>
+            <a:off x="7024931" y="3515654"/>
             <a:ext cx="1738313" cy="1730820"/>
           </a:xfrm>
           <a:prstGeom prst="rect">
@@ -37391,23 +37488,15 @@
             </a:r>
             <a:r>
               <a:rPr lang="en-US" sz="3500" b="1" dirty="0"/>
-              <a:t>order of magnitude increase in productivity</a:t>
+              <a:t>order of magnitude increase in </a:t>
             </a:r>
             <a:r>
-              <a:rPr lang="en-US" sz="3500" dirty="0"/>
-              <a:t> and allows one developer to perform the </a:t>
+              <a:rPr lang="en-US" sz="3500" b="1" dirty="0" smtClean="0"/>
+              <a:t>productivity</a:t>
             </a:r>
             <a:r>
               <a:rPr lang="en-US" sz="3500" dirty="0" smtClean="0"/>
-              <a:t>work…of a </a:t>
-            </a:r>
-            <a:r>
-              <a:rPr lang="en-US" sz="3500" dirty="0"/>
-              <a:t>team of dedicated developers on an existing Java-based </a:t>
-            </a:r>
-            <a:r>
-              <a:rPr lang="en-US" sz="3500" dirty="0" smtClean="0"/>
-              <a:t>solution...</a:t>
+              <a:t>...</a:t>
             </a:r>
             <a:endParaRPr lang="en-US" sz="3500" dirty="0"/>
           </a:p>
@@ -37425,7 +37514,7 @@
         </p:nvSpPr>
         <p:spPr>
           <a:xfrm>
-            <a:off x="0" y="5337939"/>
+            <a:off x="0" y="5337945"/>
             <a:ext cx="9144000" cy="258321"/>
           </a:xfrm>
         </p:spPr>
@@ -37543,12 +37632,13 @@
             </a:r>
             <a:r>
               <a:rPr lang="en-US" b="1" dirty="0"/>
-              <a:t>I am still waiting for the first bug to come in. </a:t>
+              <a:t>I am still waiting for the first bug to come in</a:t>
             </a:r>
             <a:r>
-              <a:rPr lang="en-US" dirty="0"/>
-              <a:t>This is not the case with the C# projects I have delivered.</a:t>
+              <a:rPr lang="en-US" b="1" dirty="0" smtClean="0"/>
+              <a:t>.</a:t>
             </a:r>
+            <a:endParaRPr lang="en-US" dirty="0"/>
           </a:p>
         </p:txBody>
       </p:sp>
@@ -37672,11 +37762,19 @@
             </a:r>
             <a:r>
               <a:rPr lang="en-US" b="1" dirty="0"/>
-              <a:t>UI work is especially gratifying</a:t>
+              <a:t>UI work is especially </a:t>
+            </a:r>
+            <a:r>
+              <a:rPr lang="en-US" b="1" dirty="0" smtClean="0"/>
+              <a:t>gratifying</a:t>
+            </a:r>
+            <a:r>
+              <a:rPr lang="en-US" dirty="0" smtClean="0"/>
+              <a:t>…with </a:t>
             </a:r>
             <a:r>
               <a:rPr lang="en-US" dirty="0"/>
-              <a:t>, because state of the art for a lot of genomic data display is still PNG images embedded in JavaScript and with F# I can render half a million data points on a web page without jumping through hoops.</a:t>
+              <a:t>F# I can render half a million data points on a web page without jumping through hoops.</a:t>
             </a:r>
           </a:p>
         </p:txBody>
@@ -37693,7 +37791,7 @@
         </p:nvSpPr>
         <p:spPr>
           <a:xfrm>
-            <a:off x="0" y="5337939"/>
+            <a:off x="0" y="5337945"/>
             <a:ext cx="9144000" cy="258321"/>
           </a:xfrm>
         </p:spPr>
@@ -37755,7 +37853,7 @@
         </p:nvSpPr>
         <p:spPr>
           <a:xfrm>
-            <a:off x="2894810" y="1558744"/>
+            <a:off x="2894813" y="1558744"/>
             <a:ext cx="6084157" cy="1163808"/>
           </a:xfrm>
           <a:prstGeom prst="rect">
@@ -37857,7 +37955,7 @@
         </p:nvSpPr>
         <p:spPr>
           <a:xfrm>
-            <a:off x="260579" y="762000"/>
+            <a:off x="260583" y="762000"/>
             <a:ext cx="2558425" cy="825500"/>
           </a:xfrm>
         </p:spPr>
@@ -37885,7 +37983,7 @@
         </p:nvSpPr>
         <p:spPr>
           <a:xfrm>
-            <a:off x="260579" y="1651000"/>
+            <a:off x="260583" y="1651000"/>
             <a:ext cx="2558425" cy="3454136"/>
           </a:xfrm>
         </p:spPr>
@@ -37930,7 +38028,7 @@
         </p:nvSpPr>
         <p:spPr>
           <a:xfrm>
-            <a:off x="2894809" y="3941328"/>
+            <a:off x="2894813" y="3941328"/>
             <a:ext cx="6084157" cy="1163808"/>
           </a:xfrm>
           <a:prstGeom prst="rect">
@@ -38140,7 +38238,7 @@
         </p:nvSpPr>
         <p:spPr>
           <a:xfrm>
-            <a:off x="2894809" y="2722552"/>
+            <a:off x="2894813" y="2722555"/>
             <a:ext cx="6084157" cy="1218776"/>
           </a:xfrm>
           <a:prstGeom prst="rect">
@@ -38463,7 +38561,7 @@
         </p:blipFill>
         <p:spPr>
           <a:xfrm>
-            <a:off x="3255964" y="1281432"/>
+            <a:off x="3255968" y="1281433"/>
             <a:ext cx="5238749" cy="1704975"/>
           </a:xfrm>
           <a:prstGeom prst="rect">
@@ -38479,7 +38577,7 @@
         </p:nvSpPr>
         <p:spPr>
           <a:xfrm>
-            <a:off x="3255963" y="4709651"/>
+            <a:off x="3255968" y="4709653"/>
             <a:ext cx="5238749" cy="395485"/>
           </a:xfrm>
           <a:prstGeom prst="rect">
@@ -38513,7 +38611,7 @@
         </p:nvSpPr>
         <p:spPr>
           <a:xfrm>
-            <a:off x="260579" y="762000"/>
+            <a:off x="260583" y="762000"/>
             <a:ext cx="2558425" cy="825500"/>
           </a:xfrm>
           <a:prstGeom prst="rect">
@@ -38557,7 +38655,7 @@
         </p:nvSpPr>
         <p:spPr>
           <a:xfrm>
-            <a:off x="260112" y="1650533"/>
+            <a:off x="260114" y="1650535"/>
             <a:ext cx="2558425" cy="3454136"/>
           </a:xfrm>
         </p:spPr>
@@ -38585,7 +38683,7 @@
         </p:nvSpPr>
         <p:spPr>
           <a:xfrm>
-            <a:off x="260112" y="761533"/>
+            <a:off x="260114" y="761533"/>
             <a:ext cx="2558425" cy="825500"/>
           </a:xfrm>
         </p:spPr>
@@ -38698,7 +38796,7 @@
         </p:nvSpPr>
         <p:spPr>
           <a:xfrm>
-            <a:off x="152046" y="2059487"/>
+            <a:off x="152057" y="2059489"/>
             <a:ext cx="4418277" cy="3182003"/>
           </a:xfrm>
         </p:spPr>
@@ -39447,7 +39545,7 @@
         </p:nvSpPr>
         <p:spPr>
           <a:xfrm>
-            <a:off x="301751" y="2915634"/>
+            <a:off x="301763" y="2915637"/>
             <a:ext cx="8504111" cy="2289577"/>
           </a:xfrm>
           <a:prstGeom prst="rect">
@@ -39598,7 +39696,7 @@
 <file path=ppt/theme/theme1.xml><?xml version="1.0" encoding="utf-8"?>
 <a:theme xmlns:a="http://schemas.openxmlformats.org/drawingml/2006/main" name="Civic">
   <a:themeElements>
-    <a:clrScheme name="Custom 4">
+    <a:clrScheme name="Breeze">
       <a:dk1>
         <a:sysClr val="windowText" lastClr="000000"/>
       </a:dk1>
@@ -39630,7 +39728,7 @@
         <a:srgbClr val="C00000"/>
       </a:accent6>
       <a:hlink>
-        <a:srgbClr val="09213B"/>
+        <a:srgbClr val="7030A0"/>
       </a:hlink>
       <a:folHlink>
         <a:srgbClr val="00B0F0"/>

--- a/Intro to Xamarin F#/F#-iOS.pptx
+++ b/Intro to Xamarin F#/F#-iOS.pptx
@@ -25342,7 +25342,7 @@
           <a:p>
             <a:fld id="{D383A388-81AD-4DD0-BB49-0C836E9CC166}" type="datetimeFigureOut">
               <a:rPr lang="en-US" smtClean="0"/>
-              <a:t>9/17/14</a:t>
+              <a:t>10/7/14</a:t>
             </a:fld>
             <a:endParaRPr lang="en-US"/>
           </a:p>
@@ -25508,7 +25508,7 @@
           <a:p>
             <a:fld id="{83A42379-093C-4640-BDB0-A25E629AF4AF}" type="datetimeFigureOut">
               <a:rPr lang="en-US" smtClean="0"/>
-              <a:t>9/17/14</a:t>
+              <a:t>10/7/14</a:t>
             </a:fld>
             <a:endParaRPr lang="en-US"/>
           </a:p>
@@ -27773,7 +27773,7 @@
             <a:pPr eaLnBrk="1" latinLnBrk="0" hangingPunct="1"/>
             <a:fld id="{81663A10-8963-408B-B7A7-2BE0C9C01E2A}" type="datetime1">
               <a:rPr lang="en-US" smtClean="0"/>
-              <a:t>9/17/14</a:t>
+              <a:t>10/7/14</a:t>
             </a:fld>
             <a:endParaRPr lang="en-US"/>
           </a:p>
@@ -28774,7 +28774,7 @@
             <a:pPr eaLnBrk="1" latinLnBrk="0" hangingPunct="1"/>
             <a:fld id="{F2890721-CDC0-49BE-AFE7-64C944AACF5F}" type="datetime1">
               <a:rPr lang="en-US" smtClean="0"/>
-              <a:t>9/17/14</a:t>
+              <a:t>10/7/14</a:t>
             </a:fld>
             <a:endParaRPr lang="en-US" dirty="0"/>
           </a:p>
@@ -28907,7 +28907,7 @@
             <a:pPr eaLnBrk="1" latinLnBrk="0" hangingPunct="1"/>
             <a:fld id="{433A5BE9-678F-4DD1-95B6-930E3381EA12}" type="datetime1">
               <a:rPr lang="en-US" smtClean="0"/>
-              <a:t>9/17/14</a:t>
+              <a:t>10/7/14</a:t>
             </a:fld>
             <a:endParaRPr lang="en-US"/>
           </a:p>
@@ -29431,7 +29431,7 @@
             <a:pPr eaLnBrk="1" latinLnBrk="0" hangingPunct="1"/>
             <a:fld id="{02BDF250-BE5F-44C9-A5DF-DC957FDCFC0D}" type="datetime1">
               <a:rPr lang="en-US" smtClean="0"/>
-              <a:t>9/17/14</a:t>
+              <a:t>10/7/14</a:t>
             </a:fld>
             <a:endParaRPr lang="en-US"/>
           </a:p>
@@ -29765,7 +29765,7 @@
             <a:pPr eaLnBrk="1" latinLnBrk="0" hangingPunct="1"/>
             <a:fld id="{9CE94D95-E352-415A-8F95-D0C060D20FB1}" type="datetime1">
               <a:rPr lang="en-US" smtClean="0"/>
-              <a:t>9/17/14</a:t>
+              <a:t>10/7/14</a:t>
             </a:fld>
             <a:endParaRPr lang="en-US"/>
           </a:p>
@@ -30127,7 +30127,7 @@
             <a:pPr eaLnBrk="1" latinLnBrk="0" hangingPunct="1"/>
             <a:fld id="{958722A3-5E87-44C8-AE92-65C6CEBEF68D}" type="datetime1">
               <a:rPr lang="en-US" smtClean="0"/>
-              <a:t>9/17/14</a:t>
+              <a:t>10/7/14</a:t>
             </a:fld>
             <a:endParaRPr lang="en-US"/>
           </a:p>
@@ -30653,7 +30653,7 @@
             <a:pPr eaLnBrk="1" latinLnBrk="0" hangingPunct="1"/>
             <a:fld id="{09863461-38BD-4FD1-BF9D-211C72E72FE2}" type="datetime1">
               <a:rPr lang="en-US" smtClean="0"/>
-              <a:t>9/17/14</a:t>
+              <a:t>10/7/14</a:t>
             </a:fld>
             <a:endParaRPr lang="en-US"/>
           </a:p>
@@ -30959,7 +30959,7 @@
             <a:pPr eaLnBrk="1" latinLnBrk="0" hangingPunct="1"/>
             <a:fld id="{6CBF5709-960A-49A9-8751-FEF9A5E360AA}" type="datetime1">
               <a:rPr lang="en-US" smtClean="0"/>
-              <a:t>9/17/14</a:t>
+              <a:t>10/7/14</a:t>
             </a:fld>
             <a:endParaRPr lang="en-US"/>
           </a:p>
@@ -31587,7 +31587,7 @@
             <a:pPr eaLnBrk="1" latinLnBrk="0" hangingPunct="1"/>
             <a:fld id="{48C1FD80-18FC-4774-8AAB-366B09B2A217}" type="datetime1">
               <a:rPr lang="en-US" smtClean="0"/>
-              <a:t>9/17/14</a:t>
+              <a:t>10/7/14</a:t>
             </a:fld>
             <a:endParaRPr lang="en-US"/>
           </a:p>
@@ -31986,7 +31986,7 @@
             <a:pPr eaLnBrk="1" latinLnBrk="0" hangingPunct="1"/>
             <a:fld id="{BD372ACB-E49B-443C-90A9-D97449131392}" type="datetime1">
               <a:rPr lang="en-US" smtClean="0"/>
-              <a:t>9/17/14</a:t>
+              <a:t>10/7/14</a:t>
             </a:fld>
             <a:endParaRPr lang="en-US"/>
           </a:p>
@@ -32301,7 +32301,7 @@
             <a:pPr eaLnBrk="1" latinLnBrk="0" hangingPunct="1"/>
             <a:fld id="{6508DA99-E421-4EBE-83B7-7AA044411DE1}" type="datetime1">
               <a:rPr lang="en-US" smtClean="0"/>
-              <a:t>9/17/14</a:t>
+              <a:t>10/7/14</a:t>
             </a:fld>
             <a:endParaRPr lang="en-US"/>
           </a:p>
@@ -33023,7 +33023,7 @@
             <a:pPr eaLnBrk="1" latinLnBrk="0" hangingPunct="1"/>
             <a:fld id="{62F7506B-250E-4C9B-A8AF-00707E40032F}" type="datetime1">
               <a:rPr lang="en-US" smtClean="0"/>
-              <a:t>9/17/14</a:t>
+              <a:t>10/7/14</a:t>
             </a:fld>
             <a:endParaRPr lang="en-US"/>
           </a:p>
@@ -33308,7 +33308,7 @@
             <a:pPr algn="r" eaLnBrk="1" latinLnBrk="0" hangingPunct="1"/>
             <a:fld id="{45888139-7179-4465-8DDF-46377E1DC30B}" type="datetime1">
               <a:rPr lang="en-US" smtClean="0"/>
-              <a:t>9/17/14</a:t>
+              <a:t>10/7/14</a:t>
             </a:fld>
             <a:endParaRPr lang="en-US" sz="1400" dirty="0">
               <a:solidFill>
